--- a/Exercise_4/Ex4.pptx
+++ b/Exercise_4/Ex4.pptx
@@ -2,7 +2,7 @@
 <file path=ppt/presentation.xml><?xml version="1.0" encoding="utf-8"?>
 <p:presentation xmlns:a="http://schemas.openxmlformats.org/drawingml/2006/main" xmlns:r="http://schemas.openxmlformats.org/officeDocument/2006/relationships" xmlns:p="http://schemas.openxmlformats.org/presentationml/2006/main" saveSubsetFonts="1">
   <p:sldMasterIdLst>
-    <p:sldMasterId id="2147483648" r:id="rId1"/>
+    <p:sldMasterId id="2147483660" r:id="rId1"/>
   </p:sldMasterIdLst>
   <p:notesMasterIdLst>
     <p:notesMasterId r:id="rId12"/>
@@ -17,15 +17,15 @@
     <p:sldId id="262" r:id="rId8"/>
     <p:sldId id="263" r:id="rId9"/>
     <p:sldId id="264" r:id="rId10"/>
-    <p:sldId id="265" r:id="rId11"/>
+    <p:sldId id="266" r:id="rId11"/>
   </p:sldIdLst>
   <p:sldSz cx="12192000" cy="6858000"/>
   <p:notesSz cx="6858000" cy="9144000"/>
   <p:defaultTextStyle>
     <a:defPPr>
-      <a:defRPr lang="el-GR"/>
+      <a:defRPr lang="en-US"/>
     </a:defPPr>
-    <a:lvl1pPr marL="0" algn="l" defTabSz="914400" rtl="0" eaLnBrk="1" latinLnBrk="0" hangingPunct="1">
+    <a:lvl1pPr marL="0" algn="l" defTabSz="457200" rtl="0" eaLnBrk="1" latinLnBrk="0" hangingPunct="1">
       <a:defRPr sz="1800" kern="1200">
         <a:solidFill>
           <a:schemeClr val="tx1"/>
@@ -35,7 +35,7 @@
         <a:cs typeface="+mn-cs"/>
       </a:defRPr>
     </a:lvl1pPr>
-    <a:lvl2pPr marL="457200" algn="l" defTabSz="914400" rtl="0" eaLnBrk="1" latinLnBrk="0" hangingPunct="1">
+    <a:lvl2pPr marL="457200" algn="l" defTabSz="457200" rtl="0" eaLnBrk="1" latinLnBrk="0" hangingPunct="1">
       <a:defRPr sz="1800" kern="1200">
         <a:solidFill>
           <a:schemeClr val="tx1"/>
@@ -45,7 +45,7 @@
         <a:cs typeface="+mn-cs"/>
       </a:defRPr>
     </a:lvl2pPr>
-    <a:lvl3pPr marL="914400" algn="l" defTabSz="914400" rtl="0" eaLnBrk="1" latinLnBrk="0" hangingPunct="1">
+    <a:lvl3pPr marL="914400" algn="l" defTabSz="457200" rtl="0" eaLnBrk="1" latinLnBrk="0" hangingPunct="1">
       <a:defRPr sz="1800" kern="1200">
         <a:solidFill>
           <a:schemeClr val="tx1"/>
@@ -55,7 +55,7 @@
         <a:cs typeface="+mn-cs"/>
       </a:defRPr>
     </a:lvl3pPr>
-    <a:lvl4pPr marL="1371600" algn="l" defTabSz="914400" rtl="0" eaLnBrk="1" latinLnBrk="0" hangingPunct="1">
+    <a:lvl4pPr marL="1371600" algn="l" defTabSz="457200" rtl="0" eaLnBrk="1" latinLnBrk="0" hangingPunct="1">
       <a:defRPr sz="1800" kern="1200">
         <a:solidFill>
           <a:schemeClr val="tx1"/>
@@ -65,7 +65,7 @@
         <a:cs typeface="+mn-cs"/>
       </a:defRPr>
     </a:lvl4pPr>
-    <a:lvl5pPr marL="1828800" algn="l" defTabSz="914400" rtl="0" eaLnBrk="1" latinLnBrk="0" hangingPunct="1">
+    <a:lvl5pPr marL="1828800" algn="l" defTabSz="457200" rtl="0" eaLnBrk="1" latinLnBrk="0" hangingPunct="1">
       <a:defRPr sz="1800" kern="1200">
         <a:solidFill>
           <a:schemeClr val="tx1"/>
@@ -75,7 +75,7 @@
         <a:cs typeface="+mn-cs"/>
       </a:defRPr>
     </a:lvl5pPr>
-    <a:lvl6pPr marL="2286000" algn="l" defTabSz="914400" rtl="0" eaLnBrk="1" latinLnBrk="0" hangingPunct="1">
+    <a:lvl6pPr marL="2286000" algn="l" defTabSz="457200" rtl="0" eaLnBrk="1" latinLnBrk="0" hangingPunct="1">
       <a:defRPr sz="1800" kern="1200">
         <a:solidFill>
           <a:schemeClr val="tx1"/>
@@ -85,7 +85,7 @@
         <a:cs typeface="+mn-cs"/>
       </a:defRPr>
     </a:lvl6pPr>
-    <a:lvl7pPr marL="2743200" algn="l" defTabSz="914400" rtl="0" eaLnBrk="1" latinLnBrk="0" hangingPunct="1">
+    <a:lvl7pPr marL="2743200" algn="l" defTabSz="457200" rtl="0" eaLnBrk="1" latinLnBrk="0" hangingPunct="1">
       <a:defRPr sz="1800" kern="1200">
         <a:solidFill>
           <a:schemeClr val="tx1"/>
@@ -95,7 +95,7 @@
         <a:cs typeface="+mn-cs"/>
       </a:defRPr>
     </a:lvl7pPr>
-    <a:lvl8pPr marL="3200400" algn="l" defTabSz="914400" rtl="0" eaLnBrk="1" latinLnBrk="0" hangingPunct="1">
+    <a:lvl8pPr marL="3200400" algn="l" defTabSz="457200" rtl="0" eaLnBrk="1" latinLnBrk="0" hangingPunct="1">
       <a:defRPr sz="1800" kern="1200">
         <a:solidFill>
           <a:schemeClr val="tx1"/>
@@ -105,7 +105,7 @@
         <a:cs typeface="+mn-cs"/>
       </a:defRPr>
     </a:lvl8pPr>
-    <a:lvl9pPr marL="3657600" algn="l" defTabSz="914400" rtl="0" eaLnBrk="1" latinLnBrk="0" hangingPunct="1">
+    <a:lvl9pPr marL="3657600" algn="l" defTabSz="457200" rtl="0" eaLnBrk="1" latinLnBrk="0" hangingPunct="1">
       <a:defRPr sz="1800" kern="1200">
         <a:solidFill>
           <a:schemeClr val="tx1"/>
@@ -161,7 +161,7 @@
           <p14:sldIdLst>
             <p14:sldId id="263"/>
             <p14:sldId id="264"/>
-            <p14:sldId id="265"/>
+            <p14:sldId id="266"/>
           </p14:sldIdLst>
         </p14:section>
       </p14:sectionLst>
@@ -525,6 +525,14 @@
 <file path=ppt/slideLayouts/slideLayout1.xml><?xml version="1.0" encoding="utf-8"?>
 <p:sldLayout xmlns:a="http://schemas.openxmlformats.org/drawingml/2006/main" xmlns:r="http://schemas.openxmlformats.org/officeDocument/2006/relationships" xmlns:p="http://schemas.openxmlformats.org/presentationml/2006/main" type="title" preserve="1">
   <p:cSld name="Διαφάνεια τίτλου">
+    <p:bg>
+      <p:bgPr>
+        <a:solidFill>
+          <a:schemeClr val="accent2"/>
+        </a:solidFill>
+        <a:effectLst/>
+      </p:bgPr>
+    </p:bg>
     <p:spTree>
       <p:nvGrpSpPr>
         <p:cNvPr id="1" name=""/>
@@ -541,13 +549,7 @@
       </p:grpSpPr>
       <p:sp>
         <p:nvSpPr>
-          <p:cNvPr id="2" name="Τίτλος 1">
-            <a:extLst>
-              <a:ext uri="{FF2B5EF4-FFF2-40B4-BE49-F238E27FC236}">
-                <a16:creationId xmlns:a16="http://schemas.microsoft.com/office/drawing/2014/main" id="{885FEEDF-89ED-E3C2-891B-9363D5D8CF5A}"/>
-              </a:ext>
-            </a:extLst>
-          </p:cNvPr>
+          <p:cNvPr id="2" name="Title 1"/>
           <p:cNvSpPr>
             <a:spLocks noGrp="1"/>
           </p:cNvSpPr>
@@ -555,17 +557,31 @@
             <p:ph type="ctrTitle"/>
           </p:nvPr>
         </p:nvSpPr>
-        <p:spPr>
+        <p:spPr bwMode="blackWhite">
           <a:xfrm>
-            <a:off x="1524000" y="1122363"/>
-            <a:ext cx="9144000" cy="2387600"/>
+            <a:off x="1600200" y="2386744"/>
+            <a:ext cx="8991600" cy="1645920"/>
           </a:xfrm>
+          <a:solidFill>
+            <a:srgbClr val="FFFFFF"/>
+          </a:solidFill>
+          <a:ln w="38100">
+            <a:solidFill>
+              <a:srgbClr val="404040"/>
+            </a:solidFill>
+          </a:ln>
         </p:spPr>
         <p:txBody>
-          <a:bodyPr anchor="b"/>
+          <a:bodyPr lIns="274320" rIns="274320" anchor="ctr" anchorCtr="1">
+            <a:normAutofit/>
+          </a:bodyPr>
           <a:lstStyle>
             <a:lvl1pPr algn="ctr">
-              <a:defRPr sz="6000"/>
+              <a:defRPr sz="3800">
+                <a:solidFill>
+                  <a:srgbClr val="262626"/>
+                </a:solidFill>
+              </a:defRPr>
             </a:lvl1pPr>
           </a:lstStyle>
           <a:p>
@@ -573,18 +589,13 @@
               <a:rPr lang="el-GR"/>
               <a:t>Κάντε κλικ για να επεξεργαστείτε τον τίτλο υποδείγματος</a:t>
             </a:r>
-          </a:p>
-        </p:txBody>
-      </p:sp>
-      <p:sp>
-        <p:nvSpPr>
-          <p:cNvPr id="3" name="Υπότιτλος 2">
-            <a:extLst>
-              <a:ext uri="{FF2B5EF4-FFF2-40B4-BE49-F238E27FC236}">
-                <a16:creationId xmlns:a16="http://schemas.microsoft.com/office/drawing/2014/main" id="{C9437C5D-4E8B-8FF2-FB5B-D832D51DD5EF}"/>
-              </a:ext>
-            </a:extLst>
-          </p:cNvPr>
+            <a:endParaRPr lang="en-US" dirty="0"/>
+          </a:p>
+        </p:txBody>
+      </p:sp>
+      <p:sp>
+        <p:nvSpPr>
+          <p:cNvPr id="3" name="Subtitle 2"/>
           <p:cNvSpPr>
             <a:spLocks noGrp="1"/>
           </p:cNvSpPr>
@@ -594,16 +605,26 @@
         </p:nvSpPr>
         <p:spPr>
           <a:xfrm>
-            <a:off x="1524000" y="3602038"/>
-            <a:ext cx="9144000" cy="1655762"/>
+            <a:off x="2695194" y="4352544"/>
+            <a:ext cx="6801612" cy="1239894"/>
           </a:xfrm>
+          <a:noFill/>
         </p:spPr>
         <p:txBody>
-          <a:bodyPr/>
+          <a:bodyPr>
+            <a:normAutofit/>
+          </a:bodyPr>
           <a:lstStyle>
             <a:lvl1pPr marL="0" indent="0" algn="ctr">
               <a:buNone/>
-              <a:defRPr sz="2400"/>
+              <a:defRPr sz="2000">
+                <a:solidFill>
+                  <a:schemeClr val="tx1">
+                    <a:lumMod val="75000"/>
+                    <a:lumOff val="25000"/>
+                  </a:schemeClr>
+                </a:solidFill>
+              </a:defRPr>
             </a:lvl1pPr>
             <a:lvl2pPr marL="457200" indent="0" algn="ctr">
               <a:buNone/>
@@ -643,18 +664,13 @@
               <a:rPr lang="el-GR"/>
               <a:t>Κάντε κλικ για να επεξεργαστείτε τον υπότιτλο του υποδείγματος</a:t>
             </a:r>
-          </a:p>
-        </p:txBody>
-      </p:sp>
-      <p:sp>
-        <p:nvSpPr>
-          <p:cNvPr id="4" name="Θέση ημερομηνίας 3">
-            <a:extLst>
-              <a:ext uri="{FF2B5EF4-FFF2-40B4-BE49-F238E27FC236}">
-                <a16:creationId xmlns:a16="http://schemas.microsoft.com/office/drawing/2014/main" id="{190061A1-A55D-F925-3DE9-65A52135772B}"/>
-              </a:ext>
-            </a:extLst>
-          </p:cNvPr>
+            <a:endParaRPr lang="en-US" dirty="0"/>
+          </a:p>
+        </p:txBody>
+      </p:sp>
+      <p:sp>
+        <p:nvSpPr>
+          <p:cNvPr id="7" name="Date Placeholder 6"/>
           <p:cNvSpPr>
             <a:spLocks noGrp="1"/>
           </p:cNvSpPr>
@@ -677,13 +693,7 @@
       </p:sp>
       <p:sp>
         <p:nvSpPr>
-          <p:cNvPr id="5" name="Θέση υποσέλιδου 4">
-            <a:extLst>
-              <a:ext uri="{FF2B5EF4-FFF2-40B4-BE49-F238E27FC236}">
-                <a16:creationId xmlns:a16="http://schemas.microsoft.com/office/drawing/2014/main" id="{F8172266-2A0A-FD51-B195-573358221CD9}"/>
-              </a:ext>
-            </a:extLst>
-          </p:cNvPr>
+          <p:cNvPr id="8" name="Footer Placeholder 7"/>
           <p:cNvSpPr>
             <a:spLocks noGrp="1"/>
           </p:cNvSpPr>
@@ -702,13 +712,7 @@
       </p:sp>
       <p:sp>
         <p:nvSpPr>
-          <p:cNvPr id="6" name="Θέση αριθμού διαφάνειας 5">
-            <a:extLst>
-              <a:ext uri="{FF2B5EF4-FFF2-40B4-BE49-F238E27FC236}">
-                <a16:creationId xmlns:a16="http://schemas.microsoft.com/office/drawing/2014/main" id="{13EE1E71-82AA-3355-EBA2-5AD08EF29712}"/>
-              </a:ext>
-            </a:extLst>
-          </p:cNvPr>
+          <p:cNvPr id="9" name="Slide Number Placeholder 8"/>
           <p:cNvSpPr>
             <a:spLocks noGrp="1"/>
           </p:cNvSpPr>
@@ -732,12 +736,12 @@
     </p:spTree>
     <p:extLst>
       <p:ext uri="{BB962C8B-B14F-4D97-AF65-F5344CB8AC3E}">
-        <p14:creationId xmlns:p14="http://schemas.microsoft.com/office/powerpoint/2010/main" val="1173868454"/>
+        <p14:creationId xmlns:p14="http://schemas.microsoft.com/office/powerpoint/2010/main" val="3295606414"/>
       </p:ext>
     </p:extLst>
   </p:cSld>
   <p:clrMapOvr>
-    <a:masterClrMapping/>
+    <a:overrideClrMapping bg1="dk1" tx1="lt1" bg2="dk2" tx2="lt2" accent1="accent1" accent2="accent2" accent3="accent3" accent4="accent4" accent5="accent5" accent6="accent6" hlink="hlink" folHlink="folHlink"/>
   </p:clrMapOvr>
 </p:sldLayout>
 </file>
@@ -761,13 +765,7 @@
       </p:grpSpPr>
       <p:sp>
         <p:nvSpPr>
-          <p:cNvPr id="2" name="Τίτλος 1">
-            <a:extLst>
-              <a:ext uri="{FF2B5EF4-FFF2-40B4-BE49-F238E27FC236}">
-                <a16:creationId xmlns:a16="http://schemas.microsoft.com/office/drawing/2014/main" id="{E8CC7649-132F-E961-2762-FD850B536CFF}"/>
-              </a:ext>
-            </a:extLst>
-          </p:cNvPr>
+          <p:cNvPr id="2" name="Title 1"/>
           <p:cNvSpPr>
             <a:spLocks noGrp="1"/>
           </p:cNvSpPr>
@@ -784,18 +782,13 @@
               <a:rPr lang="el-GR"/>
               <a:t>Κάντε κλικ για να επεξεργαστείτε τον τίτλο υποδείγματος</a:t>
             </a:r>
-          </a:p>
-        </p:txBody>
-      </p:sp>
-      <p:sp>
-        <p:nvSpPr>
-          <p:cNvPr id="3" name="Θέση κατακόρυφου κειμένου 2">
-            <a:extLst>
-              <a:ext uri="{FF2B5EF4-FFF2-40B4-BE49-F238E27FC236}">
-                <a16:creationId xmlns:a16="http://schemas.microsoft.com/office/drawing/2014/main" id="{D3792AEB-6354-B5D8-07FB-0517C4F533E0}"/>
-              </a:ext>
-            </a:extLst>
-          </p:cNvPr>
+            <a:endParaRPr lang="en-US" dirty="0"/>
+          </a:p>
+        </p:txBody>
+      </p:sp>
+      <p:sp>
+        <p:nvSpPr>
+          <p:cNvPr id="3" name="Vertical Text Placeholder 2"/>
           <p:cNvSpPr>
             <a:spLocks noGrp="1"/>
           </p:cNvSpPr>
@@ -841,18 +834,13 @@
               <a:rPr lang="el-GR"/>
               <a:t>Πέμπτο επίπεδο</a:t>
             </a:r>
-          </a:p>
-        </p:txBody>
-      </p:sp>
-      <p:sp>
-        <p:nvSpPr>
-          <p:cNvPr id="4" name="Θέση ημερομηνίας 3">
-            <a:extLst>
-              <a:ext uri="{FF2B5EF4-FFF2-40B4-BE49-F238E27FC236}">
-                <a16:creationId xmlns:a16="http://schemas.microsoft.com/office/drawing/2014/main" id="{E98C5F4B-0AF1-86FE-C108-CE6D7998486F}"/>
-              </a:ext>
-            </a:extLst>
-          </p:cNvPr>
+            <a:endParaRPr lang="en-US" dirty="0"/>
+          </a:p>
+        </p:txBody>
+      </p:sp>
+      <p:sp>
+        <p:nvSpPr>
+          <p:cNvPr id="4" name="Date Placeholder 3"/>
           <p:cNvSpPr>
             <a:spLocks noGrp="1"/>
           </p:cNvSpPr>
@@ -875,13 +863,7 @@
       </p:sp>
       <p:sp>
         <p:nvSpPr>
-          <p:cNvPr id="5" name="Θέση υποσέλιδου 4">
-            <a:extLst>
-              <a:ext uri="{FF2B5EF4-FFF2-40B4-BE49-F238E27FC236}">
-                <a16:creationId xmlns:a16="http://schemas.microsoft.com/office/drawing/2014/main" id="{E8A0ED3A-DEBE-DC8C-AC66-E4AA22957404}"/>
-              </a:ext>
-            </a:extLst>
-          </p:cNvPr>
+          <p:cNvPr id="5" name="Footer Placeholder 4"/>
           <p:cNvSpPr>
             <a:spLocks noGrp="1"/>
           </p:cNvSpPr>
@@ -900,13 +882,7 @@
       </p:sp>
       <p:sp>
         <p:nvSpPr>
-          <p:cNvPr id="6" name="Θέση αριθμού διαφάνειας 5">
-            <a:extLst>
-              <a:ext uri="{FF2B5EF4-FFF2-40B4-BE49-F238E27FC236}">
-                <a16:creationId xmlns:a16="http://schemas.microsoft.com/office/drawing/2014/main" id="{4CD76748-4CDD-A8AF-D784-9B427FB90F53}"/>
-              </a:ext>
-            </a:extLst>
-          </p:cNvPr>
+          <p:cNvPr id="6" name="Slide Number Placeholder 5"/>
           <p:cNvSpPr>
             <a:spLocks noGrp="1"/>
           </p:cNvSpPr>
@@ -930,7 +906,7 @@
     </p:spTree>
     <p:extLst>
       <p:ext uri="{BB962C8B-B14F-4D97-AF65-F5344CB8AC3E}">
-        <p14:creationId xmlns:p14="http://schemas.microsoft.com/office/powerpoint/2010/main" val="3053087626"/>
+        <p14:creationId xmlns:p14="http://schemas.microsoft.com/office/powerpoint/2010/main" val="3719225507"/>
       </p:ext>
     </p:extLst>
   </p:cSld>
@@ -959,13 +935,7 @@
       </p:grpSpPr>
       <p:sp>
         <p:nvSpPr>
-          <p:cNvPr id="2" name="Κατακόρυφος τίτλος 1">
-            <a:extLst>
-              <a:ext uri="{FF2B5EF4-FFF2-40B4-BE49-F238E27FC236}">
-                <a16:creationId xmlns:a16="http://schemas.microsoft.com/office/drawing/2014/main" id="{1B18F6A6-BD82-B636-E65E-7744B7F0C9AE}"/>
-              </a:ext>
-            </a:extLst>
-          </p:cNvPr>
+          <p:cNvPr id="2" name="Vertical Title 1"/>
           <p:cNvSpPr>
             <a:spLocks noGrp="1"/>
           </p:cNvSpPr>
@@ -975,8 +945,8 @@
         </p:nvSpPr>
         <p:spPr>
           <a:xfrm>
-            <a:off x="8724900" y="365125"/>
-            <a:ext cx="2628900" cy="5811838"/>
+            <a:off x="8653112" y="937260"/>
+            <a:ext cx="1298608" cy="4983480"/>
           </a:xfrm>
         </p:spPr>
         <p:txBody>
@@ -987,18 +957,13 @@
               <a:rPr lang="el-GR"/>
               <a:t>Κάντε κλικ για να επεξεργαστείτε τον τίτλο υποδείγματος</a:t>
             </a:r>
-          </a:p>
-        </p:txBody>
-      </p:sp>
-      <p:sp>
-        <p:nvSpPr>
-          <p:cNvPr id="3" name="Θέση κατακόρυφου κειμένου 2">
-            <a:extLst>
-              <a:ext uri="{FF2B5EF4-FFF2-40B4-BE49-F238E27FC236}">
-                <a16:creationId xmlns:a16="http://schemas.microsoft.com/office/drawing/2014/main" id="{23D294CF-1A22-82F4-1768-2BA225750946}"/>
-              </a:ext>
-            </a:extLst>
-          </p:cNvPr>
+            <a:endParaRPr lang="en-US" dirty="0"/>
+          </a:p>
+        </p:txBody>
+      </p:sp>
+      <p:sp>
+        <p:nvSpPr>
+          <p:cNvPr id="3" name="Vertical Text Placeholder 2"/>
           <p:cNvSpPr>
             <a:spLocks noGrp="1"/>
           </p:cNvSpPr>
@@ -1008,8 +973,8 @@
         </p:nvSpPr>
         <p:spPr>
           <a:xfrm>
-            <a:off x="838200" y="365125"/>
-            <a:ext cx="7734300" cy="5811838"/>
+            <a:off x="2231136" y="937260"/>
+            <a:ext cx="6198489" cy="4983480"/>
           </a:xfrm>
         </p:spPr>
         <p:txBody>
@@ -1049,18 +1014,13 @@
               <a:rPr lang="el-GR"/>
               <a:t>Πέμπτο επίπεδο</a:t>
             </a:r>
-          </a:p>
-        </p:txBody>
-      </p:sp>
-      <p:sp>
-        <p:nvSpPr>
-          <p:cNvPr id="4" name="Θέση ημερομηνίας 3">
-            <a:extLst>
-              <a:ext uri="{FF2B5EF4-FFF2-40B4-BE49-F238E27FC236}">
-                <a16:creationId xmlns:a16="http://schemas.microsoft.com/office/drawing/2014/main" id="{265B765B-9A6D-1B5D-3786-07E76389A993}"/>
-              </a:ext>
-            </a:extLst>
-          </p:cNvPr>
+            <a:endParaRPr lang="en-US" dirty="0"/>
+          </a:p>
+        </p:txBody>
+      </p:sp>
+      <p:sp>
+        <p:nvSpPr>
+          <p:cNvPr id="4" name="Date Placeholder 3"/>
           <p:cNvSpPr>
             <a:spLocks noGrp="1"/>
           </p:cNvSpPr>
@@ -1083,13 +1043,7 @@
       </p:sp>
       <p:sp>
         <p:nvSpPr>
-          <p:cNvPr id="5" name="Θέση υποσέλιδου 4">
-            <a:extLst>
-              <a:ext uri="{FF2B5EF4-FFF2-40B4-BE49-F238E27FC236}">
-                <a16:creationId xmlns:a16="http://schemas.microsoft.com/office/drawing/2014/main" id="{50D380A1-B1FE-9FA0-8D09-CC60B7E2F27C}"/>
-              </a:ext>
-            </a:extLst>
-          </p:cNvPr>
+          <p:cNvPr id="5" name="Footer Placeholder 4"/>
           <p:cNvSpPr>
             <a:spLocks noGrp="1"/>
           </p:cNvSpPr>
@@ -1108,13 +1062,7 @@
       </p:sp>
       <p:sp>
         <p:nvSpPr>
-          <p:cNvPr id="6" name="Θέση αριθμού διαφάνειας 5">
-            <a:extLst>
-              <a:ext uri="{FF2B5EF4-FFF2-40B4-BE49-F238E27FC236}">
-                <a16:creationId xmlns:a16="http://schemas.microsoft.com/office/drawing/2014/main" id="{D3254CFD-297D-F156-2430-90A090502C85}"/>
-              </a:ext>
-            </a:extLst>
-          </p:cNvPr>
+          <p:cNvPr id="6" name="Slide Number Placeholder 5"/>
           <p:cNvSpPr>
             <a:spLocks noGrp="1"/>
           </p:cNvSpPr>
@@ -1138,7 +1086,7 @@
     </p:spTree>
     <p:extLst>
       <p:ext uri="{BB962C8B-B14F-4D97-AF65-F5344CB8AC3E}">
-        <p14:creationId xmlns:p14="http://schemas.microsoft.com/office/powerpoint/2010/main" val="2916359437"/>
+        <p14:creationId xmlns:p14="http://schemas.microsoft.com/office/powerpoint/2010/main" val="3533461962"/>
       </p:ext>
     </p:extLst>
   </p:cSld>
@@ -1167,13 +1115,7 @@
       </p:grpSpPr>
       <p:sp>
         <p:nvSpPr>
-          <p:cNvPr id="2" name="Τίτλος 1">
-            <a:extLst>
-              <a:ext uri="{FF2B5EF4-FFF2-40B4-BE49-F238E27FC236}">
-                <a16:creationId xmlns:a16="http://schemas.microsoft.com/office/drawing/2014/main" id="{ABB494D7-7B39-E81A-427E-E8CF6E5FB351}"/>
-              </a:ext>
-            </a:extLst>
-          </p:cNvPr>
+          <p:cNvPr id="2" name="Title 1"/>
           <p:cNvSpPr>
             <a:spLocks noGrp="1"/>
           </p:cNvSpPr>
@@ -1190,18 +1132,13 @@
               <a:rPr lang="el-GR"/>
               <a:t>Κάντε κλικ για να επεξεργαστείτε τον τίτλο υποδείγματος</a:t>
             </a:r>
-          </a:p>
-        </p:txBody>
-      </p:sp>
-      <p:sp>
-        <p:nvSpPr>
-          <p:cNvPr id="3" name="Θέση περιεχομένου 2">
-            <a:extLst>
-              <a:ext uri="{FF2B5EF4-FFF2-40B4-BE49-F238E27FC236}">
-                <a16:creationId xmlns:a16="http://schemas.microsoft.com/office/drawing/2014/main" id="{D9FB8A50-6E32-1B0F-FD9F-F58E97C1DBE8}"/>
-              </a:ext>
-            </a:extLst>
-          </p:cNvPr>
+            <a:endParaRPr lang="en-US" dirty="0"/>
+          </a:p>
+        </p:txBody>
+      </p:sp>
+      <p:sp>
+        <p:nvSpPr>
+          <p:cNvPr id="3" name="Content Placeholder 2"/>
           <p:cNvSpPr>
             <a:spLocks noGrp="1"/>
           </p:cNvSpPr>
@@ -1247,18 +1184,13 @@
               <a:rPr lang="el-GR"/>
               <a:t>Πέμπτο επίπεδο</a:t>
             </a:r>
-          </a:p>
-        </p:txBody>
-      </p:sp>
-      <p:sp>
-        <p:nvSpPr>
-          <p:cNvPr id="4" name="Θέση ημερομηνίας 3">
-            <a:extLst>
-              <a:ext uri="{FF2B5EF4-FFF2-40B4-BE49-F238E27FC236}">
-                <a16:creationId xmlns:a16="http://schemas.microsoft.com/office/drawing/2014/main" id="{B554ED66-16B5-136B-187A-C57C9962F404}"/>
-              </a:ext>
-            </a:extLst>
-          </p:cNvPr>
+            <a:endParaRPr lang="en-US" dirty="0"/>
+          </a:p>
+        </p:txBody>
+      </p:sp>
+      <p:sp>
+        <p:nvSpPr>
+          <p:cNvPr id="7" name="Date Placeholder 6"/>
           <p:cNvSpPr>
             <a:spLocks noGrp="1"/>
           </p:cNvSpPr>
@@ -1281,13 +1213,7 @@
       </p:sp>
       <p:sp>
         <p:nvSpPr>
-          <p:cNvPr id="5" name="Θέση υποσέλιδου 4">
-            <a:extLst>
-              <a:ext uri="{FF2B5EF4-FFF2-40B4-BE49-F238E27FC236}">
-                <a16:creationId xmlns:a16="http://schemas.microsoft.com/office/drawing/2014/main" id="{7E9A2845-4ACB-72F8-E960-9A2032FBC512}"/>
-              </a:ext>
-            </a:extLst>
-          </p:cNvPr>
+          <p:cNvPr id="8" name="Footer Placeholder 7"/>
           <p:cNvSpPr>
             <a:spLocks noGrp="1"/>
           </p:cNvSpPr>
@@ -1306,13 +1232,7 @@
       </p:sp>
       <p:sp>
         <p:nvSpPr>
-          <p:cNvPr id="6" name="Θέση αριθμού διαφάνειας 5">
-            <a:extLst>
-              <a:ext uri="{FF2B5EF4-FFF2-40B4-BE49-F238E27FC236}">
-                <a16:creationId xmlns:a16="http://schemas.microsoft.com/office/drawing/2014/main" id="{84FE27D4-B690-54E1-4602-35DD7A28805A}"/>
-              </a:ext>
-            </a:extLst>
-          </p:cNvPr>
+          <p:cNvPr id="9" name="Slide Number Placeholder 8"/>
           <p:cNvSpPr>
             <a:spLocks noGrp="1"/>
           </p:cNvSpPr>
@@ -1336,7 +1256,7 @@
     </p:spTree>
     <p:extLst>
       <p:ext uri="{BB962C8B-B14F-4D97-AF65-F5344CB8AC3E}">
-        <p14:creationId xmlns:p14="http://schemas.microsoft.com/office/powerpoint/2010/main" val="344602262"/>
+        <p14:creationId xmlns:p14="http://schemas.microsoft.com/office/powerpoint/2010/main" val="3222734950"/>
       </p:ext>
     </p:extLst>
   </p:cSld>
@@ -1349,6 +1269,14 @@
 <file path=ppt/slideLayouts/slideLayout3.xml><?xml version="1.0" encoding="utf-8"?>
 <p:sldLayout xmlns:a="http://schemas.openxmlformats.org/drawingml/2006/main" xmlns:r="http://schemas.openxmlformats.org/officeDocument/2006/relationships" xmlns:p="http://schemas.openxmlformats.org/presentationml/2006/main" type="secHead" preserve="1">
   <p:cSld name="Κεφαλίδα ενότητας">
+    <p:bg>
+      <p:bgPr>
+        <a:solidFill>
+          <a:schemeClr val="accent1"/>
+        </a:solidFill>
+        <a:effectLst/>
+      </p:bgPr>
+    </p:bg>
     <p:spTree>
       <p:nvGrpSpPr>
         <p:cNvPr id="1" name=""/>
@@ -1365,13 +1293,7 @@
       </p:grpSpPr>
       <p:sp>
         <p:nvSpPr>
-          <p:cNvPr id="2" name="Τίτλος 1">
-            <a:extLst>
-              <a:ext uri="{FF2B5EF4-FFF2-40B4-BE49-F238E27FC236}">
-                <a16:creationId xmlns:a16="http://schemas.microsoft.com/office/drawing/2014/main" id="{7DB6AF8B-8719-7B95-DA05-50ABE10C4D77}"/>
-              </a:ext>
-            </a:extLst>
-          </p:cNvPr>
+          <p:cNvPr id="2" name="Title 1"/>
           <p:cNvSpPr>
             <a:spLocks noGrp="1"/>
           </p:cNvSpPr>
@@ -1379,17 +1301,31 @@
             <p:ph type="title"/>
           </p:nvPr>
         </p:nvSpPr>
-        <p:spPr>
+        <p:spPr bwMode="blackWhite">
           <a:xfrm>
-            <a:off x="831850" y="1709738"/>
-            <a:ext cx="10515600" cy="2852737"/>
+            <a:off x="1600200" y="2386744"/>
+            <a:ext cx="8991600" cy="1645920"/>
           </a:xfrm>
+          <a:solidFill>
+            <a:srgbClr val="FFFFFF"/>
+          </a:solidFill>
+          <a:ln w="38100">
+            <a:solidFill>
+              <a:srgbClr val="404040"/>
+            </a:solidFill>
+          </a:ln>
         </p:spPr>
         <p:txBody>
-          <a:bodyPr anchor="b"/>
+          <a:bodyPr lIns="274320" rIns="274320" anchor="ctr" anchorCtr="1">
+            <a:normAutofit/>
+          </a:bodyPr>
           <a:lstStyle>
             <a:lvl1pPr>
-              <a:defRPr sz="6000"/>
+              <a:defRPr sz="3800">
+                <a:solidFill>
+                  <a:srgbClr val="262626"/>
+                </a:solidFill>
+              </a:defRPr>
             </a:lvl1pPr>
           </a:lstStyle>
           <a:p>
@@ -1397,18 +1333,13 @@
               <a:rPr lang="el-GR"/>
               <a:t>Κάντε κλικ για να επεξεργαστείτε τον τίτλο υποδείγματος</a:t>
             </a:r>
-          </a:p>
-        </p:txBody>
-      </p:sp>
-      <p:sp>
-        <p:nvSpPr>
-          <p:cNvPr id="3" name="Θέση κειμένου 2">
-            <a:extLst>
-              <a:ext uri="{FF2B5EF4-FFF2-40B4-BE49-F238E27FC236}">
-                <a16:creationId xmlns:a16="http://schemas.microsoft.com/office/drawing/2014/main" id="{DB67DD7B-C305-88EF-F2A2-48FE0948E91A}"/>
-              </a:ext>
-            </a:extLst>
-          </p:cNvPr>
+            <a:endParaRPr lang="en-US" dirty="0"/>
+          </a:p>
+        </p:txBody>
+      </p:sp>
+      <p:sp>
+        <p:nvSpPr>
+          <p:cNvPr id="3" name="Text Placeholder 2"/>
           <p:cNvSpPr>
             <a:spLocks noGrp="1"/>
           </p:cNvSpPr>
@@ -1418,20 +1349,20 @@
         </p:nvSpPr>
         <p:spPr>
           <a:xfrm>
-            <a:off x="831850" y="4589463"/>
-            <a:ext cx="10515600" cy="1500187"/>
+            <a:off x="2695194" y="4352465"/>
+            <a:ext cx="6801612" cy="1265082"/>
           </a:xfrm>
         </p:spPr>
         <p:txBody>
-          <a:bodyPr/>
+          <a:bodyPr anchor="t" anchorCtr="1">
+            <a:normAutofit/>
+          </a:bodyPr>
           <a:lstStyle>
             <a:lvl1pPr marL="0" indent="0">
               <a:buNone/>
-              <a:defRPr sz="2400">
-                <a:solidFill>
-                  <a:schemeClr val="tx1">
-                    <a:tint val="75000"/>
-                  </a:schemeClr>
+              <a:defRPr sz="2000">
+                <a:solidFill>
+                  <a:schemeClr val="tx1"/>
                 </a:solidFill>
               </a:defRPr>
             </a:lvl1pPr>
@@ -1527,13 +1458,7 @@
       </p:sp>
       <p:sp>
         <p:nvSpPr>
-          <p:cNvPr id="4" name="Θέση ημερομηνίας 3">
-            <a:extLst>
-              <a:ext uri="{FF2B5EF4-FFF2-40B4-BE49-F238E27FC236}">
-                <a16:creationId xmlns:a16="http://schemas.microsoft.com/office/drawing/2014/main" id="{B02C1DB3-84E9-321C-4603-0C09B5AB4842}"/>
-              </a:ext>
-            </a:extLst>
-          </p:cNvPr>
+          <p:cNvPr id="7" name="Date Placeholder 6"/>
           <p:cNvSpPr>
             <a:spLocks noGrp="1"/>
           </p:cNvSpPr>
@@ -1556,13 +1481,7 @@
       </p:sp>
       <p:sp>
         <p:nvSpPr>
-          <p:cNvPr id="5" name="Θέση υποσέλιδου 4">
-            <a:extLst>
-              <a:ext uri="{FF2B5EF4-FFF2-40B4-BE49-F238E27FC236}">
-                <a16:creationId xmlns:a16="http://schemas.microsoft.com/office/drawing/2014/main" id="{6368E211-3452-FE37-C293-958F16F42640}"/>
-              </a:ext>
-            </a:extLst>
-          </p:cNvPr>
+          <p:cNvPr id="8" name="Footer Placeholder 7"/>
           <p:cNvSpPr>
             <a:spLocks noGrp="1"/>
           </p:cNvSpPr>
@@ -1581,13 +1500,7 @@
       </p:sp>
       <p:sp>
         <p:nvSpPr>
-          <p:cNvPr id="6" name="Θέση αριθμού διαφάνειας 5">
-            <a:extLst>
-              <a:ext uri="{FF2B5EF4-FFF2-40B4-BE49-F238E27FC236}">
-                <a16:creationId xmlns:a16="http://schemas.microsoft.com/office/drawing/2014/main" id="{9011DA5D-F742-A2C7-AB38-8084CC447B02}"/>
-              </a:ext>
-            </a:extLst>
-          </p:cNvPr>
+          <p:cNvPr id="9" name="Slide Number Placeholder 8"/>
           <p:cNvSpPr>
             <a:spLocks noGrp="1"/>
           </p:cNvSpPr>
@@ -1611,12 +1524,12 @@
     </p:spTree>
     <p:extLst>
       <p:ext uri="{BB962C8B-B14F-4D97-AF65-F5344CB8AC3E}">
-        <p14:creationId xmlns:p14="http://schemas.microsoft.com/office/powerpoint/2010/main" val="2403896072"/>
+        <p14:creationId xmlns:p14="http://schemas.microsoft.com/office/powerpoint/2010/main" val="2536404044"/>
       </p:ext>
     </p:extLst>
   </p:cSld>
   <p:clrMapOvr>
-    <a:masterClrMapping/>
+    <a:overrideClrMapping bg1="dk1" tx1="lt1" bg2="dk2" tx2="lt2" accent1="accent1" accent2="accent2" accent3="accent3" accent4="accent4" accent5="accent5" accent6="accent6" hlink="hlink" folHlink="folHlink"/>
   </p:clrMapOvr>
 </p:sldLayout>
 </file>
@@ -1640,13 +1553,7 @@
       </p:grpSpPr>
       <p:sp>
         <p:nvSpPr>
-          <p:cNvPr id="2" name="Τίτλος 1">
-            <a:extLst>
-              <a:ext uri="{FF2B5EF4-FFF2-40B4-BE49-F238E27FC236}">
-                <a16:creationId xmlns:a16="http://schemas.microsoft.com/office/drawing/2014/main" id="{DDEB0DF0-7804-F62A-C906-8EB853FCE69B}"/>
-              </a:ext>
-            </a:extLst>
-          </p:cNvPr>
+          <p:cNvPr id="2" name="Title 1"/>
           <p:cNvSpPr>
             <a:spLocks noGrp="1"/>
           </p:cNvSpPr>
@@ -1663,18 +1570,13 @@
               <a:rPr lang="el-GR"/>
               <a:t>Κάντε κλικ για να επεξεργαστείτε τον τίτλο υποδείγματος</a:t>
             </a:r>
-          </a:p>
-        </p:txBody>
-      </p:sp>
-      <p:sp>
-        <p:nvSpPr>
-          <p:cNvPr id="3" name="Θέση περιεχομένου 2">
-            <a:extLst>
-              <a:ext uri="{FF2B5EF4-FFF2-40B4-BE49-F238E27FC236}">
-                <a16:creationId xmlns:a16="http://schemas.microsoft.com/office/drawing/2014/main" id="{DD6EDA25-59FF-382A-2A67-4D978E0770BD}"/>
-              </a:ext>
-            </a:extLst>
-          </p:cNvPr>
+            <a:endParaRPr lang="en-US" dirty="0"/>
+          </a:p>
+        </p:txBody>
+      </p:sp>
+      <p:sp>
+        <p:nvSpPr>
+          <p:cNvPr id="3" name="Content Placeholder 2"/>
           <p:cNvSpPr>
             <a:spLocks noGrp="1"/>
           </p:cNvSpPr>
@@ -1684,8 +1586,8 @@
         </p:nvSpPr>
         <p:spPr>
           <a:xfrm>
-            <a:off x="838200" y="1825625"/>
-            <a:ext cx="5181600" cy="4351338"/>
+            <a:off x="1581912" y="2638044"/>
+            <a:ext cx="4271771" cy="3101982"/>
           </a:xfrm>
         </p:spPr>
         <p:txBody>
@@ -1725,18 +1627,13 @@
               <a:rPr lang="el-GR"/>
               <a:t>Πέμπτο επίπεδο</a:t>
             </a:r>
-          </a:p>
-        </p:txBody>
-      </p:sp>
-      <p:sp>
-        <p:nvSpPr>
-          <p:cNvPr id="4" name="Θέση περιεχομένου 3">
-            <a:extLst>
-              <a:ext uri="{FF2B5EF4-FFF2-40B4-BE49-F238E27FC236}">
-                <a16:creationId xmlns:a16="http://schemas.microsoft.com/office/drawing/2014/main" id="{3CD494A4-AC93-02D7-A1B2-4BF11D4B0FC7}"/>
-              </a:ext>
-            </a:extLst>
-          </p:cNvPr>
+            <a:endParaRPr lang="en-US" dirty="0"/>
+          </a:p>
+        </p:txBody>
+      </p:sp>
+      <p:sp>
+        <p:nvSpPr>
+          <p:cNvPr id="4" name="Content Placeholder 3"/>
           <p:cNvSpPr>
             <a:spLocks noGrp="1"/>
           </p:cNvSpPr>
@@ -1746,8 +1643,8 @@
         </p:nvSpPr>
         <p:spPr>
           <a:xfrm>
-            <a:off x="6172200" y="1825625"/>
-            <a:ext cx="5181600" cy="4351338"/>
+            <a:off x="6338315" y="2638044"/>
+            <a:ext cx="4270247" cy="3101982"/>
           </a:xfrm>
         </p:spPr>
         <p:txBody>
@@ -1787,18 +1684,13 @@
               <a:rPr lang="el-GR"/>
               <a:t>Πέμπτο επίπεδο</a:t>
             </a:r>
-          </a:p>
-        </p:txBody>
-      </p:sp>
-      <p:sp>
-        <p:nvSpPr>
-          <p:cNvPr id="5" name="Θέση ημερομηνίας 4">
-            <a:extLst>
-              <a:ext uri="{FF2B5EF4-FFF2-40B4-BE49-F238E27FC236}">
-                <a16:creationId xmlns:a16="http://schemas.microsoft.com/office/drawing/2014/main" id="{2569D168-AEA1-E373-4BF0-9767A3344C9F}"/>
-              </a:ext>
-            </a:extLst>
-          </p:cNvPr>
+            <a:endParaRPr lang="en-US" dirty="0"/>
+          </a:p>
+        </p:txBody>
+      </p:sp>
+      <p:sp>
+        <p:nvSpPr>
+          <p:cNvPr id="8" name="Date Placeholder 7"/>
           <p:cNvSpPr>
             <a:spLocks noGrp="1"/>
           </p:cNvSpPr>
@@ -1821,13 +1713,7 @@
       </p:sp>
       <p:sp>
         <p:nvSpPr>
-          <p:cNvPr id="6" name="Θέση υποσέλιδου 5">
-            <a:extLst>
-              <a:ext uri="{FF2B5EF4-FFF2-40B4-BE49-F238E27FC236}">
-                <a16:creationId xmlns:a16="http://schemas.microsoft.com/office/drawing/2014/main" id="{9A8978A3-5BC6-A444-E5F8-CD1870568543}"/>
-              </a:ext>
-            </a:extLst>
-          </p:cNvPr>
+          <p:cNvPr id="9" name="Footer Placeholder 8"/>
           <p:cNvSpPr>
             <a:spLocks noGrp="1"/>
           </p:cNvSpPr>
@@ -1846,13 +1732,7 @@
       </p:sp>
       <p:sp>
         <p:nvSpPr>
-          <p:cNvPr id="7" name="Θέση αριθμού διαφάνειας 6">
-            <a:extLst>
-              <a:ext uri="{FF2B5EF4-FFF2-40B4-BE49-F238E27FC236}">
-                <a16:creationId xmlns:a16="http://schemas.microsoft.com/office/drawing/2014/main" id="{2EB25447-A9C8-125F-AE9E-8705A24E2C22}"/>
-              </a:ext>
-            </a:extLst>
-          </p:cNvPr>
+          <p:cNvPr id="10" name="Slide Number Placeholder 9"/>
           <p:cNvSpPr>
             <a:spLocks noGrp="1"/>
           </p:cNvSpPr>
@@ -1876,7 +1756,7 @@
     </p:spTree>
     <p:extLst>
       <p:ext uri="{BB962C8B-B14F-4D97-AF65-F5344CB8AC3E}">
-        <p14:creationId xmlns:p14="http://schemas.microsoft.com/office/powerpoint/2010/main" val="4106121857"/>
+        <p14:creationId xmlns:p14="http://schemas.microsoft.com/office/powerpoint/2010/main" val="2014336769"/>
       </p:ext>
     </p:extLst>
   </p:cSld>
@@ -1905,46 +1785,7 @@
       </p:grpSpPr>
       <p:sp>
         <p:nvSpPr>
-          <p:cNvPr id="2" name="Τίτλος 1">
-            <a:extLst>
-              <a:ext uri="{FF2B5EF4-FFF2-40B4-BE49-F238E27FC236}">
-                <a16:creationId xmlns:a16="http://schemas.microsoft.com/office/drawing/2014/main" id="{41E190D7-DECF-2F81-EC98-9F37783B33DD}"/>
-              </a:ext>
-            </a:extLst>
-          </p:cNvPr>
-          <p:cNvSpPr>
-            <a:spLocks noGrp="1"/>
-          </p:cNvSpPr>
-          <p:nvPr>
-            <p:ph type="title"/>
-          </p:nvPr>
-        </p:nvSpPr>
-        <p:spPr>
-          <a:xfrm>
-            <a:off x="839788" y="365125"/>
-            <a:ext cx="10515600" cy="1325563"/>
-          </a:xfrm>
-        </p:spPr>
-        <p:txBody>
-          <a:bodyPr/>
-          <a:lstStyle/>
-          <a:p>
-            <a:r>
-              <a:rPr lang="el-GR"/>
-              <a:t>Κάντε κλικ για να επεξεργαστείτε τον τίτλο υποδείγματος</a:t>
-            </a:r>
-          </a:p>
-        </p:txBody>
-      </p:sp>
-      <p:sp>
-        <p:nvSpPr>
-          <p:cNvPr id="3" name="Θέση κειμένου 2">
-            <a:extLst>
-              <a:ext uri="{FF2B5EF4-FFF2-40B4-BE49-F238E27FC236}">
-                <a16:creationId xmlns:a16="http://schemas.microsoft.com/office/drawing/2014/main" id="{86FC887C-BAA6-EF15-8E20-B669B4A0754C}"/>
-              </a:ext>
-            </a:extLst>
-          </p:cNvPr>
+          <p:cNvPr id="3" name="Text Placeholder 2"/>
           <p:cNvSpPr>
             <a:spLocks noGrp="1"/>
           </p:cNvSpPr>
@@ -1954,20 +1795,28 @@
         </p:nvSpPr>
         <p:spPr>
           <a:xfrm>
-            <a:off x="839788" y="1681163"/>
-            <a:ext cx="5157787" cy="823912"/>
+            <a:off x="1583436" y="2313433"/>
+            <a:ext cx="4270248" cy="704087"/>
           </a:xfrm>
         </p:spPr>
         <p:txBody>
-          <a:bodyPr anchor="b"/>
+          <a:bodyPr anchor="b" anchorCtr="1">
+            <a:normAutofit/>
+          </a:bodyPr>
           <a:lstStyle>
-            <a:lvl1pPr marL="0" indent="0">
+            <a:lvl1pPr marL="0" indent="0" algn="ctr">
               <a:buNone/>
-              <a:defRPr sz="2400" b="1"/>
+              <a:defRPr sz="1900" b="0" cap="all" spc="100" baseline="0">
+                <a:solidFill>
+                  <a:schemeClr val="accent2">
+                    <a:lumMod val="75000"/>
+                  </a:schemeClr>
+                </a:solidFill>
+              </a:defRPr>
             </a:lvl1pPr>
             <a:lvl2pPr marL="457200" indent="0">
               <a:buNone/>
-              <a:defRPr sz="2000" b="1"/>
+              <a:defRPr sz="1900" b="1"/>
             </a:lvl2pPr>
             <a:lvl3pPr marL="914400" indent="0">
               <a:buNone/>
@@ -2009,13 +1858,7 @@
       </p:sp>
       <p:sp>
         <p:nvSpPr>
-          <p:cNvPr id="4" name="Θέση περιεχομένου 3">
-            <a:extLst>
-              <a:ext uri="{FF2B5EF4-FFF2-40B4-BE49-F238E27FC236}">
-                <a16:creationId xmlns:a16="http://schemas.microsoft.com/office/drawing/2014/main" id="{48F7B4BA-88FB-F96D-6067-0CB4B9E35D32}"/>
-              </a:ext>
-            </a:extLst>
-          </p:cNvPr>
+          <p:cNvPr id="4" name="Content Placeholder 3"/>
           <p:cNvSpPr>
             <a:spLocks noGrp="1"/>
           </p:cNvSpPr>
@@ -2025,8 +1868,8 @@
         </p:nvSpPr>
         <p:spPr>
           <a:xfrm>
-            <a:off x="839788" y="2505075"/>
-            <a:ext cx="5157787" cy="3684588"/>
+            <a:off x="1583436" y="3143250"/>
+            <a:ext cx="4270248" cy="2596776"/>
           </a:xfrm>
         </p:spPr>
         <p:txBody>
@@ -2066,41 +1909,105 @@
               <a:rPr lang="el-GR"/>
               <a:t>Πέμπτο επίπεδο</a:t>
             </a:r>
-          </a:p>
-        </p:txBody>
-      </p:sp>
-      <p:sp>
-        <p:nvSpPr>
-          <p:cNvPr id="5" name="Θέση κειμένου 4">
-            <a:extLst>
-              <a:ext uri="{FF2B5EF4-FFF2-40B4-BE49-F238E27FC236}">
-                <a16:creationId xmlns:a16="http://schemas.microsoft.com/office/drawing/2014/main" id="{345B046D-791E-903A-1C76-B0B432561F9A}"/>
-              </a:ext>
-            </a:extLst>
-          </p:cNvPr>
+            <a:endParaRPr lang="en-US" dirty="0"/>
+          </a:p>
+        </p:txBody>
+      </p:sp>
+      <p:sp>
+        <p:nvSpPr>
+          <p:cNvPr id="6" name="Content Placeholder 5"/>
           <p:cNvSpPr>
             <a:spLocks noGrp="1"/>
           </p:cNvSpPr>
           <p:nvPr>
-            <p:ph type="body" sz="quarter" idx="3"/>
+            <p:ph sz="quarter" idx="4"/>
           </p:nvPr>
         </p:nvSpPr>
         <p:spPr>
           <a:xfrm>
-            <a:off x="6172200" y="1681163"/>
-            <a:ext cx="5183188" cy="823912"/>
+            <a:off x="6338316" y="3143250"/>
+            <a:ext cx="4253484" cy="2596776"/>
           </a:xfrm>
         </p:spPr>
         <p:txBody>
-          <a:bodyPr anchor="b"/>
+          <a:bodyPr/>
           <a:lstStyle>
-            <a:lvl1pPr marL="0" indent="0">
+            <a:lvl5pPr>
+              <a:defRPr/>
+            </a:lvl5pPr>
+          </a:lstStyle>
+          <a:p>
+            <a:pPr lvl="0"/>
+            <a:r>
+              <a:rPr lang="el-GR"/>
+              <a:t>Στυλ κειμένου υποδείγματος</a:t>
+            </a:r>
+          </a:p>
+          <a:p>
+            <a:pPr lvl="1"/>
+            <a:r>
+              <a:rPr lang="el-GR"/>
+              <a:t>Δεύτερο επίπεδο</a:t>
+            </a:r>
+          </a:p>
+          <a:p>
+            <a:pPr lvl="2"/>
+            <a:r>
+              <a:rPr lang="el-GR"/>
+              <a:t>Τρίτο επίπεδο</a:t>
+            </a:r>
+          </a:p>
+          <a:p>
+            <a:pPr lvl="3"/>
+            <a:r>
+              <a:rPr lang="el-GR"/>
+              <a:t>Τέταρτο επίπεδο</a:t>
+            </a:r>
+          </a:p>
+          <a:p>
+            <a:pPr lvl="4"/>
+            <a:r>
+              <a:rPr lang="el-GR"/>
+              <a:t>Πέμπτο επίπεδο</a:t>
+            </a:r>
+            <a:endParaRPr lang="en-US" dirty="0"/>
+          </a:p>
+        </p:txBody>
+      </p:sp>
+      <p:sp>
+        <p:nvSpPr>
+          <p:cNvPr id="11" name="Text Placeholder 4"/>
+          <p:cNvSpPr>
+            <a:spLocks noGrp="1"/>
+          </p:cNvSpPr>
+          <p:nvPr>
+            <p:ph type="body" sz="quarter" idx="13"/>
+          </p:nvPr>
+        </p:nvSpPr>
+        <p:spPr>
+          <a:xfrm>
+            <a:off x="6338316" y="2313433"/>
+            <a:ext cx="4270248" cy="704087"/>
+          </a:xfrm>
+        </p:spPr>
+        <p:txBody>
+          <a:bodyPr anchor="b" anchorCtr="1">
+            <a:normAutofit/>
+          </a:bodyPr>
+          <a:lstStyle>
+            <a:lvl1pPr marL="0" indent="0" algn="ctr">
               <a:buNone/>
-              <a:defRPr sz="2400" b="1"/>
+              <a:defRPr sz="1900" b="0" cap="all" spc="100" baseline="0">
+                <a:solidFill>
+                  <a:schemeClr val="accent2">
+                    <a:lumMod val="75000"/>
+                  </a:schemeClr>
+                </a:solidFill>
+              </a:defRPr>
             </a:lvl1pPr>
             <a:lvl2pPr marL="457200" indent="0">
               <a:buNone/>
-              <a:defRPr sz="2000" b="1"/>
+              <a:defRPr sz="1900" b="1"/>
             </a:lvl2pPr>
             <a:lvl3pPr marL="914400" indent="0">
               <a:buNone/>
@@ -2142,75 +2049,7 @@
       </p:sp>
       <p:sp>
         <p:nvSpPr>
-          <p:cNvPr id="6" name="Θέση περιεχομένου 5">
-            <a:extLst>
-              <a:ext uri="{FF2B5EF4-FFF2-40B4-BE49-F238E27FC236}">
-                <a16:creationId xmlns:a16="http://schemas.microsoft.com/office/drawing/2014/main" id="{74B31EA9-8123-C50A-CFBA-E6F3BD969D55}"/>
-              </a:ext>
-            </a:extLst>
-          </p:cNvPr>
-          <p:cNvSpPr>
-            <a:spLocks noGrp="1"/>
-          </p:cNvSpPr>
-          <p:nvPr>
-            <p:ph sz="quarter" idx="4"/>
-          </p:nvPr>
-        </p:nvSpPr>
-        <p:spPr>
-          <a:xfrm>
-            <a:off x="6172200" y="2505075"/>
-            <a:ext cx="5183188" cy="3684588"/>
-          </a:xfrm>
-        </p:spPr>
-        <p:txBody>
-          <a:bodyPr/>
-          <a:lstStyle/>
-          <a:p>
-            <a:pPr lvl="0"/>
-            <a:r>
-              <a:rPr lang="el-GR"/>
-              <a:t>Στυλ κειμένου υποδείγματος</a:t>
-            </a:r>
-          </a:p>
-          <a:p>
-            <a:pPr lvl="1"/>
-            <a:r>
-              <a:rPr lang="el-GR"/>
-              <a:t>Δεύτερο επίπεδο</a:t>
-            </a:r>
-          </a:p>
-          <a:p>
-            <a:pPr lvl="2"/>
-            <a:r>
-              <a:rPr lang="el-GR"/>
-              <a:t>Τρίτο επίπεδο</a:t>
-            </a:r>
-          </a:p>
-          <a:p>
-            <a:pPr lvl="3"/>
-            <a:r>
-              <a:rPr lang="el-GR"/>
-              <a:t>Τέταρτο επίπεδο</a:t>
-            </a:r>
-          </a:p>
-          <a:p>
-            <a:pPr lvl="4"/>
-            <a:r>
-              <a:rPr lang="el-GR"/>
-              <a:t>Πέμπτο επίπεδο</a:t>
-            </a:r>
-          </a:p>
-        </p:txBody>
-      </p:sp>
-      <p:sp>
-        <p:nvSpPr>
-          <p:cNvPr id="7" name="Θέση ημερομηνίας 6">
-            <a:extLst>
-              <a:ext uri="{FF2B5EF4-FFF2-40B4-BE49-F238E27FC236}">
-                <a16:creationId xmlns:a16="http://schemas.microsoft.com/office/drawing/2014/main" id="{6D4BBC5C-652F-11D4-4751-73A52963E501}"/>
-              </a:ext>
-            </a:extLst>
-          </p:cNvPr>
+          <p:cNvPr id="7" name="Date Placeholder 6"/>
           <p:cNvSpPr>
             <a:spLocks noGrp="1"/>
           </p:cNvSpPr>
@@ -2223,7 +2062,7 @@
           <a:bodyPr/>
           <a:lstStyle/>
           <a:p>
-            <a:fld id="{7C6681EA-D623-4487-8134-B6D683555D57}" type="datetime1">
+            <a:fld id="{8873D322-5E03-47D8-BEF4-D7989B259A66}" type="datetime1">
               <a:rPr lang="el-GR" smtClean="0"/>
               <a:t>16/8/2023</a:t>
             </a:fld>
@@ -2233,13 +2072,7 @@
       </p:sp>
       <p:sp>
         <p:nvSpPr>
-          <p:cNvPr id="8" name="Θέση υποσέλιδου 7">
-            <a:extLst>
-              <a:ext uri="{FF2B5EF4-FFF2-40B4-BE49-F238E27FC236}">
-                <a16:creationId xmlns:a16="http://schemas.microsoft.com/office/drawing/2014/main" id="{6453D5A1-1A77-727D-B95F-198039FBA3D2}"/>
-              </a:ext>
-            </a:extLst>
-          </p:cNvPr>
+          <p:cNvPr id="8" name="Footer Placeholder 7"/>
           <p:cNvSpPr>
             <a:spLocks noGrp="1"/>
           </p:cNvSpPr>
@@ -2258,13 +2091,7 @@
       </p:sp>
       <p:sp>
         <p:nvSpPr>
-          <p:cNvPr id="9" name="Θέση αριθμού διαφάνειας 8">
-            <a:extLst>
-              <a:ext uri="{FF2B5EF4-FFF2-40B4-BE49-F238E27FC236}">
-                <a16:creationId xmlns:a16="http://schemas.microsoft.com/office/drawing/2014/main" id="{CE54A000-4024-E5B2-9EFE-26611A7B8AEB}"/>
-              </a:ext>
-            </a:extLst>
-          </p:cNvPr>
+          <p:cNvPr id="9" name="Slide Number Placeholder 8"/>
           <p:cNvSpPr>
             <a:spLocks noGrp="1"/>
           </p:cNvSpPr>
@@ -2285,16 +2112,40 @@
           </a:p>
         </p:txBody>
       </p:sp>
+      <p:sp>
+        <p:nvSpPr>
+          <p:cNvPr id="10" name="Title 9"/>
+          <p:cNvSpPr>
+            <a:spLocks noGrp="1"/>
+          </p:cNvSpPr>
+          <p:nvPr>
+            <p:ph type="title"/>
+          </p:nvPr>
+        </p:nvSpPr>
+        <p:spPr/>
+        <p:txBody>
+          <a:bodyPr/>
+          <a:lstStyle/>
+          <a:p>
+            <a:r>
+              <a:rPr lang="el-GR"/>
+              <a:t>Κάντε κλικ για να επεξεργαστείτε τον τίτλο υποδείγματος</a:t>
+            </a:r>
+            <a:endParaRPr lang="en-US" dirty="0"/>
+          </a:p>
+        </p:txBody>
+      </p:sp>
     </p:spTree>
     <p:extLst>
       <p:ext uri="{BB962C8B-B14F-4D97-AF65-F5344CB8AC3E}">
-        <p14:creationId xmlns:p14="http://schemas.microsoft.com/office/powerpoint/2010/main" val="1334291469"/>
+        <p14:creationId xmlns:p14="http://schemas.microsoft.com/office/powerpoint/2010/main" val="2034201713"/>
       </p:ext>
     </p:extLst>
   </p:cSld>
   <p:clrMapOvr>
     <a:masterClrMapping/>
   </p:clrMapOvr>
+  <p:hf hdr="0" dt="0"/>
 </p:sldLayout>
 </file>
 
@@ -2317,13 +2168,7 @@
       </p:grpSpPr>
       <p:sp>
         <p:nvSpPr>
-          <p:cNvPr id="2" name="Τίτλος 1">
-            <a:extLst>
-              <a:ext uri="{FF2B5EF4-FFF2-40B4-BE49-F238E27FC236}">
-                <a16:creationId xmlns:a16="http://schemas.microsoft.com/office/drawing/2014/main" id="{EEF6DD5C-3860-AA39-A34F-71149FC0F390}"/>
-              </a:ext>
-            </a:extLst>
-          </p:cNvPr>
+          <p:cNvPr id="2" name="Title 1"/>
           <p:cNvSpPr>
             <a:spLocks noGrp="1"/>
           </p:cNvSpPr>
@@ -2340,18 +2185,13 @@
               <a:rPr lang="el-GR"/>
               <a:t>Κάντε κλικ για να επεξεργαστείτε τον τίτλο υποδείγματος</a:t>
             </a:r>
-          </a:p>
-        </p:txBody>
-      </p:sp>
-      <p:sp>
-        <p:nvSpPr>
-          <p:cNvPr id="3" name="Θέση ημερομηνίας 2">
-            <a:extLst>
-              <a:ext uri="{FF2B5EF4-FFF2-40B4-BE49-F238E27FC236}">
-                <a16:creationId xmlns:a16="http://schemas.microsoft.com/office/drawing/2014/main" id="{12D3269C-3839-3DDE-87DF-98763E8F805A}"/>
-              </a:ext>
-            </a:extLst>
-          </p:cNvPr>
+            <a:endParaRPr lang="en-US" dirty="0"/>
+          </a:p>
+        </p:txBody>
+      </p:sp>
+      <p:sp>
+        <p:nvSpPr>
+          <p:cNvPr id="3" name="Date Placeholder 2"/>
           <p:cNvSpPr>
             <a:spLocks noGrp="1"/>
           </p:cNvSpPr>
@@ -2374,13 +2214,7 @@
       </p:sp>
       <p:sp>
         <p:nvSpPr>
-          <p:cNvPr id="4" name="Θέση υποσέλιδου 3">
-            <a:extLst>
-              <a:ext uri="{FF2B5EF4-FFF2-40B4-BE49-F238E27FC236}">
-                <a16:creationId xmlns:a16="http://schemas.microsoft.com/office/drawing/2014/main" id="{57CB648D-E1C6-7D65-14B2-E7719A3ADD9D}"/>
-              </a:ext>
-            </a:extLst>
-          </p:cNvPr>
+          <p:cNvPr id="4" name="Footer Placeholder 3"/>
           <p:cNvSpPr>
             <a:spLocks noGrp="1"/>
           </p:cNvSpPr>
@@ -2399,13 +2233,7 @@
       </p:sp>
       <p:sp>
         <p:nvSpPr>
-          <p:cNvPr id="5" name="Θέση αριθμού διαφάνειας 4">
-            <a:extLst>
-              <a:ext uri="{FF2B5EF4-FFF2-40B4-BE49-F238E27FC236}">
-                <a16:creationId xmlns:a16="http://schemas.microsoft.com/office/drawing/2014/main" id="{8EDED367-3ED2-1913-F17B-A55BF56D6AB6}"/>
-              </a:ext>
-            </a:extLst>
-          </p:cNvPr>
+          <p:cNvPr id="5" name="Slide Number Placeholder 4"/>
           <p:cNvSpPr>
             <a:spLocks noGrp="1"/>
           </p:cNvSpPr>
@@ -2429,7 +2257,7 @@
     </p:spTree>
     <p:extLst>
       <p:ext uri="{BB962C8B-B14F-4D97-AF65-F5344CB8AC3E}">
-        <p14:creationId xmlns:p14="http://schemas.microsoft.com/office/powerpoint/2010/main" val="522273866"/>
+        <p14:creationId xmlns:p14="http://schemas.microsoft.com/office/powerpoint/2010/main" val="3286971063"/>
       </p:ext>
     </p:extLst>
   </p:cSld>
@@ -2458,13 +2286,7 @@
       </p:grpSpPr>
       <p:sp>
         <p:nvSpPr>
-          <p:cNvPr id="2" name="Θέση ημερομηνίας 1">
-            <a:extLst>
-              <a:ext uri="{FF2B5EF4-FFF2-40B4-BE49-F238E27FC236}">
-                <a16:creationId xmlns:a16="http://schemas.microsoft.com/office/drawing/2014/main" id="{D9D670CB-92BA-E0AF-B5F9-E1F89176B232}"/>
-              </a:ext>
-            </a:extLst>
-          </p:cNvPr>
+          <p:cNvPr id="2" name="Date Placeholder 1"/>
           <p:cNvSpPr>
             <a:spLocks noGrp="1"/>
           </p:cNvSpPr>
@@ -2487,13 +2309,7 @@
       </p:sp>
       <p:sp>
         <p:nvSpPr>
-          <p:cNvPr id="3" name="Θέση υποσέλιδου 2">
-            <a:extLst>
-              <a:ext uri="{FF2B5EF4-FFF2-40B4-BE49-F238E27FC236}">
-                <a16:creationId xmlns:a16="http://schemas.microsoft.com/office/drawing/2014/main" id="{52607806-A43B-DB6D-9A4D-CCF751158F2F}"/>
-              </a:ext>
-            </a:extLst>
-          </p:cNvPr>
+          <p:cNvPr id="3" name="Footer Placeholder 2"/>
           <p:cNvSpPr>
             <a:spLocks noGrp="1"/>
           </p:cNvSpPr>
@@ -2512,13 +2328,7 @@
       </p:sp>
       <p:sp>
         <p:nvSpPr>
-          <p:cNvPr id="4" name="Θέση αριθμού διαφάνειας 3">
-            <a:extLst>
-              <a:ext uri="{FF2B5EF4-FFF2-40B4-BE49-F238E27FC236}">
-                <a16:creationId xmlns:a16="http://schemas.microsoft.com/office/drawing/2014/main" id="{14FF57C1-958F-4149-27DC-9BDA3071A6AF}"/>
-              </a:ext>
-            </a:extLst>
-          </p:cNvPr>
+          <p:cNvPr id="4" name="Slide Number Placeholder 3"/>
           <p:cNvSpPr>
             <a:spLocks noGrp="1"/>
           </p:cNvSpPr>
@@ -2542,7 +2352,7 @@
     </p:spTree>
     <p:extLst>
       <p:ext uri="{BB962C8B-B14F-4D97-AF65-F5344CB8AC3E}">
-        <p14:creationId xmlns:p14="http://schemas.microsoft.com/office/powerpoint/2010/main" val="3269143608"/>
+        <p14:creationId xmlns:p14="http://schemas.microsoft.com/office/powerpoint/2010/main" val="1803409403"/>
       </p:ext>
     </p:extLst>
   </p:cSld>
@@ -2571,13 +2381,45 @@
       </p:grpSpPr>
       <p:sp>
         <p:nvSpPr>
-          <p:cNvPr id="2" name="Τίτλος 1">
-            <a:extLst>
-              <a:ext uri="{FF2B5EF4-FFF2-40B4-BE49-F238E27FC236}">
-                <a16:creationId xmlns:a16="http://schemas.microsoft.com/office/drawing/2014/main" id="{6E87DE18-3B17-E82A-7DE4-753A59C9F67F}"/>
-              </a:ext>
-            </a:extLst>
-          </p:cNvPr>
+          <p:cNvPr id="26" name="Rectangle 25"/>
+          <p:cNvSpPr/>
+          <p:nvPr/>
+        </p:nvSpPr>
+        <p:spPr>
+          <a:xfrm>
+            <a:off x="0" y="0"/>
+            <a:ext cx="6096000" cy="6858000"/>
+          </a:xfrm>
+          <a:prstGeom prst="rect">
+            <a:avLst/>
+          </a:prstGeom>
+          <a:solidFill>
+            <a:schemeClr val="accent2"/>
+          </a:solidFill>
+          <a:ln>
+            <a:noFill/>
+          </a:ln>
+        </p:spPr>
+        <p:style>
+          <a:lnRef idx="2">
+            <a:schemeClr val="accent1">
+              <a:shade val="50000"/>
+            </a:schemeClr>
+          </a:lnRef>
+          <a:fillRef idx="1">
+            <a:schemeClr val="accent1"/>
+          </a:fillRef>
+          <a:effectRef idx="0">
+            <a:schemeClr val="accent1"/>
+          </a:effectRef>
+          <a:fontRef idx="minor">
+            <a:schemeClr val="lt1"/>
+          </a:fontRef>
+        </p:style>
+      </p:sp>
+      <p:sp>
+        <p:nvSpPr>
+          <p:cNvPr id="2" name="Title 1"/>
           <p:cNvSpPr>
             <a:spLocks noGrp="1"/>
           </p:cNvSpPr>
@@ -2585,17 +2427,31 @@
             <p:ph type="title"/>
           </p:nvPr>
         </p:nvSpPr>
-        <p:spPr>
+        <p:spPr bwMode="blackWhite">
           <a:xfrm>
-            <a:off x="839788" y="457200"/>
-            <a:ext cx="3932237" cy="1600200"/>
+            <a:off x="804672" y="2243828"/>
+            <a:ext cx="4486656" cy="1141497"/>
           </a:xfrm>
+          <a:solidFill>
+            <a:srgbClr val="FFFFFF"/>
+          </a:solidFill>
+          <a:ln>
+            <a:solidFill>
+              <a:srgbClr val="404040"/>
+            </a:solidFill>
+          </a:ln>
         </p:spPr>
         <p:txBody>
-          <a:bodyPr anchor="b"/>
+          <a:bodyPr anchor="ctr" anchorCtr="1">
+            <a:normAutofit/>
+          </a:bodyPr>
           <a:lstStyle>
             <a:lvl1pPr>
-              <a:defRPr sz="3200"/>
+              <a:defRPr sz="2200">
+                <a:solidFill>
+                  <a:srgbClr val="262626"/>
+                </a:solidFill>
+              </a:defRPr>
             </a:lvl1pPr>
           </a:lstStyle>
           <a:p>
@@ -2603,18 +2459,13 @@
               <a:rPr lang="el-GR"/>
               <a:t>Κάντε κλικ για να επεξεργαστείτε τον τίτλο υποδείγματος</a:t>
             </a:r>
-          </a:p>
-        </p:txBody>
-      </p:sp>
-      <p:sp>
-        <p:nvSpPr>
-          <p:cNvPr id="3" name="Θέση περιεχομένου 2">
-            <a:extLst>
-              <a:ext uri="{FF2B5EF4-FFF2-40B4-BE49-F238E27FC236}">
-                <a16:creationId xmlns:a16="http://schemas.microsoft.com/office/drawing/2014/main" id="{2E4321E9-8618-01BF-B078-0F2FABFDF0E2}"/>
-              </a:ext>
-            </a:extLst>
-          </p:cNvPr>
+            <a:endParaRPr lang="en-US" dirty="0"/>
+          </a:p>
+        </p:txBody>
+      </p:sp>
+      <p:sp>
+        <p:nvSpPr>
+          <p:cNvPr id="3" name="Content Placeholder 2"/>
           <p:cNvSpPr>
             <a:spLocks noGrp="1"/>
           </p:cNvSpPr>
@@ -2624,39 +2475,61 @@
         </p:nvSpPr>
         <p:spPr>
           <a:xfrm>
-            <a:off x="5183188" y="987425"/>
-            <a:ext cx="6172200" cy="4873625"/>
+            <a:off x="6736080" y="804672"/>
+            <a:ext cx="4815840" cy="5248656"/>
           </a:xfrm>
         </p:spPr>
         <p:txBody>
-          <a:bodyPr/>
+          <a:bodyPr>
+            <a:normAutofit/>
+          </a:bodyPr>
           <a:lstStyle>
             <a:lvl1pPr>
-              <a:defRPr sz="3200"/>
+              <a:defRPr sz="1900">
+                <a:solidFill>
+                  <a:schemeClr val="tx1"/>
+                </a:solidFill>
+              </a:defRPr>
             </a:lvl1pPr>
             <a:lvl2pPr>
-              <a:defRPr sz="2800"/>
+              <a:defRPr sz="1600">
+                <a:solidFill>
+                  <a:schemeClr val="tx1"/>
+                </a:solidFill>
+              </a:defRPr>
             </a:lvl2pPr>
             <a:lvl3pPr>
-              <a:defRPr sz="2400"/>
+              <a:defRPr sz="1600">
+                <a:solidFill>
+                  <a:schemeClr val="tx1"/>
+                </a:solidFill>
+              </a:defRPr>
             </a:lvl3pPr>
             <a:lvl4pPr>
-              <a:defRPr sz="2000"/>
+              <a:defRPr sz="1600">
+                <a:solidFill>
+                  <a:schemeClr val="tx1"/>
+                </a:solidFill>
+              </a:defRPr>
             </a:lvl4pPr>
             <a:lvl5pPr>
-              <a:defRPr sz="2000"/>
+              <a:defRPr sz="1600">
+                <a:solidFill>
+                  <a:schemeClr val="tx1"/>
+                </a:solidFill>
+              </a:defRPr>
             </a:lvl5pPr>
             <a:lvl6pPr>
-              <a:defRPr sz="2000"/>
+              <a:defRPr sz="1600"/>
             </a:lvl6pPr>
             <a:lvl7pPr>
-              <a:defRPr sz="2000"/>
+              <a:defRPr sz="1600"/>
             </a:lvl7pPr>
             <a:lvl8pPr>
-              <a:defRPr sz="2000"/>
+              <a:defRPr sz="1600"/>
             </a:lvl8pPr>
             <a:lvl9pPr>
-              <a:defRPr sz="2000"/>
+              <a:defRPr sz="1600"/>
             </a:lvl9pPr>
           </a:lstStyle>
           <a:p>
@@ -2693,18 +2566,13 @@
               <a:rPr lang="el-GR"/>
               <a:t>Πέμπτο επίπεδο</a:t>
             </a:r>
-          </a:p>
-        </p:txBody>
-      </p:sp>
-      <p:sp>
-        <p:nvSpPr>
-          <p:cNvPr id="4" name="Θέση κειμένου 3">
-            <a:extLst>
-              <a:ext uri="{FF2B5EF4-FFF2-40B4-BE49-F238E27FC236}">
-                <a16:creationId xmlns:a16="http://schemas.microsoft.com/office/drawing/2014/main" id="{C13B3E64-8811-978C-D9BC-467E71BEB402}"/>
-              </a:ext>
-            </a:extLst>
-          </p:cNvPr>
+            <a:endParaRPr lang="en-US" dirty="0"/>
+          </a:p>
+        </p:txBody>
+      </p:sp>
+      <p:sp>
+        <p:nvSpPr>
+          <p:cNvPr id="4" name="Text Placeholder 3"/>
           <p:cNvSpPr>
             <a:spLocks noGrp="1"/>
           </p:cNvSpPr>
@@ -2714,16 +2582,22 @@
         </p:nvSpPr>
         <p:spPr>
           <a:xfrm>
-            <a:off x="839788" y="2057400"/>
-            <a:ext cx="3932237" cy="3811588"/>
+            <a:off x="1115568" y="3549918"/>
+            <a:ext cx="3794760" cy="2194036"/>
           </a:xfrm>
         </p:spPr>
         <p:txBody>
-          <a:bodyPr/>
+          <a:bodyPr anchor="t" anchorCtr="1">
+            <a:normAutofit/>
+          </a:bodyPr>
           <a:lstStyle>
-            <a:lvl1pPr marL="0" indent="0">
+            <a:lvl1pPr marL="0" indent="0" algn="ctr">
               <a:buNone/>
-              <a:defRPr sz="1600"/>
+              <a:defRPr sz="1500">
+                <a:solidFill>
+                  <a:srgbClr val="FFFFFF"/>
+                </a:solidFill>
+              </a:defRPr>
             </a:lvl1pPr>
             <a:lvl2pPr marL="457200" indent="0">
               <a:buNone/>
@@ -2769,13 +2643,7 @@
       </p:sp>
       <p:sp>
         <p:nvSpPr>
-          <p:cNvPr id="5" name="Θέση ημερομηνίας 4">
-            <a:extLst>
-              <a:ext uri="{FF2B5EF4-FFF2-40B4-BE49-F238E27FC236}">
-                <a16:creationId xmlns:a16="http://schemas.microsoft.com/office/drawing/2014/main" id="{56E69FC1-0D10-5A89-CA3F-A7F97C645221}"/>
-              </a:ext>
-            </a:extLst>
-          </p:cNvPr>
+          <p:cNvPr id="9" name="Date Placeholder 8"/>
           <p:cNvSpPr>
             <a:spLocks noGrp="1"/>
           </p:cNvSpPr>
@@ -2798,13 +2666,7 @@
       </p:sp>
       <p:sp>
         <p:nvSpPr>
-          <p:cNvPr id="6" name="Θέση υποσέλιδου 5">
-            <a:extLst>
-              <a:ext uri="{FF2B5EF4-FFF2-40B4-BE49-F238E27FC236}">
-                <a16:creationId xmlns:a16="http://schemas.microsoft.com/office/drawing/2014/main" id="{C4C909CE-C6BE-21F3-BC3C-77368B19445C}"/>
-              </a:ext>
-            </a:extLst>
-          </p:cNvPr>
+          <p:cNvPr id="10" name="Footer Placeholder 9"/>
           <p:cNvSpPr>
             <a:spLocks noGrp="1"/>
           </p:cNvSpPr>
@@ -2812,10 +2674,25 @@
             <p:ph type="ftr" sz="quarter" idx="11"/>
           </p:nvPr>
         </p:nvSpPr>
-        <p:spPr/>
+        <p:spPr>
+          <a:xfrm>
+            <a:off x="804672" y="6236208"/>
+            <a:ext cx="5124797" cy="320040"/>
+          </a:xfrm>
+        </p:spPr>
         <p:txBody>
           <a:bodyPr/>
-          <a:lstStyle/>
+          <a:lstStyle>
+            <a:lvl1pPr>
+              <a:defRPr>
+                <a:solidFill>
+                  <a:srgbClr val="FFFFFF">
+                    <a:alpha val="70000"/>
+                  </a:srgbClr>
+                </a:solidFill>
+              </a:defRPr>
+            </a:lvl1pPr>
+          </a:lstStyle>
           <a:p>
             <a:endParaRPr lang="el-GR"/>
           </a:p>
@@ -2823,13 +2700,7 @@
       </p:sp>
       <p:sp>
         <p:nvSpPr>
-          <p:cNvPr id="7" name="Θέση αριθμού διαφάνειας 6">
-            <a:extLst>
-              <a:ext uri="{FF2B5EF4-FFF2-40B4-BE49-F238E27FC236}">
-                <a16:creationId xmlns:a16="http://schemas.microsoft.com/office/drawing/2014/main" id="{D822AFBF-6668-CA56-FB9A-AC72499D81B6}"/>
-              </a:ext>
-            </a:extLst>
-          </p:cNvPr>
+          <p:cNvPr id="11" name="Slide Number Placeholder 10"/>
           <p:cNvSpPr>
             <a:spLocks noGrp="1"/>
           </p:cNvSpPr>
@@ -2853,7 +2724,7 @@
     </p:spTree>
     <p:extLst>
       <p:ext uri="{BB962C8B-B14F-4D97-AF65-F5344CB8AC3E}">
-        <p14:creationId xmlns:p14="http://schemas.microsoft.com/office/powerpoint/2010/main" val="1641710139"/>
+        <p14:creationId xmlns:p14="http://schemas.microsoft.com/office/powerpoint/2010/main" val="219996012"/>
       </p:ext>
     </p:extLst>
   </p:cSld>
@@ -2882,13 +2753,45 @@
       </p:grpSpPr>
       <p:sp>
         <p:nvSpPr>
-          <p:cNvPr id="2" name="Τίτλος 1">
-            <a:extLst>
-              <a:ext uri="{FF2B5EF4-FFF2-40B4-BE49-F238E27FC236}">
-                <a16:creationId xmlns:a16="http://schemas.microsoft.com/office/drawing/2014/main" id="{1C3D5AA8-4835-D085-70FF-B8A70F92B23C}"/>
-              </a:ext>
-            </a:extLst>
-          </p:cNvPr>
+          <p:cNvPr id="18" name="Rectangle 17"/>
+          <p:cNvSpPr/>
+          <p:nvPr/>
+        </p:nvSpPr>
+        <p:spPr>
+          <a:xfrm>
+            <a:off x="0" y="0"/>
+            <a:ext cx="6095999" cy="6858000"/>
+          </a:xfrm>
+          <a:prstGeom prst="rect">
+            <a:avLst/>
+          </a:prstGeom>
+          <a:solidFill>
+            <a:schemeClr val="accent2"/>
+          </a:solidFill>
+          <a:ln>
+            <a:noFill/>
+          </a:ln>
+        </p:spPr>
+        <p:style>
+          <a:lnRef idx="2">
+            <a:schemeClr val="accent1">
+              <a:shade val="50000"/>
+            </a:schemeClr>
+          </a:lnRef>
+          <a:fillRef idx="1">
+            <a:schemeClr val="accent1"/>
+          </a:fillRef>
+          <a:effectRef idx="0">
+            <a:schemeClr val="accent1"/>
+          </a:effectRef>
+          <a:fontRef idx="minor">
+            <a:schemeClr val="lt1"/>
+          </a:fontRef>
+        </p:style>
+      </p:sp>
+      <p:sp>
+        <p:nvSpPr>
+          <p:cNvPr id="2" name="Title 1"/>
           <p:cNvSpPr>
             <a:spLocks noGrp="1"/>
           </p:cNvSpPr>
@@ -2896,17 +2799,31 @@
             <p:ph type="title"/>
           </p:nvPr>
         </p:nvSpPr>
-        <p:spPr>
+        <p:spPr bwMode="blackWhite">
           <a:xfrm>
-            <a:off x="839788" y="457200"/>
-            <a:ext cx="3932237" cy="1600200"/>
+            <a:off x="808523" y="2243828"/>
+            <a:ext cx="4494998" cy="1134640"/>
           </a:xfrm>
+          <a:solidFill>
+            <a:srgbClr val="FFFFFF"/>
+          </a:solidFill>
+          <a:ln>
+            <a:solidFill>
+              <a:srgbClr val="404040"/>
+            </a:solidFill>
+          </a:ln>
         </p:spPr>
         <p:txBody>
-          <a:bodyPr anchor="b"/>
+          <a:bodyPr anchor="ctr" anchorCtr="1">
+            <a:noAutofit/>
+          </a:bodyPr>
           <a:lstStyle>
             <a:lvl1pPr>
-              <a:defRPr sz="3200"/>
+              <a:defRPr sz="2200">
+                <a:solidFill>
+                  <a:srgbClr val="262626"/>
+                </a:solidFill>
+              </a:defRPr>
             </a:lvl1pPr>
           </a:lstStyle>
           <a:p>
@@ -2914,20 +2831,15 @@
               <a:rPr lang="el-GR"/>
               <a:t>Κάντε κλικ για να επεξεργαστείτε τον τίτλο υποδείγματος</a:t>
             </a:r>
-          </a:p>
-        </p:txBody>
-      </p:sp>
-      <p:sp>
-        <p:nvSpPr>
-          <p:cNvPr id="3" name="Θέση εικόνας 2">
-            <a:extLst>
-              <a:ext uri="{FF2B5EF4-FFF2-40B4-BE49-F238E27FC236}">
-                <a16:creationId xmlns:a16="http://schemas.microsoft.com/office/drawing/2014/main" id="{DDCDDBBE-FE2B-47F4-EF73-EF955853E547}"/>
-              </a:ext>
-            </a:extLst>
-          </p:cNvPr>
+            <a:endParaRPr lang="en-US" dirty="0"/>
+          </a:p>
+        </p:txBody>
+      </p:sp>
+      <p:sp>
+        <p:nvSpPr>
+          <p:cNvPr id="3" name="Picture Placeholder 2"/>
           <p:cNvSpPr>
-            <a:spLocks noGrp="1"/>
+            <a:spLocks noGrp="1" noChangeAspect="1"/>
           </p:cNvSpPr>
           <p:nvPr>
             <p:ph type="pic" idx="1"/>
@@ -2935,16 +2847,28 @@
         </p:nvSpPr>
         <p:spPr>
           <a:xfrm>
-            <a:off x="5183188" y="987425"/>
-            <a:ext cx="6172200" cy="4873625"/>
+            <a:off x="6095999" y="0"/>
+            <a:ext cx="6102097" cy="6858000"/>
           </a:xfrm>
+          <a:solidFill>
+            <a:schemeClr val="bg1">
+              <a:lumMod val="75000"/>
+            </a:schemeClr>
+          </a:solidFill>
         </p:spPr>
         <p:txBody>
-          <a:bodyPr/>
+          <a:bodyPr anchor="t"/>
           <a:lstStyle>
             <a:lvl1pPr marL="0" indent="0">
               <a:buNone/>
-              <a:defRPr sz="3200"/>
+              <a:defRPr sz="3200">
+                <a:solidFill>
+                  <a:schemeClr val="bg1">
+                    <a:lumMod val="85000"/>
+                    <a:lumOff val="15000"/>
+                  </a:schemeClr>
+                </a:solidFill>
+              </a:defRPr>
             </a:lvl1pPr>
             <a:lvl2pPr marL="457200" indent="0">
               <a:buNone/>
@@ -2980,19 +2904,17 @@
             </a:lvl9pPr>
           </a:lstStyle>
           <a:p>
-            <a:endParaRPr lang="el-GR"/>
-          </a:p>
-        </p:txBody>
-      </p:sp>
-      <p:sp>
-        <p:nvSpPr>
-          <p:cNvPr id="4" name="Θέση κειμένου 3">
-            <a:extLst>
-              <a:ext uri="{FF2B5EF4-FFF2-40B4-BE49-F238E27FC236}">
-                <a16:creationId xmlns:a16="http://schemas.microsoft.com/office/drawing/2014/main" id="{4997E0BE-B367-BFEA-81D3-DD069B9D83EA}"/>
-              </a:ext>
-            </a:extLst>
-          </p:cNvPr>
+            <a:r>
+              <a:rPr lang="el-GR"/>
+              <a:t>Κάντε κλικ στο εικονίδιο για να προσθέσετε εικόνα</a:t>
+            </a:r>
+            <a:endParaRPr lang="en-US" dirty="0"/>
+          </a:p>
+        </p:txBody>
+      </p:sp>
+      <p:sp>
+        <p:nvSpPr>
+          <p:cNvPr id="4" name="Text Placeholder 3"/>
           <p:cNvSpPr>
             <a:spLocks noGrp="1"/>
           </p:cNvSpPr>
@@ -3002,16 +2924,22 @@
         </p:nvSpPr>
         <p:spPr>
           <a:xfrm>
-            <a:off x="839788" y="2057400"/>
-            <a:ext cx="3932237" cy="3811588"/>
+            <a:off x="1115568" y="3549918"/>
+            <a:ext cx="3794760" cy="2194037"/>
           </a:xfrm>
         </p:spPr>
         <p:txBody>
-          <a:bodyPr/>
+          <a:bodyPr anchor="t" anchorCtr="1">
+            <a:normAutofit/>
+          </a:bodyPr>
           <a:lstStyle>
-            <a:lvl1pPr marL="0" indent="0">
+            <a:lvl1pPr marL="0" indent="0" algn="ctr">
               <a:buNone/>
-              <a:defRPr sz="1600"/>
+              <a:defRPr sz="1500">
+                <a:solidFill>
+                  <a:srgbClr val="FFFFFF"/>
+                </a:solidFill>
+              </a:defRPr>
             </a:lvl1pPr>
             <a:lvl2pPr marL="457200" indent="0">
               <a:buNone/>
@@ -3057,13 +2985,7 @@
       </p:sp>
       <p:sp>
         <p:nvSpPr>
-          <p:cNvPr id="5" name="Θέση ημερομηνίας 4">
-            <a:extLst>
-              <a:ext uri="{FF2B5EF4-FFF2-40B4-BE49-F238E27FC236}">
-                <a16:creationId xmlns:a16="http://schemas.microsoft.com/office/drawing/2014/main" id="{33D94189-3A3F-B5E3-A399-8A25EEB39C92}"/>
-              </a:ext>
-            </a:extLst>
-          </p:cNvPr>
+          <p:cNvPr id="8" name="Date Placeholder 7"/>
           <p:cNvSpPr>
             <a:spLocks noGrp="1"/>
           </p:cNvSpPr>
@@ -3074,7 +2996,22 @@
         <p:spPr/>
         <p:txBody>
           <a:bodyPr/>
-          <a:lstStyle/>
+          <a:lstStyle>
+            <a:lvl1pPr>
+              <a:defRPr>
+                <a:solidFill>
+                  <a:srgbClr val="FFFFFF"/>
+                </a:solidFill>
+                <a:effectLst>
+                  <a:outerShdw blurRad="50800" dist="38100" dir="2700000" algn="tl" rotWithShape="0">
+                    <a:prstClr val="black">
+                      <a:alpha val="43000"/>
+                    </a:prstClr>
+                  </a:outerShdw>
+                </a:effectLst>
+              </a:defRPr>
+            </a:lvl1pPr>
+          </a:lstStyle>
           <a:p>
             <a:fld id="{7804B943-6FBE-4088-A70C-7BF692AE6439}" type="datetime1">
               <a:rPr lang="el-GR" smtClean="0"/>
@@ -3086,13 +3023,7 @@
       </p:sp>
       <p:sp>
         <p:nvSpPr>
-          <p:cNvPr id="6" name="Θέση υποσέλιδου 5">
-            <a:extLst>
-              <a:ext uri="{FF2B5EF4-FFF2-40B4-BE49-F238E27FC236}">
-                <a16:creationId xmlns:a16="http://schemas.microsoft.com/office/drawing/2014/main" id="{7278B737-A64C-AB75-EF28-4DA0E74E09AE}"/>
-              </a:ext>
-            </a:extLst>
-          </p:cNvPr>
+          <p:cNvPr id="9" name="Footer Placeholder 8"/>
           <p:cNvSpPr>
             <a:spLocks noGrp="1"/>
           </p:cNvSpPr>
@@ -3100,10 +3031,25 @@
             <p:ph type="ftr" sz="quarter" idx="11"/>
           </p:nvPr>
         </p:nvSpPr>
-        <p:spPr/>
+        <p:spPr>
+          <a:xfrm>
+            <a:off x="804672" y="6236208"/>
+            <a:ext cx="5124797" cy="320040"/>
+          </a:xfrm>
+        </p:spPr>
         <p:txBody>
           <a:bodyPr/>
-          <a:lstStyle/>
+          <a:lstStyle>
+            <a:lvl1pPr>
+              <a:defRPr>
+                <a:solidFill>
+                  <a:srgbClr val="FFFFFF">
+                    <a:alpha val="70000"/>
+                  </a:srgbClr>
+                </a:solidFill>
+              </a:defRPr>
+            </a:lvl1pPr>
+          </a:lstStyle>
           <a:p>
             <a:endParaRPr lang="el-GR"/>
           </a:p>
@@ -3111,13 +3057,7 @@
       </p:sp>
       <p:sp>
         <p:nvSpPr>
-          <p:cNvPr id="7" name="Θέση αριθμού διαφάνειας 6">
-            <a:extLst>
-              <a:ext uri="{FF2B5EF4-FFF2-40B4-BE49-F238E27FC236}">
-                <a16:creationId xmlns:a16="http://schemas.microsoft.com/office/drawing/2014/main" id="{604D82EF-1276-334A-46DD-6C2C0BC9FBDD}"/>
-              </a:ext>
-            </a:extLst>
-          </p:cNvPr>
+          <p:cNvPr id="10" name="Slide Number Placeholder 9"/>
           <p:cNvSpPr>
             <a:spLocks noGrp="1"/>
           </p:cNvSpPr>
@@ -3141,7 +3081,7 @@
     </p:spTree>
     <p:extLst>
       <p:ext uri="{BB962C8B-B14F-4D97-AF65-F5344CB8AC3E}">
-        <p14:creationId xmlns:p14="http://schemas.microsoft.com/office/powerpoint/2010/main" val="2330570272"/>
+        <p14:creationId xmlns:p14="http://schemas.microsoft.com/office/powerpoint/2010/main" val="4115134665"/>
       </p:ext>
     </p:extLst>
   </p:cSld>
@@ -3157,9 +3097,8 @@
     <p:bg>
       <p:bgPr>
         <a:solidFill>
-          <a:schemeClr val="accent4">
-            <a:lumMod val="20000"/>
-            <a:lumOff val="80000"/>
+          <a:schemeClr val="bg1">
+            <a:lumMod val="95000"/>
           </a:schemeClr>
         </a:solidFill>
         <a:effectLst/>
@@ -3181,13 +3120,7 @@
       </p:grpSpPr>
       <p:sp>
         <p:nvSpPr>
-          <p:cNvPr id="2" name="Θέση τίτλου 1">
-            <a:extLst>
-              <a:ext uri="{FF2B5EF4-FFF2-40B4-BE49-F238E27FC236}">
-                <a16:creationId xmlns:a16="http://schemas.microsoft.com/office/drawing/2014/main" id="{9B2FEB61-8EF4-1626-FD0D-5615245FC318}"/>
-              </a:ext>
-            </a:extLst>
-          </p:cNvPr>
+          <p:cNvPr id="2" name="Title Placeholder 1"/>
           <p:cNvSpPr>
             <a:spLocks noGrp="1"/>
           </p:cNvSpPr>
@@ -3195,115 +3128,155 @@
             <p:ph type="title"/>
           </p:nvPr>
         </p:nvSpPr>
+        <p:spPr bwMode="black">
+          <a:xfrm>
+            <a:off x="2231136" y="964692"/>
+            <a:ext cx="7729728" cy="1188720"/>
+          </a:xfrm>
+          <a:prstGeom prst="rect">
+            <a:avLst/>
+          </a:prstGeom>
+          <a:solidFill>
+            <a:srgbClr val="FFFFFF"/>
+          </a:solidFill>
+          <a:ln w="31750" cap="sq">
+            <a:solidFill>
+              <a:srgbClr val="404040"/>
+            </a:solidFill>
+            <a:miter lim="800000"/>
+          </a:ln>
+        </p:spPr>
+        <p:txBody>
+          <a:bodyPr vert="horz" lIns="182880" tIns="182880" rIns="182880" bIns="182880" rtlCol="0" anchor="ctr">
+            <a:normAutofit/>
+          </a:bodyPr>
+          <a:lstStyle/>
+          <a:p>
+            <a:r>
+              <a:rPr lang="el-GR"/>
+              <a:t>Κάντε κλικ για να επεξεργαστείτε τον τίτλο υποδείγματος</a:t>
+            </a:r>
+            <a:endParaRPr lang="en-US" dirty="0"/>
+          </a:p>
+        </p:txBody>
+      </p:sp>
+      <p:sp>
+        <p:nvSpPr>
+          <p:cNvPr id="3" name="Text Placeholder 2"/>
+          <p:cNvSpPr>
+            <a:spLocks noGrp="1"/>
+          </p:cNvSpPr>
+          <p:nvPr>
+            <p:ph type="body" idx="1"/>
+          </p:nvPr>
+        </p:nvSpPr>
         <p:spPr>
           <a:xfrm>
-            <a:off x="838200" y="365125"/>
-            <a:ext cx="10515600" cy="1325563"/>
+            <a:off x="2231136" y="2638044"/>
+            <a:ext cx="7729728" cy="3101983"/>
           </a:xfrm>
           <a:prstGeom prst="rect">
             <a:avLst/>
           </a:prstGeom>
         </p:spPr>
         <p:txBody>
-          <a:bodyPr vert="horz" lIns="91440" tIns="45720" rIns="91440" bIns="45720" rtlCol="0" anchor="ctr">
+          <a:bodyPr vert="horz" lIns="91440" tIns="45720" rIns="91440" bIns="45720" rtlCol="0">
             <a:normAutofit/>
           </a:bodyPr>
           <a:lstStyle/>
           <a:p>
+            <a:pPr lvl="0"/>
             <a:r>
               <a:rPr lang="el-GR"/>
-              <a:t>Κάντε κλικ για να επεξεργαστείτε τον τίτλο υποδείγματος</a:t>
-            </a:r>
-          </a:p>
-        </p:txBody>
-      </p:sp>
-      <p:sp>
-        <p:nvSpPr>
-          <p:cNvPr id="3" name="Θέση κειμένου 2">
-            <a:extLst>
-              <a:ext uri="{FF2B5EF4-FFF2-40B4-BE49-F238E27FC236}">
-                <a16:creationId xmlns:a16="http://schemas.microsoft.com/office/drawing/2014/main" id="{C0CD1766-2DD6-4BEB-FA9E-26B95609889E}"/>
-              </a:ext>
-            </a:extLst>
-          </p:cNvPr>
+              <a:t>Στυλ κειμένου υποδείγματος</a:t>
+            </a:r>
+          </a:p>
+          <a:p>
+            <a:pPr lvl="1"/>
+            <a:r>
+              <a:rPr lang="el-GR"/>
+              <a:t>Δεύτερο επίπεδο</a:t>
+            </a:r>
+          </a:p>
+          <a:p>
+            <a:pPr lvl="2"/>
+            <a:r>
+              <a:rPr lang="el-GR"/>
+              <a:t>Τρίτο επίπεδο</a:t>
+            </a:r>
+          </a:p>
+          <a:p>
+            <a:pPr lvl="3"/>
+            <a:r>
+              <a:rPr lang="el-GR"/>
+              <a:t>Τέταρτο επίπεδο</a:t>
+            </a:r>
+          </a:p>
+          <a:p>
+            <a:pPr lvl="4"/>
+            <a:r>
+              <a:rPr lang="el-GR"/>
+              <a:t>Πέμπτο επίπεδο</a:t>
+            </a:r>
+            <a:endParaRPr lang="en-US" dirty="0"/>
+          </a:p>
+        </p:txBody>
+      </p:sp>
+      <p:sp>
+        <p:nvSpPr>
+          <p:cNvPr id="4" name="Date Placeholder 3"/>
           <p:cNvSpPr>
             <a:spLocks noGrp="1"/>
           </p:cNvSpPr>
           <p:nvPr>
-            <p:ph type="body" idx="1"/>
+            <p:ph type="dt" sz="half" idx="2"/>
           </p:nvPr>
         </p:nvSpPr>
         <p:spPr>
           <a:xfrm>
-            <a:off x="838200" y="1825625"/>
-            <a:ext cx="10515600" cy="4351338"/>
+            <a:off x="7821429" y="6238816"/>
+            <a:ext cx="2753746" cy="323968"/>
           </a:xfrm>
           <a:prstGeom prst="rect">
             <a:avLst/>
           </a:prstGeom>
         </p:spPr>
         <p:txBody>
-          <a:bodyPr vert="horz" lIns="91440" tIns="45720" rIns="91440" bIns="45720" rtlCol="0">
-            <a:normAutofit/>
-          </a:bodyPr>
-          <a:lstStyle/>
-          <a:p>
-            <a:pPr lvl="0"/>
-            <a:r>
-              <a:rPr lang="el-GR"/>
-              <a:t>Στυλ κειμένου υποδείγματος</a:t>
-            </a:r>
-          </a:p>
-          <a:p>
-            <a:pPr lvl="1"/>
-            <a:r>
-              <a:rPr lang="el-GR"/>
-              <a:t>Δεύτερο επίπεδο</a:t>
-            </a:r>
-          </a:p>
-          <a:p>
-            <a:pPr lvl="2"/>
-            <a:r>
-              <a:rPr lang="el-GR"/>
-              <a:t>Τρίτο επίπεδο</a:t>
-            </a:r>
-          </a:p>
-          <a:p>
-            <a:pPr lvl="3"/>
-            <a:r>
-              <a:rPr lang="el-GR"/>
-              <a:t>Τέταρτο επίπεδο</a:t>
-            </a:r>
-          </a:p>
-          <a:p>
-            <a:pPr lvl="4"/>
-            <a:r>
-              <a:rPr lang="el-GR"/>
-              <a:t>Πέμπτο επίπεδο</a:t>
-            </a:r>
-          </a:p>
-        </p:txBody>
-      </p:sp>
-      <p:sp>
-        <p:nvSpPr>
-          <p:cNvPr id="4" name="Θέση ημερομηνίας 3">
-            <a:extLst>
-              <a:ext uri="{FF2B5EF4-FFF2-40B4-BE49-F238E27FC236}">
-                <a16:creationId xmlns:a16="http://schemas.microsoft.com/office/drawing/2014/main" id="{75ECA267-AD75-60B9-257C-7B09DC2F9FD0}"/>
-              </a:ext>
-            </a:extLst>
-          </p:cNvPr>
+          <a:bodyPr vert="horz" lIns="91440" tIns="45720" rIns="91440" bIns="45720" rtlCol="0" anchor="ctr"/>
+          <a:lstStyle>
+            <a:lvl1pPr algn="r">
+              <a:defRPr sz="1050">
+                <a:solidFill>
+                  <a:schemeClr val="tx1">
+                    <a:alpha val="70000"/>
+                  </a:schemeClr>
+                </a:solidFill>
+              </a:defRPr>
+            </a:lvl1pPr>
+          </a:lstStyle>
+          <a:p>
+            <a:fld id="{8873D322-5E03-47D8-BEF4-D7989B259A66}" type="datetime1">
+              <a:rPr lang="el-GR" smtClean="0"/>
+              <a:t>16/8/2023</a:t>
+            </a:fld>
+            <a:endParaRPr lang="el-GR"/>
+          </a:p>
+        </p:txBody>
+      </p:sp>
+      <p:sp>
+        <p:nvSpPr>
+          <p:cNvPr id="5" name="Footer Placeholder 4"/>
           <p:cNvSpPr>
             <a:spLocks noGrp="1"/>
           </p:cNvSpPr>
           <p:nvPr>
-            <p:ph type="dt" sz="half" idx="2"/>
+            <p:ph type="ftr" sz="quarter" idx="3"/>
           </p:nvPr>
         </p:nvSpPr>
         <p:spPr>
           <a:xfrm>
-            <a:off x="838200" y="6356350"/>
-            <a:ext cx="2743200" cy="365125"/>
+            <a:off x="1600200" y="6236208"/>
+            <a:ext cx="5901189" cy="320040"/>
           </a:xfrm>
           <a:prstGeom prst="rect">
             <a:avLst/>
@@ -3313,76 +3286,23 @@
           <a:bodyPr vert="horz" lIns="91440" tIns="45720" rIns="91440" bIns="45720" rtlCol="0" anchor="ctr"/>
           <a:lstStyle>
             <a:lvl1pPr algn="l">
-              <a:defRPr sz="1200">
+              <a:defRPr sz="1050">
                 <a:solidFill>
                   <a:schemeClr val="tx1">
-                    <a:tint val="75000"/>
+                    <a:alpha val="70000"/>
                   </a:schemeClr>
                 </a:solidFill>
               </a:defRPr>
             </a:lvl1pPr>
           </a:lstStyle>
           <a:p>
-            <a:fld id="{8873D322-5E03-47D8-BEF4-D7989B259A66}" type="datetime1">
-              <a:rPr lang="el-GR" smtClean="0"/>
-              <a:t>16/8/2023</a:t>
-            </a:fld>
             <a:endParaRPr lang="el-GR"/>
           </a:p>
         </p:txBody>
       </p:sp>
       <p:sp>
         <p:nvSpPr>
-          <p:cNvPr id="5" name="Θέση υποσέλιδου 4">
-            <a:extLst>
-              <a:ext uri="{FF2B5EF4-FFF2-40B4-BE49-F238E27FC236}">
-                <a16:creationId xmlns:a16="http://schemas.microsoft.com/office/drawing/2014/main" id="{5EAB59C9-2C0B-399A-5DDB-50656BF9CC85}"/>
-              </a:ext>
-            </a:extLst>
-          </p:cNvPr>
-          <p:cNvSpPr>
-            <a:spLocks noGrp="1"/>
-          </p:cNvSpPr>
-          <p:nvPr>
-            <p:ph type="ftr" sz="quarter" idx="3"/>
-          </p:nvPr>
-        </p:nvSpPr>
-        <p:spPr>
-          <a:xfrm>
-            <a:off x="4038600" y="6356350"/>
-            <a:ext cx="4114800" cy="365125"/>
-          </a:xfrm>
-          <a:prstGeom prst="rect">
-            <a:avLst/>
-          </a:prstGeom>
-        </p:spPr>
-        <p:txBody>
-          <a:bodyPr vert="horz" lIns="91440" tIns="45720" rIns="91440" bIns="45720" rtlCol="0" anchor="ctr"/>
-          <a:lstStyle>
-            <a:lvl1pPr algn="ctr">
-              <a:defRPr sz="1200">
-                <a:solidFill>
-                  <a:schemeClr val="tx1">
-                    <a:tint val="75000"/>
-                  </a:schemeClr>
-                </a:solidFill>
-              </a:defRPr>
-            </a:lvl1pPr>
-          </a:lstStyle>
-          <a:p>
-            <a:endParaRPr lang="el-GR"/>
-          </a:p>
-        </p:txBody>
-      </p:sp>
-      <p:sp>
-        <p:nvSpPr>
-          <p:cNvPr id="6" name="Θέση αριθμού διαφάνειας 5">
-            <a:extLst>
-              <a:ext uri="{FF2B5EF4-FFF2-40B4-BE49-F238E27FC236}">
-                <a16:creationId xmlns:a16="http://schemas.microsoft.com/office/drawing/2014/main" id="{F6E626C6-91AE-5776-86E6-C83BAD7BFC56}"/>
-              </a:ext>
-            </a:extLst>
-          </p:cNvPr>
+          <p:cNvPr id="6" name="Slide Number Placeholder 5"/>
           <p:cNvSpPr>
             <a:spLocks noGrp="1"/>
           </p:cNvSpPr>
@@ -3392,22 +3312,27 @@
         </p:nvSpPr>
         <p:spPr>
           <a:xfrm>
-            <a:off x="8610600" y="6356350"/>
-            <a:ext cx="2743200" cy="365125"/>
+            <a:off x="10758922" y="6217920"/>
+            <a:ext cx="365760" cy="365760"/>
           </a:xfrm>
-          <a:prstGeom prst="rect">
+          <a:prstGeom prst="ellipse">
             <a:avLst/>
           </a:prstGeom>
+          <a:solidFill>
+            <a:srgbClr val="1D1D1D">
+              <a:alpha val="70000"/>
+            </a:srgbClr>
+          </a:solidFill>
         </p:spPr>
         <p:txBody>
-          <a:bodyPr vert="horz" lIns="91440" tIns="45720" rIns="91440" bIns="45720" rtlCol="0" anchor="ctr"/>
+          <a:bodyPr vert="horz" lIns="18288" tIns="45720" rIns="18288" bIns="45720" rtlCol="0" anchor="ctr">
+            <a:noAutofit/>
+          </a:bodyPr>
           <a:lstStyle>
-            <a:lvl1pPr algn="r">
-              <a:defRPr sz="1200">
-                <a:solidFill>
-                  <a:schemeClr val="tx1">
-                    <a:tint val="75000"/>
-                  </a:schemeClr>
+            <a:lvl1pPr algn="ctr">
+              <a:defRPr sz="1100" spc="0" baseline="0">
+                <a:solidFill>
+                  <a:srgbClr val="FFFFFF"/>
                 </a:solidFill>
               </a:defRPr>
             </a:lvl1pPr>
@@ -3424,28 +3349,28 @@
     </p:spTree>
     <p:extLst>
       <p:ext uri="{BB962C8B-B14F-4D97-AF65-F5344CB8AC3E}">
-        <p14:creationId xmlns:p14="http://schemas.microsoft.com/office/powerpoint/2010/main" val="281116525"/>
+        <p14:creationId xmlns:p14="http://schemas.microsoft.com/office/powerpoint/2010/main" val="2108524517"/>
       </p:ext>
     </p:extLst>
   </p:cSld>
   <p:clrMap bg1="lt1" tx1="dk1" bg2="lt2" tx2="dk2" accent1="accent1" accent2="accent2" accent3="accent3" accent4="accent4" accent5="accent5" accent6="accent6" hlink="hlink" folHlink="folHlink"/>
   <p:sldLayoutIdLst>
-    <p:sldLayoutId id="2147483649" r:id="rId1"/>
-    <p:sldLayoutId id="2147483650" r:id="rId2"/>
-    <p:sldLayoutId id="2147483651" r:id="rId3"/>
-    <p:sldLayoutId id="2147483652" r:id="rId4"/>
-    <p:sldLayoutId id="2147483653" r:id="rId5"/>
-    <p:sldLayoutId id="2147483654" r:id="rId6"/>
-    <p:sldLayoutId id="2147483655" r:id="rId7"/>
-    <p:sldLayoutId id="2147483656" r:id="rId8"/>
-    <p:sldLayoutId id="2147483657" r:id="rId9"/>
-    <p:sldLayoutId id="2147483658" r:id="rId10"/>
-    <p:sldLayoutId id="2147483659" r:id="rId11"/>
+    <p:sldLayoutId id="2147483661" r:id="rId1"/>
+    <p:sldLayoutId id="2147483662" r:id="rId2"/>
+    <p:sldLayoutId id="2147483663" r:id="rId3"/>
+    <p:sldLayoutId id="2147483664" r:id="rId4"/>
+    <p:sldLayoutId id="2147483665" r:id="rId5"/>
+    <p:sldLayoutId id="2147483666" r:id="rId6"/>
+    <p:sldLayoutId id="2147483667" r:id="rId7"/>
+    <p:sldLayoutId id="2147483668" r:id="rId8"/>
+    <p:sldLayoutId id="2147483669" r:id="rId9"/>
+    <p:sldLayoutId id="2147483670" r:id="rId10"/>
+    <p:sldLayoutId id="2147483671" r:id="rId11"/>
   </p:sldLayoutIdLst>
   <p:hf hdr="0" dt="0"/>
   <p:txStyles>
     <p:titleStyle>
-      <a:lvl1pPr algn="l" defTabSz="914400" rtl="0" eaLnBrk="1" latinLnBrk="0" hangingPunct="1">
+      <a:lvl1pPr algn="ctr" defTabSz="914400" rtl="0" eaLnBrk="1" latinLnBrk="0" hangingPunct="1">
         <a:lnSpc>
           <a:spcPct val="90000"/>
         </a:lnSpc>
@@ -3453,9 +3378,9 @@
           <a:spcPct val="0"/>
         </a:spcBef>
         <a:buNone/>
-        <a:defRPr sz="4400" kern="1200">
+        <a:defRPr sz="2800" kern="1200" cap="all" spc="200" baseline="0">
           <a:solidFill>
-            <a:schemeClr val="tx1"/>
+            <a:srgbClr val="262626"/>
           </a:solidFill>
           <a:latin typeface="+mj-lt"/>
           <a:ea typeface="+mj-ea"/>
@@ -3466,104 +3391,137 @@
     <p:bodyStyle>
       <a:lvl1pPr marL="228600" indent="-228600" algn="l" defTabSz="914400" rtl="0" eaLnBrk="1" latinLnBrk="0" hangingPunct="1">
         <a:lnSpc>
-          <a:spcPct val="90000"/>
+          <a:spcPct val="100000"/>
         </a:lnSpc>
         <a:spcBef>
           <a:spcPts val="1000"/>
         </a:spcBef>
+        <a:buClr>
+          <a:schemeClr val="accent2"/>
+        </a:buClr>
         <a:buFont typeface="Arial" panose="020B0604020202020204" pitchFamily="34" charset="0"/>
         <a:buChar char="•"/>
-        <a:defRPr sz="2800" kern="1200">
+        <a:defRPr sz="1800" kern="1200">
           <a:solidFill>
-            <a:schemeClr val="tx1"/>
+            <a:schemeClr val="tx1">
+              <a:lumMod val="85000"/>
+              <a:lumOff val="15000"/>
+            </a:schemeClr>
           </a:solidFill>
           <a:latin typeface="+mn-lt"/>
           <a:ea typeface="+mn-ea"/>
           <a:cs typeface="+mn-cs"/>
         </a:defRPr>
       </a:lvl1pPr>
-      <a:lvl2pPr marL="685800" indent="-228600" algn="l" defTabSz="914400" rtl="0" eaLnBrk="1" latinLnBrk="0" hangingPunct="1">
+      <a:lvl2pPr marL="457200" indent="-228600" algn="l" defTabSz="914400" rtl="0" eaLnBrk="1" latinLnBrk="0" hangingPunct="1">
         <a:lnSpc>
-          <a:spcPct val="90000"/>
+          <a:spcPct val="100000"/>
         </a:lnSpc>
         <a:spcBef>
-          <a:spcPts val="500"/>
+          <a:spcPts val="1000"/>
         </a:spcBef>
+        <a:buClr>
+          <a:schemeClr val="accent2"/>
+        </a:buClr>
         <a:buFont typeface="Arial" panose="020B0604020202020204" pitchFamily="34" charset="0"/>
         <a:buChar char="•"/>
-        <a:defRPr sz="2400" kern="1200">
+        <a:defRPr sz="1600" kern="1200">
           <a:solidFill>
-            <a:schemeClr val="tx1"/>
+            <a:schemeClr val="tx1">
+              <a:lumMod val="85000"/>
+              <a:lumOff val="15000"/>
+            </a:schemeClr>
           </a:solidFill>
           <a:latin typeface="+mn-lt"/>
           <a:ea typeface="+mn-ea"/>
           <a:cs typeface="+mn-cs"/>
         </a:defRPr>
       </a:lvl2pPr>
-      <a:lvl3pPr marL="1143000" indent="-228600" algn="l" defTabSz="914400" rtl="0" eaLnBrk="1" latinLnBrk="0" hangingPunct="1">
+      <a:lvl3pPr marL="685800" indent="-228600" algn="l" defTabSz="914400" rtl="0" eaLnBrk="1" latinLnBrk="0" hangingPunct="1">
         <a:lnSpc>
-          <a:spcPct val="90000"/>
+          <a:spcPct val="100000"/>
         </a:lnSpc>
         <a:spcBef>
-          <a:spcPts val="500"/>
+          <a:spcPts val="1000"/>
         </a:spcBef>
+        <a:buClr>
+          <a:schemeClr val="accent2"/>
+        </a:buClr>
         <a:buFont typeface="Arial" panose="020B0604020202020204" pitchFamily="34" charset="0"/>
         <a:buChar char="•"/>
-        <a:defRPr sz="2000" kern="1200">
+        <a:defRPr sz="1600" kern="1200">
           <a:solidFill>
-            <a:schemeClr val="tx1"/>
+            <a:schemeClr val="tx1">
+              <a:lumMod val="85000"/>
+              <a:lumOff val="15000"/>
+            </a:schemeClr>
           </a:solidFill>
           <a:latin typeface="+mn-lt"/>
           <a:ea typeface="+mn-ea"/>
           <a:cs typeface="+mn-cs"/>
         </a:defRPr>
       </a:lvl3pPr>
-      <a:lvl4pPr marL="1600200" indent="-228600" algn="l" defTabSz="914400" rtl="0" eaLnBrk="1" latinLnBrk="0" hangingPunct="1">
+      <a:lvl4pPr marL="914400" indent="-228600" algn="l" defTabSz="914400" rtl="0" eaLnBrk="1" latinLnBrk="0" hangingPunct="1">
         <a:lnSpc>
-          <a:spcPct val="90000"/>
+          <a:spcPct val="100000"/>
         </a:lnSpc>
         <a:spcBef>
-          <a:spcPts val="500"/>
+          <a:spcPts val="1000"/>
         </a:spcBef>
+        <a:buClr>
+          <a:schemeClr val="accent2"/>
+        </a:buClr>
         <a:buFont typeface="Arial" panose="020B0604020202020204" pitchFamily="34" charset="0"/>
         <a:buChar char="•"/>
-        <a:defRPr sz="1800" kern="1200">
+        <a:defRPr sz="1600" kern="1200">
           <a:solidFill>
-            <a:schemeClr val="tx1"/>
+            <a:schemeClr val="tx1">
+              <a:lumMod val="85000"/>
+              <a:lumOff val="15000"/>
+            </a:schemeClr>
           </a:solidFill>
           <a:latin typeface="+mn-lt"/>
           <a:ea typeface="+mn-ea"/>
           <a:cs typeface="+mn-cs"/>
         </a:defRPr>
       </a:lvl4pPr>
-      <a:lvl5pPr marL="2057400" indent="-228600" algn="l" defTabSz="914400" rtl="0" eaLnBrk="1" latinLnBrk="0" hangingPunct="1">
+      <a:lvl5pPr marL="1143000" indent="-228600" algn="l" defTabSz="914400" rtl="0" eaLnBrk="1" latinLnBrk="0" hangingPunct="1">
         <a:lnSpc>
-          <a:spcPct val="90000"/>
+          <a:spcPct val="100000"/>
         </a:lnSpc>
         <a:spcBef>
-          <a:spcPts val="500"/>
+          <a:spcPts val="1000"/>
         </a:spcBef>
+        <a:buClr>
+          <a:schemeClr val="accent2"/>
+        </a:buClr>
         <a:buFont typeface="Arial" panose="020B0604020202020204" pitchFamily="34" charset="0"/>
         <a:buChar char="•"/>
-        <a:defRPr sz="1800" kern="1200">
+        <a:defRPr sz="1600" kern="1200">
           <a:solidFill>
-            <a:schemeClr val="tx1"/>
+            <a:schemeClr val="tx1">
+              <a:lumMod val="85000"/>
+              <a:lumOff val="15000"/>
+            </a:schemeClr>
           </a:solidFill>
           <a:latin typeface="+mn-lt"/>
           <a:ea typeface="+mn-ea"/>
           <a:cs typeface="+mn-cs"/>
         </a:defRPr>
       </a:lvl5pPr>
-      <a:lvl6pPr marL="2514600" indent="-228600" algn="l" defTabSz="914400" rtl="0" eaLnBrk="1" latinLnBrk="0" hangingPunct="1">
+      <a:lvl6pPr marL="1312863" indent="-228600" algn="l" defTabSz="914400" rtl="0" eaLnBrk="1" latinLnBrk="0" hangingPunct="1">
         <a:lnSpc>
-          <a:spcPct val="90000"/>
+          <a:spcPct val="100000"/>
         </a:lnSpc>
         <a:spcBef>
-          <a:spcPts val="500"/>
+          <a:spcPts val="1000"/>
         </a:spcBef>
+        <a:buClr>
+          <a:schemeClr val="accent2"/>
+        </a:buClr>
         <a:buFont typeface="Arial" panose="020B0604020202020204" pitchFamily="34" charset="0"/>
         <a:buChar char="•"/>
-        <a:defRPr sz="1800" kern="1200">
+        <a:defRPr sz="1600" kern="1200">
           <a:solidFill>
             <a:schemeClr val="tx1"/>
           </a:solidFill>
@@ -3572,16 +3530,19 @@
           <a:cs typeface="+mn-cs"/>
         </a:defRPr>
       </a:lvl6pPr>
-      <a:lvl7pPr marL="2971800" indent="-228600" algn="l" defTabSz="914400" rtl="0" eaLnBrk="1" latinLnBrk="0" hangingPunct="1">
+      <a:lvl7pPr marL="1484313" indent="-228600" algn="l" defTabSz="914400" rtl="0" eaLnBrk="1" latinLnBrk="0" hangingPunct="1">
         <a:lnSpc>
-          <a:spcPct val="90000"/>
+          <a:spcPct val="100000"/>
         </a:lnSpc>
         <a:spcBef>
-          <a:spcPts val="500"/>
+          <a:spcPts val="1000"/>
         </a:spcBef>
+        <a:buClr>
+          <a:schemeClr val="accent2"/>
+        </a:buClr>
         <a:buFont typeface="Arial" panose="020B0604020202020204" pitchFamily="34" charset="0"/>
         <a:buChar char="•"/>
-        <a:defRPr sz="1800" kern="1200">
+        <a:defRPr sz="1600" kern="1200">
           <a:solidFill>
             <a:schemeClr val="tx1"/>
           </a:solidFill>
@@ -3590,16 +3551,19 @@
           <a:cs typeface="+mn-cs"/>
         </a:defRPr>
       </a:lvl7pPr>
-      <a:lvl8pPr marL="3429000" indent="-228600" algn="l" defTabSz="914400" rtl="0" eaLnBrk="1" latinLnBrk="0" hangingPunct="1">
+      <a:lvl8pPr marL="1657350" indent="-228600" algn="l" defTabSz="914400" rtl="0" eaLnBrk="1" latinLnBrk="0" hangingPunct="1">
         <a:lnSpc>
-          <a:spcPct val="90000"/>
+          <a:spcPct val="100000"/>
         </a:lnSpc>
         <a:spcBef>
-          <a:spcPts val="500"/>
+          <a:spcPts val="1000"/>
         </a:spcBef>
+        <a:buClr>
+          <a:schemeClr val="accent2"/>
+        </a:buClr>
         <a:buFont typeface="Arial" panose="020B0604020202020204" pitchFamily="34" charset="0"/>
         <a:buChar char="•"/>
-        <a:defRPr sz="1800" kern="1200">
+        <a:defRPr sz="1600" kern="1200" baseline="0">
           <a:solidFill>
             <a:schemeClr val="tx1"/>
           </a:solidFill>
@@ -3608,16 +3572,19 @@
           <a:cs typeface="+mn-cs"/>
         </a:defRPr>
       </a:lvl8pPr>
-      <a:lvl9pPr marL="3886200" indent="-228600" algn="l" defTabSz="914400" rtl="0" eaLnBrk="1" latinLnBrk="0" hangingPunct="1">
+      <a:lvl9pPr marL="1882775" indent="-228600" algn="l" defTabSz="914400" rtl="0" eaLnBrk="1" latinLnBrk="0" hangingPunct="1">
         <a:lnSpc>
-          <a:spcPct val="90000"/>
+          <a:spcPct val="100000"/>
         </a:lnSpc>
         <a:spcBef>
-          <a:spcPts val="500"/>
+          <a:spcPts val="1000"/>
         </a:spcBef>
+        <a:buClr>
+          <a:schemeClr val="accent2"/>
+        </a:buClr>
         <a:buFont typeface="Arial" panose="020B0604020202020204" pitchFamily="34" charset="0"/>
         <a:buChar char="•"/>
-        <a:defRPr sz="1800" kern="1200">
+        <a:defRPr sz="1600" kern="1200" baseline="0">
           <a:solidFill>
             <a:schemeClr val="tx1"/>
           </a:solidFill>
@@ -3629,7 +3596,7 @@
     </p:bodyStyle>
     <p:otherStyle>
       <a:defPPr>
-        <a:defRPr lang="el-GR"/>
+        <a:defRPr lang="en-US"/>
       </a:defPPr>
       <a:lvl1pPr marL="0" algn="l" defTabSz="914400" rtl="0" eaLnBrk="1" latinLnBrk="0" hangingPunct="1">
         <a:defRPr sz="1800" kern="1200">
@@ -3745,6 +3712,52 @@
       </p:grpSpPr>
       <p:sp>
         <p:nvSpPr>
+          <p:cNvPr id="6" name="Ορθογώνιο 5">
+            <a:extLst>
+              <a:ext uri="{FF2B5EF4-FFF2-40B4-BE49-F238E27FC236}">
+                <a16:creationId xmlns:a16="http://schemas.microsoft.com/office/drawing/2014/main" id="{E2B8995D-8D2B-CDF0-7608-AD3783E0C7E4}"/>
+              </a:ext>
+            </a:extLst>
+          </p:cNvPr>
+          <p:cNvSpPr/>
+          <p:nvPr/>
+        </p:nvSpPr>
+        <p:spPr>
+          <a:xfrm>
+            <a:off x="0" y="5938684"/>
+            <a:ext cx="12192000" cy="919316"/>
+          </a:xfrm>
+          <a:prstGeom prst="rect">
+            <a:avLst/>
+          </a:prstGeom>
+        </p:spPr>
+        <p:style>
+          <a:lnRef idx="2">
+            <a:schemeClr val="accent1">
+              <a:shade val="15000"/>
+            </a:schemeClr>
+          </a:lnRef>
+          <a:fillRef idx="1">
+            <a:schemeClr val="accent1"/>
+          </a:fillRef>
+          <a:effectRef idx="0">
+            <a:schemeClr val="accent1"/>
+          </a:effectRef>
+          <a:fontRef idx="minor">
+            <a:schemeClr val="lt1"/>
+          </a:fontRef>
+        </p:style>
+        <p:txBody>
+          <a:bodyPr rtlCol="0" anchor="ctr"/>
+          <a:lstStyle/>
+          <a:p>
+            <a:pPr algn="ctr"/>
+            <a:endParaRPr lang="el-GR" dirty="0"/>
+          </a:p>
+        </p:txBody>
+      </p:sp>
+      <p:sp>
+        <p:nvSpPr>
           <p:cNvPr id="2" name="Τίτλος 1">
             <a:extLst>
               <a:ext uri="{FF2B5EF4-FFF2-40B4-BE49-F238E27FC236}">
@@ -3761,7 +3774,7 @@
         </p:nvSpPr>
         <p:spPr>
           <a:xfrm>
-            <a:off x="1091381" y="471949"/>
+            <a:off x="1307690" y="403123"/>
             <a:ext cx="9576619" cy="2212257"/>
           </a:xfrm>
         </p:spPr>
@@ -3799,7 +3812,7 @@
         </p:nvSpPr>
         <p:spPr>
           <a:xfrm>
-            <a:off x="1091381" y="2910348"/>
+            <a:off x="1307690" y="3205316"/>
             <a:ext cx="9576619" cy="1263447"/>
           </a:xfrm>
           <a:prstGeom prst="rect">
@@ -3858,8 +3871,8 @@
         </p:nvSpPr>
         <p:spPr>
           <a:xfrm>
-            <a:off x="196645" y="5201265"/>
-            <a:ext cx="9576619" cy="1184786"/>
+            <a:off x="137652" y="5348748"/>
+            <a:ext cx="9576619" cy="1263447"/>
           </a:xfrm>
           <a:prstGeom prst="rect">
             <a:avLst/>
@@ -3946,79 +3959,76 @@
       </p:grpSpPr>
       <p:sp>
         <p:nvSpPr>
-          <p:cNvPr id="2" name="Τίτλος 1">
+          <p:cNvPr id="3" name="Τίτλος 1">
             <a:extLst>
               <a:ext uri="{FF2B5EF4-FFF2-40B4-BE49-F238E27FC236}">
-                <a16:creationId xmlns:a16="http://schemas.microsoft.com/office/drawing/2014/main" id="{013619ED-A3E1-2749-7EFD-5419E9D23064}"/>
+                <a16:creationId xmlns:a16="http://schemas.microsoft.com/office/drawing/2014/main" id="{40BFB641-61B0-F8AF-0E8D-5C86C6CC2686}"/>
               </a:ext>
             </a:extLst>
           </p:cNvPr>
-          <p:cNvSpPr>
-            <a:spLocks noGrp="1"/>
-          </p:cNvSpPr>
-          <p:nvPr>
-            <p:ph type="title"/>
-          </p:nvPr>
+          <p:cNvSpPr txBox="1">
+            <a:spLocks/>
+          </p:cNvSpPr>
+          <p:nvPr/>
         </p:nvSpPr>
         <p:spPr>
           <a:xfrm>
-            <a:off x="838200" y="365125"/>
-            <a:ext cx="10515600" cy="2948346"/>
+            <a:off x="1091381" y="757085"/>
+            <a:ext cx="9576619" cy="3254476"/>
           </a:xfrm>
+          <a:prstGeom prst="rect">
+            <a:avLst/>
+          </a:prstGeom>
         </p:spPr>
         <p:txBody>
-          <a:bodyPr/>
-          <a:lstStyle/>
-          <a:p>
-            <a:pPr algn="ctr"/>
-            <a:r>
-              <a:rPr lang="en-GB" dirty="0">
+          <a:bodyPr vert="horz" lIns="91440" tIns="45720" rIns="91440" bIns="45720" rtlCol="0" anchor="b">
+            <a:normAutofit/>
+          </a:bodyPr>
+          <a:lstStyle>
+            <a:lvl1pPr algn="ctr" defTabSz="914400" rtl="0" eaLnBrk="1" latinLnBrk="0" hangingPunct="1">
+              <a:lnSpc>
+                <a:spcPct val="90000"/>
+              </a:lnSpc>
+              <a:spcBef>
+                <a:spcPct val="0"/>
+              </a:spcBef>
+              <a:buNone/>
+              <a:defRPr sz="6000" kern="1200">
+                <a:solidFill>
+                  <a:schemeClr val="tx1"/>
+                </a:solidFill>
+                <a:latin typeface="+mj-lt"/>
+                <a:ea typeface="+mj-ea"/>
+                <a:cs typeface="+mj-cs"/>
+              </a:defRPr>
+            </a:lvl1pPr>
+          </a:lstStyle>
+          <a:p>
+            <a:pPr marL="0" indent="0" algn="ctr">
+              <a:buNone/>
+            </a:pPr>
+            <a:r>
+              <a:rPr lang="en-GB" sz="3600" dirty="0">
                 <a:latin typeface="Arial Nova Cond" panose="020B0506020202020204" pitchFamily="34" charset="0"/>
               </a:rPr>
               <a:t>Thank you for your time.</a:t>
             </a:r>
-            <a:endParaRPr lang="el-GR" dirty="0">
+          </a:p>
+          <a:p>
+            <a:pPr marL="0" indent="0" algn="ctr">
+              <a:buNone/>
+            </a:pPr>
+            <a:endParaRPr lang="en-GB" sz="3600" dirty="0">
               <a:latin typeface="Arial Nova Cond" panose="020B0506020202020204" pitchFamily="34" charset="0"/>
             </a:endParaRPr>
           </a:p>
-        </p:txBody>
-      </p:sp>
-      <p:sp>
-        <p:nvSpPr>
-          <p:cNvPr id="3" name="Θέση περιεχομένου 2">
-            <a:extLst>
-              <a:ext uri="{FF2B5EF4-FFF2-40B4-BE49-F238E27FC236}">
-                <a16:creationId xmlns:a16="http://schemas.microsoft.com/office/drawing/2014/main" id="{F8278610-4471-4392-CC14-3B99CC75E961}"/>
-              </a:ext>
-            </a:extLst>
-          </p:cNvPr>
-          <p:cNvSpPr>
-            <a:spLocks noGrp="1"/>
-          </p:cNvSpPr>
-          <p:nvPr>
-            <p:ph idx="1"/>
-          </p:nvPr>
-        </p:nvSpPr>
-        <p:spPr>
-          <a:xfrm>
-            <a:off x="838200" y="2133600"/>
-            <a:ext cx="10515600" cy="4359275"/>
-          </a:xfrm>
-        </p:spPr>
-        <p:txBody>
-          <a:bodyPr/>
-          <a:lstStyle/>
-          <a:p>
-            <a:pPr marL="0" indent="0">
+          <a:p>
+            <a:pPr marL="0" indent="0" algn="ctr">
               <a:buNone/>
             </a:pPr>
-            <a:endParaRPr lang="en-GB" dirty="0"/>
-          </a:p>
-          <a:p>
-            <a:pPr marL="0" indent="0">
-              <a:buNone/>
-            </a:pPr>
-            <a:endParaRPr lang="en-GB" dirty="0"/>
+            <a:endParaRPr lang="en-GB" sz="3600" dirty="0">
+              <a:latin typeface="Arial Nova Cond" panose="020B0506020202020204" pitchFamily="34" charset="0"/>
+            </a:endParaRPr>
           </a:p>
           <a:p>
             <a:pPr marL="0" indent="0" algn="ctr">
@@ -4036,23 +4046,357 @@
           </a:p>
         </p:txBody>
       </p:sp>
+      <p:sp>
+        <p:nvSpPr>
+          <p:cNvPr id="14" name="Ορθογώνιο 13">
+            <a:extLst>
+              <a:ext uri="{FF2B5EF4-FFF2-40B4-BE49-F238E27FC236}">
+                <a16:creationId xmlns:a16="http://schemas.microsoft.com/office/drawing/2014/main" id="{24F2305A-6DA6-925D-EFDB-7ADFCE08E8DD}"/>
+              </a:ext>
+            </a:extLst>
+          </p:cNvPr>
+          <p:cNvSpPr/>
+          <p:nvPr/>
+        </p:nvSpPr>
+        <p:spPr>
+          <a:xfrm>
+            <a:off x="0" y="5938684"/>
+            <a:ext cx="12192000" cy="919316"/>
+          </a:xfrm>
+          <a:prstGeom prst="rect">
+            <a:avLst/>
+          </a:prstGeom>
+        </p:spPr>
+        <p:style>
+          <a:lnRef idx="2">
+            <a:schemeClr val="accent1">
+              <a:shade val="15000"/>
+            </a:schemeClr>
+          </a:lnRef>
+          <a:fillRef idx="1">
+            <a:schemeClr val="accent1"/>
+          </a:fillRef>
+          <a:effectRef idx="0">
+            <a:schemeClr val="accent1"/>
+          </a:effectRef>
+          <a:fontRef idx="minor">
+            <a:schemeClr val="lt1"/>
+          </a:fontRef>
+        </p:style>
+        <p:txBody>
+          <a:bodyPr rtlCol="0" anchor="ctr"/>
+          <a:lstStyle/>
+          <a:p>
+            <a:pPr algn="ctr"/>
+            <a:endParaRPr lang="el-GR" dirty="0"/>
+          </a:p>
+        </p:txBody>
+      </p:sp>
+      <p:sp>
+        <p:nvSpPr>
+          <p:cNvPr id="15" name="Θέση αριθμού διαφάνειας 4">
+            <a:extLst>
+              <a:ext uri="{FF2B5EF4-FFF2-40B4-BE49-F238E27FC236}">
+                <a16:creationId xmlns:a16="http://schemas.microsoft.com/office/drawing/2014/main" id="{7A53AB81-CF52-F04C-6AE6-4A7A6923BE59}"/>
+              </a:ext>
+            </a:extLst>
+          </p:cNvPr>
+          <p:cNvSpPr txBox="1">
+            <a:spLocks/>
+          </p:cNvSpPr>
+          <p:nvPr/>
+        </p:nvSpPr>
+        <p:spPr>
+          <a:xfrm>
+            <a:off x="11375922" y="6266655"/>
+            <a:ext cx="410497" cy="365125"/>
+          </a:xfrm>
+          <a:prstGeom prst="ellipse">
+            <a:avLst/>
+          </a:prstGeom>
+          <a:solidFill>
+            <a:srgbClr val="1D1D1D">
+              <a:alpha val="70000"/>
+            </a:srgbClr>
+          </a:solidFill>
+        </p:spPr>
+        <p:txBody>
+          <a:bodyPr vert="horz" lIns="18288" tIns="45720" rIns="18288" bIns="45720" rtlCol="0" anchor="ctr">
+            <a:noAutofit/>
+          </a:bodyPr>
+          <a:lstStyle>
+            <a:defPPr>
+              <a:defRPr lang="en-US"/>
+            </a:defPPr>
+            <a:lvl1pPr marL="0" algn="ctr" defTabSz="457200" rtl="0" eaLnBrk="1" latinLnBrk="0" hangingPunct="1">
+              <a:defRPr sz="1100" kern="1200" spc="0" baseline="0">
+                <a:solidFill>
+                  <a:srgbClr val="FFFFFF"/>
+                </a:solidFill>
+                <a:latin typeface="+mn-lt"/>
+                <a:ea typeface="+mn-ea"/>
+                <a:cs typeface="+mn-cs"/>
+              </a:defRPr>
+            </a:lvl1pPr>
+            <a:lvl2pPr marL="457200" algn="l" defTabSz="457200" rtl="0" eaLnBrk="1" latinLnBrk="0" hangingPunct="1">
+              <a:defRPr sz="1800" kern="1200">
+                <a:solidFill>
+                  <a:schemeClr val="tx1"/>
+                </a:solidFill>
+                <a:latin typeface="+mn-lt"/>
+                <a:ea typeface="+mn-ea"/>
+                <a:cs typeface="+mn-cs"/>
+              </a:defRPr>
+            </a:lvl2pPr>
+            <a:lvl3pPr marL="914400" algn="l" defTabSz="457200" rtl="0" eaLnBrk="1" latinLnBrk="0" hangingPunct="1">
+              <a:defRPr sz="1800" kern="1200">
+                <a:solidFill>
+                  <a:schemeClr val="tx1"/>
+                </a:solidFill>
+                <a:latin typeface="+mn-lt"/>
+                <a:ea typeface="+mn-ea"/>
+                <a:cs typeface="+mn-cs"/>
+              </a:defRPr>
+            </a:lvl3pPr>
+            <a:lvl4pPr marL="1371600" algn="l" defTabSz="457200" rtl="0" eaLnBrk="1" latinLnBrk="0" hangingPunct="1">
+              <a:defRPr sz="1800" kern="1200">
+                <a:solidFill>
+                  <a:schemeClr val="tx1"/>
+                </a:solidFill>
+                <a:latin typeface="+mn-lt"/>
+                <a:ea typeface="+mn-ea"/>
+                <a:cs typeface="+mn-cs"/>
+              </a:defRPr>
+            </a:lvl4pPr>
+            <a:lvl5pPr marL="1828800" algn="l" defTabSz="457200" rtl="0" eaLnBrk="1" latinLnBrk="0" hangingPunct="1">
+              <a:defRPr sz="1800" kern="1200">
+                <a:solidFill>
+                  <a:schemeClr val="tx1"/>
+                </a:solidFill>
+                <a:latin typeface="+mn-lt"/>
+                <a:ea typeface="+mn-ea"/>
+                <a:cs typeface="+mn-cs"/>
+              </a:defRPr>
+            </a:lvl5pPr>
+            <a:lvl6pPr marL="2286000" algn="l" defTabSz="457200" rtl="0" eaLnBrk="1" latinLnBrk="0" hangingPunct="1">
+              <a:defRPr sz="1800" kern="1200">
+                <a:solidFill>
+                  <a:schemeClr val="tx1"/>
+                </a:solidFill>
+                <a:latin typeface="+mn-lt"/>
+                <a:ea typeface="+mn-ea"/>
+                <a:cs typeface="+mn-cs"/>
+              </a:defRPr>
+            </a:lvl6pPr>
+            <a:lvl7pPr marL="2743200" algn="l" defTabSz="457200" rtl="0" eaLnBrk="1" latinLnBrk="0" hangingPunct="1">
+              <a:defRPr sz="1800" kern="1200">
+                <a:solidFill>
+                  <a:schemeClr val="tx1"/>
+                </a:solidFill>
+                <a:latin typeface="+mn-lt"/>
+                <a:ea typeface="+mn-ea"/>
+                <a:cs typeface="+mn-cs"/>
+              </a:defRPr>
+            </a:lvl7pPr>
+            <a:lvl8pPr marL="3200400" algn="l" defTabSz="457200" rtl="0" eaLnBrk="1" latinLnBrk="0" hangingPunct="1">
+              <a:defRPr sz="1800" kern="1200">
+                <a:solidFill>
+                  <a:schemeClr val="tx1"/>
+                </a:solidFill>
+                <a:latin typeface="+mn-lt"/>
+                <a:ea typeface="+mn-ea"/>
+                <a:cs typeface="+mn-cs"/>
+              </a:defRPr>
+            </a:lvl8pPr>
+            <a:lvl9pPr marL="3657600" algn="l" defTabSz="457200" rtl="0" eaLnBrk="1" latinLnBrk="0" hangingPunct="1">
+              <a:defRPr sz="1800" kern="1200">
+                <a:solidFill>
+                  <a:schemeClr val="tx1"/>
+                </a:solidFill>
+                <a:latin typeface="+mn-lt"/>
+                <a:ea typeface="+mn-ea"/>
+                <a:cs typeface="+mn-cs"/>
+              </a:defRPr>
+            </a:lvl9pPr>
+          </a:lstStyle>
+          <a:p>
+            <a:r>
+              <a:rPr lang="en-GB" sz="2000" dirty="0">
+                <a:solidFill>
+                  <a:schemeClr val="tx1"/>
+                </a:solidFill>
+                <a:latin typeface="Arial Nova Cond" panose="020B0506020202020204" pitchFamily="34" charset="0"/>
+              </a:rPr>
+              <a:t>8</a:t>
+            </a:r>
+            <a:endParaRPr lang="el-GR" sz="2000" dirty="0">
+              <a:solidFill>
+                <a:schemeClr val="tx1"/>
+              </a:solidFill>
+              <a:latin typeface="Arial Nova Cond" panose="020B0506020202020204" pitchFamily="34" charset="0"/>
+            </a:endParaRPr>
+          </a:p>
+        </p:txBody>
+      </p:sp>
+      <p:sp>
+        <p:nvSpPr>
+          <p:cNvPr id="16" name="Θέση υποσέλιδου 3">
+            <a:extLst>
+              <a:ext uri="{FF2B5EF4-FFF2-40B4-BE49-F238E27FC236}">
+                <a16:creationId xmlns:a16="http://schemas.microsoft.com/office/drawing/2014/main" id="{06D89867-563B-4DE5-B682-A39316DFF8F7}"/>
+              </a:ext>
+            </a:extLst>
+          </p:cNvPr>
+          <p:cNvSpPr txBox="1">
+            <a:spLocks/>
+          </p:cNvSpPr>
+          <p:nvPr/>
+        </p:nvSpPr>
+        <p:spPr>
+          <a:xfrm>
+            <a:off x="2979174" y="6126086"/>
+            <a:ext cx="6233652" cy="544512"/>
+          </a:xfrm>
+          <a:prstGeom prst="rect">
+            <a:avLst/>
+          </a:prstGeom>
+        </p:spPr>
+        <p:txBody>
+          <a:bodyPr vert="horz" lIns="91440" tIns="45720" rIns="91440" bIns="45720" rtlCol="0" anchor="ctr"/>
+          <a:lstStyle>
+            <a:defPPr>
+              <a:defRPr lang="en-US"/>
+            </a:defPPr>
+            <a:lvl1pPr marL="0" algn="l" defTabSz="457200" rtl="0" eaLnBrk="1" latinLnBrk="0" hangingPunct="1">
+              <a:defRPr sz="1050" kern="1200">
+                <a:solidFill>
+                  <a:schemeClr val="tx1">
+                    <a:alpha val="70000"/>
+                  </a:schemeClr>
+                </a:solidFill>
+                <a:latin typeface="+mn-lt"/>
+                <a:ea typeface="+mn-ea"/>
+                <a:cs typeface="+mn-cs"/>
+              </a:defRPr>
+            </a:lvl1pPr>
+            <a:lvl2pPr marL="457200" algn="l" defTabSz="457200" rtl="0" eaLnBrk="1" latinLnBrk="0" hangingPunct="1">
+              <a:defRPr sz="1800" kern="1200">
+                <a:solidFill>
+                  <a:schemeClr val="tx1"/>
+                </a:solidFill>
+                <a:latin typeface="+mn-lt"/>
+                <a:ea typeface="+mn-ea"/>
+                <a:cs typeface="+mn-cs"/>
+              </a:defRPr>
+            </a:lvl2pPr>
+            <a:lvl3pPr marL="914400" algn="l" defTabSz="457200" rtl="0" eaLnBrk="1" latinLnBrk="0" hangingPunct="1">
+              <a:defRPr sz="1800" kern="1200">
+                <a:solidFill>
+                  <a:schemeClr val="tx1"/>
+                </a:solidFill>
+                <a:latin typeface="+mn-lt"/>
+                <a:ea typeface="+mn-ea"/>
+                <a:cs typeface="+mn-cs"/>
+              </a:defRPr>
+            </a:lvl3pPr>
+            <a:lvl4pPr marL="1371600" algn="l" defTabSz="457200" rtl="0" eaLnBrk="1" latinLnBrk="0" hangingPunct="1">
+              <a:defRPr sz="1800" kern="1200">
+                <a:solidFill>
+                  <a:schemeClr val="tx1"/>
+                </a:solidFill>
+                <a:latin typeface="+mn-lt"/>
+                <a:ea typeface="+mn-ea"/>
+                <a:cs typeface="+mn-cs"/>
+              </a:defRPr>
+            </a:lvl4pPr>
+            <a:lvl5pPr marL="1828800" algn="l" defTabSz="457200" rtl="0" eaLnBrk="1" latinLnBrk="0" hangingPunct="1">
+              <a:defRPr sz="1800" kern="1200">
+                <a:solidFill>
+                  <a:schemeClr val="tx1"/>
+                </a:solidFill>
+                <a:latin typeface="+mn-lt"/>
+                <a:ea typeface="+mn-ea"/>
+                <a:cs typeface="+mn-cs"/>
+              </a:defRPr>
+            </a:lvl5pPr>
+            <a:lvl6pPr marL="2286000" algn="l" defTabSz="457200" rtl="0" eaLnBrk="1" latinLnBrk="0" hangingPunct="1">
+              <a:defRPr sz="1800" kern="1200">
+                <a:solidFill>
+                  <a:schemeClr val="tx1"/>
+                </a:solidFill>
+                <a:latin typeface="+mn-lt"/>
+                <a:ea typeface="+mn-ea"/>
+                <a:cs typeface="+mn-cs"/>
+              </a:defRPr>
+            </a:lvl6pPr>
+            <a:lvl7pPr marL="2743200" algn="l" defTabSz="457200" rtl="0" eaLnBrk="1" latinLnBrk="0" hangingPunct="1">
+              <a:defRPr sz="1800" kern="1200">
+                <a:solidFill>
+                  <a:schemeClr val="tx1"/>
+                </a:solidFill>
+                <a:latin typeface="+mn-lt"/>
+                <a:ea typeface="+mn-ea"/>
+                <a:cs typeface="+mn-cs"/>
+              </a:defRPr>
+            </a:lvl7pPr>
+            <a:lvl8pPr marL="3200400" algn="l" defTabSz="457200" rtl="0" eaLnBrk="1" latinLnBrk="0" hangingPunct="1">
+              <a:defRPr sz="1800" kern="1200">
+                <a:solidFill>
+                  <a:schemeClr val="tx1"/>
+                </a:solidFill>
+                <a:latin typeface="+mn-lt"/>
+                <a:ea typeface="+mn-ea"/>
+                <a:cs typeface="+mn-cs"/>
+              </a:defRPr>
+            </a:lvl8pPr>
+            <a:lvl9pPr marL="3657600" algn="l" defTabSz="457200" rtl="0" eaLnBrk="1" latinLnBrk="0" hangingPunct="1">
+              <a:defRPr sz="1800" kern="1200">
+                <a:solidFill>
+                  <a:schemeClr val="tx1"/>
+                </a:solidFill>
+                <a:latin typeface="+mn-lt"/>
+                <a:ea typeface="+mn-ea"/>
+                <a:cs typeface="+mn-cs"/>
+              </a:defRPr>
+            </a:lvl9pPr>
+          </a:lstStyle>
+          <a:p>
+            <a:pPr algn="ctr"/>
+            <a:r>
+              <a:rPr lang="en-GB" sz="1700" dirty="0">
+                <a:solidFill>
+                  <a:schemeClr val="tx1"/>
+                </a:solidFill>
+                <a:latin typeface="Arial Nova Cond" panose="020B0506020202020204" pitchFamily="34" charset="0"/>
+              </a:rPr>
+              <a:t>STRESS VS REGRESSION TESTING</a:t>
+            </a:r>
+            <a:endParaRPr lang="el-GR" sz="1700" dirty="0">
+              <a:solidFill>
+                <a:schemeClr val="tx1"/>
+              </a:solidFill>
+              <a:latin typeface="Arial Nova Cond" panose="020B0506020202020204" pitchFamily="34" charset="0"/>
+            </a:endParaRPr>
+          </a:p>
+        </p:txBody>
+      </p:sp>
     </p:spTree>
     <p:extLst>
       <p:ext uri="{BB962C8B-B14F-4D97-AF65-F5344CB8AC3E}">
-        <p14:creationId xmlns:p14="http://schemas.microsoft.com/office/powerpoint/2010/main" val="327215532"/>
+        <p14:creationId xmlns:p14="http://schemas.microsoft.com/office/powerpoint/2010/main" val="3797147382"/>
       </p:ext>
     </p:extLst>
   </p:cSld>
   <p:clrMapOvr>
     <a:masterClrMapping/>
   </p:clrMapOvr>
-  <mc:AlternateContent xmlns:mc="http://schemas.openxmlformats.org/markup-compatibility/2006" xmlns:p159="http://schemas.microsoft.com/office/powerpoint/2015/09/main">
-    <mc:Choice Requires="p159">
+  <mc:AlternateContent xmlns:mc="http://schemas.openxmlformats.org/markup-compatibility/2006">
+    <mc:Choice xmlns:p159="http://schemas.microsoft.com/office/powerpoint/2015/09/main" Requires="p159">
       <p:transition xmlns:p14="http://schemas.microsoft.com/office/powerpoint/2010/main" spd="slow" p14:dur="2000">
         <p159:morph option="byWord"/>
       </p:transition>
     </mc:Choice>
-    <mc:Fallback xmlns="">
+    <mc:Fallback>
       <p:transition spd="slow">
         <p:fade/>
       </p:transition>
@@ -4080,35 +4424,47 @@
       </p:grpSpPr>
       <p:sp>
         <p:nvSpPr>
-          <p:cNvPr id="2" name="Τίτλος 1">
+          <p:cNvPr id="7" name="Ορθογώνιο 6">
             <a:extLst>
               <a:ext uri="{FF2B5EF4-FFF2-40B4-BE49-F238E27FC236}">
-                <a16:creationId xmlns:a16="http://schemas.microsoft.com/office/drawing/2014/main" id="{043F08C5-6D81-62F3-49FB-6BC78345AB6C}"/>
+                <a16:creationId xmlns:a16="http://schemas.microsoft.com/office/drawing/2014/main" id="{BD69C519-744F-2B18-4803-C77B8CCC6218}"/>
               </a:ext>
             </a:extLst>
           </p:cNvPr>
-          <p:cNvSpPr>
-            <a:spLocks noGrp="1"/>
-          </p:cNvSpPr>
-          <p:nvPr>
-            <p:ph type="title"/>
-          </p:nvPr>
-        </p:nvSpPr>
-        <p:spPr/>
-        <p:txBody>
-          <a:bodyPr/>
+          <p:cNvSpPr/>
+          <p:nvPr/>
+        </p:nvSpPr>
+        <p:spPr>
+          <a:xfrm>
+            <a:off x="0" y="5938684"/>
+            <a:ext cx="12192000" cy="919316"/>
+          </a:xfrm>
+          <a:prstGeom prst="rect">
+            <a:avLst/>
+          </a:prstGeom>
+        </p:spPr>
+        <p:style>
+          <a:lnRef idx="2">
+            <a:schemeClr val="accent1">
+              <a:shade val="15000"/>
+            </a:schemeClr>
+          </a:lnRef>
+          <a:fillRef idx="1">
+            <a:schemeClr val="accent1"/>
+          </a:fillRef>
+          <a:effectRef idx="0">
+            <a:schemeClr val="accent1"/>
+          </a:effectRef>
+          <a:fontRef idx="minor">
+            <a:schemeClr val="lt1"/>
+          </a:fontRef>
+        </p:style>
+        <p:txBody>
+          <a:bodyPr rtlCol="0" anchor="ctr"/>
           <a:lstStyle/>
           <a:p>
             <a:pPr algn="ctr"/>
-            <a:r>
-              <a:rPr lang="en-GB" dirty="0">
-                <a:latin typeface="Arial Nova Cond" panose="020B0506020202020204" pitchFamily="34" charset="0"/>
-              </a:rPr>
-              <a:t>Stress Testing</a:t>
-            </a:r>
-            <a:endParaRPr lang="el-GR" dirty="0">
-              <a:latin typeface="Arial Nova Cond" panose="020B0506020202020204" pitchFamily="34" charset="0"/>
-            </a:endParaRPr>
+            <a:endParaRPr lang="el-GR" dirty="0"/>
           </a:p>
         </p:txBody>
       </p:sp>
@@ -4128,7 +4484,12 @@
             <p:ph idx="1"/>
           </p:nvPr>
         </p:nvSpPr>
-        <p:spPr/>
+        <p:spPr>
+          <a:xfrm>
+            <a:off x="2231136" y="1509432"/>
+            <a:ext cx="7729728" cy="4230595"/>
+          </a:xfrm>
+        </p:spPr>
         <p:txBody>
           <a:bodyPr/>
           <a:lstStyle/>
@@ -4139,45 +4500,45 @@
           </a:p>
           <a:p>
             <a:r>
-              <a:rPr lang="en-GB" dirty="0">
+              <a:rPr lang="en-GB" sz="2700" dirty="0">
                 <a:latin typeface="Arial Nova Cond" panose="020B0506020202020204" pitchFamily="34" charset="0"/>
               </a:rPr>
               <a:t>Push system beyond normal operating conditions</a:t>
             </a:r>
           </a:p>
           <a:p>
-            <a:endParaRPr lang="en-GB" dirty="0">
+            <a:endParaRPr lang="en-GB" sz="2700" dirty="0">
               <a:latin typeface="Arial Nova Cond" panose="020B0506020202020204" pitchFamily="34" charset="0"/>
             </a:endParaRPr>
           </a:p>
           <a:p>
             <a:r>
-              <a:rPr lang="en-GB" dirty="0">
+              <a:rPr lang="en-GB" sz="2700" dirty="0">
                 <a:latin typeface="Arial Nova Cond" panose="020B0506020202020204" pitchFamily="34" charset="0"/>
               </a:rPr>
               <a:t>Observe system’s performance under pressure</a:t>
             </a:r>
           </a:p>
           <a:p>
-            <a:endParaRPr lang="en-GB" dirty="0">
+            <a:endParaRPr lang="en-GB" sz="2700" dirty="0">
               <a:latin typeface="Arial Nova Cond" panose="020B0506020202020204" pitchFamily="34" charset="0"/>
             </a:endParaRPr>
           </a:p>
           <a:p>
             <a:r>
-              <a:rPr lang="en-GB" dirty="0">
+              <a:rPr lang="en-GB" sz="2700" dirty="0">
                 <a:latin typeface="Arial Nova Cond" panose="020B0506020202020204" pitchFamily="34" charset="0"/>
               </a:rPr>
               <a:t>Useful in finding out</a:t>
             </a:r>
             <a:r>
-              <a:rPr lang="el-GR" dirty="0">
+              <a:rPr lang="el-GR" sz="2700" dirty="0">
                 <a:latin typeface="Arial Nova Cond" panose="020B0506020202020204" pitchFamily="34" charset="0"/>
               </a:rPr>
               <a:t> </a:t>
             </a:r>
             <a:r>
-              <a:rPr lang="en-GB" dirty="0">
+              <a:rPr lang="en-GB" sz="2700" dirty="0">
                 <a:latin typeface="Arial Nova Cond" panose="020B0506020202020204" pitchFamily="34" charset="0"/>
               </a:rPr>
               <a:t>effectiveness under heavy load and availability when under DDoS attack</a:t>
@@ -4211,7 +4572,7 @@
         </p:nvSpPr>
         <p:spPr>
           <a:xfrm>
-            <a:off x="2979174" y="6176962"/>
+            <a:off x="2979174" y="6126086"/>
             <a:ext cx="6233652" cy="544512"/>
           </a:xfrm>
         </p:spPr>
@@ -4219,10 +4580,11 @@
           <a:bodyPr/>
           <a:lstStyle/>
           <a:p>
+            <a:pPr algn="ctr"/>
             <a:r>
               <a:rPr lang="en-GB" sz="1700" dirty="0">
                 <a:solidFill>
-                  <a:schemeClr val="tx1"/>
+                  <a:schemeClr val="bg1"/>
                 </a:solidFill>
                 <a:latin typeface="Arial Nova Cond" panose="020B0506020202020204" pitchFamily="34" charset="0"/>
               </a:rPr>
@@ -4230,7 +4592,7 @@
             </a:r>
             <a:endParaRPr lang="el-GR" sz="1700" dirty="0">
               <a:solidFill>
-                <a:schemeClr val="tx1"/>
+                <a:schemeClr val="bg1"/>
               </a:solidFill>
               <a:latin typeface="Arial Nova Cond" panose="020B0506020202020204" pitchFamily="34" charset="0"/>
             </a:endParaRPr>
@@ -4255,8 +4617,8 @@
         </p:nvSpPr>
         <p:spPr>
           <a:xfrm>
-            <a:off x="9043220" y="6266655"/>
-            <a:ext cx="2743200" cy="365125"/>
+            <a:off x="11375922" y="6266655"/>
+            <a:ext cx="410497" cy="365125"/>
           </a:xfrm>
         </p:spPr>
         <p:txBody>
@@ -4266,7 +4628,7 @@
             <a:r>
               <a:rPr lang="en-GB" sz="2000" dirty="0">
                 <a:solidFill>
-                  <a:schemeClr val="tx1"/>
+                  <a:schemeClr val="bg1"/>
                 </a:solidFill>
                 <a:latin typeface="Arial Nova Cond" panose="020B0506020202020204" pitchFamily="34" charset="0"/>
               </a:rPr>
@@ -4274,8 +4636,76 @@
             </a:r>
             <a:endParaRPr lang="el-GR" sz="2000" dirty="0">
               <a:solidFill>
-                <a:schemeClr val="tx1"/>
+                <a:schemeClr val="bg1"/>
               </a:solidFill>
+              <a:latin typeface="Arial Nova Cond" panose="020B0506020202020204" pitchFamily="34" charset="0"/>
+            </a:endParaRPr>
+          </a:p>
+        </p:txBody>
+      </p:sp>
+      <p:sp>
+        <p:nvSpPr>
+          <p:cNvPr id="8" name="Τίτλος 1">
+            <a:extLst>
+              <a:ext uri="{FF2B5EF4-FFF2-40B4-BE49-F238E27FC236}">
+                <a16:creationId xmlns:a16="http://schemas.microsoft.com/office/drawing/2014/main" id="{B9763748-4498-9200-E32E-DF8B6562B56C}"/>
+              </a:ext>
+            </a:extLst>
+          </p:cNvPr>
+          <p:cNvSpPr txBox="1">
+            <a:spLocks/>
+          </p:cNvSpPr>
+          <p:nvPr/>
+        </p:nvSpPr>
+        <p:spPr bwMode="black">
+          <a:xfrm>
+            <a:off x="838200" y="365126"/>
+            <a:ext cx="10515600" cy="956904"/>
+          </a:xfrm>
+          <a:prstGeom prst="rect">
+            <a:avLst/>
+          </a:prstGeom>
+          <a:solidFill>
+            <a:srgbClr val="FFFFFF"/>
+          </a:solidFill>
+          <a:ln w="31750" cap="sq">
+            <a:solidFill>
+              <a:srgbClr val="404040"/>
+            </a:solidFill>
+            <a:miter lim="800000"/>
+          </a:ln>
+        </p:spPr>
+        <p:txBody>
+          <a:bodyPr vert="horz" lIns="182880" tIns="182880" rIns="182880" bIns="182880" rtlCol="0" anchor="ctr">
+            <a:normAutofit/>
+          </a:bodyPr>
+          <a:lstStyle>
+            <a:lvl1pPr algn="ctr" defTabSz="914400" rtl="0" eaLnBrk="1" latinLnBrk="0" hangingPunct="1">
+              <a:lnSpc>
+                <a:spcPct val="90000"/>
+              </a:lnSpc>
+              <a:spcBef>
+                <a:spcPct val="0"/>
+              </a:spcBef>
+              <a:buNone/>
+              <a:defRPr sz="2800" kern="1200" cap="all" spc="200" baseline="0">
+                <a:solidFill>
+                  <a:srgbClr val="262626"/>
+                </a:solidFill>
+                <a:latin typeface="+mj-lt"/>
+                <a:ea typeface="+mj-ea"/>
+                <a:cs typeface="+mj-cs"/>
+              </a:defRPr>
+            </a:lvl1pPr>
+          </a:lstStyle>
+          <a:p>
+            <a:r>
+              <a:rPr lang="en-GB" dirty="0">
+                <a:latin typeface="Arial Nova Cond" panose="020B0506020202020204" pitchFamily="34" charset="0"/>
+              </a:rPr>
+              <a:t>Stress testing</a:t>
+            </a:r>
+            <a:endParaRPr lang="el-GR" dirty="0">
               <a:latin typeface="Arial Nova Cond" panose="020B0506020202020204" pitchFamily="34" charset="0"/>
             </a:endParaRPr>
           </a:p>
@@ -4325,35 +4755,47 @@
       </p:grpSpPr>
       <p:sp>
         <p:nvSpPr>
-          <p:cNvPr id="2" name="Τίτλος 1">
+          <p:cNvPr id="5" name="Ορθογώνιο 4">
             <a:extLst>
               <a:ext uri="{FF2B5EF4-FFF2-40B4-BE49-F238E27FC236}">
-                <a16:creationId xmlns:a16="http://schemas.microsoft.com/office/drawing/2014/main" id="{C879FCF7-4DE0-CF4B-1615-78B0381E3BCA}"/>
+                <a16:creationId xmlns:a16="http://schemas.microsoft.com/office/drawing/2014/main" id="{98F40762-B391-0C52-FB8C-C1A9FBAD7CE8}"/>
               </a:ext>
             </a:extLst>
           </p:cNvPr>
-          <p:cNvSpPr>
-            <a:spLocks noGrp="1"/>
-          </p:cNvSpPr>
-          <p:nvPr>
-            <p:ph type="title"/>
-          </p:nvPr>
-        </p:nvSpPr>
-        <p:spPr/>
-        <p:txBody>
-          <a:bodyPr/>
+          <p:cNvSpPr/>
+          <p:nvPr/>
+        </p:nvSpPr>
+        <p:spPr>
+          <a:xfrm>
+            <a:off x="0" y="5938684"/>
+            <a:ext cx="12192000" cy="919316"/>
+          </a:xfrm>
+          <a:prstGeom prst="rect">
+            <a:avLst/>
+          </a:prstGeom>
+        </p:spPr>
+        <p:style>
+          <a:lnRef idx="2">
+            <a:schemeClr val="accent1">
+              <a:shade val="15000"/>
+            </a:schemeClr>
+          </a:lnRef>
+          <a:fillRef idx="1">
+            <a:schemeClr val="accent1"/>
+          </a:fillRef>
+          <a:effectRef idx="0">
+            <a:schemeClr val="accent1"/>
+          </a:effectRef>
+          <a:fontRef idx="minor">
+            <a:schemeClr val="lt1"/>
+          </a:fontRef>
+        </p:style>
+        <p:txBody>
+          <a:bodyPr rtlCol="0" anchor="ctr"/>
           <a:lstStyle/>
           <a:p>
             <a:pPr algn="ctr"/>
-            <a:r>
-              <a:rPr lang="en-GB" dirty="0">
-                <a:latin typeface="Arial Nova Cond" panose="020B0506020202020204" pitchFamily="34" charset="0"/>
-              </a:rPr>
-              <a:t>Regression Testing</a:t>
-            </a:r>
-            <a:endParaRPr lang="el-GR" dirty="0">
-              <a:latin typeface="Arial Nova Cond" panose="020B0506020202020204" pitchFamily="34" charset="0"/>
-            </a:endParaRPr>
+            <a:endParaRPr lang="el-GR" dirty="0"/>
           </a:p>
         </p:txBody>
       </p:sp>
@@ -4373,145 +4815,420 @@
             <p:ph idx="1"/>
           </p:nvPr>
         </p:nvSpPr>
-        <p:spPr/>
-        <p:txBody>
-          <a:bodyPr/>
+        <p:spPr>
+          <a:xfrm>
+            <a:off x="2231136" y="1509432"/>
+            <a:ext cx="7729728" cy="4429252"/>
+          </a:xfrm>
+        </p:spPr>
+        <p:txBody>
+          <a:bodyPr>
+            <a:noAutofit/>
+          </a:bodyPr>
           <a:lstStyle/>
+          <a:p>
+            <a:r>
+              <a:rPr lang="en-GB" sz="2500" dirty="0">
+                <a:latin typeface="Arial Nova Cond" panose="020B0506020202020204" pitchFamily="34" charset="0"/>
+              </a:rPr>
+              <a:t>Running back previous tests for old bugs after every change of code</a:t>
+            </a:r>
+          </a:p>
+          <a:p>
+            <a:endParaRPr lang="en-GB" sz="2500" dirty="0">
+              <a:latin typeface="Arial Nova Cond" panose="020B0506020202020204" pitchFamily="34" charset="0"/>
+            </a:endParaRPr>
+          </a:p>
+          <a:p>
+            <a:r>
+              <a:rPr lang="en-GB" sz="2500" dirty="0">
+                <a:latin typeface="Arial Nova Cond" panose="020B0506020202020204" pitchFamily="34" charset="0"/>
+              </a:rPr>
+              <a:t>Reduced risk of unexpected crashes </a:t>
+            </a:r>
+          </a:p>
+          <a:p>
+            <a:endParaRPr lang="en-GB" sz="2500" dirty="0">
+              <a:latin typeface="Arial Nova Cond" panose="020B0506020202020204" pitchFamily="34" charset="0"/>
+            </a:endParaRPr>
+          </a:p>
+          <a:p>
+            <a:r>
+              <a:rPr lang="en-GB" sz="2500" dirty="0">
+                <a:latin typeface="Arial Nova Cond" panose="020B0506020202020204" pitchFamily="34" charset="0"/>
+              </a:rPr>
+              <a:t>Time-consuming without automation</a:t>
+            </a:r>
+          </a:p>
+          <a:p>
+            <a:endParaRPr lang="en-GB" sz="2500" dirty="0">
+              <a:latin typeface="Arial Nova Cond" panose="020B0506020202020204" pitchFamily="34" charset="0"/>
+            </a:endParaRPr>
+          </a:p>
+          <a:p>
+            <a:r>
+              <a:rPr lang="en-GB" sz="2500" dirty="0">
+                <a:latin typeface="Arial Nova Cond" panose="020B0506020202020204" pitchFamily="34" charset="0"/>
+              </a:rPr>
+              <a:t>Several techniques: Retest everything, partial testing, prioritization</a:t>
+            </a:r>
+            <a:endParaRPr lang="el-GR" sz="2500" dirty="0">
+              <a:latin typeface="Arial Nova Cond" panose="020B0506020202020204" pitchFamily="34" charset="0"/>
+            </a:endParaRPr>
+          </a:p>
+        </p:txBody>
+      </p:sp>
+      <p:sp>
+        <p:nvSpPr>
+          <p:cNvPr id="4" name="Θέση αριθμού διαφάνειας 4">
+            <a:extLst>
+              <a:ext uri="{FF2B5EF4-FFF2-40B4-BE49-F238E27FC236}">
+                <a16:creationId xmlns:a16="http://schemas.microsoft.com/office/drawing/2014/main" id="{56A394F0-1381-FAF0-B7D4-3671C8BBD9D2}"/>
+              </a:ext>
+            </a:extLst>
+          </p:cNvPr>
+          <p:cNvSpPr txBox="1">
+            <a:spLocks/>
+          </p:cNvSpPr>
+          <p:nvPr/>
+        </p:nvSpPr>
+        <p:spPr>
+          <a:xfrm>
+            <a:off x="11375922" y="6266655"/>
+            <a:ext cx="410497" cy="365125"/>
+          </a:xfrm>
+          <a:prstGeom prst="ellipse">
+            <a:avLst/>
+          </a:prstGeom>
+          <a:solidFill>
+            <a:srgbClr val="1D1D1D">
+              <a:alpha val="70000"/>
+            </a:srgbClr>
+          </a:solidFill>
+        </p:spPr>
+        <p:txBody>
+          <a:bodyPr vert="horz" lIns="18288" tIns="45720" rIns="18288" bIns="45720" rtlCol="0" anchor="ctr">
+            <a:noAutofit/>
+          </a:bodyPr>
+          <a:lstStyle>
+            <a:defPPr>
+              <a:defRPr lang="en-US"/>
+            </a:defPPr>
+            <a:lvl1pPr marL="0" algn="ctr" defTabSz="457200" rtl="0" eaLnBrk="1" latinLnBrk="0" hangingPunct="1">
+              <a:defRPr sz="1100" kern="1200" spc="0" baseline="0">
+                <a:solidFill>
+                  <a:srgbClr val="FFFFFF"/>
+                </a:solidFill>
+                <a:latin typeface="+mn-lt"/>
+                <a:ea typeface="+mn-ea"/>
+                <a:cs typeface="+mn-cs"/>
+              </a:defRPr>
+            </a:lvl1pPr>
+            <a:lvl2pPr marL="457200" algn="l" defTabSz="457200" rtl="0" eaLnBrk="1" latinLnBrk="0" hangingPunct="1">
+              <a:defRPr sz="1800" kern="1200">
+                <a:solidFill>
+                  <a:schemeClr val="tx1"/>
+                </a:solidFill>
+                <a:latin typeface="+mn-lt"/>
+                <a:ea typeface="+mn-ea"/>
+                <a:cs typeface="+mn-cs"/>
+              </a:defRPr>
+            </a:lvl2pPr>
+            <a:lvl3pPr marL="914400" algn="l" defTabSz="457200" rtl="0" eaLnBrk="1" latinLnBrk="0" hangingPunct="1">
+              <a:defRPr sz="1800" kern="1200">
+                <a:solidFill>
+                  <a:schemeClr val="tx1"/>
+                </a:solidFill>
+                <a:latin typeface="+mn-lt"/>
+                <a:ea typeface="+mn-ea"/>
+                <a:cs typeface="+mn-cs"/>
+              </a:defRPr>
+            </a:lvl3pPr>
+            <a:lvl4pPr marL="1371600" algn="l" defTabSz="457200" rtl="0" eaLnBrk="1" latinLnBrk="0" hangingPunct="1">
+              <a:defRPr sz="1800" kern="1200">
+                <a:solidFill>
+                  <a:schemeClr val="tx1"/>
+                </a:solidFill>
+                <a:latin typeface="+mn-lt"/>
+                <a:ea typeface="+mn-ea"/>
+                <a:cs typeface="+mn-cs"/>
+              </a:defRPr>
+            </a:lvl4pPr>
+            <a:lvl5pPr marL="1828800" algn="l" defTabSz="457200" rtl="0" eaLnBrk="1" latinLnBrk="0" hangingPunct="1">
+              <a:defRPr sz="1800" kern="1200">
+                <a:solidFill>
+                  <a:schemeClr val="tx1"/>
+                </a:solidFill>
+                <a:latin typeface="+mn-lt"/>
+                <a:ea typeface="+mn-ea"/>
+                <a:cs typeface="+mn-cs"/>
+              </a:defRPr>
+            </a:lvl5pPr>
+            <a:lvl6pPr marL="2286000" algn="l" defTabSz="457200" rtl="0" eaLnBrk="1" latinLnBrk="0" hangingPunct="1">
+              <a:defRPr sz="1800" kern="1200">
+                <a:solidFill>
+                  <a:schemeClr val="tx1"/>
+                </a:solidFill>
+                <a:latin typeface="+mn-lt"/>
+                <a:ea typeface="+mn-ea"/>
+                <a:cs typeface="+mn-cs"/>
+              </a:defRPr>
+            </a:lvl6pPr>
+            <a:lvl7pPr marL="2743200" algn="l" defTabSz="457200" rtl="0" eaLnBrk="1" latinLnBrk="0" hangingPunct="1">
+              <a:defRPr sz="1800" kern="1200">
+                <a:solidFill>
+                  <a:schemeClr val="tx1"/>
+                </a:solidFill>
+                <a:latin typeface="+mn-lt"/>
+                <a:ea typeface="+mn-ea"/>
+                <a:cs typeface="+mn-cs"/>
+              </a:defRPr>
+            </a:lvl7pPr>
+            <a:lvl8pPr marL="3200400" algn="l" defTabSz="457200" rtl="0" eaLnBrk="1" latinLnBrk="0" hangingPunct="1">
+              <a:defRPr sz="1800" kern="1200">
+                <a:solidFill>
+                  <a:schemeClr val="tx1"/>
+                </a:solidFill>
+                <a:latin typeface="+mn-lt"/>
+                <a:ea typeface="+mn-ea"/>
+                <a:cs typeface="+mn-cs"/>
+              </a:defRPr>
+            </a:lvl8pPr>
+            <a:lvl9pPr marL="3657600" algn="l" defTabSz="457200" rtl="0" eaLnBrk="1" latinLnBrk="0" hangingPunct="1">
+              <a:defRPr sz="1800" kern="1200">
+                <a:solidFill>
+                  <a:schemeClr val="tx1"/>
+                </a:solidFill>
+                <a:latin typeface="+mn-lt"/>
+                <a:ea typeface="+mn-ea"/>
+                <a:cs typeface="+mn-cs"/>
+              </a:defRPr>
+            </a:lvl9pPr>
+          </a:lstStyle>
+          <a:p>
+            <a:r>
+              <a:rPr lang="en-GB" sz="2000" dirty="0">
+                <a:solidFill>
+                  <a:schemeClr val="bg1"/>
+                </a:solidFill>
+                <a:latin typeface="Arial Nova Cond" panose="020B0506020202020204" pitchFamily="34" charset="0"/>
+              </a:rPr>
+              <a:t>2</a:t>
+            </a:r>
+            <a:endParaRPr lang="el-GR" sz="2000" dirty="0">
+              <a:solidFill>
+                <a:schemeClr val="bg1"/>
+              </a:solidFill>
+              <a:latin typeface="Arial Nova Cond" panose="020B0506020202020204" pitchFamily="34" charset="0"/>
+            </a:endParaRPr>
+          </a:p>
+        </p:txBody>
+      </p:sp>
+      <p:sp>
+        <p:nvSpPr>
+          <p:cNvPr id="6" name="Θέση υποσέλιδου 3">
+            <a:extLst>
+              <a:ext uri="{FF2B5EF4-FFF2-40B4-BE49-F238E27FC236}">
+                <a16:creationId xmlns:a16="http://schemas.microsoft.com/office/drawing/2014/main" id="{8EDC96F7-3B0B-5F4A-8F00-DDCC0BF756F9}"/>
+              </a:ext>
+            </a:extLst>
+          </p:cNvPr>
+          <p:cNvSpPr txBox="1">
+            <a:spLocks/>
+          </p:cNvSpPr>
+          <p:nvPr/>
+        </p:nvSpPr>
+        <p:spPr>
+          <a:xfrm>
+            <a:off x="2979174" y="6126086"/>
+            <a:ext cx="6233652" cy="544512"/>
+          </a:xfrm>
+          <a:prstGeom prst="rect">
+            <a:avLst/>
+          </a:prstGeom>
+        </p:spPr>
+        <p:txBody>
+          <a:bodyPr vert="horz" lIns="91440" tIns="45720" rIns="91440" bIns="45720" rtlCol="0" anchor="ctr"/>
+          <a:lstStyle>
+            <a:defPPr>
+              <a:defRPr lang="en-US"/>
+            </a:defPPr>
+            <a:lvl1pPr marL="0" algn="l" defTabSz="457200" rtl="0" eaLnBrk="1" latinLnBrk="0" hangingPunct="1">
+              <a:defRPr sz="1050" kern="1200">
+                <a:solidFill>
+                  <a:schemeClr val="tx1">
+                    <a:alpha val="70000"/>
+                  </a:schemeClr>
+                </a:solidFill>
+                <a:latin typeface="+mn-lt"/>
+                <a:ea typeface="+mn-ea"/>
+                <a:cs typeface="+mn-cs"/>
+              </a:defRPr>
+            </a:lvl1pPr>
+            <a:lvl2pPr marL="457200" algn="l" defTabSz="457200" rtl="0" eaLnBrk="1" latinLnBrk="0" hangingPunct="1">
+              <a:defRPr sz="1800" kern="1200">
+                <a:solidFill>
+                  <a:schemeClr val="tx1"/>
+                </a:solidFill>
+                <a:latin typeface="+mn-lt"/>
+                <a:ea typeface="+mn-ea"/>
+                <a:cs typeface="+mn-cs"/>
+              </a:defRPr>
+            </a:lvl2pPr>
+            <a:lvl3pPr marL="914400" algn="l" defTabSz="457200" rtl="0" eaLnBrk="1" latinLnBrk="0" hangingPunct="1">
+              <a:defRPr sz="1800" kern="1200">
+                <a:solidFill>
+                  <a:schemeClr val="tx1"/>
+                </a:solidFill>
+                <a:latin typeface="+mn-lt"/>
+                <a:ea typeface="+mn-ea"/>
+                <a:cs typeface="+mn-cs"/>
+              </a:defRPr>
+            </a:lvl3pPr>
+            <a:lvl4pPr marL="1371600" algn="l" defTabSz="457200" rtl="0" eaLnBrk="1" latinLnBrk="0" hangingPunct="1">
+              <a:defRPr sz="1800" kern="1200">
+                <a:solidFill>
+                  <a:schemeClr val="tx1"/>
+                </a:solidFill>
+                <a:latin typeface="+mn-lt"/>
+                <a:ea typeface="+mn-ea"/>
+                <a:cs typeface="+mn-cs"/>
+              </a:defRPr>
+            </a:lvl4pPr>
+            <a:lvl5pPr marL="1828800" algn="l" defTabSz="457200" rtl="0" eaLnBrk="1" latinLnBrk="0" hangingPunct="1">
+              <a:defRPr sz="1800" kern="1200">
+                <a:solidFill>
+                  <a:schemeClr val="tx1"/>
+                </a:solidFill>
+                <a:latin typeface="+mn-lt"/>
+                <a:ea typeface="+mn-ea"/>
+                <a:cs typeface="+mn-cs"/>
+              </a:defRPr>
+            </a:lvl5pPr>
+            <a:lvl6pPr marL="2286000" algn="l" defTabSz="457200" rtl="0" eaLnBrk="1" latinLnBrk="0" hangingPunct="1">
+              <a:defRPr sz="1800" kern="1200">
+                <a:solidFill>
+                  <a:schemeClr val="tx1"/>
+                </a:solidFill>
+                <a:latin typeface="+mn-lt"/>
+                <a:ea typeface="+mn-ea"/>
+                <a:cs typeface="+mn-cs"/>
+              </a:defRPr>
+            </a:lvl6pPr>
+            <a:lvl7pPr marL="2743200" algn="l" defTabSz="457200" rtl="0" eaLnBrk="1" latinLnBrk="0" hangingPunct="1">
+              <a:defRPr sz="1800" kern="1200">
+                <a:solidFill>
+                  <a:schemeClr val="tx1"/>
+                </a:solidFill>
+                <a:latin typeface="+mn-lt"/>
+                <a:ea typeface="+mn-ea"/>
+                <a:cs typeface="+mn-cs"/>
+              </a:defRPr>
+            </a:lvl7pPr>
+            <a:lvl8pPr marL="3200400" algn="l" defTabSz="457200" rtl="0" eaLnBrk="1" latinLnBrk="0" hangingPunct="1">
+              <a:defRPr sz="1800" kern="1200">
+                <a:solidFill>
+                  <a:schemeClr val="tx1"/>
+                </a:solidFill>
+                <a:latin typeface="+mn-lt"/>
+                <a:ea typeface="+mn-ea"/>
+                <a:cs typeface="+mn-cs"/>
+              </a:defRPr>
+            </a:lvl8pPr>
+            <a:lvl9pPr marL="3657600" algn="l" defTabSz="457200" rtl="0" eaLnBrk="1" latinLnBrk="0" hangingPunct="1">
+              <a:defRPr sz="1800" kern="1200">
+                <a:solidFill>
+                  <a:schemeClr val="tx1"/>
+                </a:solidFill>
+                <a:latin typeface="+mn-lt"/>
+                <a:ea typeface="+mn-ea"/>
+                <a:cs typeface="+mn-cs"/>
+              </a:defRPr>
+            </a:lvl9pPr>
+          </a:lstStyle>
+          <a:p>
+            <a:pPr algn="ctr"/>
+            <a:r>
+              <a:rPr lang="en-GB" sz="1700" dirty="0">
+                <a:solidFill>
+                  <a:schemeClr val="bg1"/>
+                </a:solidFill>
+                <a:latin typeface="Arial Nova Cond" panose="020B0506020202020204" pitchFamily="34" charset="0"/>
+              </a:rPr>
+              <a:t>STRESS VS REGRESSION TESTING</a:t>
+            </a:r>
+            <a:endParaRPr lang="el-GR" sz="1700" dirty="0">
+              <a:solidFill>
+                <a:schemeClr val="bg1"/>
+              </a:solidFill>
+              <a:latin typeface="Arial Nova Cond" panose="020B0506020202020204" pitchFamily="34" charset="0"/>
+            </a:endParaRPr>
+          </a:p>
+        </p:txBody>
+      </p:sp>
+      <p:sp>
+        <p:nvSpPr>
+          <p:cNvPr id="9" name="Τίτλος 1">
+            <a:extLst>
+              <a:ext uri="{FF2B5EF4-FFF2-40B4-BE49-F238E27FC236}">
+                <a16:creationId xmlns:a16="http://schemas.microsoft.com/office/drawing/2014/main" id="{AF00D67A-FC0C-C760-0C31-12A38649924B}"/>
+              </a:ext>
+            </a:extLst>
+          </p:cNvPr>
+          <p:cNvSpPr txBox="1">
+            <a:spLocks/>
+          </p:cNvSpPr>
+          <p:nvPr/>
+        </p:nvSpPr>
+        <p:spPr bwMode="black">
+          <a:xfrm>
+            <a:off x="838200" y="365126"/>
+            <a:ext cx="10515600" cy="956904"/>
+          </a:xfrm>
+          <a:prstGeom prst="rect">
+            <a:avLst/>
+          </a:prstGeom>
+          <a:solidFill>
+            <a:srgbClr val="FFFFFF"/>
+          </a:solidFill>
+          <a:ln w="31750" cap="sq">
+            <a:solidFill>
+              <a:srgbClr val="404040"/>
+            </a:solidFill>
+            <a:miter lim="800000"/>
+          </a:ln>
+        </p:spPr>
+        <p:txBody>
+          <a:bodyPr vert="horz" lIns="182880" tIns="182880" rIns="182880" bIns="182880" rtlCol="0" anchor="ctr">
+            <a:normAutofit/>
+          </a:bodyPr>
+          <a:lstStyle>
+            <a:lvl1pPr algn="ctr" defTabSz="914400" rtl="0" eaLnBrk="1" latinLnBrk="0" hangingPunct="1">
+              <a:lnSpc>
+                <a:spcPct val="90000"/>
+              </a:lnSpc>
+              <a:spcBef>
+                <a:spcPct val="0"/>
+              </a:spcBef>
+              <a:buNone/>
+              <a:defRPr sz="2800" kern="1200" cap="all" spc="200" baseline="0">
+                <a:solidFill>
+                  <a:srgbClr val="262626"/>
+                </a:solidFill>
+                <a:latin typeface="+mj-lt"/>
+                <a:ea typeface="+mj-ea"/>
+                <a:cs typeface="+mj-cs"/>
+              </a:defRPr>
+            </a:lvl1pPr>
+          </a:lstStyle>
           <a:p>
             <a:r>
               <a:rPr lang="en-GB" dirty="0">
                 <a:latin typeface="Arial Nova Cond" panose="020B0506020202020204" pitchFamily="34" charset="0"/>
               </a:rPr>
-              <a:t>Running back previous tests for old bugs after every change of code</a:t>
-            </a:r>
-          </a:p>
-          <a:p>
-            <a:endParaRPr lang="en-GB" dirty="0">
-              <a:latin typeface="Arial Nova Cond" panose="020B0506020202020204" pitchFamily="34" charset="0"/>
-            </a:endParaRPr>
-          </a:p>
-          <a:p>
-            <a:r>
-              <a:rPr lang="en-GB" dirty="0">
-                <a:latin typeface="Arial Nova Cond" panose="020B0506020202020204" pitchFamily="34" charset="0"/>
-              </a:rPr>
-              <a:t>Reduced risk of unexpected crashes </a:t>
-            </a:r>
-          </a:p>
-          <a:p>
-            <a:endParaRPr lang="en-GB" dirty="0">
-              <a:latin typeface="Arial Nova Cond" panose="020B0506020202020204" pitchFamily="34" charset="0"/>
-            </a:endParaRPr>
-          </a:p>
-          <a:p>
-            <a:r>
-              <a:rPr lang="en-GB" dirty="0">
-                <a:latin typeface="Arial Nova Cond" panose="020B0506020202020204" pitchFamily="34" charset="0"/>
-              </a:rPr>
-              <a:t>Time-consuming without automation</a:t>
-            </a:r>
-          </a:p>
-          <a:p>
-            <a:endParaRPr lang="en-GB" dirty="0">
-              <a:latin typeface="Arial Nova Cond" panose="020B0506020202020204" pitchFamily="34" charset="0"/>
-            </a:endParaRPr>
-          </a:p>
-          <a:p>
-            <a:r>
-              <a:rPr lang="en-GB" dirty="0">
-                <a:latin typeface="Arial Nova Cond" panose="020B0506020202020204" pitchFamily="34" charset="0"/>
-              </a:rPr>
-              <a:t>Several techniques: Retest everything, partial testing, prioritization</a:t>
+              <a:t>REGRESSION testing</a:t>
             </a:r>
             <a:endParaRPr lang="el-GR" dirty="0">
-              <a:latin typeface="Arial Nova Cond" panose="020B0506020202020204" pitchFamily="34" charset="0"/>
-            </a:endParaRPr>
-          </a:p>
-        </p:txBody>
-      </p:sp>
-      <p:sp>
-        <p:nvSpPr>
-          <p:cNvPr id="7" name="Θέση υποσέλιδου 3">
-            <a:extLst>
-              <a:ext uri="{FF2B5EF4-FFF2-40B4-BE49-F238E27FC236}">
-                <a16:creationId xmlns:a16="http://schemas.microsoft.com/office/drawing/2014/main" id="{45A843B9-A567-D89E-6783-E2848E020DEA}"/>
-              </a:ext>
-            </a:extLst>
-          </p:cNvPr>
-          <p:cNvSpPr>
-            <a:spLocks noGrp="1"/>
-          </p:cNvSpPr>
-          <p:nvPr>
-            <p:ph type="ftr" sz="quarter" idx="11"/>
-          </p:nvPr>
-        </p:nvSpPr>
-        <p:spPr>
-          <a:xfrm>
-            <a:off x="2979174" y="6176962"/>
-            <a:ext cx="6233652" cy="544512"/>
-          </a:xfrm>
-        </p:spPr>
-        <p:txBody>
-          <a:bodyPr/>
-          <a:lstStyle/>
-          <a:p>
-            <a:r>
-              <a:rPr lang="en-GB" sz="1700" dirty="0">
-                <a:solidFill>
-                  <a:schemeClr val="tx1"/>
-                </a:solidFill>
-                <a:latin typeface="Arial Nova Cond" panose="020B0506020202020204" pitchFamily="34" charset="0"/>
-              </a:rPr>
-              <a:t>STRESS VS REGRESSION TESTING</a:t>
-            </a:r>
-            <a:endParaRPr lang="el-GR" sz="1700" dirty="0">
-              <a:solidFill>
-                <a:schemeClr val="tx1"/>
-              </a:solidFill>
-              <a:latin typeface="Arial Nova Cond" panose="020B0506020202020204" pitchFamily="34" charset="0"/>
-            </a:endParaRPr>
-          </a:p>
-        </p:txBody>
-      </p:sp>
-      <p:sp>
-        <p:nvSpPr>
-          <p:cNvPr id="8" name="Θέση αριθμού διαφάνειας 4">
-            <a:extLst>
-              <a:ext uri="{FF2B5EF4-FFF2-40B4-BE49-F238E27FC236}">
-                <a16:creationId xmlns:a16="http://schemas.microsoft.com/office/drawing/2014/main" id="{5CFFD323-BB11-C22B-48DD-205B4CB939CC}"/>
-              </a:ext>
-            </a:extLst>
-          </p:cNvPr>
-          <p:cNvSpPr>
-            <a:spLocks noGrp="1"/>
-          </p:cNvSpPr>
-          <p:nvPr>
-            <p:ph type="sldNum" sz="quarter" idx="12"/>
-          </p:nvPr>
-        </p:nvSpPr>
-        <p:spPr>
-          <a:xfrm>
-            <a:off x="9043220" y="6266655"/>
-            <a:ext cx="2743200" cy="365125"/>
-          </a:xfrm>
-        </p:spPr>
-        <p:txBody>
-          <a:bodyPr/>
-          <a:lstStyle/>
-          <a:p>
-            <a:r>
-              <a:rPr lang="en-GB" sz="2000" dirty="0">
-                <a:solidFill>
-                  <a:schemeClr val="tx1"/>
-                </a:solidFill>
-                <a:latin typeface="Arial Nova Cond" panose="020B0506020202020204" pitchFamily="34" charset="0"/>
-              </a:rPr>
-              <a:t>2</a:t>
-            </a:r>
-            <a:endParaRPr lang="el-GR" sz="2000" dirty="0">
-              <a:solidFill>
-                <a:schemeClr val="tx1"/>
-              </a:solidFill>
               <a:latin typeface="Arial Nova Cond" panose="020B0506020202020204" pitchFamily="34" charset="0"/>
             </a:endParaRPr>
           </a:p>
@@ -4561,6 +5278,52 @@
       </p:grpSpPr>
       <p:sp>
         <p:nvSpPr>
+          <p:cNvPr id="6" name="Ορθογώνιο 5">
+            <a:extLst>
+              <a:ext uri="{FF2B5EF4-FFF2-40B4-BE49-F238E27FC236}">
+                <a16:creationId xmlns:a16="http://schemas.microsoft.com/office/drawing/2014/main" id="{9022BB98-8C34-AC1B-CC0F-6E004412C64F}"/>
+              </a:ext>
+            </a:extLst>
+          </p:cNvPr>
+          <p:cNvSpPr/>
+          <p:nvPr/>
+        </p:nvSpPr>
+        <p:spPr>
+          <a:xfrm>
+            <a:off x="0" y="5938684"/>
+            <a:ext cx="12192000" cy="919316"/>
+          </a:xfrm>
+          <a:prstGeom prst="rect">
+            <a:avLst/>
+          </a:prstGeom>
+        </p:spPr>
+        <p:style>
+          <a:lnRef idx="2">
+            <a:schemeClr val="accent1">
+              <a:shade val="15000"/>
+            </a:schemeClr>
+          </a:lnRef>
+          <a:fillRef idx="1">
+            <a:schemeClr val="accent1"/>
+          </a:fillRef>
+          <a:effectRef idx="0">
+            <a:schemeClr val="accent1"/>
+          </a:effectRef>
+          <a:fontRef idx="minor">
+            <a:schemeClr val="lt1"/>
+          </a:fontRef>
+        </p:style>
+        <p:txBody>
+          <a:bodyPr rtlCol="0" anchor="ctr"/>
+          <a:lstStyle/>
+          <a:p>
+            <a:pPr algn="ctr"/>
+            <a:endParaRPr lang="el-GR" dirty="0"/>
+          </a:p>
+        </p:txBody>
+      </p:sp>
+      <p:sp>
+        <p:nvSpPr>
           <p:cNvPr id="2" name="Τίτλος 1">
             <a:extLst>
               <a:ext uri="{FF2B5EF4-FFF2-40B4-BE49-F238E27FC236}">
@@ -4577,20 +5340,20 @@
         </p:nvSpPr>
         <p:spPr>
           <a:xfrm>
-            <a:off x="838200" y="365125"/>
-            <a:ext cx="5257800" cy="1325563"/>
+            <a:off x="838199" y="365125"/>
+            <a:ext cx="10948219" cy="1325563"/>
           </a:xfrm>
         </p:spPr>
         <p:txBody>
           <a:bodyPr/>
           <a:lstStyle/>
           <a:p>
-            <a:pPr algn="ctr"/>
+            <a:pPr algn="just"/>
             <a:r>
               <a:rPr lang="en-GB" dirty="0">
                 <a:latin typeface="Arial Nova Cond" panose="020B0506020202020204" pitchFamily="34" charset="0"/>
               </a:rPr>
-              <a:t>Stress Testing </a:t>
+              <a:t>      Stress Testing         vs         regression testing</a:t>
             </a:r>
             <a:endParaRPr lang="el-GR" dirty="0">
               <a:latin typeface="Arial Nova Cond" panose="020B0506020202020204" pitchFamily="34" charset="0"/>
@@ -4616,49 +5379,49 @@
         </p:nvSpPr>
         <p:spPr>
           <a:xfrm>
-            <a:off x="6096000" y="2056684"/>
-            <a:ext cx="5257800" cy="3370722"/>
+            <a:off x="6248400" y="1953266"/>
+            <a:ext cx="5105400" cy="3985417"/>
           </a:xfrm>
         </p:spPr>
         <p:txBody>
           <a:bodyPr>
-            <a:normAutofit/>
+            <a:noAutofit/>
           </a:bodyPr>
           <a:lstStyle/>
           <a:p>
             <a:r>
-              <a:rPr lang="en-GB" dirty="0">
+              <a:rPr lang="en-GB" sz="2700" dirty="0">
                 <a:latin typeface="Arial Nova Cond" panose="020B0506020202020204" pitchFamily="34" charset="0"/>
               </a:rPr>
               <a:t>Ensure system works as expected after a new change in the system</a:t>
             </a:r>
           </a:p>
           <a:p>
-            <a:endParaRPr lang="en-GB" dirty="0">
+            <a:endParaRPr lang="en-GB" sz="3200" dirty="0">
               <a:latin typeface="Arial Nova Cond" panose="020B0506020202020204" pitchFamily="34" charset="0"/>
             </a:endParaRPr>
           </a:p>
           <a:p>
             <a:r>
-              <a:rPr lang="en-GB" dirty="0">
+              <a:rPr lang="en-GB" sz="2700" dirty="0">
                 <a:latin typeface="Arial Nova Cond" panose="020B0506020202020204" pitchFamily="34" charset="0"/>
               </a:rPr>
               <a:t>Functionality, quality</a:t>
             </a:r>
           </a:p>
           <a:p>
-            <a:endParaRPr lang="en-GB" dirty="0">
+            <a:endParaRPr lang="en-GB" sz="2000" dirty="0">
               <a:latin typeface="Arial Nova Cond" panose="020B0506020202020204" pitchFamily="34" charset="0"/>
             </a:endParaRPr>
           </a:p>
           <a:p>
             <a:r>
-              <a:rPr lang="en-GB" dirty="0">
+              <a:rPr lang="en-GB" sz="2700" dirty="0">
                 <a:latin typeface="Arial Nova Cond" panose="020B0506020202020204" pitchFamily="34" charset="0"/>
               </a:rPr>
               <a:t>Important after every bug fix or code change in general</a:t>
             </a:r>
-            <a:endParaRPr lang="el-GR" dirty="0">
+            <a:endParaRPr lang="el-GR" sz="2700" dirty="0">
               <a:latin typeface="Arial Nova Cond" panose="020B0506020202020204" pitchFamily="34" charset="0"/>
             </a:endParaRPr>
           </a:p>
@@ -4666,10 +5429,10 @@
       </p:sp>
       <p:sp>
         <p:nvSpPr>
-          <p:cNvPr id="4" name="Τίτλος 1">
+          <p:cNvPr id="7" name="Θέση αριθμού διαφάνειας 4">
             <a:extLst>
               <a:ext uri="{FF2B5EF4-FFF2-40B4-BE49-F238E27FC236}">
-                <a16:creationId xmlns:a16="http://schemas.microsoft.com/office/drawing/2014/main" id="{618C6BE5-C6A5-940F-085F-76D8FA3BF72D}"/>
+                <a16:creationId xmlns:a16="http://schemas.microsoft.com/office/drawing/2014/main" id="{B984E37D-9DD0-A85E-23FB-EBB95BD1EB1F}"/>
               </a:ext>
             </a:extLst>
           </p:cNvPr>
@@ -4680,45 +5443,273 @@
         </p:nvSpPr>
         <p:spPr>
           <a:xfrm>
-            <a:off x="6096000" y="365124"/>
-            <a:ext cx="5257800" cy="1325563"/>
+            <a:off x="11375922" y="6266655"/>
+            <a:ext cx="410497" cy="365125"/>
+          </a:xfrm>
+          <a:prstGeom prst="ellipse">
+            <a:avLst/>
+          </a:prstGeom>
+          <a:solidFill>
+            <a:srgbClr val="1D1D1D">
+              <a:alpha val="70000"/>
+            </a:srgbClr>
+          </a:solidFill>
+        </p:spPr>
+        <p:txBody>
+          <a:bodyPr vert="horz" lIns="18288" tIns="45720" rIns="18288" bIns="45720" rtlCol="0" anchor="ctr">
+            <a:noAutofit/>
+          </a:bodyPr>
+          <a:lstStyle>
+            <a:defPPr>
+              <a:defRPr lang="en-US"/>
+            </a:defPPr>
+            <a:lvl1pPr marL="0" algn="ctr" defTabSz="457200" rtl="0" eaLnBrk="1" latinLnBrk="0" hangingPunct="1">
+              <a:defRPr sz="1100" kern="1200" spc="0" baseline="0">
+                <a:solidFill>
+                  <a:srgbClr val="FFFFFF"/>
+                </a:solidFill>
+                <a:latin typeface="+mn-lt"/>
+                <a:ea typeface="+mn-ea"/>
+                <a:cs typeface="+mn-cs"/>
+              </a:defRPr>
+            </a:lvl1pPr>
+            <a:lvl2pPr marL="457200" algn="l" defTabSz="457200" rtl="0" eaLnBrk="1" latinLnBrk="0" hangingPunct="1">
+              <a:defRPr sz="1800" kern="1200">
+                <a:solidFill>
+                  <a:schemeClr val="tx1"/>
+                </a:solidFill>
+                <a:latin typeface="+mn-lt"/>
+                <a:ea typeface="+mn-ea"/>
+                <a:cs typeface="+mn-cs"/>
+              </a:defRPr>
+            </a:lvl2pPr>
+            <a:lvl3pPr marL="914400" algn="l" defTabSz="457200" rtl="0" eaLnBrk="1" latinLnBrk="0" hangingPunct="1">
+              <a:defRPr sz="1800" kern="1200">
+                <a:solidFill>
+                  <a:schemeClr val="tx1"/>
+                </a:solidFill>
+                <a:latin typeface="+mn-lt"/>
+                <a:ea typeface="+mn-ea"/>
+                <a:cs typeface="+mn-cs"/>
+              </a:defRPr>
+            </a:lvl3pPr>
+            <a:lvl4pPr marL="1371600" algn="l" defTabSz="457200" rtl="0" eaLnBrk="1" latinLnBrk="0" hangingPunct="1">
+              <a:defRPr sz="1800" kern="1200">
+                <a:solidFill>
+                  <a:schemeClr val="tx1"/>
+                </a:solidFill>
+                <a:latin typeface="+mn-lt"/>
+                <a:ea typeface="+mn-ea"/>
+                <a:cs typeface="+mn-cs"/>
+              </a:defRPr>
+            </a:lvl4pPr>
+            <a:lvl5pPr marL="1828800" algn="l" defTabSz="457200" rtl="0" eaLnBrk="1" latinLnBrk="0" hangingPunct="1">
+              <a:defRPr sz="1800" kern="1200">
+                <a:solidFill>
+                  <a:schemeClr val="tx1"/>
+                </a:solidFill>
+                <a:latin typeface="+mn-lt"/>
+                <a:ea typeface="+mn-ea"/>
+                <a:cs typeface="+mn-cs"/>
+              </a:defRPr>
+            </a:lvl5pPr>
+            <a:lvl6pPr marL="2286000" algn="l" defTabSz="457200" rtl="0" eaLnBrk="1" latinLnBrk="0" hangingPunct="1">
+              <a:defRPr sz="1800" kern="1200">
+                <a:solidFill>
+                  <a:schemeClr val="tx1"/>
+                </a:solidFill>
+                <a:latin typeface="+mn-lt"/>
+                <a:ea typeface="+mn-ea"/>
+                <a:cs typeface="+mn-cs"/>
+              </a:defRPr>
+            </a:lvl6pPr>
+            <a:lvl7pPr marL="2743200" algn="l" defTabSz="457200" rtl="0" eaLnBrk="1" latinLnBrk="0" hangingPunct="1">
+              <a:defRPr sz="1800" kern="1200">
+                <a:solidFill>
+                  <a:schemeClr val="tx1"/>
+                </a:solidFill>
+                <a:latin typeface="+mn-lt"/>
+                <a:ea typeface="+mn-ea"/>
+                <a:cs typeface="+mn-cs"/>
+              </a:defRPr>
+            </a:lvl7pPr>
+            <a:lvl8pPr marL="3200400" algn="l" defTabSz="457200" rtl="0" eaLnBrk="1" latinLnBrk="0" hangingPunct="1">
+              <a:defRPr sz="1800" kern="1200">
+                <a:solidFill>
+                  <a:schemeClr val="tx1"/>
+                </a:solidFill>
+                <a:latin typeface="+mn-lt"/>
+                <a:ea typeface="+mn-ea"/>
+                <a:cs typeface="+mn-cs"/>
+              </a:defRPr>
+            </a:lvl8pPr>
+            <a:lvl9pPr marL="3657600" algn="l" defTabSz="457200" rtl="0" eaLnBrk="1" latinLnBrk="0" hangingPunct="1">
+              <a:defRPr sz="1800" kern="1200">
+                <a:solidFill>
+                  <a:schemeClr val="tx1"/>
+                </a:solidFill>
+                <a:latin typeface="+mn-lt"/>
+                <a:ea typeface="+mn-ea"/>
+                <a:cs typeface="+mn-cs"/>
+              </a:defRPr>
+            </a:lvl9pPr>
+          </a:lstStyle>
+          <a:p>
+            <a:r>
+              <a:rPr lang="en-GB" sz="2000" dirty="0">
+                <a:solidFill>
+                  <a:schemeClr val="bg1"/>
+                </a:solidFill>
+                <a:latin typeface="Arial Nova Cond" panose="020B0506020202020204" pitchFamily="34" charset="0"/>
+              </a:rPr>
+              <a:t>3</a:t>
+            </a:r>
+            <a:endParaRPr lang="el-GR" sz="2000" dirty="0">
+              <a:solidFill>
+                <a:schemeClr val="bg1"/>
+              </a:solidFill>
+              <a:latin typeface="Arial Nova Cond" panose="020B0506020202020204" pitchFamily="34" charset="0"/>
+            </a:endParaRPr>
+          </a:p>
+        </p:txBody>
+      </p:sp>
+      <p:sp>
+        <p:nvSpPr>
+          <p:cNvPr id="11" name="Θέση υποσέλιδου 3">
+            <a:extLst>
+              <a:ext uri="{FF2B5EF4-FFF2-40B4-BE49-F238E27FC236}">
+                <a16:creationId xmlns:a16="http://schemas.microsoft.com/office/drawing/2014/main" id="{896BF7DA-792D-BE63-51F5-D8D3AA52980A}"/>
+              </a:ext>
+            </a:extLst>
+          </p:cNvPr>
+          <p:cNvSpPr txBox="1">
+            <a:spLocks/>
+          </p:cNvSpPr>
+          <p:nvPr/>
+        </p:nvSpPr>
+        <p:spPr>
+          <a:xfrm>
+            <a:off x="2979174" y="6126086"/>
+            <a:ext cx="6233652" cy="544512"/>
           </a:xfrm>
           <a:prstGeom prst="rect">
             <a:avLst/>
           </a:prstGeom>
         </p:spPr>
         <p:txBody>
-          <a:bodyPr vert="horz" lIns="91440" tIns="45720" rIns="91440" bIns="45720" rtlCol="0" anchor="ctr">
-            <a:normAutofit/>
-          </a:bodyPr>
+          <a:bodyPr vert="horz" lIns="91440" tIns="45720" rIns="91440" bIns="45720" rtlCol="0" anchor="ctr"/>
           <a:lstStyle>
-            <a:lvl1pPr algn="l" defTabSz="914400" rtl="0" eaLnBrk="1" latinLnBrk="0" hangingPunct="1">
-              <a:lnSpc>
-                <a:spcPct val="90000"/>
-              </a:lnSpc>
-              <a:spcBef>
-                <a:spcPct val="0"/>
-              </a:spcBef>
-              <a:buNone/>
-              <a:defRPr sz="4400" kern="1200">
-                <a:solidFill>
-                  <a:schemeClr val="tx1"/>
-                </a:solidFill>
-                <a:latin typeface="+mj-lt"/>
-                <a:ea typeface="+mj-ea"/>
-                <a:cs typeface="+mj-cs"/>
+            <a:defPPr>
+              <a:defRPr lang="en-US"/>
+            </a:defPPr>
+            <a:lvl1pPr marL="0" algn="l" defTabSz="457200" rtl="0" eaLnBrk="1" latinLnBrk="0" hangingPunct="1">
+              <a:defRPr sz="1050" kern="1200">
+                <a:solidFill>
+                  <a:schemeClr val="tx1">
+                    <a:alpha val="70000"/>
+                  </a:schemeClr>
+                </a:solidFill>
+                <a:latin typeface="+mn-lt"/>
+                <a:ea typeface="+mn-ea"/>
+                <a:cs typeface="+mn-cs"/>
               </a:defRPr>
             </a:lvl1pPr>
+            <a:lvl2pPr marL="457200" algn="l" defTabSz="457200" rtl="0" eaLnBrk="1" latinLnBrk="0" hangingPunct="1">
+              <a:defRPr sz="1800" kern="1200">
+                <a:solidFill>
+                  <a:schemeClr val="tx1"/>
+                </a:solidFill>
+                <a:latin typeface="+mn-lt"/>
+                <a:ea typeface="+mn-ea"/>
+                <a:cs typeface="+mn-cs"/>
+              </a:defRPr>
+            </a:lvl2pPr>
+            <a:lvl3pPr marL="914400" algn="l" defTabSz="457200" rtl="0" eaLnBrk="1" latinLnBrk="0" hangingPunct="1">
+              <a:defRPr sz="1800" kern="1200">
+                <a:solidFill>
+                  <a:schemeClr val="tx1"/>
+                </a:solidFill>
+                <a:latin typeface="+mn-lt"/>
+                <a:ea typeface="+mn-ea"/>
+                <a:cs typeface="+mn-cs"/>
+              </a:defRPr>
+            </a:lvl3pPr>
+            <a:lvl4pPr marL="1371600" algn="l" defTabSz="457200" rtl="0" eaLnBrk="1" latinLnBrk="0" hangingPunct="1">
+              <a:defRPr sz="1800" kern="1200">
+                <a:solidFill>
+                  <a:schemeClr val="tx1"/>
+                </a:solidFill>
+                <a:latin typeface="+mn-lt"/>
+                <a:ea typeface="+mn-ea"/>
+                <a:cs typeface="+mn-cs"/>
+              </a:defRPr>
+            </a:lvl4pPr>
+            <a:lvl5pPr marL="1828800" algn="l" defTabSz="457200" rtl="0" eaLnBrk="1" latinLnBrk="0" hangingPunct="1">
+              <a:defRPr sz="1800" kern="1200">
+                <a:solidFill>
+                  <a:schemeClr val="tx1"/>
+                </a:solidFill>
+                <a:latin typeface="+mn-lt"/>
+                <a:ea typeface="+mn-ea"/>
+                <a:cs typeface="+mn-cs"/>
+              </a:defRPr>
+            </a:lvl5pPr>
+            <a:lvl6pPr marL="2286000" algn="l" defTabSz="457200" rtl="0" eaLnBrk="1" latinLnBrk="0" hangingPunct="1">
+              <a:defRPr sz="1800" kern="1200">
+                <a:solidFill>
+                  <a:schemeClr val="tx1"/>
+                </a:solidFill>
+                <a:latin typeface="+mn-lt"/>
+                <a:ea typeface="+mn-ea"/>
+                <a:cs typeface="+mn-cs"/>
+              </a:defRPr>
+            </a:lvl6pPr>
+            <a:lvl7pPr marL="2743200" algn="l" defTabSz="457200" rtl="0" eaLnBrk="1" latinLnBrk="0" hangingPunct="1">
+              <a:defRPr sz="1800" kern="1200">
+                <a:solidFill>
+                  <a:schemeClr val="tx1"/>
+                </a:solidFill>
+                <a:latin typeface="+mn-lt"/>
+                <a:ea typeface="+mn-ea"/>
+                <a:cs typeface="+mn-cs"/>
+              </a:defRPr>
+            </a:lvl7pPr>
+            <a:lvl8pPr marL="3200400" algn="l" defTabSz="457200" rtl="0" eaLnBrk="1" latinLnBrk="0" hangingPunct="1">
+              <a:defRPr sz="1800" kern="1200">
+                <a:solidFill>
+                  <a:schemeClr val="tx1"/>
+                </a:solidFill>
+                <a:latin typeface="+mn-lt"/>
+                <a:ea typeface="+mn-ea"/>
+                <a:cs typeface="+mn-cs"/>
+              </a:defRPr>
+            </a:lvl8pPr>
+            <a:lvl9pPr marL="3657600" algn="l" defTabSz="457200" rtl="0" eaLnBrk="1" latinLnBrk="0" hangingPunct="1">
+              <a:defRPr sz="1800" kern="1200">
+                <a:solidFill>
+                  <a:schemeClr val="tx1"/>
+                </a:solidFill>
+                <a:latin typeface="+mn-lt"/>
+                <a:ea typeface="+mn-ea"/>
+                <a:cs typeface="+mn-cs"/>
+              </a:defRPr>
+            </a:lvl9pPr>
           </a:lstStyle>
           <a:p>
             <a:pPr algn="ctr"/>
             <a:r>
-              <a:rPr lang="en-GB" dirty="0">
+              <a:rPr lang="en-GB" sz="1700" dirty="0">
+                <a:solidFill>
+                  <a:schemeClr val="bg1"/>
+                </a:solidFill>
                 <a:latin typeface="Arial Nova Cond" panose="020B0506020202020204" pitchFamily="34" charset="0"/>
               </a:rPr>
-              <a:t>Regression Testing</a:t>
-            </a:r>
-            <a:endParaRPr lang="el-GR" dirty="0">
+              <a:t>STRESS VS REGRESSION TESTING</a:t>
+            </a:r>
+            <a:endParaRPr lang="el-GR" sz="1700" dirty="0">
+              <a:solidFill>
+                <a:schemeClr val="bg1"/>
+              </a:solidFill>
               <a:latin typeface="Arial Nova Cond" panose="020B0506020202020204" pitchFamily="34" charset="0"/>
             </a:endParaRPr>
           </a:p>
@@ -4726,10 +5717,10 @@
       </p:sp>
       <p:sp>
         <p:nvSpPr>
-          <p:cNvPr id="5" name="Θέση περιεχομένου 2">
+          <p:cNvPr id="13" name="Θέση περιεχομένου 2">
             <a:extLst>
               <a:ext uri="{FF2B5EF4-FFF2-40B4-BE49-F238E27FC236}">
-                <a16:creationId xmlns:a16="http://schemas.microsoft.com/office/drawing/2014/main" id="{75B5E136-4C26-C797-7356-D504B910E730}"/>
+                <a16:creationId xmlns:a16="http://schemas.microsoft.com/office/drawing/2014/main" id="{712F6A1E-AB9A-534E-D8D4-53E9A7DDAD55}"/>
               </a:ext>
             </a:extLst>
           </p:cNvPr>
@@ -4740,8 +5731,8 @@
         </p:nvSpPr>
         <p:spPr>
           <a:xfrm>
-            <a:off x="990600" y="2056683"/>
-            <a:ext cx="5257800" cy="4351338"/>
+            <a:off x="1143000" y="2061127"/>
+            <a:ext cx="5105400" cy="3802380"/>
           </a:xfrm>
           <a:prstGeom prst="rect">
             <a:avLst/>
@@ -4749,109 +5740,142 @@
         </p:spPr>
         <p:txBody>
           <a:bodyPr vert="horz" lIns="91440" tIns="45720" rIns="91440" bIns="45720" rtlCol="0">
-            <a:normAutofit/>
+            <a:noAutofit/>
           </a:bodyPr>
           <a:lstStyle>
             <a:lvl1pPr marL="228600" indent="-228600" algn="l" defTabSz="914400" rtl="0" eaLnBrk="1" latinLnBrk="0" hangingPunct="1">
               <a:lnSpc>
-                <a:spcPct val="90000"/>
+                <a:spcPct val="100000"/>
               </a:lnSpc>
               <a:spcBef>
                 <a:spcPts val="1000"/>
               </a:spcBef>
+              <a:buClr>
+                <a:schemeClr val="accent2"/>
+              </a:buClr>
               <a:buFont typeface="Arial" panose="020B0604020202020204" pitchFamily="34" charset="0"/>
               <a:buChar char="•"/>
-              <a:defRPr sz="2800" kern="1200">
-                <a:solidFill>
-                  <a:schemeClr val="tx1"/>
+              <a:defRPr sz="1800" kern="1200">
+                <a:solidFill>
+                  <a:schemeClr val="tx1">
+                    <a:lumMod val="85000"/>
+                    <a:lumOff val="15000"/>
+                  </a:schemeClr>
                 </a:solidFill>
                 <a:latin typeface="+mn-lt"/>
                 <a:ea typeface="+mn-ea"/>
                 <a:cs typeface="+mn-cs"/>
               </a:defRPr>
             </a:lvl1pPr>
-            <a:lvl2pPr marL="685800" indent="-228600" algn="l" defTabSz="914400" rtl="0" eaLnBrk="1" latinLnBrk="0" hangingPunct="1">
+            <a:lvl2pPr marL="457200" indent="-228600" algn="l" defTabSz="914400" rtl="0" eaLnBrk="1" latinLnBrk="0" hangingPunct="1">
               <a:lnSpc>
-                <a:spcPct val="90000"/>
+                <a:spcPct val="100000"/>
               </a:lnSpc>
               <a:spcBef>
-                <a:spcPts val="500"/>
+                <a:spcPts val="1000"/>
               </a:spcBef>
+              <a:buClr>
+                <a:schemeClr val="accent2"/>
+              </a:buClr>
               <a:buFont typeface="Arial" panose="020B0604020202020204" pitchFamily="34" charset="0"/>
               <a:buChar char="•"/>
-              <a:defRPr sz="2400" kern="1200">
-                <a:solidFill>
-                  <a:schemeClr val="tx1"/>
+              <a:defRPr sz="1600" kern="1200">
+                <a:solidFill>
+                  <a:schemeClr val="tx1">
+                    <a:lumMod val="85000"/>
+                    <a:lumOff val="15000"/>
+                  </a:schemeClr>
                 </a:solidFill>
                 <a:latin typeface="+mn-lt"/>
                 <a:ea typeface="+mn-ea"/>
                 <a:cs typeface="+mn-cs"/>
               </a:defRPr>
             </a:lvl2pPr>
-            <a:lvl3pPr marL="1143000" indent="-228600" algn="l" defTabSz="914400" rtl="0" eaLnBrk="1" latinLnBrk="0" hangingPunct="1">
+            <a:lvl3pPr marL="685800" indent="-228600" algn="l" defTabSz="914400" rtl="0" eaLnBrk="1" latinLnBrk="0" hangingPunct="1">
               <a:lnSpc>
-                <a:spcPct val="90000"/>
+                <a:spcPct val="100000"/>
               </a:lnSpc>
               <a:spcBef>
-                <a:spcPts val="500"/>
+                <a:spcPts val="1000"/>
               </a:spcBef>
+              <a:buClr>
+                <a:schemeClr val="accent2"/>
+              </a:buClr>
               <a:buFont typeface="Arial" panose="020B0604020202020204" pitchFamily="34" charset="0"/>
               <a:buChar char="•"/>
-              <a:defRPr sz="2000" kern="1200">
-                <a:solidFill>
-                  <a:schemeClr val="tx1"/>
+              <a:defRPr sz="1600" kern="1200">
+                <a:solidFill>
+                  <a:schemeClr val="tx1">
+                    <a:lumMod val="85000"/>
+                    <a:lumOff val="15000"/>
+                  </a:schemeClr>
                 </a:solidFill>
                 <a:latin typeface="+mn-lt"/>
                 <a:ea typeface="+mn-ea"/>
                 <a:cs typeface="+mn-cs"/>
               </a:defRPr>
             </a:lvl3pPr>
-            <a:lvl4pPr marL="1600200" indent="-228600" algn="l" defTabSz="914400" rtl="0" eaLnBrk="1" latinLnBrk="0" hangingPunct="1">
+            <a:lvl4pPr marL="914400" indent="-228600" algn="l" defTabSz="914400" rtl="0" eaLnBrk="1" latinLnBrk="0" hangingPunct="1">
               <a:lnSpc>
-                <a:spcPct val="90000"/>
+                <a:spcPct val="100000"/>
               </a:lnSpc>
               <a:spcBef>
-                <a:spcPts val="500"/>
+                <a:spcPts val="1000"/>
               </a:spcBef>
+              <a:buClr>
+                <a:schemeClr val="accent2"/>
+              </a:buClr>
               <a:buFont typeface="Arial" panose="020B0604020202020204" pitchFamily="34" charset="0"/>
               <a:buChar char="•"/>
-              <a:defRPr sz="1800" kern="1200">
-                <a:solidFill>
-                  <a:schemeClr val="tx1"/>
+              <a:defRPr sz="1600" kern="1200">
+                <a:solidFill>
+                  <a:schemeClr val="tx1">
+                    <a:lumMod val="85000"/>
+                    <a:lumOff val="15000"/>
+                  </a:schemeClr>
                 </a:solidFill>
                 <a:latin typeface="+mn-lt"/>
                 <a:ea typeface="+mn-ea"/>
                 <a:cs typeface="+mn-cs"/>
               </a:defRPr>
             </a:lvl4pPr>
-            <a:lvl5pPr marL="2057400" indent="-228600" algn="l" defTabSz="914400" rtl="0" eaLnBrk="1" latinLnBrk="0" hangingPunct="1">
+            <a:lvl5pPr marL="1143000" indent="-228600" algn="l" defTabSz="914400" rtl="0" eaLnBrk="1" latinLnBrk="0" hangingPunct="1">
               <a:lnSpc>
-                <a:spcPct val="90000"/>
+                <a:spcPct val="100000"/>
               </a:lnSpc>
               <a:spcBef>
-                <a:spcPts val="500"/>
+                <a:spcPts val="1000"/>
               </a:spcBef>
+              <a:buClr>
+                <a:schemeClr val="accent2"/>
+              </a:buClr>
               <a:buFont typeface="Arial" panose="020B0604020202020204" pitchFamily="34" charset="0"/>
               <a:buChar char="•"/>
-              <a:defRPr sz="1800" kern="1200">
-                <a:solidFill>
-                  <a:schemeClr val="tx1"/>
+              <a:defRPr sz="1600" kern="1200">
+                <a:solidFill>
+                  <a:schemeClr val="tx1">
+                    <a:lumMod val="85000"/>
+                    <a:lumOff val="15000"/>
+                  </a:schemeClr>
                 </a:solidFill>
                 <a:latin typeface="+mn-lt"/>
                 <a:ea typeface="+mn-ea"/>
                 <a:cs typeface="+mn-cs"/>
               </a:defRPr>
             </a:lvl5pPr>
-            <a:lvl6pPr marL="2514600" indent="-228600" algn="l" defTabSz="914400" rtl="0" eaLnBrk="1" latinLnBrk="0" hangingPunct="1">
+            <a:lvl6pPr marL="1312863" indent="-228600" algn="l" defTabSz="914400" rtl="0" eaLnBrk="1" latinLnBrk="0" hangingPunct="1">
               <a:lnSpc>
-                <a:spcPct val="90000"/>
+                <a:spcPct val="100000"/>
               </a:lnSpc>
               <a:spcBef>
-                <a:spcPts val="500"/>
+                <a:spcPts val="1000"/>
               </a:spcBef>
+              <a:buClr>
+                <a:schemeClr val="accent2"/>
+              </a:buClr>
               <a:buFont typeface="Arial" panose="020B0604020202020204" pitchFamily="34" charset="0"/>
               <a:buChar char="•"/>
-              <a:defRPr sz="1800" kern="1200">
+              <a:defRPr sz="1600" kern="1200">
                 <a:solidFill>
                   <a:schemeClr val="tx1"/>
                 </a:solidFill>
@@ -4860,16 +5884,19 @@
                 <a:cs typeface="+mn-cs"/>
               </a:defRPr>
             </a:lvl6pPr>
-            <a:lvl7pPr marL="2971800" indent="-228600" algn="l" defTabSz="914400" rtl="0" eaLnBrk="1" latinLnBrk="0" hangingPunct="1">
+            <a:lvl7pPr marL="1484313" indent="-228600" algn="l" defTabSz="914400" rtl="0" eaLnBrk="1" latinLnBrk="0" hangingPunct="1">
               <a:lnSpc>
-                <a:spcPct val="90000"/>
+                <a:spcPct val="100000"/>
               </a:lnSpc>
               <a:spcBef>
-                <a:spcPts val="500"/>
+                <a:spcPts val="1000"/>
               </a:spcBef>
+              <a:buClr>
+                <a:schemeClr val="accent2"/>
+              </a:buClr>
               <a:buFont typeface="Arial" panose="020B0604020202020204" pitchFamily="34" charset="0"/>
               <a:buChar char="•"/>
-              <a:defRPr sz="1800" kern="1200">
+              <a:defRPr sz="1600" kern="1200">
                 <a:solidFill>
                   <a:schemeClr val="tx1"/>
                 </a:solidFill>
@@ -4878,16 +5905,19 @@
                 <a:cs typeface="+mn-cs"/>
               </a:defRPr>
             </a:lvl7pPr>
-            <a:lvl8pPr marL="3429000" indent="-228600" algn="l" defTabSz="914400" rtl="0" eaLnBrk="1" latinLnBrk="0" hangingPunct="1">
+            <a:lvl8pPr marL="1657350" indent="-228600" algn="l" defTabSz="914400" rtl="0" eaLnBrk="1" latinLnBrk="0" hangingPunct="1">
               <a:lnSpc>
-                <a:spcPct val="90000"/>
+                <a:spcPct val="100000"/>
               </a:lnSpc>
               <a:spcBef>
-                <a:spcPts val="500"/>
+                <a:spcPts val="1000"/>
               </a:spcBef>
+              <a:buClr>
+                <a:schemeClr val="accent2"/>
+              </a:buClr>
               <a:buFont typeface="Arial" panose="020B0604020202020204" pitchFamily="34" charset="0"/>
               <a:buChar char="•"/>
-              <a:defRPr sz="1800" kern="1200">
+              <a:defRPr sz="1600" kern="1200" baseline="0">
                 <a:solidFill>
                   <a:schemeClr val="tx1"/>
                 </a:solidFill>
@@ -4896,16 +5926,19 @@
                 <a:cs typeface="+mn-cs"/>
               </a:defRPr>
             </a:lvl8pPr>
-            <a:lvl9pPr marL="3886200" indent="-228600" algn="l" defTabSz="914400" rtl="0" eaLnBrk="1" latinLnBrk="0" hangingPunct="1">
+            <a:lvl9pPr marL="1882775" indent="-228600" algn="l" defTabSz="914400" rtl="0" eaLnBrk="1" latinLnBrk="0" hangingPunct="1">
               <a:lnSpc>
-                <a:spcPct val="90000"/>
+                <a:spcPct val="100000"/>
               </a:lnSpc>
               <a:spcBef>
-                <a:spcPts val="500"/>
+                <a:spcPts val="1000"/>
               </a:spcBef>
+              <a:buClr>
+                <a:schemeClr val="accent2"/>
+              </a:buClr>
               <a:buFont typeface="Arial" panose="020B0604020202020204" pitchFamily="34" charset="0"/>
               <a:buChar char="•"/>
-              <a:defRPr sz="1800" kern="1200">
+              <a:defRPr sz="1600" kern="1200" baseline="0">
                 <a:solidFill>
                   <a:schemeClr val="tx1"/>
                 </a:solidFill>
@@ -4917,126 +5950,38 @@
           </a:lstStyle>
           <a:p>
             <a:r>
-              <a:rPr lang="en-GB" dirty="0">
+              <a:rPr lang="en-GB" sz="2700" dirty="0">
                 <a:latin typeface="Arial Nova Cond" panose="020B0506020202020204" pitchFamily="34" charset="0"/>
               </a:rPr>
               <a:t>Test performance while in overwhelming conditions</a:t>
             </a:r>
           </a:p>
           <a:p>
-            <a:endParaRPr lang="en-GB" dirty="0">
+            <a:endParaRPr lang="en-GB" sz="2500" dirty="0">
               <a:latin typeface="Arial Nova Cond" panose="020B0506020202020204" pitchFamily="34" charset="0"/>
             </a:endParaRPr>
           </a:p>
           <a:p>
             <a:r>
-              <a:rPr lang="en-GB" dirty="0">
+              <a:rPr lang="en-GB" sz="2700" dirty="0">
                 <a:latin typeface="Arial Nova Cond" panose="020B0506020202020204" pitchFamily="34" charset="0"/>
               </a:rPr>
-              <a:t>Robustness, availability </a:t>
-            </a:r>
-          </a:p>
-          <a:p>
-            <a:endParaRPr lang="en-GB" dirty="0">
+              <a:t>Robustness, availability</a:t>
+            </a:r>
+          </a:p>
+          <a:p>
+            <a:endParaRPr lang="en-GB" sz="2000" dirty="0">
               <a:latin typeface="Arial Nova Cond" panose="020B0506020202020204" pitchFamily="34" charset="0"/>
             </a:endParaRPr>
           </a:p>
           <a:p>
             <a:r>
-              <a:rPr lang="en-GB" dirty="0">
+              <a:rPr lang="en-GB" sz="2700" dirty="0">
                 <a:latin typeface="Arial Nova Cond" panose="020B0506020202020204" pitchFamily="34" charset="0"/>
               </a:rPr>
               <a:t>Important before launching a product that will attract a lot of traffic</a:t>
             </a:r>
-            <a:endParaRPr lang="el-GR" dirty="0">
-              <a:latin typeface="Arial Nova Cond" panose="020B0506020202020204" pitchFamily="34" charset="0"/>
-            </a:endParaRPr>
-          </a:p>
-        </p:txBody>
-      </p:sp>
-      <p:sp>
-        <p:nvSpPr>
-          <p:cNvPr id="9" name="Θέση υποσέλιδου 3">
-            <a:extLst>
-              <a:ext uri="{FF2B5EF4-FFF2-40B4-BE49-F238E27FC236}">
-                <a16:creationId xmlns:a16="http://schemas.microsoft.com/office/drawing/2014/main" id="{56E31646-03EF-6A1A-1BC8-8E5CC38C40EE}"/>
-              </a:ext>
-            </a:extLst>
-          </p:cNvPr>
-          <p:cNvSpPr>
-            <a:spLocks noGrp="1"/>
-          </p:cNvSpPr>
-          <p:nvPr>
-            <p:ph type="ftr" sz="quarter" idx="11"/>
-          </p:nvPr>
-        </p:nvSpPr>
-        <p:spPr>
-          <a:xfrm>
-            <a:off x="2979174" y="6176962"/>
-            <a:ext cx="6233652" cy="544512"/>
-          </a:xfrm>
-        </p:spPr>
-        <p:txBody>
-          <a:bodyPr/>
-          <a:lstStyle/>
-          <a:p>
-            <a:r>
-              <a:rPr lang="en-GB" sz="1700" dirty="0">
-                <a:solidFill>
-                  <a:schemeClr val="tx1"/>
-                </a:solidFill>
-                <a:latin typeface="Arial Nova Cond" panose="020B0506020202020204" pitchFamily="34" charset="0"/>
-              </a:rPr>
-              <a:t>STRESS VS REGRESSION TESTING</a:t>
-            </a:r>
-            <a:endParaRPr lang="el-GR" sz="1700" dirty="0">
-              <a:solidFill>
-                <a:schemeClr val="tx1"/>
-              </a:solidFill>
-              <a:latin typeface="Arial Nova Cond" panose="020B0506020202020204" pitchFamily="34" charset="0"/>
-            </a:endParaRPr>
-          </a:p>
-        </p:txBody>
-      </p:sp>
-      <p:sp>
-        <p:nvSpPr>
-          <p:cNvPr id="10" name="Θέση αριθμού διαφάνειας 4">
-            <a:extLst>
-              <a:ext uri="{FF2B5EF4-FFF2-40B4-BE49-F238E27FC236}">
-                <a16:creationId xmlns:a16="http://schemas.microsoft.com/office/drawing/2014/main" id="{A057059E-DD2E-2AE3-DC15-C2028411DF9D}"/>
-              </a:ext>
-            </a:extLst>
-          </p:cNvPr>
-          <p:cNvSpPr>
-            <a:spLocks noGrp="1"/>
-          </p:cNvSpPr>
-          <p:nvPr>
-            <p:ph type="sldNum" sz="quarter" idx="12"/>
-          </p:nvPr>
-        </p:nvSpPr>
-        <p:spPr>
-          <a:xfrm>
-            <a:off x="9043220" y="6266655"/>
-            <a:ext cx="2743200" cy="365125"/>
-          </a:xfrm>
-        </p:spPr>
-        <p:txBody>
-          <a:bodyPr/>
-          <a:lstStyle/>
-          <a:p>
-            <a:r>
-              <a:rPr lang="en-GB" sz="2000" dirty="0">
-                <a:solidFill>
-                  <a:schemeClr val="tx1"/>
-                </a:solidFill>
-                <a:latin typeface="Arial Nova Cond" panose="020B0506020202020204" pitchFamily="34" charset="0"/>
-              </a:rPr>
-              <a:t>3</a:t>
-            </a:r>
-            <a:endParaRPr lang="el-GR" sz="2000" dirty="0">
-              <a:solidFill>
-                <a:schemeClr val="tx1"/>
-              </a:solidFill>
+            <a:endParaRPr lang="el-GR" sz="2700" dirty="0">
               <a:latin typeface="Arial Nova Cond" panose="020B0506020202020204" pitchFamily="34" charset="0"/>
             </a:endParaRPr>
           </a:p>
@@ -5146,19 +6091,21 @@
           </a:xfrm>
         </p:spPr>
         <p:txBody>
-          <a:bodyPr/>
+          <a:bodyPr>
+            <a:normAutofit/>
+          </a:bodyPr>
           <a:lstStyle/>
           <a:p>
             <a:pPr marL="0" indent="0">
               <a:buNone/>
             </a:pPr>
             <a:r>
-              <a:rPr lang="en-GB" dirty="0">
+              <a:rPr lang="en-GB" sz="2700" dirty="0">
                 <a:latin typeface="Arial Nova Cond" panose="020B0506020202020204" pitchFamily="34" charset="0"/>
               </a:rPr>
               <a:t>Run tests from multiple scripts that emulate the behaviour of real users. </a:t>
             </a:r>
-            <a:endParaRPr lang="en-GB" dirty="0"/>
+            <a:endParaRPr lang="en-GB" sz="2700" dirty="0"/>
           </a:p>
         </p:txBody>
       </p:sp>
@@ -5179,7 +6126,7 @@
         <p:spPr>
           <a:xfrm>
             <a:off x="990600" y="2182760"/>
-            <a:ext cx="3325761" cy="4310114"/>
+            <a:ext cx="3325761" cy="3755922"/>
           </a:xfrm>
           <a:prstGeom prst="rect">
             <a:avLst/>
@@ -5369,6 +6316,13 @@
             </a:endParaRPr>
           </a:p>
           <a:p>
+            <a:pPr>
+              <a:buClr>
+                <a:schemeClr val="bg1">
+                  <a:lumMod val="65000"/>
+                </a:schemeClr>
+              </a:buClr>
+            </a:pPr>
             <a:r>
               <a:rPr lang="en-GB" dirty="0">
                 <a:latin typeface="Arial Nova Cond" panose="020B0506020202020204" pitchFamily="34" charset="0"/>
@@ -5377,14 +6331,25 @@
             </a:r>
           </a:p>
           <a:p>
-            <a:pPr marL="0" indent="0">
-              <a:buNone/>
+            <a:pPr>
+              <a:buClr>
+                <a:schemeClr val="bg1">
+                  <a:lumMod val="65000"/>
+                </a:schemeClr>
+              </a:buClr>
             </a:pPr>
             <a:endParaRPr lang="en-GB" dirty="0">
               <a:latin typeface="Arial Nova Cond" panose="020B0506020202020204" pitchFamily="34" charset="0"/>
             </a:endParaRPr>
           </a:p>
           <a:p>
+            <a:pPr>
+              <a:buClr>
+                <a:schemeClr val="bg1">
+                  <a:lumMod val="65000"/>
+                </a:schemeClr>
+              </a:buClr>
+            </a:pPr>
             <a:r>
               <a:rPr lang="en-GB" dirty="0">
                 <a:latin typeface="Arial Nova Cond" panose="020B0506020202020204" pitchFamily="34" charset="0"/>
@@ -5601,6 +6566,13 @@
             </a:r>
           </a:p>
           <a:p>
+            <a:pPr>
+              <a:buClr>
+                <a:schemeClr val="bg1">
+                  <a:lumMod val="65000"/>
+                </a:schemeClr>
+              </a:buClr>
+            </a:pPr>
             <a:r>
               <a:rPr lang="en-GB" dirty="0">
                 <a:latin typeface="Arial Nova Cond" panose="020B0506020202020204" pitchFamily="34" charset="0"/>
@@ -5609,14 +6581,25 @@
             </a:r>
           </a:p>
           <a:p>
-            <a:pPr marL="0" indent="0">
-              <a:buNone/>
+            <a:pPr>
+              <a:buClr>
+                <a:schemeClr val="bg1">
+                  <a:lumMod val="65000"/>
+                </a:schemeClr>
+              </a:buClr>
             </a:pPr>
             <a:endParaRPr lang="en-GB" dirty="0">
               <a:latin typeface="Arial Nova Cond" panose="020B0506020202020204" pitchFamily="34" charset="0"/>
             </a:endParaRPr>
           </a:p>
           <a:p>
+            <a:pPr>
+              <a:buClr>
+                <a:schemeClr val="bg1">
+                  <a:lumMod val="65000"/>
+                </a:schemeClr>
+              </a:buClr>
+            </a:pPr>
             <a:r>
               <a:rPr lang="en-GB" dirty="0">
                 <a:latin typeface="Arial Nova Cond" panose="020B0506020202020204" pitchFamily="34" charset="0"/>
@@ -5829,6 +6812,13 @@
             </a:r>
           </a:p>
           <a:p>
+            <a:pPr>
+              <a:buClr>
+                <a:schemeClr val="bg1">
+                  <a:lumMod val="65000"/>
+                </a:schemeClr>
+              </a:buClr>
+            </a:pPr>
             <a:r>
               <a:rPr lang="en-GB" dirty="0">
                 <a:latin typeface="Arial Nova Cond" panose="020B0506020202020204" pitchFamily="34" charset="0"/>
@@ -5837,15 +6827,25 @@
             </a:r>
           </a:p>
           <a:p>
-            <a:pPr marL="0" indent="0">
-              <a:buNone/>
+            <a:pPr>
+              <a:buClr>
+                <a:schemeClr val="bg1">
+                  <a:lumMod val="65000"/>
+                </a:schemeClr>
+              </a:buClr>
             </a:pPr>
             <a:endParaRPr lang="en-GB" dirty="0">
               <a:latin typeface="Arial Nova Cond" panose="020B0506020202020204" pitchFamily="34" charset="0"/>
             </a:endParaRPr>
           </a:p>
           <a:p>
-            <a:pPr algn="just"/>
+            <a:pPr algn="just">
+              <a:buClr>
+                <a:schemeClr val="bg1">
+                  <a:lumMod val="65000"/>
+                </a:schemeClr>
+              </a:buClr>
+            </a:pPr>
             <a:r>
               <a:rPr lang="en-GB" dirty="0">
                 <a:latin typeface="Arial Nova Cond" panose="020B0506020202020204" pitchFamily="34" charset="0"/>
@@ -5864,34 +6864,324 @@
       </p:sp>
       <p:sp>
         <p:nvSpPr>
-          <p:cNvPr id="10" name="Θέση υποσέλιδου 3">
+          <p:cNvPr id="9" name="Ορθογώνιο 8">
             <a:extLst>
               <a:ext uri="{FF2B5EF4-FFF2-40B4-BE49-F238E27FC236}">
-                <a16:creationId xmlns:a16="http://schemas.microsoft.com/office/drawing/2014/main" id="{6324E3F5-96F8-9FF1-CC2F-212092132089}"/>
+                <a16:creationId xmlns:a16="http://schemas.microsoft.com/office/drawing/2014/main" id="{1DC97691-1F93-3169-956C-DD8DAB0D6807}"/>
               </a:ext>
             </a:extLst>
           </p:cNvPr>
-          <p:cNvSpPr>
-            <a:spLocks noGrp="1"/>
-          </p:cNvSpPr>
-          <p:nvPr>
-            <p:ph type="ftr" sz="quarter" idx="11"/>
-          </p:nvPr>
+          <p:cNvSpPr/>
+          <p:nvPr/>
         </p:nvSpPr>
         <p:spPr>
           <a:xfrm>
-            <a:off x="2979174" y="6176962"/>
+            <a:off x="0" y="5938684"/>
+            <a:ext cx="12192000" cy="919316"/>
+          </a:xfrm>
+          <a:prstGeom prst="rect">
+            <a:avLst/>
+          </a:prstGeom>
+        </p:spPr>
+        <p:style>
+          <a:lnRef idx="2">
+            <a:schemeClr val="accent1">
+              <a:shade val="15000"/>
+            </a:schemeClr>
+          </a:lnRef>
+          <a:fillRef idx="1">
+            <a:schemeClr val="accent1"/>
+          </a:fillRef>
+          <a:effectRef idx="0">
+            <a:schemeClr val="accent1"/>
+          </a:effectRef>
+          <a:fontRef idx="minor">
+            <a:schemeClr val="lt1"/>
+          </a:fontRef>
+        </p:style>
+        <p:txBody>
+          <a:bodyPr rtlCol="0" anchor="ctr"/>
+          <a:lstStyle/>
+          <a:p>
+            <a:pPr algn="ctr"/>
+            <a:endParaRPr lang="el-GR" dirty="0"/>
+          </a:p>
+        </p:txBody>
+      </p:sp>
+      <p:sp>
+        <p:nvSpPr>
+          <p:cNvPr id="12" name="Θέση αριθμού διαφάνειας 4">
+            <a:extLst>
+              <a:ext uri="{FF2B5EF4-FFF2-40B4-BE49-F238E27FC236}">
+                <a16:creationId xmlns:a16="http://schemas.microsoft.com/office/drawing/2014/main" id="{6BC6BC20-1F12-F493-B2B4-B14F501C6F37}"/>
+              </a:ext>
+            </a:extLst>
+          </p:cNvPr>
+          <p:cNvSpPr txBox="1">
+            <a:spLocks/>
+          </p:cNvSpPr>
+          <p:nvPr/>
+        </p:nvSpPr>
+        <p:spPr>
+          <a:xfrm>
+            <a:off x="11375922" y="6266655"/>
+            <a:ext cx="410497" cy="365125"/>
+          </a:xfrm>
+          <a:prstGeom prst="ellipse">
+            <a:avLst/>
+          </a:prstGeom>
+          <a:solidFill>
+            <a:srgbClr val="1D1D1D">
+              <a:alpha val="70000"/>
+            </a:srgbClr>
+          </a:solidFill>
+        </p:spPr>
+        <p:txBody>
+          <a:bodyPr vert="horz" lIns="18288" tIns="45720" rIns="18288" bIns="45720" rtlCol="0" anchor="ctr">
+            <a:noAutofit/>
+          </a:bodyPr>
+          <a:lstStyle>
+            <a:defPPr>
+              <a:defRPr lang="en-US"/>
+            </a:defPPr>
+            <a:lvl1pPr marL="0" algn="ctr" defTabSz="457200" rtl="0" eaLnBrk="1" latinLnBrk="0" hangingPunct="1">
+              <a:defRPr sz="1100" kern="1200" spc="0" baseline="0">
+                <a:solidFill>
+                  <a:srgbClr val="FFFFFF"/>
+                </a:solidFill>
+                <a:latin typeface="+mn-lt"/>
+                <a:ea typeface="+mn-ea"/>
+                <a:cs typeface="+mn-cs"/>
+              </a:defRPr>
+            </a:lvl1pPr>
+            <a:lvl2pPr marL="457200" algn="l" defTabSz="457200" rtl="0" eaLnBrk="1" latinLnBrk="0" hangingPunct="1">
+              <a:defRPr sz="1800" kern="1200">
+                <a:solidFill>
+                  <a:schemeClr val="tx1"/>
+                </a:solidFill>
+                <a:latin typeface="+mn-lt"/>
+                <a:ea typeface="+mn-ea"/>
+                <a:cs typeface="+mn-cs"/>
+              </a:defRPr>
+            </a:lvl2pPr>
+            <a:lvl3pPr marL="914400" algn="l" defTabSz="457200" rtl="0" eaLnBrk="1" latinLnBrk="0" hangingPunct="1">
+              <a:defRPr sz="1800" kern="1200">
+                <a:solidFill>
+                  <a:schemeClr val="tx1"/>
+                </a:solidFill>
+                <a:latin typeface="+mn-lt"/>
+                <a:ea typeface="+mn-ea"/>
+                <a:cs typeface="+mn-cs"/>
+              </a:defRPr>
+            </a:lvl3pPr>
+            <a:lvl4pPr marL="1371600" algn="l" defTabSz="457200" rtl="0" eaLnBrk="1" latinLnBrk="0" hangingPunct="1">
+              <a:defRPr sz="1800" kern="1200">
+                <a:solidFill>
+                  <a:schemeClr val="tx1"/>
+                </a:solidFill>
+                <a:latin typeface="+mn-lt"/>
+                <a:ea typeface="+mn-ea"/>
+                <a:cs typeface="+mn-cs"/>
+              </a:defRPr>
+            </a:lvl4pPr>
+            <a:lvl5pPr marL="1828800" algn="l" defTabSz="457200" rtl="0" eaLnBrk="1" latinLnBrk="0" hangingPunct="1">
+              <a:defRPr sz="1800" kern="1200">
+                <a:solidFill>
+                  <a:schemeClr val="tx1"/>
+                </a:solidFill>
+                <a:latin typeface="+mn-lt"/>
+                <a:ea typeface="+mn-ea"/>
+                <a:cs typeface="+mn-cs"/>
+              </a:defRPr>
+            </a:lvl5pPr>
+            <a:lvl6pPr marL="2286000" algn="l" defTabSz="457200" rtl="0" eaLnBrk="1" latinLnBrk="0" hangingPunct="1">
+              <a:defRPr sz="1800" kern="1200">
+                <a:solidFill>
+                  <a:schemeClr val="tx1"/>
+                </a:solidFill>
+                <a:latin typeface="+mn-lt"/>
+                <a:ea typeface="+mn-ea"/>
+                <a:cs typeface="+mn-cs"/>
+              </a:defRPr>
+            </a:lvl6pPr>
+            <a:lvl7pPr marL="2743200" algn="l" defTabSz="457200" rtl="0" eaLnBrk="1" latinLnBrk="0" hangingPunct="1">
+              <a:defRPr sz="1800" kern="1200">
+                <a:solidFill>
+                  <a:schemeClr val="tx1"/>
+                </a:solidFill>
+                <a:latin typeface="+mn-lt"/>
+                <a:ea typeface="+mn-ea"/>
+                <a:cs typeface="+mn-cs"/>
+              </a:defRPr>
+            </a:lvl7pPr>
+            <a:lvl8pPr marL="3200400" algn="l" defTabSz="457200" rtl="0" eaLnBrk="1" latinLnBrk="0" hangingPunct="1">
+              <a:defRPr sz="1800" kern="1200">
+                <a:solidFill>
+                  <a:schemeClr val="tx1"/>
+                </a:solidFill>
+                <a:latin typeface="+mn-lt"/>
+                <a:ea typeface="+mn-ea"/>
+                <a:cs typeface="+mn-cs"/>
+              </a:defRPr>
+            </a:lvl8pPr>
+            <a:lvl9pPr marL="3657600" algn="l" defTabSz="457200" rtl="0" eaLnBrk="1" latinLnBrk="0" hangingPunct="1">
+              <a:defRPr sz="1800" kern="1200">
+                <a:solidFill>
+                  <a:schemeClr val="tx1"/>
+                </a:solidFill>
+                <a:latin typeface="+mn-lt"/>
+                <a:ea typeface="+mn-ea"/>
+                <a:cs typeface="+mn-cs"/>
+              </a:defRPr>
+            </a:lvl9pPr>
+          </a:lstStyle>
+          <a:p>
+            <a:r>
+              <a:rPr lang="en-GB" sz="2000" dirty="0">
+                <a:solidFill>
+                  <a:schemeClr val="bg1"/>
+                </a:solidFill>
+                <a:latin typeface="Arial Nova Cond" panose="020B0506020202020204" pitchFamily="34" charset="0"/>
+              </a:rPr>
+              <a:t>4</a:t>
+            </a:r>
+            <a:endParaRPr lang="el-GR" sz="2000" dirty="0">
+              <a:solidFill>
+                <a:schemeClr val="bg1"/>
+              </a:solidFill>
+              <a:latin typeface="Arial Nova Cond" panose="020B0506020202020204" pitchFamily="34" charset="0"/>
+            </a:endParaRPr>
+          </a:p>
+        </p:txBody>
+      </p:sp>
+      <p:sp>
+        <p:nvSpPr>
+          <p:cNvPr id="13" name="Θέση υποσέλιδου 3">
+            <a:extLst>
+              <a:ext uri="{FF2B5EF4-FFF2-40B4-BE49-F238E27FC236}">
+                <a16:creationId xmlns:a16="http://schemas.microsoft.com/office/drawing/2014/main" id="{60CD7931-F176-8E0E-F223-0695044B0F6F}"/>
+              </a:ext>
+            </a:extLst>
+          </p:cNvPr>
+          <p:cNvSpPr txBox="1">
+            <a:spLocks/>
+          </p:cNvSpPr>
+          <p:nvPr/>
+        </p:nvSpPr>
+        <p:spPr>
+          <a:xfrm>
+            <a:off x="2979174" y="6126086"/>
             <a:ext cx="6233652" cy="544512"/>
           </a:xfrm>
+          <a:prstGeom prst="rect">
+            <a:avLst/>
+          </a:prstGeom>
         </p:spPr>
         <p:txBody>
-          <a:bodyPr/>
-          <a:lstStyle/>
-          <a:p>
+          <a:bodyPr vert="horz" lIns="91440" tIns="45720" rIns="91440" bIns="45720" rtlCol="0" anchor="ctr"/>
+          <a:lstStyle>
+            <a:defPPr>
+              <a:defRPr lang="en-US"/>
+            </a:defPPr>
+            <a:lvl1pPr marL="0" algn="l" defTabSz="457200" rtl="0" eaLnBrk="1" latinLnBrk="0" hangingPunct="1">
+              <a:defRPr sz="1050" kern="1200">
+                <a:solidFill>
+                  <a:schemeClr val="tx1">
+                    <a:alpha val="70000"/>
+                  </a:schemeClr>
+                </a:solidFill>
+                <a:latin typeface="+mn-lt"/>
+                <a:ea typeface="+mn-ea"/>
+                <a:cs typeface="+mn-cs"/>
+              </a:defRPr>
+            </a:lvl1pPr>
+            <a:lvl2pPr marL="457200" algn="l" defTabSz="457200" rtl="0" eaLnBrk="1" latinLnBrk="0" hangingPunct="1">
+              <a:defRPr sz="1800" kern="1200">
+                <a:solidFill>
+                  <a:schemeClr val="tx1"/>
+                </a:solidFill>
+                <a:latin typeface="+mn-lt"/>
+                <a:ea typeface="+mn-ea"/>
+                <a:cs typeface="+mn-cs"/>
+              </a:defRPr>
+            </a:lvl2pPr>
+            <a:lvl3pPr marL="914400" algn="l" defTabSz="457200" rtl="0" eaLnBrk="1" latinLnBrk="0" hangingPunct="1">
+              <a:defRPr sz="1800" kern="1200">
+                <a:solidFill>
+                  <a:schemeClr val="tx1"/>
+                </a:solidFill>
+                <a:latin typeface="+mn-lt"/>
+                <a:ea typeface="+mn-ea"/>
+                <a:cs typeface="+mn-cs"/>
+              </a:defRPr>
+            </a:lvl3pPr>
+            <a:lvl4pPr marL="1371600" algn="l" defTabSz="457200" rtl="0" eaLnBrk="1" latinLnBrk="0" hangingPunct="1">
+              <a:defRPr sz="1800" kern="1200">
+                <a:solidFill>
+                  <a:schemeClr val="tx1"/>
+                </a:solidFill>
+                <a:latin typeface="+mn-lt"/>
+                <a:ea typeface="+mn-ea"/>
+                <a:cs typeface="+mn-cs"/>
+              </a:defRPr>
+            </a:lvl4pPr>
+            <a:lvl5pPr marL="1828800" algn="l" defTabSz="457200" rtl="0" eaLnBrk="1" latinLnBrk="0" hangingPunct="1">
+              <a:defRPr sz="1800" kern="1200">
+                <a:solidFill>
+                  <a:schemeClr val="tx1"/>
+                </a:solidFill>
+                <a:latin typeface="+mn-lt"/>
+                <a:ea typeface="+mn-ea"/>
+                <a:cs typeface="+mn-cs"/>
+              </a:defRPr>
+            </a:lvl5pPr>
+            <a:lvl6pPr marL="2286000" algn="l" defTabSz="457200" rtl="0" eaLnBrk="1" latinLnBrk="0" hangingPunct="1">
+              <a:defRPr sz="1800" kern="1200">
+                <a:solidFill>
+                  <a:schemeClr val="tx1"/>
+                </a:solidFill>
+                <a:latin typeface="+mn-lt"/>
+                <a:ea typeface="+mn-ea"/>
+                <a:cs typeface="+mn-cs"/>
+              </a:defRPr>
+            </a:lvl6pPr>
+            <a:lvl7pPr marL="2743200" algn="l" defTabSz="457200" rtl="0" eaLnBrk="1" latinLnBrk="0" hangingPunct="1">
+              <a:defRPr sz="1800" kern="1200">
+                <a:solidFill>
+                  <a:schemeClr val="tx1"/>
+                </a:solidFill>
+                <a:latin typeface="+mn-lt"/>
+                <a:ea typeface="+mn-ea"/>
+                <a:cs typeface="+mn-cs"/>
+              </a:defRPr>
+            </a:lvl7pPr>
+            <a:lvl8pPr marL="3200400" algn="l" defTabSz="457200" rtl="0" eaLnBrk="1" latinLnBrk="0" hangingPunct="1">
+              <a:defRPr sz="1800" kern="1200">
+                <a:solidFill>
+                  <a:schemeClr val="tx1"/>
+                </a:solidFill>
+                <a:latin typeface="+mn-lt"/>
+                <a:ea typeface="+mn-ea"/>
+                <a:cs typeface="+mn-cs"/>
+              </a:defRPr>
+            </a:lvl8pPr>
+            <a:lvl9pPr marL="3657600" algn="l" defTabSz="457200" rtl="0" eaLnBrk="1" latinLnBrk="0" hangingPunct="1">
+              <a:defRPr sz="1800" kern="1200">
+                <a:solidFill>
+                  <a:schemeClr val="tx1"/>
+                </a:solidFill>
+                <a:latin typeface="+mn-lt"/>
+                <a:ea typeface="+mn-ea"/>
+                <a:cs typeface="+mn-cs"/>
+              </a:defRPr>
+            </a:lvl9pPr>
+          </a:lstStyle>
+          <a:p>
+            <a:pPr algn="ctr"/>
             <a:r>
               <a:rPr lang="en-GB" sz="1700" dirty="0">
                 <a:solidFill>
-                  <a:schemeClr val="tx1"/>
+                  <a:schemeClr val="bg1"/>
                 </a:solidFill>
                 <a:latin typeface="Arial Nova Cond" panose="020B0506020202020204" pitchFamily="34" charset="0"/>
               </a:rPr>
@@ -5899,51 +7189,7 @@
             </a:r>
             <a:endParaRPr lang="el-GR" sz="1700" dirty="0">
               <a:solidFill>
-                <a:schemeClr val="tx1"/>
-              </a:solidFill>
-              <a:latin typeface="Arial Nova Cond" panose="020B0506020202020204" pitchFamily="34" charset="0"/>
-            </a:endParaRPr>
-          </a:p>
-        </p:txBody>
-      </p:sp>
-      <p:sp>
-        <p:nvSpPr>
-          <p:cNvPr id="11" name="Θέση αριθμού διαφάνειας 4">
-            <a:extLst>
-              <a:ext uri="{FF2B5EF4-FFF2-40B4-BE49-F238E27FC236}">
-                <a16:creationId xmlns:a16="http://schemas.microsoft.com/office/drawing/2014/main" id="{1ADCCEDE-9744-A0AA-414B-EC0F822F519A}"/>
-              </a:ext>
-            </a:extLst>
-          </p:cNvPr>
-          <p:cNvSpPr>
-            <a:spLocks noGrp="1"/>
-          </p:cNvSpPr>
-          <p:nvPr>
-            <p:ph type="sldNum" sz="quarter" idx="12"/>
-          </p:nvPr>
-        </p:nvSpPr>
-        <p:spPr>
-          <a:xfrm>
-            <a:off x="9043220" y="6266655"/>
-            <a:ext cx="2743200" cy="365125"/>
-          </a:xfrm>
-        </p:spPr>
-        <p:txBody>
-          <a:bodyPr/>
-          <a:lstStyle/>
-          <a:p>
-            <a:r>
-              <a:rPr lang="en-GB" sz="2000" dirty="0">
-                <a:solidFill>
-                  <a:schemeClr val="tx1"/>
-                </a:solidFill>
-                <a:latin typeface="Arial Nova Cond" panose="020B0506020202020204" pitchFamily="34" charset="0"/>
-              </a:rPr>
-              <a:t>4</a:t>
-            </a:r>
-            <a:endParaRPr lang="el-GR" sz="2000" dirty="0">
-              <a:solidFill>
-                <a:schemeClr val="tx1"/>
+                <a:schemeClr val="bg1"/>
               </a:solidFill>
               <a:latin typeface="Arial Nova Cond" panose="020B0506020202020204" pitchFamily="34" charset="0"/>
             </a:endParaRPr>
@@ -5994,46 +7240,6 @@
       </p:grpSpPr>
       <p:sp>
         <p:nvSpPr>
-          <p:cNvPr id="2" name="Τίτλος 1">
-            <a:extLst>
-              <a:ext uri="{FF2B5EF4-FFF2-40B4-BE49-F238E27FC236}">
-                <a16:creationId xmlns:a16="http://schemas.microsoft.com/office/drawing/2014/main" id="{2FE520AB-3995-13D9-E175-3FA223D433E7}"/>
-              </a:ext>
-            </a:extLst>
-          </p:cNvPr>
-          <p:cNvSpPr>
-            <a:spLocks noGrp="1"/>
-          </p:cNvSpPr>
-          <p:nvPr>
-            <p:ph type="title"/>
-          </p:nvPr>
-        </p:nvSpPr>
-        <p:spPr/>
-        <p:txBody>
-          <a:bodyPr/>
-          <a:lstStyle/>
-          <a:p>
-            <a:pPr algn="ctr"/>
-            <a:r>
-              <a:rPr lang="en-GB" dirty="0">
-                <a:latin typeface="Arial Nova Cond" panose="020B0506020202020204" pitchFamily="34" charset="0"/>
-              </a:rPr>
-              <a:t>Regression Testing</a:t>
-            </a:r>
-            <a:r>
-              <a:rPr lang="en-GB">
-                <a:latin typeface="Arial Nova Cond" panose="020B0506020202020204" pitchFamily="34" charset="0"/>
-              </a:rPr>
-              <a:t>: UFT-One</a:t>
-            </a:r>
-            <a:endParaRPr lang="el-GR" dirty="0">
-              <a:latin typeface="Arial Nova Cond" panose="020B0506020202020204" pitchFamily="34" charset="0"/>
-            </a:endParaRPr>
-          </a:p>
-        </p:txBody>
-      </p:sp>
-      <p:sp>
-        <p:nvSpPr>
           <p:cNvPr id="3" name="Θέση περιεχομένου 2">
             <a:extLst>
               <a:ext uri="{FF2B5EF4-FFF2-40B4-BE49-F238E27FC236}">
@@ -6048,19 +7254,45 @@
             <p:ph idx="1"/>
           </p:nvPr>
         </p:nvSpPr>
-        <p:spPr/>
+        <p:spPr>
+          <a:xfrm>
+            <a:off x="838200" y="1588565"/>
+            <a:ext cx="10515599" cy="574532"/>
+          </a:xfrm>
+        </p:spPr>
         <p:txBody>
           <a:bodyPr>
-            <a:normAutofit lnSpcReduction="10000"/>
+            <a:normAutofit fontScale="85000" lnSpcReduction="10000"/>
           </a:bodyPr>
           <a:lstStyle/>
           <a:p>
-            <a:r>
-              <a:rPr lang="en-GB" dirty="0">
+            <a:pPr marL="0" indent="0">
+              <a:buNone/>
+            </a:pPr>
+            <a:r>
+              <a:rPr lang="en-GB" sz="2900" dirty="0">
                 <a:latin typeface="Arial Nova Cond" panose="020B0506020202020204" pitchFamily="34" charset="0"/>
               </a:rPr>
-              <a:t>Automation in functional testing</a:t>
-            </a:r>
+              <a:t>Achieve automation and many choices for integration for running functional tests.</a:t>
+            </a:r>
+          </a:p>
+          <a:p>
+            <a:pPr marL="0" indent="0">
+              <a:buNone/>
+            </a:pPr>
+            <a:endParaRPr lang="en-GB" sz="2600" dirty="0">
+              <a:latin typeface="Arial Nova Cond" panose="020B0506020202020204" pitchFamily="34" charset="0"/>
+            </a:endParaRPr>
+          </a:p>
+          <a:p>
+            <a:endParaRPr lang="en-GB" dirty="0">
+              <a:latin typeface="Arial Nova Cond" panose="020B0506020202020204" pitchFamily="34" charset="0"/>
+            </a:endParaRPr>
+          </a:p>
+          <a:p>
+            <a:endParaRPr lang="en-GB" dirty="0">
+              <a:latin typeface="Arial Nova Cond" panose="020B0506020202020204" pitchFamily="34" charset="0"/>
+            </a:endParaRPr>
           </a:p>
           <a:p>
             <a:pPr marL="0" indent="0">
@@ -6070,167 +7302,1170 @@
               <a:latin typeface="Arial Nova Cond" panose="020B0506020202020204" pitchFamily="34" charset="0"/>
             </a:endParaRPr>
           </a:p>
+        </p:txBody>
+      </p:sp>
+      <p:sp>
+        <p:nvSpPr>
+          <p:cNvPr id="4" name="Τίτλος 1">
+            <a:extLst>
+              <a:ext uri="{FF2B5EF4-FFF2-40B4-BE49-F238E27FC236}">
+                <a16:creationId xmlns:a16="http://schemas.microsoft.com/office/drawing/2014/main" id="{7A1037E7-9726-29A1-FDAB-D66A3C7AB245}"/>
+              </a:ext>
+            </a:extLst>
+          </p:cNvPr>
+          <p:cNvSpPr txBox="1">
+            <a:spLocks/>
+          </p:cNvSpPr>
+          <p:nvPr/>
+        </p:nvSpPr>
+        <p:spPr bwMode="black">
+          <a:xfrm>
+            <a:off x="838200" y="365126"/>
+            <a:ext cx="10515600" cy="956904"/>
+          </a:xfrm>
+          <a:prstGeom prst="rect">
+            <a:avLst/>
+          </a:prstGeom>
+          <a:solidFill>
+            <a:srgbClr val="FFFFFF"/>
+          </a:solidFill>
+          <a:ln w="31750" cap="sq">
+            <a:solidFill>
+              <a:srgbClr val="404040"/>
+            </a:solidFill>
+            <a:miter lim="800000"/>
+          </a:ln>
+        </p:spPr>
+        <p:txBody>
+          <a:bodyPr vert="horz" lIns="182880" tIns="182880" rIns="182880" bIns="182880" rtlCol="0" anchor="ctr">
+            <a:normAutofit fontScale="92500" lnSpcReduction="20000"/>
+          </a:bodyPr>
+          <a:lstStyle>
+            <a:lvl1pPr algn="ctr" defTabSz="914400" rtl="0" eaLnBrk="1" latinLnBrk="0" hangingPunct="1">
+              <a:lnSpc>
+                <a:spcPct val="90000"/>
+              </a:lnSpc>
+              <a:spcBef>
+                <a:spcPct val="0"/>
+              </a:spcBef>
+              <a:buNone/>
+              <a:defRPr sz="2800" kern="1200" cap="all" spc="200" baseline="0">
+                <a:solidFill>
+                  <a:srgbClr val="262626"/>
+                </a:solidFill>
+                <a:latin typeface="+mj-lt"/>
+                <a:ea typeface="+mj-ea"/>
+                <a:cs typeface="+mj-cs"/>
+              </a:defRPr>
+            </a:lvl1pPr>
+          </a:lstStyle>
+          <a:p>
+            <a:endParaRPr lang="en-GB" dirty="0">
+              <a:latin typeface="Arial Nova Cond" panose="020B0506020202020204" pitchFamily="34" charset="0"/>
+            </a:endParaRPr>
+          </a:p>
           <a:p>
             <a:r>
               <a:rPr lang="en-GB" dirty="0">
                 <a:latin typeface="Arial Nova Cond" panose="020B0506020202020204" pitchFamily="34" charset="0"/>
               </a:rPr>
-              <a:t>GUI testing using keyword-driven methods</a:t>
-            </a:r>
-          </a:p>
-          <a:p>
-            <a:pPr marL="0" indent="0">
+              <a:t>Regression Testing: UFT-One</a:t>
+            </a:r>
+            <a:endParaRPr lang="el-GR" dirty="0">
+              <a:latin typeface="Arial Nova Cond" panose="020B0506020202020204" pitchFamily="34" charset="0"/>
+            </a:endParaRPr>
+          </a:p>
+          <a:p>
+            <a:endParaRPr lang="el-GR" dirty="0">
+              <a:latin typeface="Arial Nova Cond" panose="020B0506020202020204" pitchFamily="34" charset="0"/>
+            </a:endParaRPr>
+          </a:p>
+        </p:txBody>
+      </p:sp>
+      <p:sp>
+        <p:nvSpPr>
+          <p:cNvPr id="5" name="Ορθογώνιο 4">
+            <a:extLst>
+              <a:ext uri="{FF2B5EF4-FFF2-40B4-BE49-F238E27FC236}">
+                <a16:creationId xmlns:a16="http://schemas.microsoft.com/office/drawing/2014/main" id="{CE1A37C2-26D1-D8A3-0767-C082F3A48559}"/>
+              </a:ext>
+            </a:extLst>
+          </p:cNvPr>
+          <p:cNvSpPr/>
+          <p:nvPr/>
+        </p:nvSpPr>
+        <p:spPr>
+          <a:xfrm>
+            <a:off x="0" y="5938684"/>
+            <a:ext cx="12192000" cy="919316"/>
+          </a:xfrm>
+          <a:prstGeom prst="rect">
+            <a:avLst/>
+          </a:prstGeom>
+        </p:spPr>
+        <p:style>
+          <a:lnRef idx="2">
+            <a:schemeClr val="accent1">
+              <a:shade val="15000"/>
+            </a:schemeClr>
+          </a:lnRef>
+          <a:fillRef idx="1">
+            <a:schemeClr val="accent1"/>
+          </a:fillRef>
+          <a:effectRef idx="0">
+            <a:schemeClr val="accent1"/>
+          </a:effectRef>
+          <a:fontRef idx="minor">
+            <a:schemeClr val="lt1"/>
+          </a:fontRef>
+        </p:style>
+        <p:txBody>
+          <a:bodyPr rtlCol="0" anchor="ctr"/>
+          <a:lstStyle/>
+          <a:p>
+            <a:pPr algn="ctr"/>
+            <a:endParaRPr lang="el-GR" dirty="0"/>
+          </a:p>
+        </p:txBody>
+      </p:sp>
+      <p:sp>
+        <p:nvSpPr>
+          <p:cNvPr id="6" name="Θέση αριθμού διαφάνειας 4">
+            <a:extLst>
+              <a:ext uri="{FF2B5EF4-FFF2-40B4-BE49-F238E27FC236}">
+                <a16:creationId xmlns:a16="http://schemas.microsoft.com/office/drawing/2014/main" id="{36E8C756-FC01-BDD0-61F4-BD75DABE4561}"/>
+              </a:ext>
+            </a:extLst>
+          </p:cNvPr>
+          <p:cNvSpPr txBox="1">
+            <a:spLocks/>
+          </p:cNvSpPr>
+          <p:nvPr/>
+        </p:nvSpPr>
+        <p:spPr>
+          <a:xfrm>
+            <a:off x="11375922" y="6266655"/>
+            <a:ext cx="410497" cy="365125"/>
+          </a:xfrm>
+          <a:prstGeom prst="ellipse">
+            <a:avLst/>
+          </a:prstGeom>
+          <a:solidFill>
+            <a:srgbClr val="1D1D1D">
+              <a:alpha val="70000"/>
+            </a:srgbClr>
+          </a:solidFill>
+        </p:spPr>
+        <p:txBody>
+          <a:bodyPr vert="horz" lIns="18288" tIns="45720" rIns="18288" bIns="45720" rtlCol="0" anchor="ctr">
+            <a:noAutofit/>
+          </a:bodyPr>
+          <a:lstStyle>
+            <a:defPPr>
+              <a:defRPr lang="en-US"/>
+            </a:defPPr>
+            <a:lvl1pPr marL="0" algn="ctr" defTabSz="457200" rtl="0" eaLnBrk="1" latinLnBrk="0" hangingPunct="1">
+              <a:defRPr sz="1100" kern="1200" spc="0" baseline="0">
+                <a:solidFill>
+                  <a:srgbClr val="FFFFFF"/>
+                </a:solidFill>
+                <a:latin typeface="+mn-lt"/>
+                <a:ea typeface="+mn-ea"/>
+                <a:cs typeface="+mn-cs"/>
+              </a:defRPr>
+            </a:lvl1pPr>
+            <a:lvl2pPr marL="457200" algn="l" defTabSz="457200" rtl="0" eaLnBrk="1" latinLnBrk="0" hangingPunct="1">
+              <a:defRPr sz="1800" kern="1200">
+                <a:solidFill>
+                  <a:schemeClr val="tx1"/>
+                </a:solidFill>
+                <a:latin typeface="+mn-lt"/>
+                <a:ea typeface="+mn-ea"/>
+                <a:cs typeface="+mn-cs"/>
+              </a:defRPr>
+            </a:lvl2pPr>
+            <a:lvl3pPr marL="914400" algn="l" defTabSz="457200" rtl="0" eaLnBrk="1" latinLnBrk="0" hangingPunct="1">
+              <a:defRPr sz="1800" kern="1200">
+                <a:solidFill>
+                  <a:schemeClr val="tx1"/>
+                </a:solidFill>
+                <a:latin typeface="+mn-lt"/>
+                <a:ea typeface="+mn-ea"/>
+                <a:cs typeface="+mn-cs"/>
+              </a:defRPr>
+            </a:lvl3pPr>
+            <a:lvl4pPr marL="1371600" algn="l" defTabSz="457200" rtl="0" eaLnBrk="1" latinLnBrk="0" hangingPunct="1">
+              <a:defRPr sz="1800" kern="1200">
+                <a:solidFill>
+                  <a:schemeClr val="tx1"/>
+                </a:solidFill>
+                <a:latin typeface="+mn-lt"/>
+                <a:ea typeface="+mn-ea"/>
+                <a:cs typeface="+mn-cs"/>
+              </a:defRPr>
+            </a:lvl4pPr>
+            <a:lvl5pPr marL="1828800" algn="l" defTabSz="457200" rtl="0" eaLnBrk="1" latinLnBrk="0" hangingPunct="1">
+              <a:defRPr sz="1800" kern="1200">
+                <a:solidFill>
+                  <a:schemeClr val="tx1"/>
+                </a:solidFill>
+                <a:latin typeface="+mn-lt"/>
+                <a:ea typeface="+mn-ea"/>
+                <a:cs typeface="+mn-cs"/>
+              </a:defRPr>
+            </a:lvl5pPr>
+            <a:lvl6pPr marL="2286000" algn="l" defTabSz="457200" rtl="0" eaLnBrk="1" latinLnBrk="0" hangingPunct="1">
+              <a:defRPr sz="1800" kern="1200">
+                <a:solidFill>
+                  <a:schemeClr val="tx1"/>
+                </a:solidFill>
+                <a:latin typeface="+mn-lt"/>
+                <a:ea typeface="+mn-ea"/>
+                <a:cs typeface="+mn-cs"/>
+              </a:defRPr>
+            </a:lvl6pPr>
+            <a:lvl7pPr marL="2743200" algn="l" defTabSz="457200" rtl="0" eaLnBrk="1" latinLnBrk="0" hangingPunct="1">
+              <a:defRPr sz="1800" kern="1200">
+                <a:solidFill>
+                  <a:schemeClr val="tx1"/>
+                </a:solidFill>
+                <a:latin typeface="+mn-lt"/>
+                <a:ea typeface="+mn-ea"/>
+                <a:cs typeface="+mn-cs"/>
+              </a:defRPr>
+            </a:lvl7pPr>
+            <a:lvl8pPr marL="3200400" algn="l" defTabSz="457200" rtl="0" eaLnBrk="1" latinLnBrk="0" hangingPunct="1">
+              <a:defRPr sz="1800" kern="1200">
+                <a:solidFill>
+                  <a:schemeClr val="tx1"/>
+                </a:solidFill>
+                <a:latin typeface="+mn-lt"/>
+                <a:ea typeface="+mn-ea"/>
+                <a:cs typeface="+mn-cs"/>
+              </a:defRPr>
+            </a:lvl8pPr>
+            <a:lvl9pPr marL="3657600" algn="l" defTabSz="457200" rtl="0" eaLnBrk="1" latinLnBrk="0" hangingPunct="1">
+              <a:defRPr sz="1800" kern="1200">
+                <a:solidFill>
+                  <a:schemeClr val="tx1"/>
+                </a:solidFill>
+                <a:latin typeface="+mn-lt"/>
+                <a:ea typeface="+mn-ea"/>
+                <a:cs typeface="+mn-cs"/>
+              </a:defRPr>
+            </a:lvl9pPr>
+          </a:lstStyle>
+          <a:p>
+            <a:r>
+              <a:rPr lang="en-GB" sz="2000" dirty="0">
+                <a:solidFill>
+                  <a:schemeClr val="bg1"/>
+                </a:solidFill>
+                <a:latin typeface="Arial Nova Cond" panose="020B0506020202020204" pitchFamily="34" charset="0"/>
+              </a:rPr>
+              <a:t>5</a:t>
+            </a:r>
+            <a:endParaRPr lang="el-GR" sz="2000" dirty="0">
+              <a:solidFill>
+                <a:schemeClr val="bg1"/>
+              </a:solidFill>
+              <a:latin typeface="Arial Nova Cond" panose="020B0506020202020204" pitchFamily="34" charset="0"/>
+            </a:endParaRPr>
+          </a:p>
+        </p:txBody>
+      </p:sp>
+      <p:sp>
+        <p:nvSpPr>
+          <p:cNvPr id="9" name="Θέση υποσέλιδου 3">
+            <a:extLst>
+              <a:ext uri="{FF2B5EF4-FFF2-40B4-BE49-F238E27FC236}">
+                <a16:creationId xmlns:a16="http://schemas.microsoft.com/office/drawing/2014/main" id="{EF12F49B-AB9D-666A-CDFA-9046E4DB4502}"/>
+              </a:ext>
+            </a:extLst>
+          </p:cNvPr>
+          <p:cNvSpPr txBox="1">
+            <a:spLocks/>
+          </p:cNvSpPr>
+          <p:nvPr/>
+        </p:nvSpPr>
+        <p:spPr>
+          <a:xfrm>
+            <a:off x="2979174" y="6126086"/>
+            <a:ext cx="6233652" cy="544512"/>
+          </a:xfrm>
+          <a:prstGeom prst="rect">
+            <a:avLst/>
+          </a:prstGeom>
+        </p:spPr>
+        <p:txBody>
+          <a:bodyPr vert="horz" lIns="91440" tIns="45720" rIns="91440" bIns="45720" rtlCol="0" anchor="ctr"/>
+          <a:lstStyle>
+            <a:defPPr>
+              <a:defRPr lang="en-US"/>
+            </a:defPPr>
+            <a:lvl1pPr marL="0" algn="l" defTabSz="457200" rtl="0" eaLnBrk="1" latinLnBrk="0" hangingPunct="1">
+              <a:defRPr sz="1050" kern="1200">
+                <a:solidFill>
+                  <a:schemeClr val="tx1">
+                    <a:alpha val="70000"/>
+                  </a:schemeClr>
+                </a:solidFill>
+                <a:latin typeface="+mn-lt"/>
+                <a:ea typeface="+mn-ea"/>
+                <a:cs typeface="+mn-cs"/>
+              </a:defRPr>
+            </a:lvl1pPr>
+            <a:lvl2pPr marL="457200" algn="l" defTabSz="457200" rtl="0" eaLnBrk="1" latinLnBrk="0" hangingPunct="1">
+              <a:defRPr sz="1800" kern="1200">
+                <a:solidFill>
+                  <a:schemeClr val="tx1"/>
+                </a:solidFill>
+                <a:latin typeface="+mn-lt"/>
+                <a:ea typeface="+mn-ea"/>
+                <a:cs typeface="+mn-cs"/>
+              </a:defRPr>
+            </a:lvl2pPr>
+            <a:lvl3pPr marL="914400" algn="l" defTabSz="457200" rtl="0" eaLnBrk="1" latinLnBrk="0" hangingPunct="1">
+              <a:defRPr sz="1800" kern="1200">
+                <a:solidFill>
+                  <a:schemeClr val="tx1"/>
+                </a:solidFill>
+                <a:latin typeface="+mn-lt"/>
+                <a:ea typeface="+mn-ea"/>
+                <a:cs typeface="+mn-cs"/>
+              </a:defRPr>
+            </a:lvl3pPr>
+            <a:lvl4pPr marL="1371600" algn="l" defTabSz="457200" rtl="0" eaLnBrk="1" latinLnBrk="0" hangingPunct="1">
+              <a:defRPr sz="1800" kern="1200">
+                <a:solidFill>
+                  <a:schemeClr val="tx1"/>
+                </a:solidFill>
+                <a:latin typeface="+mn-lt"/>
+                <a:ea typeface="+mn-ea"/>
+                <a:cs typeface="+mn-cs"/>
+              </a:defRPr>
+            </a:lvl4pPr>
+            <a:lvl5pPr marL="1828800" algn="l" defTabSz="457200" rtl="0" eaLnBrk="1" latinLnBrk="0" hangingPunct="1">
+              <a:defRPr sz="1800" kern="1200">
+                <a:solidFill>
+                  <a:schemeClr val="tx1"/>
+                </a:solidFill>
+                <a:latin typeface="+mn-lt"/>
+                <a:ea typeface="+mn-ea"/>
+                <a:cs typeface="+mn-cs"/>
+              </a:defRPr>
+            </a:lvl5pPr>
+            <a:lvl6pPr marL="2286000" algn="l" defTabSz="457200" rtl="0" eaLnBrk="1" latinLnBrk="0" hangingPunct="1">
+              <a:defRPr sz="1800" kern="1200">
+                <a:solidFill>
+                  <a:schemeClr val="tx1"/>
+                </a:solidFill>
+                <a:latin typeface="+mn-lt"/>
+                <a:ea typeface="+mn-ea"/>
+                <a:cs typeface="+mn-cs"/>
+              </a:defRPr>
+            </a:lvl6pPr>
+            <a:lvl7pPr marL="2743200" algn="l" defTabSz="457200" rtl="0" eaLnBrk="1" latinLnBrk="0" hangingPunct="1">
+              <a:defRPr sz="1800" kern="1200">
+                <a:solidFill>
+                  <a:schemeClr val="tx1"/>
+                </a:solidFill>
+                <a:latin typeface="+mn-lt"/>
+                <a:ea typeface="+mn-ea"/>
+                <a:cs typeface="+mn-cs"/>
+              </a:defRPr>
+            </a:lvl7pPr>
+            <a:lvl8pPr marL="3200400" algn="l" defTabSz="457200" rtl="0" eaLnBrk="1" latinLnBrk="0" hangingPunct="1">
+              <a:defRPr sz="1800" kern="1200">
+                <a:solidFill>
+                  <a:schemeClr val="tx1"/>
+                </a:solidFill>
+                <a:latin typeface="+mn-lt"/>
+                <a:ea typeface="+mn-ea"/>
+                <a:cs typeface="+mn-cs"/>
+              </a:defRPr>
+            </a:lvl8pPr>
+            <a:lvl9pPr marL="3657600" algn="l" defTabSz="457200" rtl="0" eaLnBrk="1" latinLnBrk="0" hangingPunct="1">
+              <a:defRPr sz="1800" kern="1200">
+                <a:solidFill>
+                  <a:schemeClr val="tx1"/>
+                </a:solidFill>
+                <a:latin typeface="+mn-lt"/>
+                <a:ea typeface="+mn-ea"/>
+                <a:cs typeface="+mn-cs"/>
+              </a:defRPr>
+            </a:lvl9pPr>
+          </a:lstStyle>
+          <a:p>
+            <a:pPr algn="ctr"/>
+            <a:r>
+              <a:rPr lang="en-GB" sz="1700" dirty="0">
+                <a:solidFill>
+                  <a:schemeClr val="bg1"/>
+                </a:solidFill>
+                <a:latin typeface="Arial Nova Cond" panose="020B0506020202020204" pitchFamily="34" charset="0"/>
+              </a:rPr>
+              <a:t>STRESS VS REGRESSION TESTING</a:t>
+            </a:r>
+            <a:endParaRPr lang="el-GR" sz="1700" dirty="0">
+              <a:solidFill>
+                <a:schemeClr val="bg1"/>
+              </a:solidFill>
+              <a:latin typeface="Arial Nova Cond" panose="020B0506020202020204" pitchFamily="34" charset="0"/>
+            </a:endParaRPr>
+          </a:p>
+        </p:txBody>
+      </p:sp>
+      <p:sp>
+        <p:nvSpPr>
+          <p:cNvPr id="10" name="Θέση περιεχομένου 2">
+            <a:extLst>
+              <a:ext uri="{FF2B5EF4-FFF2-40B4-BE49-F238E27FC236}">
+                <a16:creationId xmlns:a16="http://schemas.microsoft.com/office/drawing/2014/main" id="{326B48E3-F209-9D0C-6777-AA79CC168A6E}"/>
+              </a:ext>
+            </a:extLst>
+          </p:cNvPr>
+          <p:cNvSpPr txBox="1">
+            <a:spLocks/>
+          </p:cNvSpPr>
+          <p:nvPr/>
+        </p:nvSpPr>
+        <p:spPr>
+          <a:xfrm>
+            <a:off x="990600" y="2182760"/>
+            <a:ext cx="3325761" cy="3755922"/>
+          </a:xfrm>
+          <a:prstGeom prst="rect">
+            <a:avLst/>
+          </a:prstGeom>
+        </p:spPr>
+        <p:txBody>
+          <a:bodyPr vert="horz" lIns="91440" tIns="45720" rIns="91440" bIns="45720" rtlCol="0">
+            <a:normAutofit/>
+          </a:bodyPr>
+          <a:lstStyle>
+            <a:lvl1pPr marL="228600" indent="-228600" algn="l" defTabSz="914400" rtl="0" eaLnBrk="1" latinLnBrk="0" hangingPunct="1">
+              <a:lnSpc>
+                <a:spcPct val="90000"/>
+              </a:lnSpc>
+              <a:spcBef>
+                <a:spcPts val="1000"/>
+              </a:spcBef>
+              <a:buFont typeface="Arial" panose="020B0604020202020204" pitchFamily="34" charset="0"/>
+              <a:buChar char="•"/>
+              <a:defRPr sz="2800" kern="1200">
+                <a:solidFill>
+                  <a:schemeClr val="tx1"/>
+                </a:solidFill>
+                <a:latin typeface="+mn-lt"/>
+                <a:ea typeface="+mn-ea"/>
+                <a:cs typeface="+mn-cs"/>
+              </a:defRPr>
+            </a:lvl1pPr>
+            <a:lvl2pPr marL="685800" indent="-228600" algn="l" defTabSz="914400" rtl="0" eaLnBrk="1" latinLnBrk="0" hangingPunct="1">
+              <a:lnSpc>
+                <a:spcPct val="90000"/>
+              </a:lnSpc>
+              <a:spcBef>
+                <a:spcPts val="500"/>
+              </a:spcBef>
+              <a:buFont typeface="Arial" panose="020B0604020202020204" pitchFamily="34" charset="0"/>
+              <a:buChar char="•"/>
+              <a:defRPr sz="2400" kern="1200">
+                <a:solidFill>
+                  <a:schemeClr val="tx1"/>
+                </a:solidFill>
+                <a:latin typeface="+mn-lt"/>
+                <a:ea typeface="+mn-ea"/>
+                <a:cs typeface="+mn-cs"/>
+              </a:defRPr>
+            </a:lvl2pPr>
+            <a:lvl3pPr marL="1143000" indent="-228600" algn="l" defTabSz="914400" rtl="0" eaLnBrk="1" latinLnBrk="0" hangingPunct="1">
+              <a:lnSpc>
+                <a:spcPct val="90000"/>
+              </a:lnSpc>
+              <a:spcBef>
+                <a:spcPts val="500"/>
+              </a:spcBef>
+              <a:buFont typeface="Arial" panose="020B0604020202020204" pitchFamily="34" charset="0"/>
+              <a:buChar char="•"/>
+              <a:defRPr sz="2000" kern="1200">
+                <a:solidFill>
+                  <a:schemeClr val="tx1"/>
+                </a:solidFill>
+                <a:latin typeface="+mn-lt"/>
+                <a:ea typeface="+mn-ea"/>
+                <a:cs typeface="+mn-cs"/>
+              </a:defRPr>
+            </a:lvl3pPr>
+            <a:lvl4pPr marL="1600200" indent="-228600" algn="l" defTabSz="914400" rtl="0" eaLnBrk="1" latinLnBrk="0" hangingPunct="1">
+              <a:lnSpc>
+                <a:spcPct val="90000"/>
+              </a:lnSpc>
+              <a:spcBef>
+                <a:spcPts val="500"/>
+              </a:spcBef>
+              <a:buFont typeface="Arial" panose="020B0604020202020204" pitchFamily="34" charset="0"/>
+              <a:buChar char="•"/>
+              <a:defRPr sz="1800" kern="1200">
+                <a:solidFill>
+                  <a:schemeClr val="tx1"/>
+                </a:solidFill>
+                <a:latin typeface="+mn-lt"/>
+                <a:ea typeface="+mn-ea"/>
+                <a:cs typeface="+mn-cs"/>
+              </a:defRPr>
+            </a:lvl4pPr>
+            <a:lvl5pPr marL="2057400" indent="-228600" algn="l" defTabSz="914400" rtl="0" eaLnBrk="1" latinLnBrk="0" hangingPunct="1">
+              <a:lnSpc>
+                <a:spcPct val="90000"/>
+              </a:lnSpc>
+              <a:spcBef>
+                <a:spcPts val="500"/>
+              </a:spcBef>
+              <a:buFont typeface="Arial" panose="020B0604020202020204" pitchFamily="34" charset="0"/>
+              <a:buChar char="•"/>
+              <a:defRPr sz="1800" kern="1200">
+                <a:solidFill>
+                  <a:schemeClr val="tx1"/>
+                </a:solidFill>
+                <a:latin typeface="+mn-lt"/>
+                <a:ea typeface="+mn-ea"/>
+                <a:cs typeface="+mn-cs"/>
+              </a:defRPr>
+            </a:lvl5pPr>
+            <a:lvl6pPr marL="2514600" indent="-228600" algn="l" defTabSz="914400" rtl="0" eaLnBrk="1" latinLnBrk="0" hangingPunct="1">
+              <a:lnSpc>
+                <a:spcPct val="90000"/>
+              </a:lnSpc>
+              <a:spcBef>
+                <a:spcPts val="500"/>
+              </a:spcBef>
+              <a:buFont typeface="Arial" panose="020B0604020202020204" pitchFamily="34" charset="0"/>
+              <a:buChar char="•"/>
+              <a:defRPr sz="1800" kern="1200">
+                <a:solidFill>
+                  <a:schemeClr val="tx1"/>
+                </a:solidFill>
+                <a:latin typeface="+mn-lt"/>
+                <a:ea typeface="+mn-ea"/>
+                <a:cs typeface="+mn-cs"/>
+              </a:defRPr>
+            </a:lvl6pPr>
+            <a:lvl7pPr marL="2971800" indent="-228600" algn="l" defTabSz="914400" rtl="0" eaLnBrk="1" latinLnBrk="0" hangingPunct="1">
+              <a:lnSpc>
+                <a:spcPct val="90000"/>
+              </a:lnSpc>
+              <a:spcBef>
+                <a:spcPts val="500"/>
+              </a:spcBef>
+              <a:buFont typeface="Arial" panose="020B0604020202020204" pitchFamily="34" charset="0"/>
+              <a:buChar char="•"/>
+              <a:defRPr sz="1800" kern="1200">
+                <a:solidFill>
+                  <a:schemeClr val="tx1"/>
+                </a:solidFill>
+                <a:latin typeface="+mn-lt"/>
+                <a:ea typeface="+mn-ea"/>
+                <a:cs typeface="+mn-cs"/>
+              </a:defRPr>
+            </a:lvl7pPr>
+            <a:lvl8pPr marL="3429000" indent="-228600" algn="l" defTabSz="914400" rtl="0" eaLnBrk="1" latinLnBrk="0" hangingPunct="1">
+              <a:lnSpc>
+                <a:spcPct val="90000"/>
+              </a:lnSpc>
+              <a:spcBef>
+                <a:spcPts val="500"/>
+              </a:spcBef>
+              <a:buFont typeface="Arial" panose="020B0604020202020204" pitchFamily="34" charset="0"/>
+              <a:buChar char="•"/>
+              <a:defRPr sz="1800" kern="1200">
+                <a:solidFill>
+                  <a:schemeClr val="tx1"/>
+                </a:solidFill>
+                <a:latin typeface="+mn-lt"/>
+                <a:ea typeface="+mn-ea"/>
+                <a:cs typeface="+mn-cs"/>
+              </a:defRPr>
+            </a:lvl8pPr>
+            <a:lvl9pPr marL="3886200" indent="-228600" algn="l" defTabSz="914400" rtl="0" eaLnBrk="1" latinLnBrk="0" hangingPunct="1">
+              <a:lnSpc>
+                <a:spcPct val="90000"/>
+              </a:lnSpc>
+              <a:spcBef>
+                <a:spcPts val="500"/>
+              </a:spcBef>
+              <a:buFont typeface="Arial" panose="020B0604020202020204" pitchFamily="34" charset="0"/>
+              <a:buChar char="•"/>
+              <a:defRPr sz="1800" kern="1200">
+                <a:solidFill>
+                  <a:schemeClr val="tx1"/>
+                </a:solidFill>
+                <a:latin typeface="+mn-lt"/>
+                <a:ea typeface="+mn-ea"/>
+                <a:cs typeface="+mn-cs"/>
+              </a:defRPr>
+            </a:lvl9pPr>
+          </a:lstStyle>
+          <a:p>
+            <a:pPr marL="0" indent="0" algn="ctr">
+              <a:buFont typeface="Arial" panose="020B0604020202020204" pitchFamily="34" charset="0"/>
               <a:buNone/>
+            </a:pPr>
+            <a:r>
+              <a:rPr lang="en-GB" b="1" dirty="0">
+                <a:latin typeface="Arial Nova Cond" panose="020B0506020202020204" pitchFamily="34" charset="0"/>
+              </a:rPr>
+              <a:t>GUI Testing</a:t>
+            </a:r>
+          </a:p>
+          <a:p>
+            <a:pPr>
+              <a:buClr>
+                <a:schemeClr val="bg1">
+                  <a:lumMod val="65000"/>
+                </a:schemeClr>
+              </a:buClr>
+            </a:pPr>
+            <a:r>
+              <a:rPr lang="en-GB" dirty="0">
+                <a:latin typeface="Arial Nova Cond" panose="020B0506020202020204" pitchFamily="34" charset="0"/>
+              </a:rPr>
+              <a:t>Test GUI functionality</a:t>
+            </a:r>
+          </a:p>
+          <a:p>
+            <a:pPr>
+              <a:buClr>
+                <a:schemeClr val="bg1">
+                  <a:lumMod val="65000"/>
+                </a:schemeClr>
+              </a:buClr>
             </a:pPr>
             <a:endParaRPr lang="en-GB" dirty="0">
               <a:latin typeface="Arial Nova Cond" panose="020B0506020202020204" pitchFamily="34" charset="0"/>
             </a:endParaRPr>
           </a:p>
           <a:p>
+            <a:pPr>
+              <a:buClr>
+                <a:schemeClr val="bg1">
+                  <a:lumMod val="65000"/>
+                </a:schemeClr>
+              </a:buClr>
+            </a:pPr>
             <a:r>
               <a:rPr lang="en-GB" dirty="0">
                 <a:latin typeface="Arial Nova Cond" panose="020B0506020202020204" pitchFamily="34" charset="0"/>
               </a:rPr>
-              <a:t>API testing for GUI-less systems or backend</a:t>
-            </a:r>
-          </a:p>
-          <a:p>
-            <a:pPr marL="0" indent="0">
+              <a:t>Automate using keyword-driven methods</a:t>
+            </a:r>
+          </a:p>
+          <a:p>
+            <a:pPr algn="just"/>
+            <a:endParaRPr lang="en-GB" dirty="0"/>
+          </a:p>
+        </p:txBody>
+      </p:sp>
+      <p:sp>
+        <p:nvSpPr>
+          <p:cNvPr id="11" name="Θέση περιεχομένου 2">
+            <a:extLst>
+              <a:ext uri="{FF2B5EF4-FFF2-40B4-BE49-F238E27FC236}">
+                <a16:creationId xmlns:a16="http://schemas.microsoft.com/office/drawing/2014/main" id="{E3AF3838-EB05-9052-0BE6-9A6BAF6A96A1}"/>
+              </a:ext>
+            </a:extLst>
+          </p:cNvPr>
+          <p:cNvSpPr txBox="1">
+            <a:spLocks/>
+          </p:cNvSpPr>
+          <p:nvPr/>
+        </p:nvSpPr>
+        <p:spPr>
+          <a:xfrm>
+            <a:off x="4433118" y="2182760"/>
+            <a:ext cx="3325761" cy="3755922"/>
+          </a:xfrm>
+          <a:prstGeom prst="rect">
+            <a:avLst/>
+          </a:prstGeom>
+        </p:spPr>
+        <p:txBody>
+          <a:bodyPr vert="horz" lIns="91440" tIns="45720" rIns="91440" bIns="45720" rtlCol="0">
+            <a:normAutofit/>
+          </a:bodyPr>
+          <a:lstStyle>
+            <a:lvl1pPr marL="228600" indent="-228600" algn="l" defTabSz="914400" rtl="0" eaLnBrk="1" latinLnBrk="0" hangingPunct="1">
+              <a:lnSpc>
+                <a:spcPct val="90000"/>
+              </a:lnSpc>
+              <a:spcBef>
+                <a:spcPts val="1000"/>
+              </a:spcBef>
+              <a:buFont typeface="Arial" panose="020B0604020202020204" pitchFamily="34" charset="0"/>
+              <a:buChar char="•"/>
+              <a:defRPr sz="2800" kern="1200">
+                <a:solidFill>
+                  <a:schemeClr val="tx1"/>
+                </a:solidFill>
+                <a:latin typeface="+mn-lt"/>
+                <a:ea typeface="+mn-ea"/>
+                <a:cs typeface="+mn-cs"/>
+              </a:defRPr>
+            </a:lvl1pPr>
+            <a:lvl2pPr marL="685800" indent="-228600" algn="l" defTabSz="914400" rtl="0" eaLnBrk="1" latinLnBrk="0" hangingPunct="1">
+              <a:lnSpc>
+                <a:spcPct val="90000"/>
+              </a:lnSpc>
+              <a:spcBef>
+                <a:spcPts val="500"/>
+              </a:spcBef>
+              <a:buFont typeface="Arial" panose="020B0604020202020204" pitchFamily="34" charset="0"/>
+              <a:buChar char="•"/>
+              <a:defRPr sz="2400" kern="1200">
+                <a:solidFill>
+                  <a:schemeClr val="tx1"/>
+                </a:solidFill>
+                <a:latin typeface="+mn-lt"/>
+                <a:ea typeface="+mn-ea"/>
+                <a:cs typeface="+mn-cs"/>
+              </a:defRPr>
+            </a:lvl2pPr>
+            <a:lvl3pPr marL="1143000" indent="-228600" algn="l" defTabSz="914400" rtl="0" eaLnBrk="1" latinLnBrk="0" hangingPunct="1">
+              <a:lnSpc>
+                <a:spcPct val="90000"/>
+              </a:lnSpc>
+              <a:spcBef>
+                <a:spcPts val="500"/>
+              </a:spcBef>
+              <a:buFont typeface="Arial" panose="020B0604020202020204" pitchFamily="34" charset="0"/>
+              <a:buChar char="•"/>
+              <a:defRPr sz="2000" kern="1200">
+                <a:solidFill>
+                  <a:schemeClr val="tx1"/>
+                </a:solidFill>
+                <a:latin typeface="+mn-lt"/>
+                <a:ea typeface="+mn-ea"/>
+                <a:cs typeface="+mn-cs"/>
+              </a:defRPr>
+            </a:lvl3pPr>
+            <a:lvl4pPr marL="1600200" indent="-228600" algn="l" defTabSz="914400" rtl="0" eaLnBrk="1" latinLnBrk="0" hangingPunct="1">
+              <a:lnSpc>
+                <a:spcPct val="90000"/>
+              </a:lnSpc>
+              <a:spcBef>
+                <a:spcPts val="500"/>
+              </a:spcBef>
+              <a:buFont typeface="Arial" panose="020B0604020202020204" pitchFamily="34" charset="0"/>
+              <a:buChar char="•"/>
+              <a:defRPr sz="1800" kern="1200">
+                <a:solidFill>
+                  <a:schemeClr val="tx1"/>
+                </a:solidFill>
+                <a:latin typeface="+mn-lt"/>
+                <a:ea typeface="+mn-ea"/>
+                <a:cs typeface="+mn-cs"/>
+              </a:defRPr>
+            </a:lvl4pPr>
+            <a:lvl5pPr marL="2057400" indent="-228600" algn="l" defTabSz="914400" rtl="0" eaLnBrk="1" latinLnBrk="0" hangingPunct="1">
+              <a:lnSpc>
+                <a:spcPct val="90000"/>
+              </a:lnSpc>
+              <a:spcBef>
+                <a:spcPts val="500"/>
+              </a:spcBef>
+              <a:buFont typeface="Arial" panose="020B0604020202020204" pitchFamily="34" charset="0"/>
+              <a:buChar char="•"/>
+              <a:defRPr sz="1800" kern="1200">
+                <a:solidFill>
+                  <a:schemeClr val="tx1"/>
+                </a:solidFill>
+                <a:latin typeface="+mn-lt"/>
+                <a:ea typeface="+mn-ea"/>
+                <a:cs typeface="+mn-cs"/>
+              </a:defRPr>
+            </a:lvl5pPr>
+            <a:lvl6pPr marL="2514600" indent="-228600" algn="l" defTabSz="914400" rtl="0" eaLnBrk="1" latinLnBrk="0" hangingPunct="1">
+              <a:lnSpc>
+                <a:spcPct val="90000"/>
+              </a:lnSpc>
+              <a:spcBef>
+                <a:spcPts val="500"/>
+              </a:spcBef>
+              <a:buFont typeface="Arial" panose="020B0604020202020204" pitchFamily="34" charset="0"/>
+              <a:buChar char="•"/>
+              <a:defRPr sz="1800" kern="1200">
+                <a:solidFill>
+                  <a:schemeClr val="tx1"/>
+                </a:solidFill>
+                <a:latin typeface="+mn-lt"/>
+                <a:ea typeface="+mn-ea"/>
+                <a:cs typeface="+mn-cs"/>
+              </a:defRPr>
+            </a:lvl6pPr>
+            <a:lvl7pPr marL="2971800" indent="-228600" algn="l" defTabSz="914400" rtl="0" eaLnBrk="1" latinLnBrk="0" hangingPunct="1">
+              <a:lnSpc>
+                <a:spcPct val="90000"/>
+              </a:lnSpc>
+              <a:spcBef>
+                <a:spcPts val="500"/>
+              </a:spcBef>
+              <a:buFont typeface="Arial" panose="020B0604020202020204" pitchFamily="34" charset="0"/>
+              <a:buChar char="•"/>
+              <a:defRPr sz="1800" kern="1200">
+                <a:solidFill>
+                  <a:schemeClr val="tx1"/>
+                </a:solidFill>
+                <a:latin typeface="+mn-lt"/>
+                <a:ea typeface="+mn-ea"/>
+                <a:cs typeface="+mn-cs"/>
+              </a:defRPr>
+            </a:lvl7pPr>
+            <a:lvl8pPr marL="3429000" indent="-228600" algn="l" defTabSz="914400" rtl="0" eaLnBrk="1" latinLnBrk="0" hangingPunct="1">
+              <a:lnSpc>
+                <a:spcPct val="90000"/>
+              </a:lnSpc>
+              <a:spcBef>
+                <a:spcPts val="500"/>
+              </a:spcBef>
+              <a:buFont typeface="Arial" panose="020B0604020202020204" pitchFamily="34" charset="0"/>
+              <a:buChar char="•"/>
+              <a:defRPr sz="1800" kern="1200">
+                <a:solidFill>
+                  <a:schemeClr val="tx1"/>
+                </a:solidFill>
+                <a:latin typeface="+mn-lt"/>
+                <a:ea typeface="+mn-ea"/>
+                <a:cs typeface="+mn-cs"/>
+              </a:defRPr>
+            </a:lvl8pPr>
+            <a:lvl9pPr marL="3886200" indent="-228600" algn="l" defTabSz="914400" rtl="0" eaLnBrk="1" latinLnBrk="0" hangingPunct="1">
+              <a:lnSpc>
+                <a:spcPct val="90000"/>
+              </a:lnSpc>
+              <a:spcBef>
+                <a:spcPts val="500"/>
+              </a:spcBef>
+              <a:buFont typeface="Arial" panose="020B0604020202020204" pitchFamily="34" charset="0"/>
+              <a:buChar char="•"/>
+              <a:defRPr sz="1800" kern="1200">
+                <a:solidFill>
+                  <a:schemeClr val="tx1"/>
+                </a:solidFill>
+                <a:latin typeface="+mn-lt"/>
+                <a:ea typeface="+mn-ea"/>
+                <a:cs typeface="+mn-cs"/>
+              </a:defRPr>
+            </a:lvl9pPr>
+          </a:lstStyle>
+          <a:p>
+            <a:pPr marL="0" indent="0" algn="ctr">
+              <a:buFont typeface="Arial" panose="020B0604020202020204" pitchFamily="34" charset="0"/>
               <a:buNone/>
+            </a:pPr>
+            <a:r>
+              <a:rPr lang="en-GB" b="1" dirty="0">
+                <a:latin typeface="Arial Nova Cond" panose="020B0506020202020204" pitchFamily="34" charset="0"/>
+              </a:rPr>
+              <a:t>API Testing</a:t>
+            </a:r>
+          </a:p>
+          <a:p>
+            <a:pPr>
+              <a:buClr>
+                <a:schemeClr val="bg1">
+                  <a:lumMod val="65000"/>
+                </a:schemeClr>
+              </a:buClr>
+            </a:pPr>
+            <a:r>
+              <a:rPr lang="en-GB" dirty="0">
+                <a:latin typeface="Arial Nova Cond" panose="020B0506020202020204" pitchFamily="34" charset="0"/>
+              </a:rPr>
+              <a:t>Program tests for GUI-less systems</a:t>
+            </a:r>
+          </a:p>
+          <a:p>
+            <a:pPr>
+              <a:buClr>
+                <a:schemeClr val="bg1">
+                  <a:lumMod val="65000"/>
+                </a:schemeClr>
+              </a:buClr>
             </a:pPr>
             <a:endParaRPr lang="en-GB" dirty="0">
               <a:latin typeface="Arial Nova Cond" panose="020B0506020202020204" pitchFamily="34" charset="0"/>
             </a:endParaRPr>
           </a:p>
           <a:p>
+            <a:pPr>
+              <a:buClr>
+                <a:schemeClr val="bg1">
+                  <a:lumMod val="65000"/>
+                </a:schemeClr>
+              </a:buClr>
+            </a:pPr>
             <a:r>
               <a:rPr lang="en-GB" dirty="0">
                 <a:latin typeface="Arial Nova Cond" panose="020B0506020202020204" pitchFamily="34" charset="0"/>
               </a:rPr>
-              <a:t>Testing for desktop, web and mobile applications with integrations</a:t>
-            </a:r>
-          </a:p>
-          <a:p>
-            <a:pPr marL="0" indent="0">
+              <a:t>Check for backend issues </a:t>
+            </a:r>
+          </a:p>
+          <a:p>
+            <a:pPr algn="just"/>
+            <a:endParaRPr lang="en-GB" dirty="0"/>
+          </a:p>
+        </p:txBody>
+      </p:sp>
+      <p:sp>
+        <p:nvSpPr>
+          <p:cNvPr id="12" name="Θέση περιεχομένου 2">
+            <a:extLst>
+              <a:ext uri="{FF2B5EF4-FFF2-40B4-BE49-F238E27FC236}">
+                <a16:creationId xmlns:a16="http://schemas.microsoft.com/office/drawing/2014/main" id="{698E5DDC-65E2-92B2-342C-0124CA629BED}"/>
+              </a:ext>
+            </a:extLst>
+          </p:cNvPr>
+          <p:cNvSpPr txBox="1">
+            <a:spLocks/>
+          </p:cNvSpPr>
+          <p:nvPr/>
+        </p:nvSpPr>
+        <p:spPr>
+          <a:xfrm>
+            <a:off x="8028038" y="2163097"/>
+            <a:ext cx="3325761" cy="3755922"/>
+          </a:xfrm>
+          <a:prstGeom prst="rect">
+            <a:avLst/>
+          </a:prstGeom>
+        </p:spPr>
+        <p:txBody>
+          <a:bodyPr vert="horz" lIns="91440" tIns="45720" rIns="91440" bIns="45720" rtlCol="0">
+            <a:normAutofit/>
+          </a:bodyPr>
+          <a:lstStyle>
+            <a:lvl1pPr marL="228600" indent="-228600" algn="l" defTabSz="914400" rtl="0" eaLnBrk="1" latinLnBrk="0" hangingPunct="1">
+              <a:lnSpc>
+                <a:spcPct val="90000"/>
+              </a:lnSpc>
+              <a:spcBef>
+                <a:spcPts val="1000"/>
+              </a:spcBef>
+              <a:buFont typeface="Arial" panose="020B0604020202020204" pitchFamily="34" charset="0"/>
+              <a:buChar char="•"/>
+              <a:defRPr sz="2800" kern="1200">
+                <a:solidFill>
+                  <a:schemeClr val="tx1"/>
+                </a:solidFill>
+                <a:latin typeface="+mn-lt"/>
+                <a:ea typeface="+mn-ea"/>
+                <a:cs typeface="+mn-cs"/>
+              </a:defRPr>
+            </a:lvl1pPr>
+            <a:lvl2pPr marL="685800" indent="-228600" algn="l" defTabSz="914400" rtl="0" eaLnBrk="1" latinLnBrk="0" hangingPunct="1">
+              <a:lnSpc>
+                <a:spcPct val="90000"/>
+              </a:lnSpc>
+              <a:spcBef>
+                <a:spcPts val="500"/>
+              </a:spcBef>
+              <a:buFont typeface="Arial" panose="020B0604020202020204" pitchFamily="34" charset="0"/>
+              <a:buChar char="•"/>
+              <a:defRPr sz="2400" kern="1200">
+                <a:solidFill>
+                  <a:schemeClr val="tx1"/>
+                </a:solidFill>
+                <a:latin typeface="+mn-lt"/>
+                <a:ea typeface="+mn-ea"/>
+                <a:cs typeface="+mn-cs"/>
+              </a:defRPr>
+            </a:lvl2pPr>
+            <a:lvl3pPr marL="1143000" indent="-228600" algn="l" defTabSz="914400" rtl="0" eaLnBrk="1" latinLnBrk="0" hangingPunct="1">
+              <a:lnSpc>
+                <a:spcPct val="90000"/>
+              </a:lnSpc>
+              <a:spcBef>
+                <a:spcPts val="500"/>
+              </a:spcBef>
+              <a:buFont typeface="Arial" panose="020B0604020202020204" pitchFamily="34" charset="0"/>
+              <a:buChar char="•"/>
+              <a:defRPr sz="2000" kern="1200">
+                <a:solidFill>
+                  <a:schemeClr val="tx1"/>
+                </a:solidFill>
+                <a:latin typeface="+mn-lt"/>
+                <a:ea typeface="+mn-ea"/>
+                <a:cs typeface="+mn-cs"/>
+              </a:defRPr>
+            </a:lvl3pPr>
+            <a:lvl4pPr marL="1600200" indent="-228600" algn="l" defTabSz="914400" rtl="0" eaLnBrk="1" latinLnBrk="0" hangingPunct="1">
+              <a:lnSpc>
+                <a:spcPct val="90000"/>
+              </a:lnSpc>
+              <a:spcBef>
+                <a:spcPts val="500"/>
+              </a:spcBef>
+              <a:buFont typeface="Arial" panose="020B0604020202020204" pitchFamily="34" charset="0"/>
+              <a:buChar char="•"/>
+              <a:defRPr sz="1800" kern="1200">
+                <a:solidFill>
+                  <a:schemeClr val="tx1"/>
+                </a:solidFill>
+                <a:latin typeface="+mn-lt"/>
+                <a:ea typeface="+mn-ea"/>
+                <a:cs typeface="+mn-cs"/>
+              </a:defRPr>
+            </a:lvl4pPr>
+            <a:lvl5pPr marL="2057400" indent="-228600" algn="l" defTabSz="914400" rtl="0" eaLnBrk="1" latinLnBrk="0" hangingPunct="1">
+              <a:lnSpc>
+                <a:spcPct val="90000"/>
+              </a:lnSpc>
+              <a:spcBef>
+                <a:spcPts val="500"/>
+              </a:spcBef>
+              <a:buFont typeface="Arial" panose="020B0604020202020204" pitchFamily="34" charset="0"/>
+              <a:buChar char="•"/>
+              <a:defRPr sz="1800" kern="1200">
+                <a:solidFill>
+                  <a:schemeClr val="tx1"/>
+                </a:solidFill>
+                <a:latin typeface="+mn-lt"/>
+                <a:ea typeface="+mn-ea"/>
+                <a:cs typeface="+mn-cs"/>
+              </a:defRPr>
+            </a:lvl5pPr>
+            <a:lvl6pPr marL="2514600" indent="-228600" algn="l" defTabSz="914400" rtl="0" eaLnBrk="1" latinLnBrk="0" hangingPunct="1">
+              <a:lnSpc>
+                <a:spcPct val="90000"/>
+              </a:lnSpc>
+              <a:spcBef>
+                <a:spcPts val="500"/>
+              </a:spcBef>
+              <a:buFont typeface="Arial" panose="020B0604020202020204" pitchFamily="34" charset="0"/>
+              <a:buChar char="•"/>
+              <a:defRPr sz="1800" kern="1200">
+                <a:solidFill>
+                  <a:schemeClr val="tx1"/>
+                </a:solidFill>
+                <a:latin typeface="+mn-lt"/>
+                <a:ea typeface="+mn-ea"/>
+                <a:cs typeface="+mn-cs"/>
+              </a:defRPr>
+            </a:lvl6pPr>
+            <a:lvl7pPr marL="2971800" indent="-228600" algn="l" defTabSz="914400" rtl="0" eaLnBrk="1" latinLnBrk="0" hangingPunct="1">
+              <a:lnSpc>
+                <a:spcPct val="90000"/>
+              </a:lnSpc>
+              <a:spcBef>
+                <a:spcPts val="500"/>
+              </a:spcBef>
+              <a:buFont typeface="Arial" panose="020B0604020202020204" pitchFamily="34" charset="0"/>
+              <a:buChar char="•"/>
+              <a:defRPr sz="1800" kern="1200">
+                <a:solidFill>
+                  <a:schemeClr val="tx1"/>
+                </a:solidFill>
+                <a:latin typeface="+mn-lt"/>
+                <a:ea typeface="+mn-ea"/>
+                <a:cs typeface="+mn-cs"/>
+              </a:defRPr>
+            </a:lvl7pPr>
+            <a:lvl8pPr marL="3429000" indent="-228600" algn="l" defTabSz="914400" rtl="0" eaLnBrk="1" latinLnBrk="0" hangingPunct="1">
+              <a:lnSpc>
+                <a:spcPct val="90000"/>
+              </a:lnSpc>
+              <a:spcBef>
+                <a:spcPts val="500"/>
+              </a:spcBef>
+              <a:buFont typeface="Arial" panose="020B0604020202020204" pitchFamily="34" charset="0"/>
+              <a:buChar char="•"/>
+              <a:defRPr sz="1800" kern="1200">
+                <a:solidFill>
+                  <a:schemeClr val="tx1"/>
+                </a:solidFill>
+                <a:latin typeface="+mn-lt"/>
+                <a:ea typeface="+mn-ea"/>
+                <a:cs typeface="+mn-cs"/>
+              </a:defRPr>
+            </a:lvl8pPr>
+            <a:lvl9pPr marL="3886200" indent="-228600" algn="l" defTabSz="914400" rtl="0" eaLnBrk="1" latinLnBrk="0" hangingPunct="1">
+              <a:lnSpc>
+                <a:spcPct val="90000"/>
+              </a:lnSpc>
+              <a:spcBef>
+                <a:spcPts val="500"/>
+              </a:spcBef>
+              <a:buFont typeface="Arial" panose="020B0604020202020204" pitchFamily="34" charset="0"/>
+              <a:buChar char="•"/>
+              <a:defRPr sz="1800" kern="1200">
+                <a:solidFill>
+                  <a:schemeClr val="tx1"/>
+                </a:solidFill>
+                <a:latin typeface="+mn-lt"/>
+                <a:ea typeface="+mn-ea"/>
+                <a:cs typeface="+mn-cs"/>
+              </a:defRPr>
+            </a:lvl9pPr>
+          </a:lstStyle>
+          <a:p>
+            <a:pPr marL="0" indent="0" algn="ctr">
+              <a:buFont typeface="Arial" panose="020B0604020202020204" pitchFamily="34" charset="0"/>
               <a:buNone/>
+            </a:pPr>
+            <a:r>
+              <a:rPr lang="en-GB" b="1" dirty="0">
+                <a:latin typeface="Arial Nova Cond" panose="020B0506020202020204" pitchFamily="34" charset="0"/>
+              </a:rPr>
+              <a:t>Integrations</a:t>
+            </a:r>
+          </a:p>
+          <a:p>
+            <a:pPr>
+              <a:buClr>
+                <a:schemeClr val="bg1">
+                  <a:lumMod val="65000"/>
+                </a:schemeClr>
+              </a:buClr>
+            </a:pPr>
+            <a:r>
+              <a:rPr lang="en-GB" dirty="0">
+                <a:latin typeface="Arial Nova Cond" panose="020B0506020202020204" pitchFamily="34" charset="0"/>
+              </a:rPr>
+              <a:t>UFT-One tests as part of CI cycles</a:t>
+            </a:r>
+          </a:p>
+          <a:p>
+            <a:pPr>
+              <a:buClr>
+                <a:schemeClr val="bg1">
+                  <a:lumMod val="65000"/>
+                </a:schemeClr>
+              </a:buClr>
             </a:pPr>
             <a:endParaRPr lang="en-GB" dirty="0">
               <a:latin typeface="Arial Nova Cond" panose="020B0506020202020204" pitchFamily="34" charset="0"/>
             </a:endParaRPr>
           </a:p>
           <a:p>
+            <a:pPr>
+              <a:buClr>
+                <a:schemeClr val="bg1">
+                  <a:lumMod val="65000"/>
+                </a:schemeClr>
+              </a:buClr>
+            </a:pPr>
             <a:r>
               <a:rPr lang="en-GB" dirty="0">
                 <a:latin typeface="Arial Nova Cond" panose="020B0506020202020204" pitchFamily="34" charset="0"/>
               </a:rPr>
-              <a:t>Integration with CI systems and other testing tools </a:t>
-            </a:r>
-          </a:p>
-          <a:p>
-            <a:endParaRPr lang="en-GB" dirty="0">
-              <a:latin typeface="Arial Nova Cond" panose="020B0506020202020204" pitchFamily="34" charset="0"/>
-            </a:endParaRPr>
-          </a:p>
-          <a:p>
-            <a:endParaRPr lang="en-GB" dirty="0">
-              <a:latin typeface="Arial Nova Cond" panose="020B0506020202020204" pitchFamily="34" charset="0"/>
-            </a:endParaRPr>
-          </a:p>
-          <a:p>
-            <a:pPr marL="0" indent="0">
-              <a:buNone/>
-            </a:pPr>
-            <a:endParaRPr lang="en-GB" dirty="0">
-              <a:latin typeface="Arial Nova Cond" panose="020B0506020202020204" pitchFamily="34" charset="0"/>
-            </a:endParaRPr>
-          </a:p>
-        </p:txBody>
-      </p:sp>
-      <p:sp>
-        <p:nvSpPr>
-          <p:cNvPr id="7" name="Θέση υποσέλιδου 3">
-            <a:extLst>
-              <a:ext uri="{FF2B5EF4-FFF2-40B4-BE49-F238E27FC236}">
-                <a16:creationId xmlns:a16="http://schemas.microsoft.com/office/drawing/2014/main" id="{27530F29-C69E-E81A-EE8D-3FCB3150220C}"/>
-              </a:ext>
-            </a:extLst>
-          </p:cNvPr>
-          <p:cNvSpPr>
-            <a:spLocks noGrp="1"/>
-          </p:cNvSpPr>
-          <p:nvPr>
-            <p:ph type="ftr" sz="quarter" idx="11"/>
-          </p:nvPr>
-        </p:nvSpPr>
-        <p:spPr>
-          <a:xfrm>
-            <a:off x="2979174" y="6176962"/>
-            <a:ext cx="6233652" cy="544512"/>
-          </a:xfrm>
-        </p:spPr>
-        <p:txBody>
-          <a:bodyPr/>
-          <a:lstStyle/>
-          <a:p>
-            <a:r>
-              <a:rPr lang="en-GB" sz="1700" dirty="0">
-                <a:solidFill>
-                  <a:schemeClr val="tx1"/>
-                </a:solidFill>
-                <a:latin typeface="Arial Nova Cond" panose="020B0506020202020204" pitchFamily="34" charset="0"/>
-              </a:rPr>
-              <a:t>STRESS VS REGRESSION TESTING</a:t>
-            </a:r>
-            <a:endParaRPr lang="el-GR" sz="1700" dirty="0">
-              <a:solidFill>
-                <a:schemeClr val="tx1"/>
-              </a:solidFill>
-              <a:latin typeface="Arial Nova Cond" panose="020B0506020202020204" pitchFamily="34" charset="0"/>
-            </a:endParaRPr>
-          </a:p>
-        </p:txBody>
-      </p:sp>
-      <p:sp>
-        <p:nvSpPr>
-          <p:cNvPr id="8" name="Θέση αριθμού διαφάνειας 4">
-            <a:extLst>
-              <a:ext uri="{FF2B5EF4-FFF2-40B4-BE49-F238E27FC236}">
-                <a16:creationId xmlns:a16="http://schemas.microsoft.com/office/drawing/2014/main" id="{84115DC2-A829-A856-56BD-10E8C8E16A62}"/>
-              </a:ext>
-            </a:extLst>
-          </p:cNvPr>
-          <p:cNvSpPr>
-            <a:spLocks noGrp="1"/>
-          </p:cNvSpPr>
-          <p:nvPr>
-            <p:ph type="sldNum" sz="quarter" idx="12"/>
-          </p:nvPr>
-        </p:nvSpPr>
-        <p:spPr>
-          <a:xfrm>
-            <a:off x="9043220" y="6266655"/>
-            <a:ext cx="2743200" cy="365125"/>
-          </a:xfrm>
-        </p:spPr>
-        <p:txBody>
-          <a:bodyPr/>
-          <a:lstStyle/>
-          <a:p>
-            <a:r>
-              <a:rPr lang="en-GB" sz="2000" dirty="0">
-                <a:solidFill>
-                  <a:schemeClr val="tx1"/>
-                </a:solidFill>
-                <a:latin typeface="Arial Nova Cond" panose="020B0506020202020204" pitchFamily="34" charset="0"/>
-              </a:rPr>
-              <a:t>5</a:t>
-            </a:r>
-            <a:endParaRPr lang="el-GR" sz="2000" dirty="0">
-              <a:solidFill>
-                <a:schemeClr val="tx1"/>
-              </a:solidFill>
-              <a:latin typeface="Arial Nova Cond" panose="020B0506020202020204" pitchFamily="34" charset="0"/>
-            </a:endParaRPr>
+              <a:t>Use integrations for desktop, web and mobile testing</a:t>
+            </a:r>
+          </a:p>
+          <a:p>
+            <a:pPr algn="just"/>
+            <a:endParaRPr lang="en-GB" dirty="0"/>
           </a:p>
         </p:txBody>
       </p:sp>
@@ -6278,40 +8513,6 @@
       </p:grpSpPr>
       <p:sp>
         <p:nvSpPr>
-          <p:cNvPr id="2" name="Τίτλος 1">
-            <a:extLst>
-              <a:ext uri="{FF2B5EF4-FFF2-40B4-BE49-F238E27FC236}">
-                <a16:creationId xmlns:a16="http://schemas.microsoft.com/office/drawing/2014/main" id="{921C25A3-7BDD-58D2-B185-365DC7FBA8CF}"/>
-              </a:ext>
-            </a:extLst>
-          </p:cNvPr>
-          <p:cNvSpPr>
-            <a:spLocks noGrp="1"/>
-          </p:cNvSpPr>
-          <p:nvPr>
-            <p:ph type="title"/>
-          </p:nvPr>
-        </p:nvSpPr>
-        <p:spPr/>
-        <p:txBody>
-          <a:bodyPr/>
-          <a:lstStyle/>
-          <a:p>
-            <a:pPr algn="ctr"/>
-            <a:r>
-              <a:rPr lang="en-GB" dirty="0">
-                <a:latin typeface="Arial Nova Cond" panose="020B0506020202020204" pitchFamily="34" charset="0"/>
-              </a:rPr>
-              <a:t>Comparing LRP and UFT-One</a:t>
-            </a:r>
-            <a:endParaRPr lang="el-GR" dirty="0">
-              <a:latin typeface="Arial Nova Cond" panose="020B0506020202020204" pitchFamily="34" charset="0"/>
-            </a:endParaRPr>
-          </a:p>
-        </p:txBody>
-      </p:sp>
-      <p:sp>
-        <p:nvSpPr>
           <p:cNvPr id="3" name="Θέση περιεχομένου 2">
             <a:extLst>
               <a:ext uri="{FF2B5EF4-FFF2-40B4-BE49-F238E27FC236}">
@@ -6328,13 +8529,13 @@
         </p:nvSpPr>
         <p:spPr>
           <a:xfrm>
-            <a:off x="838200" y="1825625"/>
-            <a:ext cx="5257800" cy="4351337"/>
+            <a:off x="838200" y="1671485"/>
+            <a:ext cx="5257800" cy="3917744"/>
           </a:xfrm>
         </p:spPr>
         <p:txBody>
           <a:bodyPr>
-            <a:normAutofit fontScale="92500" lnSpcReduction="10000"/>
+            <a:normAutofit fontScale="77500" lnSpcReduction="20000"/>
           </a:bodyPr>
           <a:lstStyle/>
           <a:p>
@@ -6342,7 +8543,7 @@
               <a:buNone/>
             </a:pPr>
             <a:r>
-              <a:rPr lang="en-GB" dirty="0">
+              <a:rPr lang="en-GB" sz="2800" dirty="0">
                 <a:latin typeface="Arial Nova Cond" panose="020B0506020202020204" pitchFamily="34" charset="0"/>
               </a:rPr>
               <a:t>LPR</a:t>
@@ -6352,39 +8553,39 @@
             <a:pPr marL="0" indent="0" algn="ctr">
               <a:buNone/>
             </a:pPr>
-            <a:endParaRPr lang="en-GB" dirty="0">
+            <a:endParaRPr lang="en-GB" sz="2800" dirty="0">
               <a:latin typeface="Arial Nova Cond" panose="020B0506020202020204" pitchFamily="34" charset="0"/>
             </a:endParaRPr>
           </a:p>
           <a:p>
             <a:r>
-              <a:rPr lang="en-GB" dirty="0">
+              <a:rPr lang="en-GB" sz="2800" dirty="0">
                 <a:latin typeface="Arial Nova Cond" panose="020B0506020202020204" pitchFamily="34" charset="0"/>
               </a:rPr>
               <a:t>Simulated load used to test performance under stress</a:t>
             </a:r>
           </a:p>
           <a:p>
-            <a:endParaRPr lang="en-GB" dirty="0">
+            <a:endParaRPr lang="en-GB" sz="2800" dirty="0">
               <a:latin typeface="Arial Nova Cond" panose="020B0506020202020204" pitchFamily="34" charset="0"/>
             </a:endParaRPr>
           </a:p>
           <a:p>
             <a:r>
-              <a:rPr lang="en-GB" dirty="0">
+              <a:rPr lang="en-GB" sz="2800" dirty="0">
                 <a:latin typeface="Arial Nova Cond" panose="020B0506020202020204" pitchFamily="34" charset="0"/>
               </a:rPr>
               <a:t>Goal: Best performance possible and scalability</a:t>
             </a:r>
           </a:p>
           <a:p>
-            <a:endParaRPr lang="en-GB" dirty="0">
+            <a:endParaRPr lang="en-GB" sz="2800" dirty="0">
               <a:latin typeface="Arial Nova Cond" panose="020B0506020202020204" pitchFamily="34" charset="0"/>
             </a:endParaRPr>
           </a:p>
           <a:p>
             <a:r>
-              <a:rPr lang="en-GB" dirty="0">
+              <a:rPr lang="en-GB" sz="2800" dirty="0">
                 <a:latin typeface="Arial Nova Cond" panose="020B0506020202020204" pitchFamily="34" charset="0"/>
               </a:rPr>
               <a:t>Useful in simulating high traffic scenarios and monitoring the system’s response</a:t>
@@ -6411,8 +8612,8 @@
         </p:nvSpPr>
         <p:spPr>
           <a:xfrm>
-            <a:off x="6096000" y="1825625"/>
-            <a:ext cx="5257800" cy="4191717"/>
+            <a:off x="6096000" y="1671485"/>
+            <a:ext cx="5257800" cy="3917744"/>
           </a:xfrm>
           <a:prstGeom prst="rect">
             <a:avLst/>
@@ -6592,7 +8793,7 @@
               <a:buNone/>
             </a:pPr>
             <a:r>
-              <a:rPr lang="en-GB" sz="2600" dirty="0">
+              <a:rPr lang="en-GB" sz="2200" dirty="0">
                 <a:latin typeface="Arial Nova Cond" panose="020B0506020202020204" pitchFamily="34" charset="0"/>
               </a:rPr>
               <a:t>UFT-One</a:t>
@@ -6603,39 +8804,74 @@
               <a:buFont typeface="Arial" panose="020B0604020202020204" pitchFamily="34" charset="0"/>
               <a:buNone/>
             </a:pPr>
-            <a:endParaRPr lang="en-GB" sz="2600" dirty="0">
+            <a:endParaRPr lang="en-GB" sz="1800" dirty="0">
               <a:latin typeface="Arial Nova Cond" panose="020B0506020202020204" pitchFamily="34" charset="0"/>
             </a:endParaRPr>
           </a:p>
           <a:p>
-            <a:r>
-              <a:rPr lang="en-GB" sz="2600" dirty="0">
+            <a:pPr>
+              <a:buClr>
+                <a:schemeClr val="bg1">
+                  <a:lumMod val="65000"/>
+                </a:schemeClr>
+              </a:buClr>
+            </a:pPr>
+            <a:r>
+              <a:rPr lang="en-GB" sz="2200" dirty="0">
                 <a:latin typeface="Arial Nova Cond" panose="020B0506020202020204" pitchFamily="34" charset="0"/>
               </a:rPr>
               <a:t>Automated regression testing</a:t>
             </a:r>
           </a:p>
           <a:p>
-            <a:endParaRPr lang="en-GB" sz="2600" dirty="0">
+            <a:pPr>
+              <a:buClr>
+                <a:schemeClr val="bg1">
+                  <a:lumMod val="65000"/>
+                </a:schemeClr>
+              </a:buClr>
+            </a:pPr>
+            <a:endParaRPr lang="en-GB" sz="3300" dirty="0">
               <a:latin typeface="Arial Nova Cond" panose="020B0506020202020204" pitchFamily="34" charset="0"/>
             </a:endParaRPr>
           </a:p>
           <a:p>
-            <a:r>
-              <a:rPr lang="en-GB" sz="2600" dirty="0">
+            <a:pPr>
+              <a:buClr>
+                <a:schemeClr val="bg1">
+                  <a:lumMod val="65000"/>
+                </a:schemeClr>
+              </a:buClr>
+            </a:pPr>
+            <a:r>
+              <a:rPr lang="en-GB" sz="2200" dirty="0">
                 <a:latin typeface="Arial Nova Cond" panose="020B0506020202020204" pitchFamily="34" charset="0"/>
               </a:rPr>
               <a:t>Goal: Error-free applications and functionality</a:t>
             </a:r>
           </a:p>
           <a:p>
-            <a:endParaRPr lang="en-GB" sz="2600" dirty="0">
+            <a:pPr>
+              <a:buClr>
+                <a:schemeClr val="bg1">
+                  <a:lumMod val="65000"/>
+                </a:schemeClr>
+              </a:buClr>
+            </a:pPr>
+            <a:endParaRPr lang="en-GB" sz="1600" dirty="0">
               <a:latin typeface="Arial Nova Cond" panose="020B0506020202020204" pitchFamily="34" charset="0"/>
             </a:endParaRPr>
           </a:p>
           <a:p>
-            <a:r>
-              <a:rPr lang="en-GB" sz="2600" dirty="0">
+            <a:pPr>
+              <a:buClr>
+                <a:schemeClr val="bg1">
+                  <a:lumMod val="65000"/>
+                </a:schemeClr>
+              </a:buClr>
+            </a:pPr>
+            <a:r>
+              <a:rPr lang="en-GB" sz="2200" dirty="0">
                 <a:latin typeface="Arial Nova Cond" panose="020B0506020202020204" pitchFamily="34" charset="0"/>
               </a:rPr>
               <a:t>Useful because of ability to integrate and low-maintenance testing code</a:t>
@@ -6648,34 +8884,392 @@
       </p:sp>
       <p:sp>
         <p:nvSpPr>
-          <p:cNvPr id="8" name="Θέση υποσέλιδου 3">
+          <p:cNvPr id="5" name="Τίτλος 1">
             <a:extLst>
               <a:ext uri="{FF2B5EF4-FFF2-40B4-BE49-F238E27FC236}">
-                <a16:creationId xmlns:a16="http://schemas.microsoft.com/office/drawing/2014/main" id="{E5B6CF08-0253-149C-638A-536445754542}"/>
+                <a16:creationId xmlns:a16="http://schemas.microsoft.com/office/drawing/2014/main" id="{93B064EA-0BE0-D3F1-6FAC-0D9CB1144534}"/>
               </a:ext>
             </a:extLst>
           </p:cNvPr>
-          <p:cNvSpPr>
-            <a:spLocks noGrp="1"/>
-          </p:cNvSpPr>
-          <p:nvPr>
-            <p:ph type="ftr" sz="quarter" idx="11"/>
-          </p:nvPr>
+          <p:cNvSpPr txBox="1">
+            <a:spLocks/>
+          </p:cNvSpPr>
+          <p:nvPr/>
+        </p:nvSpPr>
+        <p:spPr bwMode="black">
+          <a:xfrm>
+            <a:off x="838200" y="365126"/>
+            <a:ext cx="10515600" cy="956904"/>
+          </a:xfrm>
+          <a:prstGeom prst="rect">
+            <a:avLst/>
+          </a:prstGeom>
+          <a:solidFill>
+            <a:srgbClr val="FFFFFF"/>
+          </a:solidFill>
+          <a:ln w="31750" cap="sq">
+            <a:solidFill>
+              <a:srgbClr val="404040"/>
+            </a:solidFill>
+            <a:miter lim="800000"/>
+          </a:ln>
+        </p:spPr>
+        <p:txBody>
+          <a:bodyPr vert="horz" lIns="182880" tIns="182880" rIns="182880" bIns="182880" rtlCol="0" anchor="ctr">
+            <a:normAutofit/>
+          </a:bodyPr>
+          <a:lstStyle>
+            <a:lvl1pPr algn="ctr" defTabSz="914400" rtl="0" eaLnBrk="1" latinLnBrk="0" hangingPunct="1">
+              <a:lnSpc>
+                <a:spcPct val="90000"/>
+              </a:lnSpc>
+              <a:spcBef>
+                <a:spcPct val="0"/>
+              </a:spcBef>
+              <a:buNone/>
+              <a:defRPr sz="2800" kern="1200" cap="all" spc="200" baseline="0">
+                <a:solidFill>
+                  <a:srgbClr val="262626"/>
+                </a:solidFill>
+                <a:latin typeface="+mj-lt"/>
+                <a:ea typeface="+mj-ea"/>
+                <a:cs typeface="+mj-cs"/>
+              </a:defRPr>
+            </a:lvl1pPr>
+          </a:lstStyle>
+          <a:p>
+            <a:r>
+              <a:rPr lang="en-GB" dirty="0">
+                <a:latin typeface="Arial Nova Cond" panose="020B0506020202020204" pitchFamily="34" charset="0"/>
+              </a:rPr>
+              <a:t>Comparing LRP and UFT-One</a:t>
+            </a:r>
+            <a:endParaRPr lang="el-GR" dirty="0">
+              <a:latin typeface="Arial Nova Cond" panose="020B0506020202020204" pitchFamily="34" charset="0"/>
+            </a:endParaRPr>
+          </a:p>
+        </p:txBody>
+      </p:sp>
+      <p:sp>
+        <p:nvSpPr>
+          <p:cNvPr id="10" name="Ορθογώνιο 9">
+            <a:extLst>
+              <a:ext uri="{FF2B5EF4-FFF2-40B4-BE49-F238E27FC236}">
+                <a16:creationId xmlns:a16="http://schemas.microsoft.com/office/drawing/2014/main" id="{B0D3155F-DF9C-9F6B-C9BC-571E155E82E9}"/>
+              </a:ext>
+            </a:extLst>
+          </p:cNvPr>
+          <p:cNvSpPr/>
+          <p:nvPr/>
         </p:nvSpPr>
         <p:spPr>
           <a:xfrm>
-            <a:off x="2979174" y="6176962"/>
+            <a:off x="0" y="5938684"/>
+            <a:ext cx="12192000" cy="919316"/>
+          </a:xfrm>
+          <a:prstGeom prst="rect">
+            <a:avLst/>
+          </a:prstGeom>
+        </p:spPr>
+        <p:style>
+          <a:lnRef idx="2">
+            <a:schemeClr val="accent1">
+              <a:shade val="15000"/>
+            </a:schemeClr>
+          </a:lnRef>
+          <a:fillRef idx="1">
+            <a:schemeClr val="accent1"/>
+          </a:fillRef>
+          <a:effectRef idx="0">
+            <a:schemeClr val="accent1"/>
+          </a:effectRef>
+          <a:fontRef idx="minor">
+            <a:schemeClr val="lt1"/>
+          </a:fontRef>
+        </p:style>
+        <p:txBody>
+          <a:bodyPr rtlCol="0" anchor="ctr"/>
+          <a:lstStyle/>
+          <a:p>
+            <a:pPr algn="ctr"/>
+            <a:endParaRPr lang="el-GR" dirty="0"/>
+          </a:p>
+        </p:txBody>
+      </p:sp>
+      <p:sp>
+        <p:nvSpPr>
+          <p:cNvPr id="11" name="Θέση αριθμού διαφάνειας 4">
+            <a:extLst>
+              <a:ext uri="{FF2B5EF4-FFF2-40B4-BE49-F238E27FC236}">
+                <a16:creationId xmlns:a16="http://schemas.microsoft.com/office/drawing/2014/main" id="{83E5A768-5238-D9FF-2A78-600C9CFC281E}"/>
+              </a:ext>
+            </a:extLst>
+          </p:cNvPr>
+          <p:cNvSpPr txBox="1">
+            <a:spLocks/>
+          </p:cNvSpPr>
+          <p:nvPr/>
+        </p:nvSpPr>
+        <p:spPr>
+          <a:xfrm>
+            <a:off x="11375922" y="6266655"/>
+            <a:ext cx="410497" cy="365125"/>
+          </a:xfrm>
+          <a:prstGeom prst="ellipse">
+            <a:avLst/>
+          </a:prstGeom>
+          <a:solidFill>
+            <a:srgbClr val="1D1D1D">
+              <a:alpha val="70000"/>
+            </a:srgbClr>
+          </a:solidFill>
+        </p:spPr>
+        <p:txBody>
+          <a:bodyPr vert="horz" lIns="18288" tIns="45720" rIns="18288" bIns="45720" rtlCol="0" anchor="ctr">
+            <a:noAutofit/>
+          </a:bodyPr>
+          <a:lstStyle>
+            <a:defPPr>
+              <a:defRPr lang="en-US"/>
+            </a:defPPr>
+            <a:lvl1pPr marL="0" algn="ctr" defTabSz="457200" rtl="0" eaLnBrk="1" latinLnBrk="0" hangingPunct="1">
+              <a:defRPr sz="1100" kern="1200" spc="0" baseline="0">
+                <a:solidFill>
+                  <a:srgbClr val="FFFFFF"/>
+                </a:solidFill>
+                <a:latin typeface="+mn-lt"/>
+                <a:ea typeface="+mn-ea"/>
+                <a:cs typeface="+mn-cs"/>
+              </a:defRPr>
+            </a:lvl1pPr>
+            <a:lvl2pPr marL="457200" algn="l" defTabSz="457200" rtl="0" eaLnBrk="1" latinLnBrk="0" hangingPunct="1">
+              <a:defRPr sz="1800" kern="1200">
+                <a:solidFill>
+                  <a:schemeClr val="tx1"/>
+                </a:solidFill>
+                <a:latin typeface="+mn-lt"/>
+                <a:ea typeface="+mn-ea"/>
+                <a:cs typeface="+mn-cs"/>
+              </a:defRPr>
+            </a:lvl2pPr>
+            <a:lvl3pPr marL="914400" algn="l" defTabSz="457200" rtl="0" eaLnBrk="1" latinLnBrk="0" hangingPunct="1">
+              <a:defRPr sz="1800" kern="1200">
+                <a:solidFill>
+                  <a:schemeClr val="tx1"/>
+                </a:solidFill>
+                <a:latin typeface="+mn-lt"/>
+                <a:ea typeface="+mn-ea"/>
+                <a:cs typeface="+mn-cs"/>
+              </a:defRPr>
+            </a:lvl3pPr>
+            <a:lvl4pPr marL="1371600" algn="l" defTabSz="457200" rtl="0" eaLnBrk="1" latinLnBrk="0" hangingPunct="1">
+              <a:defRPr sz="1800" kern="1200">
+                <a:solidFill>
+                  <a:schemeClr val="tx1"/>
+                </a:solidFill>
+                <a:latin typeface="+mn-lt"/>
+                <a:ea typeface="+mn-ea"/>
+                <a:cs typeface="+mn-cs"/>
+              </a:defRPr>
+            </a:lvl4pPr>
+            <a:lvl5pPr marL="1828800" algn="l" defTabSz="457200" rtl="0" eaLnBrk="1" latinLnBrk="0" hangingPunct="1">
+              <a:defRPr sz="1800" kern="1200">
+                <a:solidFill>
+                  <a:schemeClr val="tx1"/>
+                </a:solidFill>
+                <a:latin typeface="+mn-lt"/>
+                <a:ea typeface="+mn-ea"/>
+                <a:cs typeface="+mn-cs"/>
+              </a:defRPr>
+            </a:lvl5pPr>
+            <a:lvl6pPr marL="2286000" algn="l" defTabSz="457200" rtl="0" eaLnBrk="1" latinLnBrk="0" hangingPunct="1">
+              <a:defRPr sz="1800" kern="1200">
+                <a:solidFill>
+                  <a:schemeClr val="tx1"/>
+                </a:solidFill>
+                <a:latin typeface="+mn-lt"/>
+                <a:ea typeface="+mn-ea"/>
+                <a:cs typeface="+mn-cs"/>
+              </a:defRPr>
+            </a:lvl6pPr>
+            <a:lvl7pPr marL="2743200" algn="l" defTabSz="457200" rtl="0" eaLnBrk="1" latinLnBrk="0" hangingPunct="1">
+              <a:defRPr sz="1800" kern="1200">
+                <a:solidFill>
+                  <a:schemeClr val="tx1"/>
+                </a:solidFill>
+                <a:latin typeface="+mn-lt"/>
+                <a:ea typeface="+mn-ea"/>
+                <a:cs typeface="+mn-cs"/>
+              </a:defRPr>
+            </a:lvl7pPr>
+            <a:lvl8pPr marL="3200400" algn="l" defTabSz="457200" rtl="0" eaLnBrk="1" latinLnBrk="0" hangingPunct="1">
+              <a:defRPr sz="1800" kern="1200">
+                <a:solidFill>
+                  <a:schemeClr val="tx1"/>
+                </a:solidFill>
+                <a:latin typeface="+mn-lt"/>
+                <a:ea typeface="+mn-ea"/>
+                <a:cs typeface="+mn-cs"/>
+              </a:defRPr>
+            </a:lvl8pPr>
+            <a:lvl9pPr marL="3657600" algn="l" defTabSz="457200" rtl="0" eaLnBrk="1" latinLnBrk="0" hangingPunct="1">
+              <a:defRPr sz="1800" kern="1200">
+                <a:solidFill>
+                  <a:schemeClr val="tx1"/>
+                </a:solidFill>
+                <a:latin typeface="+mn-lt"/>
+                <a:ea typeface="+mn-ea"/>
+                <a:cs typeface="+mn-cs"/>
+              </a:defRPr>
+            </a:lvl9pPr>
+          </a:lstStyle>
+          <a:p>
+            <a:r>
+              <a:rPr lang="en-GB" sz="2000" dirty="0">
+                <a:solidFill>
+                  <a:schemeClr val="bg1"/>
+                </a:solidFill>
+                <a:latin typeface="Arial Nova Cond" panose="020B0506020202020204" pitchFamily="34" charset="0"/>
+              </a:rPr>
+              <a:t>6</a:t>
+            </a:r>
+            <a:endParaRPr lang="el-GR" sz="2000" dirty="0">
+              <a:solidFill>
+                <a:schemeClr val="bg1"/>
+              </a:solidFill>
+              <a:latin typeface="Arial Nova Cond" panose="020B0506020202020204" pitchFamily="34" charset="0"/>
+            </a:endParaRPr>
+          </a:p>
+        </p:txBody>
+      </p:sp>
+      <p:sp>
+        <p:nvSpPr>
+          <p:cNvPr id="12" name="Θέση υποσέλιδου 3">
+            <a:extLst>
+              <a:ext uri="{FF2B5EF4-FFF2-40B4-BE49-F238E27FC236}">
+                <a16:creationId xmlns:a16="http://schemas.microsoft.com/office/drawing/2014/main" id="{198B5EA4-0C80-7E16-74C7-000B43700E25}"/>
+              </a:ext>
+            </a:extLst>
+          </p:cNvPr>
+          <p:cNvSpPr txBox="1">
+            <a:spLocks/>
+          </p:cNvSpPr>
+          <p:nvPr/>
+        </p:nvSpPr>
+        <p:spPr>
+          <a:xfrm>
+            <a:off x="2979174" y="6126086"/>
             <a:ext cx="6233652" cy="544512"/>
           </a:xfrm>
+          <a:prstGeom prst="rect">
+            <a:avLst/>
+          </a:prstGeom>
         </p:spPr>
         <p:txBody>
-          <a:bodyPr/>
-          <a:lstStyle/>
-          <a:p>
+          <a:bodyPr vert="horz" lIns="91440" tIns="45720" rIns="91440" bIns="45720" rtlCol="0" anchor="ctr"/>
+          <a:lstStyle>
+            <a:defPPr>
+              <a:defRPr lang="en-US"/>
+            </a:defPPr>
+            <a:lvl1pPr marL="0" algn="l" defTabSz="457200" rtl="0" eaLnBrk="1" latinLnBrk="0" hangingPunct="1">
+              <a:defRPr sz="1050" kern="1200">
+                <a:solidFill>
+                  <a:schemeClr val="tx1">
+                    <a:alpha val="70000"/>
+                  </a:schemeClr>
+                </a:solidFill>
+                <a:latin typeface="+mn-lt"/>
+                <a:ea typeface="+mn-ea"/>
+                <a:cs typeface="+mn-cs"/>
+              </a:defRPr>
+            </a:lvl1pPr>
+            <a:lvl2pPr marL="457200" algn="l" defTabSz="457200" rtl="0" eaLnBrk="1" latinLnBrk="0" hangingPunct="1">
+              <a:defRPr sz="1800" kern="1200">
+                <a:solidFill>
+                  <a:schemeClr val="tx1"/>
+                </a:solidFill>
+                <a:latin typeface="+mn-lt"/>
+                <a:ea typeface="+mn-ea"/>
+                <a:cs typeface="+mn-cs"/>
+              </a:defRPr>
+            </a:lvl2pPr>
+            <a:lvl3pPr marL="914400" algn="l" defTabSz="457200" rtl="0" eaLnBrk="1" latinLnBrk="0" hangingPunct="1">
+              <a:defRPr sz="1800" kern="1200">
+                <a:solidFill>
+                  <a:schemeClr val="tx1"/>
+                </a:solidFill>
+                <a:latin typeface="+mn-lt"/>
+                <a:ea typeface="+mn-ea"/>
+                <a:cs typeface="+mn-cs"/>
+              </a:defRPr>
+            </a:lvl3pPr>
+            <a:lvl4pPr marL="1371600" algn="l" defTabSz="457200" rtl="0" eaLnBrk="1" latinLnBrk="0" hangingPunct="1">
+              <a:defRPr sz="1800" kern="1200">
+                <a:solidFill>
+                  <a:schemeClr val="tx1"/>
+                </a:solidFill>
+                <a:latin typeface="+mn-lt"/>
+                <a:ea typeface="+mn-ea"/>
+                <a:cs typeface="+mn-cs"/>
+              </a:defRPr>
+            </a:lvl4pPr>
+            <a:lvl5pPr marL="1828800" algn="l" defTabSz="457200" rtl="0" eaLnBrk="1" latinLnBrk="0" hangingPunct="1">
+              <a:defRPr sz="1800" kern="1200">
+                <a:solidFill>
+                  <a:schemeClr val="tx1"/>
+                </a:solidFill>
+                <a:latin typeface="+mn-lt"/>
+                <a:ea typeface="+mn-ea"/>
+                <a:cs typeface="+mn-cs"/>
+              </a:defRPr>
+            </a:lvl5pPr>
+            <a:lvl6pPr marL="2286000" algn="l" defTabSz="457200" rtl="0" eaLnBrk="1" latinLnBrk="0" hangingPunct="1">
+              <a:defRPr sz="1800" kern="1200">
+                <a:solidFill>
+                  <a:schemeClr val="tx1"/>
+                </a:solidFill>
+                <a:latin typeface="+mn-lt"/>
+                <a:ea typeface="+mn-ea"/>
+                <a:cs typeface="+mn-cs"/>
+              </a:defRPr>
+            </a:lvl6pPr>
+            <a:lvl7pPr marL="2743200" algn="l" defTabSz="457200" rtl="0" eaLnBrk="1" latinLnBrk="0" hangingPunct="1">
+              <a:defRPr sz="1800" kern="1200">
+                <a:solidFill>
+                  <a:schemeClr val="tx1"/>
+                </a:solidFill>
+                <a:latin typeface="+mn-lt"/>
+                <a:ea typeface="+mn-ea"/>
+                <a:cs typeface="+mn-cs"/>
+              </a:defRPr>
+            </a:lvl7pPr>
+            <a:lvl8pPr marL="3200400" algn="l" defTabSz="457200" rtl="0" eaLnBrk="1" latinLnBrk="0" hangingPunct="1">
+              <a:defRPr sz="1800" kern="1200">
+                <a:solidFill>
+                  <a:schemeClr val="tx1"/>
+                </a:solidFill>
+                <a:latin typeface="+mn-lt"/>
+                <a:ea typeface="+mn-ea"/>
+                <a:cs typeface="+mn-cs"/>
+              </a:defRPr>
+            </a:lvl8pPr>
+            <a:lvl9pPr marL="3657600" algn="l" defTabSz="457200" rtl="0" eaLnBrk="1" latinLnBrk="0" hangingPunct="1">
+              <a:defRPr sz="1800" kern="1200">
+                <a:solidFill>
+                  <a:schemeClr val="tx1"/>
+                </a:solidFill>
+                <a:latin typeface="+mn-lt"/>
+                <a:ea typeface="+mn-ea"/>
+                <a:cs typeface="+mn-cs"/>
+              </a:defRPr>
+            </a:lvl9pPr>
+          </a:lstStyle>
+          <a:p>
+            <a:pPr algn="ctr"/>
             <a:r>
               <a:rPr lang="en-GB" sz="1700" dirty="0">
                 <a:solidFill>
-                  <a:schemeClr val="tx1"/>
+                  <a:schemeClr val="bg1"/>
                 </a:solidFill>
                 <a:latin typeface="Arial Nova Cond" panose="020B0506020202020204" pitchFamily="34" charset="0"/>
               </a:rPr>
@@ -6683,51 +9277,7 @@
             </a:r>
             <a:endParaRPr lang="el-GR" sz="1700" dirty="0">
               <a:solidFill>
-                <a:schemeClr val="tx1"/>
-              </a:solidFill>
-              <a:latin typeface="Arial Nova Cond" panose="020B0506020202020204" pitchFamily="34" charset="0"/>
-            </a:endParaRPr>
-          </a:p>
-        </p:txBody>
-      </p:sp>
-      <p:sp>
-        <p:nvSpPr>
-          <p:cNvPr id="9" name="Θέση αριθμού διαφάνειας 4">
-            <a:extLst>
-              <a:ext uri="{FF2B5EF4-FFF2-40B4-BE49-F238E27FC236}">
-                <a16:creationId xmlns:a16="http://schemas.microsoft.com/office/drawing/2014/main" id="{2040D011-E1DC-4DAD-A606-751C5FC36179}"/>
-              </a:ext>
-            </a:extLst>
-          </p:cNvPr>
-          <p:cNvSpPr>
-            <a:spLocks noGrp="1"/>
-          </p:cNvSpPr>
-          <p:nvPr>
-            <p:ph type="sldNum" sz="quarter" idx="12"/>
-          </p:nvPr>
-        </p:nvSpPr>
-        <p:spPr>
-          <a:xfrm>
-            <a:off x="9043220" y="6266655"/>
-            <a:ext cx="2743200" cy="365125"/>
-          </a:xfrm>
-        </p:spPr>
-        <p:txBody>
-          <a:bodyPr/>
-          <a:lstStyle/>
-          <a:p>
-            <a:r>
-              <a:rPr lang="en-GB" sz="2000" dirty="0">
-                <a:solidFill>
-                  <a:schemeClr val="tx1"/>
-                </a:solidFill>
-                <a:latin typeface="Arial Nova Cond" panose="020B0506020202020204" pitchFamily="34" charset="0"/>
-              </a:rPr>
-              <a:t>6</a:t>
-            </a:r>
-            <a:endParaRPr lang="el-GR" sz="2000" dirty="0">
-              <a:solidFill>
-                <a:schemeClr val="tx1"/>
+                <a:schemeClr val="bg1"/>
               </a:solidFill>
               <a:latin typeface="Arial Nova Cond" panose="020B0506020202020204" pitchFamily="34" charset="0"/>
             </a:endParaRPr>
@@ -6778,40 +9328,6 @@
       </p:grpSpPr>
       <p:sp>
         <p:nvSpPr>
-          <p:cNvPr id="2" name="Τίτλος 1">
-            <a:extLst>
-              <a:ext uri="{FF2B5EF4-FFF2-40B4-BE49-F238E27FC236}">
-                <a16:creationId xmlns:a16="http://schemas.microsoft.com/office/drawing/2014/main" id="{6E918EE3-91BC-B774-97F0-33EAABF8049F}"/>
-              </a:ext>
-            </a:extLst>
-          </p:cNvPr>
-          <p:cNvSpPr>
-            <a:spLocks noGrp="1"/>
-          </p:cNvSpPr>
-          <p:nvPr>
-            <p:ph type="title"/>
-          </p:nvPr>
-        </p:nvSpPr>
-        <p:spPr/>
-        <p:txBody>
-          <a:bodyPr/>
-          <a:lstStyle/>
-          <a:p>
-            <a:pPr algn="ctr"/>
-            <a:r>
-              <a:rPr lang="en-GB" dirty="0">
-                <a:latin typeface="Arial Nova Cond" panose="020B0506020202020204" pitchFamily="34" charset="0"/>
-              </a:rPr>
-              <a:t>Working together: Running UFT-One tests with LoadRunner</a:t>
-            </a:r>
-            <a:endParaRPr lang="el-GR" dirty="0">
-              <a:latin typeface="Arial Nova Cond" panose="020B0506020202020204" pitchFamily="34" charset="0"/>
-            </a:endParaRPr>
-          </a:p>
-        </p:txBody>
-      </p:sp>
-      <p:sp>
-        <p:nvSpPr>
           <p:cNvPr id="3" name="Θέση περιεχομένου 2">
             <a:extLst>
               <a:ext uri="{FF2B5EF4-FFF2-40B4-BE49-F238E27FC236}">
@@ -6826,10 +9342,15 @@
             <p:ph idx="1"/>
           </p:nvPr>
         </p:nvSpPr>
-        <p:spPr/>
+        <p:spPr>
+          <a:xfrm>
+            <a:off x="1120877" y="1828800"/>
+            <a:ext cx="9989576" cy="3911227"/>
+          </a:xfrm>
+        </p:spPr>
         <p:txBody>
           <a:bodyPr>
-            <a:normAutofit lnSpcReduction="10000"/>
+            <a:normAutofit/>
           </a:bodyPr>
           <a:lstStyle/>
           <a:p>
@@ -6839,128 +9360,465 @@
           </a:p>
           <a:p>
             <a:r>
+              <a:rPr lang="en-GB" sz="2500" dirty="0">
+                <a:latin typeface="Arial Nova Cond" panose="020B0506020202020204" pitchFamily="34" charset="0"/>
+              </a:rPr>
+              <a:t>Automate testing using UFT-One </a:t>
+            </a:r>
+          </a:p>
+          <a:p>
+            <a:pPr marL="0" indent="0">
+              <a:buNone/>
+            </a:pPr>
+            <a:endParaRPr lang="en-GB" sz="2900" dirty="0">
+              <a:latin typeface="Arial Nova Cond" panose="020B0506020202020204" pitchFamily="34" charset="0"/>
+            </a:endParaRPr>
+          </a:p>
+          <a:p>
+            <a:r>
+              <a:rPr lang="en-GB" sz="2500" dirty="0">
+                <a:latin typeface="Arial Nova Cond" panose="020B0506020202020204" pitchFamily="34" charset="0"/>
+              </a:rPr>
+              <a:t>Use regression tests as </a:t>
+            </a:r>
+            <a:r>
+              <a:rPr lang="en-GB" sz="2500" dirty="0" err="1">
+                <a:latin typeface="Arial Nova Cond" panose="020B0506020202020204" pitchFamily="34" charset="0"/>
+              </a:rPr>
+              <a:t>Vusers</a:t>
+            </a:r>
+            <a:r>
+              <a:rPr lang="en-GB" sz="2500" dirty="0">
+                <a:latin typeface="Arial Nova Cond" panose="020B0506020202020204" pitchFamily="34" charset="0"/>
+              </a:rPr>
+              <a:t>’ test scripts</a:t>
+            </a:r>
+            <a:r>
+              <a:rPr lang="el-GR" sz="2500" dirty="0">
+                <a:latin typeface="Arial Nova Cond" panose="020B0506020202020204" pitchFamily="34" charset="0"/>
+              </a:rPr>
+              <a:t> </a:t>
+            </a:r>
+            <a:endParaRPr lang="en-GB" sz="2500" dirty="0">
+              <a:latin typeface="Arial Nova Cond" panose="020B0506020202020204" pitchFamily="34" charset="0"/>
+            </a:endParaRPr>
+          </a:p>
+          <a:p>
+            <a:pPr marL="0" indent="0">
+              <a:buNone/>
+            </a:pPr>
+            <a:endParaRPr lang="en-GB" sz="2900" dirty="0">
+              <a:latin typeface="Arial Nova Cond" panose="020B0506020202020204" pitchFamily="34" charset="0"/>
+            </a:endParaRPr>
+          </a:p>
+          <a:p>
+            <a:r>
+              <a:rPr lang="en-GB" sz="2500" dirty="0">
+                <a:latin typeface="Arial Nova Cond" panose="020B0506020202020204" pitchFamily="34" charset="0"/>
+              </a:rPr>
+              <a:t>Application functionality under heavy load: Functionality and performance!</a:t>
+            </a:r>
+          </a:p>
+          <a:p>
+            <a:endParaRPr lang="en-GB" dirty="0">
+              <a:latin typeface="Arial Nova Cond" panose="020B0506020202020204" pitchFamily="34" charset="0"/>
+            </a:endParaRPr>
+          </a:p>
+          <a:p>
+            <a:endParaRPr lang="en-GB" dirty="0">
+              <a:latin typeface="Arial Nova Cond" panose="020B0506020202020204" pitchFamily="34" charset="0"/>
+            </a:endParaRPr>
+          </a:p>
+        </p:txBody>
+      </p:sp>
+      <p:sp>
+        <p:nvSpPr>
+          <p:cNvPr id="4" name="Τίτλος 1">
+            <a:extLst>
+              <a:ext uri="{FF2B5EF4-FFF2-40B4-BE49-F238E27FC236}">
+                <a16:creationId xmlns:a16="http://schemas.microsoft.com/office/drawing/2014/main" id="{E7B700F7-F285-65FB-1AD2-ABF087607804}"/>
+              </a:ext>
+            </a:extLst>
+          </p:cNvPr>
+          <p:cNvSpPr txBox="1">
+            <a:spLocks/>
+          </p:cNvSpPr>
+          <p:nvPr/>
+        </p:nvSpPr>
+        <p:spPr bwMode="black">
+          <a:xfrm>
+            <a:off x="838200" y="365126"/>
+            <a:ext cx="10515600" cy="956904"/>
+          </a:xfrm>
+          <a:prstGeom prst="rect">
+            <a:avLst/>
+          </a:prstGeom>
+          <a:solidFill>
+            <a:srgbClr val="FFFFFF"/>
+          </a:solidFill>
+          <a:ln w="31750" cap="sq">
+            <a:solidFill>
+              <a:srgbClr val="404040"/>
+            </a:solidFill>
+            <a:miter lim="800000"/>
+          </a:ln>
+        </p:spPr>
+        <p:txBody>
+          <a:bodyPr vert="horz" lIns="182880" tIns="182880" rIns="182880" bIns="182880" rtlCol="0" anchor="ctr">
+            <a:normAutofit/>
+          </a:bodyPr>
+          <a:lstStyle>
+            <a:lvl1pPr algn="ctr" defTabSz="914400" rtl="0" eaLnBrk="1" latinLnBrk="0" hangingPunct="1">
+              <a:lnSpc>
+                <a:spcPct val="90000"/>
+              </a:lnSpc>
+              <a:spcBef>
+                <a:spcPct val="0"/>
+              </a:spcBef>
+              <a:buNone/>
+              <a:defRPr sz="2800" kern="1200" cap="all" spc="200" baseline="0">
+                <a:solidFill>
+                  <a:srgbClr val="262626"/>
+                </a:solidFill>
+                <a:latin typeface="+mj-lt"/>
+                <a:ea typeface="+mj-ea"/>
+                <a:cs typeface="+mj-cs"/>
+              </a:defRPr>
+            </a:lvl1pPr>
+          </a:lstStyle>
+          <a:p>
+            <a:r>
               <a:rPr lang="en-GB" dirty="0">
                 <a:latin typeface="Arial Nova Cond" panose="020B0506020202020204" pitchFamily="34" charset="0"/>
               </a:rPr>
-              <a:t>Automate testing using UFT-One </a:t>
-            </a:r>
-          </a:p>
-          <a:p>
-            <a:endParaRPr lang="en-GB" dirty="0">
+              <a:t>Working together: Running UFT-One tests with LRP</a:t>
+            </a:r>
+            <a:endParaRPr lang="el-GR" dirty="0">
               <a:latin typeface="Arial Nova Cond" panose="020B0506020202020204" pitchFamily="34" charset="0"/>
             </a:endParaRPr>
           </a:p>
-          <a:p>
-            <a:endParaRPr lang="en-GB" dirty="0">
-              <a:latin typeface="Arial Nova Cond" panose="020B0506020202020204" pitchFamily="34" charset="0"/>
-            </a:endParaRPr>
-          </a:p>
-          <a:p>
-            <a:r>
-              <a:rPr lang="en-GB" dirty="0">
-                <a:latin typeface="Arial Nova Cond" panose="020B0506020202020204" pitchFamily="34" charset="0"/>
-              </a:rPr>
-              <a:t>Use regression tests as </a:t>
-            </a:r>
-            <a:r>
-              <a:rPr lang="en-GB" dirty="0" err="1">
-                <a:latin typeface="Arial Nova Cond" panose="020B0506020202020204" pitchFamily="34" charset="0"/>
-              </a:rPr>
-              <a:t>Vusers</a:t>
-            </a:r>
-            <a:r>
-              <a:rPr lang="en-GB" dirty="0">
-                <a:latin typeface="Arial Nova Cond" panose="020B0506020202020204" pitchFamily="34" charset="0"/>
-              </a:rPr>
-              <a:t>’ test scripts</a:t>
-            </a:r>
-            <a:r>
-              <a:rPr lang="el-GR" dirty="0">
-                <a:latin typeface="Arial Nova Cond" panose="020B0506020202020204" pitchFamily="34" charset="0"/>
-              </a:rPr>
-              <a:t> </a:t>
-            </a:r>
-            <a:endParaRPr lang="en-GB" dirty="0">
-              <a:latin typeface="Arial Nova Cond" panose="020B0506020202020204" pitchFamily="34" charset="0"/>
-            </a:endParaRPr>
-          </a:p>
-          <a:p>
-            <a:pPr marL="0" indent="0">
-              <a:buNone/>
-            </a:pPr>
-            <a:endParaRPr lang="en-GB" dirty="0">
-              <a:latin typeface="Arial Nova Cond" panose="020B0506020202020204" pitchFamily="34" charset="0"/>
-            </a:endParaRPr>
-          </a:p>
-          <a:p>
-            <a:pPr marL="0" indent="0">
-              <a:buNone/>
-            </a:pPr>
-            <a:endParaRPr lang="en-GB" dirty="0">
-              <a:latin typeface="Arial Nova Cond" panose="020B0506020202020204" pitchFamily="34" charset="0"/>
-            </a:endParaRPr>
-          </a:p>
-          <a:p>
-            <a:r>
-              <a:rPr lang="en-GB" dirty="0">
-                <a:latin typeface="Arial Nova Cond" panose="020B0506020202020204" pitchFamily="34" charset="0"/>
-              </a:rPr>
-              <a:t>Application functionality under heavy load: Functionality and</a:t>
-            </a:r>
-          </a:p>
-          <a:p>
-            <a:pPr marL="0" indent="0">
-              <a:buNone/>
-            </a:pPr>
-            <a:r>
-              <a:rPr lang="en-GB" dirty="0">
-                <a:latin typeface="Arial Nova Cond" panose="020B0506020202020204" pitchFamily="34" charset="0"/>
-              </a:rPr>
-              <a:t>  performance!</a:t>
-            </a:r>
-          </a:p>
-          <a:p>
-            <a:endParaRPr lang="en-GB" dirty="0">
-              <a:latin typeface="Arial Nova Cond" panose="020B0506020202020204" pitchFamily="34" charset="0"/>
-            </a:endParaRPr>
-          </a:p>
-          <a:p>
-            <a:endParaRPr lang="en-GB" dirty="0">
-              <a:latin typeface="Arial Nova Cond" panose="020B0506020202020204" pitchFamily="34" charset="0"/>
-            </a:endParaRPr>
-          </a:p>
-        </p:txBody>
-      </p:sp>
-      <p:sp>
-        <p:nvSpPr>
-          <p:cNvPr id="7" name="Θέση υποσέλιδου 3">
+        </p:txBody>
+      </p:sp>
+      <p:sp>
+        <p:nvSpPr>
+          <p:cNvPr id="9" name="Ορθογώνιο 8">
             <a:extLst>
               <a:ext uri="{FF2B5EF4-FFF2-40B4-BE49-F238E27FC236}">
-                <a16:creationId xmlns:a16="http://schemas.microsoft.com/office/drawing/2014/main" id="{B374084D-3176-1476-C496-4C12F6E4A0DC}"/>
+                <a16:creationId xmlns:a16="http://schemas.microsoft.com/office/drawing/2014/main" id="{56E1972D-015E-4CBE-17A3-6E7D727DA30E}"/>
               </a:ext>
             </a:extLst>
           </p:cNvPr>
-          <p:cNvSpPr>
-            <a:spLocks noGrp="1"/>
-          </p:cNvSpPr>
-          <p:nvPr>
-            <p:ph type="ftr" sz="quarter" idx="11"/>
-          </p:nvPr>
+          <p:cNvSpPr/>
+          <p:nvPr/>
         </p:nvSpPr>
         <p:spPr>
           <a:xfrm>
-            <a:off x="2979174" y="6176962"/>
+            <a:off x="0" y="5938684"/>
+            <a:ext cx="12192000" cy="919316"/>
+          </a:xfrm>
+          <a:prstGeom prst="rect">
+            <a:avLst/>
+          </a:prstGeom>
+        </p:spPr>
+        <p:style>
+          <a:lnRef idx="2">
+            <a:schemeClr val="accent1">
+              <a:shade val="15000"/>
+            </a:schemeClr>
+          </a:lnRef>
+          <a:fillRef idx="1">
+            <a:schemeClr val="accent1"/>
+          </a:fillRef>
+          <a:effectRef idx="0">
+            <a:schemeClr val="accent1"/>
+          </a:effectRef>
+          <a:fontRef idx="minor">
+            <a:schemeClr val="lt1"/>
+          </a:fontRef>
+        </p:style>
+        <p:txBody>
+          <a:bodyPr rtlCol="0" anchor="ctr"/>
+          <a:lstStyle/>
+          <a:p>
+            <a:pPr algn="ctr"/>
+            <a:endParaRPr lang="el-GR" dirty="0"/>
+          </a:p>
+        </p:txBody>
+      </p:sp>
+      <p:sp>
+        <p:nvSpPr>
+          <p:cNvPr id="10" name="Θέση αριθμού διαφάνειας 4">
+            <a:extLst>
+              <a:ext uri="{FF2B5EF4-FFF2-40B4-BE49-F238E27FC236}">
+                <a16:creationId xmlns:a16="http://schemas.microsoft.com/office/drawing/2014/main" id="{3E3E1F95-FF4B-B445-7A7C-91E641BB8FB3}"/>
+              </a:ext>
+            </a:extLst>
+          </p:cNvPr>
+          <p:cNvSpPr txBox="1">
+            <a:spLocks/>
+          </p:cNvSpPr>
+          <p:nvPr/>
+        </p:nvSpPr>
+        <p:spPr>
+          <a:xfrm>
+            <a:off x="11375922" y="6266655"/>
+            <a:ext cx="410497" cy="365125"/>
+          </a:xfrm>
+          <a:prstGeom prst="ellipse">
+            <a:avLst/>
+          </a:prstGeom>
+          <a:solidFill>
+            <a:srgbClr val="1D1D1D">
+              <a:alpha val="70000"/>
+            </a:srgbClr>
+          </a:solidFill>
+        </p:spPr>
+        <p:txBody>
+          <a:bodyPr vert="horz" lIns="18288" tIns="45720" rIns="18288" bIns="45720" rtlCol="0" anchor="ctr">
+            <a:noAutofit/>
+          </a:bodyPr>
+          <a:lstStyle>
+            <a:defPPr>
+              <a:defRPr lang="en-US"/>
+            </a:defPPr>
+            <a:lvl1pPr marL="0" algn="ctr" defTabSz="457200" rtl="0" eaLnBrk="1" latinLnBrk="0" hangingPunct="1">
+              <a:defRPr sz="1100" kern="1200" spc="0" baseline="0">
+                <a:solidFill>
+                  <a:srgbClr val="FFFFFF"/>
+                </a:solidFill>
+                <a:latin typeface="+mn-lt"/>
+                <a:ea typeface="+mn-ea"/>
+                <a:cs typeface="+mn-cs"/>
+              </a:defRPr>
+            </a:lvl1pPr>
+            <a:lvl2pPr marL="457200" algn="l" defTabSz="457200" rtl="0" eaLnBrk="1" latinLnBrk="0" hangingPunct="1">
+              <a:defRPr sz="1800" kern="1200">
+                <a:solidFill>
+                  <a:schemeClr val="tx1"/>
+                </a:solidFill>
+                <a:latin typeface="+mn-lt"/>
+                <a:ea typeface="+mn-ea"/>
+                <a:cs typeface="+mn-cs"/>
+              </a:defRPr>
+            </a:lvl2pPr>
+            <a:lvl3pPr marL="914400" algn="l" defTabSz="457200" rtl="0" eaLnBrk="1" latinLnBrk="0" hangingPunct="1">
+              <a:defRPr sz="1800" kern="1200">
+                <a:solidFill>
+                  <a:schemeClr val="tx1"/>
+                </a:solidFill>
+                <a:latin typeface="+mn-lt"/>
+                <a:ea typeface="+mn-ea"/>
+                <a:cs typeface="+mn-cs"/>
+              </a:defRPr>
+            </a:lvl3pPr>
+            <a:lvl4pPr marL="1371600" algn="l" defTabSz="457200" rtl="0" eaLnBrk="1" latinLnBrk="0" hangingPunct="1">
+              <a:defRPr sz="1800" kern="1200">
+                <a:solidFill>
+                  <a:schemeClr val="tx1"/>
+                </a:solidFill>
+                <a:latin typeface="+mn-lt"/>
+                <a:ea typeface="+mn-ea"/>
+                <a:cs typeface="+mn-cs"/>
+              </a:defRPr>
+            </a:lvl4pPr>
+            <a:lvl5pPr marL="1828800" algn="l" defTabSz="457200" rtl="0" eaLnBrk="1" latinLnBrk="0" hangingPunct="1">
+              <a:defRPr sz="1800" kern="1200">
+                <a:solidFill>
+                  <a:schemeClr val="tx1"/>
+                </a:solidFill>
+                <a:latin typeface="+mn-lt"/>
+                <a:ea typeface="+mn-ea"/>
+                <a:cs typeface="+mn-cs"/>
+              </a:defRPr>
+            </a:lvl5pPr>
+            <a:lvl6pPr marL="2286000" algn="l" defTabSz="457200" rtl="0" eaLnBrk="1" latinLnBrk="0" hangingPunct="1">
+              <a:defRPr sz="1800" kern="1200">
+                <a:solidFill>
+                  <a:schemeClr val="tx1"/>
+                </a:solidFill>
+                <a:latin typeface="+mn-lt"/>
+                <a:ea typeface="+mn-ea"/>
+                <a:cs typeface="+mn-cs"/>
+              </a:defRPr>
+            </a:lvl6pPr>
+            <a:lvl7pPr marL="2743200" algn="l" defTabSz="457200" rtl="0" eaLnBrk="1" latinLnBrk="0" hangingPunct="1">
+              <a:defRPr sz="1800" kern="1200">
+                <a:solidFill>
+                  <a:schemeClr val="tx1"/>
+                </a:solidFill>
+                <a:latin typeface="+mn-lt"/>
+                <a:ea typeface="+mn-ea"/>
+                <a:cs typeface="+mn-cs"/>
+              </a:defRPr>
+            </a:lvl7pPr>
+            <a:lvl8pPr marL="3200400" algn="l" defTabSz="457200" rtl="0" eaLnBrk="1" latinLnBrk="0" hangingPunct="1">
+              <a:defRPr sz="1800" kern="1200">
+                <a:solidFill>
+                  <a:schemeClr val="tx1"/>
+                </a:solidFill>
+                <a:latin typeface="+mn-lt"/>
+                <a:ea typeface="+mn-ea"/>
+                <a:cs typeface="+mn-cs"/>
+              </a:defRPr>
+            </a:lvl8pPr>
+            <a:lvl9pPr marL="3657600" algn="l" defTabSz="457200" rtl="0" eaLnBrk="1" latinLnBrk="0" hangingPunct="1">
+              <a:defRPr sz="1800" kern="1200">
+                <a:solidFill>
+                  <a:schemeClr val="tx1"/>
+                </a:solidFill>
+                <a:latin typeface="+mn-lt"/>
+                <a:ea typeface="+mn-ea"/>
+                <a:cs typeface="+mn-cs"/>
+              </a:defRPr>
+            </a:lvl9pPr>
+          </a:lstStyle>
+          <a:p>
+            <a:r>
+              <a:rPr lang="en-GB" sz="2000" dirty="0">
+                <a:solidFill>
+                  <a:schemeClr val="bg1"/>
+                </a:solidFill>
+                <a:latin typeface="Arial Nova Cond" panose="020B0506020202020204" pitchFamily="34" charset="0"/>
+              </a:rPr>
+              <a:t>7</a:t>
+            </a:r>
+            <a:endParaRPr lang="el-GR" sz="2000" dirty="0">
+              <a:solidFill>
+                <a:schemeClr val="bg1"/>
+              </a:solidFill>
+              <a:latin typeface="Arial Nova Cond" panose="020B0506020202020204" pitchFamily="34" charset="0"/>
+            </a:endParaRPr>
+          </a:p>
+        </p:txBody>
+      </p:sp>
+      <p:sp>
+        <p:nvSpPr>
+          <p:cNvPr id="11" name="Θέση υποσέλιδου 3">
+            <a:extLst>
+              <a:ext uri="{FF2B5EF4-FFF2-40B4-BE49-F238E27FC236}">
+                <a16:creationId xmlns:a16="http://schemas.microsoft.com/office/drawing/2014/main" id="{AF717B78-4351-2E71-6D8E-C0E763C44975}"/>
+              </a:ext>
+            </a:extLst>
+          </p:cNvPr>
+          <p:cNvSpPr txBox="1">
+            <a:spLocks/>
+          </p:cNvSpPr>
+          <p:nvPr/>
+        </p:nvSpPr>
+        <p:spPr>
+          <a:xfrm>
+            <a:off x="2979174" y="6126086"/>
             <a:ext cx="6233652" cy="544512"/>
           </a:xfrm>
+          <a:prstGeom prst="rect">
+            <a:avLst/>
+          </a:prstGeom>
         </p:spPr>
         <p:txBody>
-          <a:bodyPr/>
-          <a:lstStyle/>
-          <a:p>
+          <a:bodyPr vert="horz" lIns="91440" tIns="45720" rIns="91440" bIns="45720" rtlCol="0" anchor="ctr"/>
+          <a:lstStyle>
+            <a:defPPr>
+              <a:defRPr lang="en-US"/>
+            </a:defPPr>
+            <a:lvl1pPr marL="0" algn="l" defTabSz="457200" rtl="0" eaLnBrk="1" latinLnBrk="0" hangingPunct="1">
+              <a:defRPr sz="1050" kern="1200">
+                <a:solidFill>
+                  <a:schemeClr val="tx1">
+                    <a:alpha val="70000"/>
+                  </a:schemeClr>
+                </a:solidFill>
+                <a:latin typeface="+mn-lt"/>
+                <a:ea typeface="+mn-ea"/>
+                <a:cs typeface="+mn-cs"/>
+              </a:defRPr>
+            </a:lvl1pPr>
+            <a:lvl2pPr marL="457200" algn="l" defTabSz="457200" rtl="0" eaLnBrk="1" latinLnBrk="0" hangingPunct="1">
+              <a:defRPr sz="1800" kern="1200">
+                <a:solidFill>
+                  <a:schemeClr val="tx1"/>
+                </a:solidFill>
+                <a:latin typeface="+mn-lt"/>
+                <a:ea typeface="+mn-ea"/>
+                <a:cs typeface="+mn-cs"/>
+              </a:defRPr>
+            </a:lvl2pPr>
+            <a:lvl3pPr marL="914400" algn="l" defTabSz="457200" rtl="0" eaLnBrk="1" latinLnBrk="0" hangingPunct="1">
+              <a:defRPr sz="1800" kern="1200">
+                <a:solidFill>
+                  <a:schemeClr val="tx1"/>
+                </a:solidFill>
+                <a:latin typeface="+mn-lt"/>
+                <a:ea typeface="+mn-ea"/>
+                <a:cs typeface="+mn-cs"/>
+              </a:defRPr>
+            </a:lvl3pPr>
+            <a:lvl4pPr marL="1371600" algn="l" defTabSz="457200" rtl="0" eaLnBrk="1" latinLnBrk="0" hangingPunct="1">
+              <a:defRPr sz="1800" kern="1200">
+                <a:solidFill>
+                  <a:schemeClr val="tx1"/>
+                </a:solidFill>
+                <a:latin typeface="+mn-lt"/>
+                <a:ea typeface="+mn-ea"/>
+                <a:cs typeface="+mn-cs"/>
+              </a:defRPr>
+            </a:lvl4pPr>
+            <a:lvl5pPr marL="1828800" algn="l" defTabSz="457200" rtl="0" eaLnBrk="1" latinLnBrk="0" hangingPunct="1">
+              <a:defRPr sz="1800" kern="1200">
+                <a:solidFill>
+                  <a:schemeClr val="tx1"/>
+                </a:solidFill>
+                <a:latin typeface="+mn-lt"/>
+                <a:ea typeface="+mn-ea"/>
+                <a:cs typeface="+mn-cs"/>
+              </a:defRPr>
+            </a:lvl5pPr>
+            <a:lvl6pPr marL="2286000" algn="l" defTabSz="457200" rtl="0" eaLnBrk="1" latinLnBrk="0" hangingPunct="1">
+              <a:defRPr sz="1800" kern="1200">
+                <a:solidFill>
+                  <a:schemeClr val="tx1"/>
+                </a:solidFill>
+                <a:latin typeface="+mn-lt"/>
+                <a:ea typeface="+mn-ea"/>
+                <a:cs typeface="+mn-cs"/>
+              </a:defRPr>
+            </a:lvl6pPr>
+            <a:lvl7pPr marL="2743200" algn="l" defTabSz="457200" rtl="0" eaLnBrk="1" latinLnBrk="0" hangingPunct="1">
+              <a:defRPr sz="1800" kern="1200">
+                <a:solidFill>
+                  <a:schemeClr val="tx1"/>
+                </a:solidFill>
+                <a:latin typeface="+mn-lt"/>
+                <a:ea typeface="+mn-ea"/>
+                <a:cs typeface="+mn-cs"/>
+              </a:defRPr>
+            </a:lvl7pPr>
+            <a:lvl8pPr marL="3200400" algn="l" defTabSz="457200" rtl="0" eaLnBrk="1" latinLnBrk="0" hangingPunct="1">
+              <a:defRPr sz="1800" kern="1200">
+                <a:solidFill>
+                  <a:schemeClr val="tx1"/>
+                </a:solidFill>
+                <a:latin typeface="+mn-lt"/>
+                <a:ea typeface="+mn-ea"/>
+                <a:cs typeface="+mn-cs"/>
+              </a:defRPr>
+            </a:lvl8pPr>
+            <a:lvl9pPr marL="3657600" algn="l" defTabSz="457200" rtl="0" eaLnBrk="1" latinLnBrk="0" hangingPunct="1">
+              <a:defRPr sz="1800" kern="1200">
+                <a:solidFill>
+                  <a:schemeClr val="tx1"/>
+                </a:solidFill>
+                <a:latin typeface="+mn-lt"/>
+                <a:ea typeface="+mn-ea"/>
+                <a:cs typeface="+mn-cs"/>
+              </a:defRPr>
+            </a:lvl9pPr>
+          </a:lstStyle>
+          <a:p>
+            <a:pPr algn="ctr"/>
             <a:r>
               <a:rPr lang="en-GB" sz="1700" dirty="0">
                 <a:solidFill>
-                  <a:schemeClr val="tx1"/>
+                  <a:schemeClr val="bg1"/>
                 </a:solidFill>
                 <a:latin typeface="Arial Nova Cond" panose="020B0506020202020204" pitchFamily="34" charset="0"/>
               </a:rPr>
@@ -6968,51 +9826,7 @@
             </a:r>
             <a:endParaRPr lang="el-GR" sz="1700" dirty="0">
               <a:solidFill>
-                <a:schemeClr val="tx1"/>
-              </a:solidFill>
-              <a:latin typeface="Arial Nova Cond" panose="020B0506020202020204" pitchFamily="34" charset="0"/>
-            </a:endParaRPr>
-          </a:p>
-        </p:txBody>
-      </p:sp>
-      <p:sp>
-        <p:nvSpPr>
-          <p:cNvPr id="8" name="Θέση αριθμού διαφάνειας 4">
-            <a:extLst>
-              <a:ext uri="{FF2B5EF4-FFF2-40B4-BE49-F238E27FC236}">
-                <a16:creationId xmlns:a16="http://schemas.microsoft.com/office/drawing/2014/main" id="{23D8303F-CB15-3AE4-9CDD-5FBD29D4DA21}"/>
-              </a:ext>
-            </a:extLst>
-          </p:cNvPr>
-          <p:cNvSpPr>
-            <a:spLocks noGrp="1"/>
-          </p:cNvSpPr>
-          <p:nvPr>
-            <p:ph type="sldNum" sz="quarter" idx="12"/>
-          </p:nvPr>
-        </p:nvSpPr>
-        <p:spPr>
-          <a:xfrm>
-            <a:off x="9043220" y="6266655"/>
-            <a:ext cx="2743200" cy="365125"/>
-          </a:xfrm>
-        </p:spPr>
-        <p:txBody>
-          <a:bodyPr/>
-          <a:lstStyle/>
-          <a:p>
-            <a:r>
-              <a:rPr lang="en-GB" sz="2000" dirty="0">
-                <a:solidFill>
-                  <a:schemeClr val="tx1"/>
-                </a:solidFill>
-                <a:latin typeface="Arial Nova Cond" panose="020B0506020202020204" pitchFamily="34" charset="0"/>
-              </a:rPr>
-              <a:t>7</a:t>
-            </a:r>
-            <a:endParaRPr lang="el-GR" sz="2000" dirty="0">
-              <a:solidFill>
-                <a:schemeClr val="tx1"/>
+                <a:schemeClr val="bg1"/>
               </a:solidFill>
               <a:latin typeface="Arial Nova Cond" panose="020B0506020202020204" pitchFamily="34" charset="0"/>
             </a:endParaRPr>
@@ -7063,40 +9877,6 @@
       </p:grpSpPr>
       <p:sp>
         <p:nvSpPr>
-          <p:cNvPr id="2" name="Τίτλος 1">
-            <a:extLst>
-              <a:ext uri="{FF2B5EF4-FFF2-40B4-BE49-F238E27FC236}">
-                <a16:creationId xmlns:a16="http://schemas.microsoft.com/office/drawing/2014/main" id="{867FBCFE-9596-389B-C992-BDB2B1954804}"/>
-              </a:ext>
-            </a:extLst>
-          </p:cNvPr>
-          <p:cNvSpPr>
-            <a:spLocks noGrp="1"/>
-          </p:cNvSpPr>
-          <p:nvPr>
-            <p:ph type="title"/>
-          </p:nvPr>
-        </p:nvSpPr>
-        <p:spPr/>
-        <p:txBody>
-          <a:bodyPr/>
-          <a:lstStyle/>
-          <a:p>
-            <a:pPr algn="ctr"/>
-            <a:r>
-              <a:rPr lang="en-GB" dirty="0">
-                <a:latin typeface="Arial Nova Cond" panose="020B0506020202020204" pitchFamily="34" charset="0"/>
-              </a:rPr>
-              <a:t>Conclusion</a:t>
-            </a:r>
-            <a:endParaRPr lang="el-GR" dirty="0">
-              <a:latin typeface="Arial Nova Cond" panose="020B0506020202020204" pitchFamily="34" charset="0"/>
-            </a:endParaRPr>
-          </a:p>
-        </p:txBody>
-      </p:sp>
-      <p:sp>
-        <p:nvSpPr>
           <p:cNvPr id="3" name="Θέση περιεχομένου 2">
             <a:extLst>
               <a:ext uri="{FF2B5EF4-FFF2-40B4-BE49-F238E27FC236}">
@@ -7111,7 +9891,12 @@
             <p:ph idx="1"/>
           </p:nvPr>
         </p:nvSpPr>
-        <p:spPr/>
+        <p:spPr>
+          <a:xfrm>
+            <a:off x="1376516" y="1700982"/>
+            <a:ext cx="9596284" cy="4039046"/>
+          </a:xfrm>
+        </p:spPr>
         <p:txBody>
           <a:bodyPr>
             <a:normAutofit/>
@@ -7124,20 +9909,20 @@
           </a:p>
           <a:p>
             <a:r>
-              <a:rPr lang="en-GB" dirty="0">
+              <a:rPr lang="en-GB" sz="2500" dirty="0">
                 <a:latin typeface="Arial Nova Cond" panose="020B0506020202020204" pitchFamily="34" charset="0"/>
               </a:rPr>
               <a:t>Stress testing with LRP: Be certain about the system’s ability to handle high traffic effectively</a:t>
             </a:r>
           </a:p>
           <a:p>
-            <a:endParaRPr lang="en-GB" dirty="0">
+            <a:endParaRPr lang="en-GB" sz="2500" dirty="0">
               <a:latin typeface="Arial Nova Cond" panose="020B0506020202020204" pitchFamily="34" charset="0"/>
             </a:endParaRPr>
           </a:p>
           <a:p>
             <a:r>
-              <a:rPr lang="en-GB" dirty="0">
+              <a:rPr lang="en-GB" sz="2500" dirty="0">
                 <a:latin typeface="Arial Nova Cond" panose="020B0506020202020204" pitchFamily="34" charset="0"/>
               </a:rPr>
               <a:t>Regression testing with UFT-One: Always make progress, never worry about old bugs and errors</a:t>
@@ -7147,18 +9932,18 @@
             <a:pPr marL="0" indent="0">
               <a:buNone/>
             </a:pPr>
-            <a:endParaRPr lang="en-GB" dirty="0">
+            <a:endParaRPr lang="en-GB" sz="2500" dirty="0">
               <a:latin typeface="Arial Nova Cond" panose="020B0506020202020204" pitchFamily="34" charset="0"/>
             </a:endParaRPr>
           </a:p>
           <a:p>
             <a:r>
-              <a:rPr lang="en-GB" dirty="0">
+              <a:rPr lang="en-GB" sz="2500" dirty="0">
                 <a:latin typeface="Arial Nova Cond" panose="020B0506020202020204" pitchFamily="34" charset="0"/>
               </a:rPr>
               <a:t>Integration: Best of both worlds</a:t>
             </a:r>
-            <a:endParaRPr lang="el-GR" dirty="0">
+            <a:endParaRPr lang="el-GR" sz="2500" dirty="0">
               <a:latin typeface="Arial Nova Cond" panose="020B0506020202020204" pitchFamily="34" charset="0"/>
             </a:endParaRPr>
           </a:p>
@@ -7166,10 +9951,10 @@
       </p:sp>
       <p:sp>
         <p:nvSpPr>
-          <p:cNvPr id="6" name="Θέση υποσέλιδου 3">
+          <p:cNvPr id="4" name="Τίτλος 1">
             <a:extLst>
               <a:ext uri="{FF2B5EF4-FFF2-40B4-BE49-F238E27FC236}">
-                <a16:creationId xmlns:a16="http://schemas.microsoft.com/office/drawing/2014/main" id="{5A45A70E-37DD-86F7-A3E7-5D2D6166421E}"/>
+                <a16:creationId xmlns:a16="http://schemas.microsoft.com/office/drawing/2014/main" id="{EFADF2BE-0151-7B7B-BFA5-8AE3C13BCB3B}"/>
               </a:ext>
             </a:extLst>
           </p:cNvPr>
@@ -7178,9 +9963,269 @@
           </p:cNvSpPr>
           <p:nvPr/>
         </p:nvSpPr>
+        <p:spPr bwMode="black">
+          <a:xfrm>
+            <a:off x="838200" y="365126"/>
+            <a:ext cx="10515600" cy="956904"/>
+          </a:xfrm>
+          <a:prstGeom prst="rect">
+            <a:avLst/>
+          </a:prstGeom>
+          <a:solidFill>
+            <a:srgbClr val="FFFFFF"/>
+          </a:solidFill>
+          <a:ln w="31750" cap="sq">
+            <a:solidFill>
+              <a:srgbClr val="404040"/>
+            </a:solidFill>
+            <a:miter lim="800000"/>
+          </a:ln>
+        </p:spPr>
+        <p:txBody>
+          <a:bodyPr vert="horz" lIns="182880" tIns="182880" rIns="182880" bIns="182880" rtlCol="0" anchor="ctr">
+            <a:normAutofit/>
+          </a:bodyPr>
+          <a:lstStyle>
+            <a:lvl1pPr algn="ctr" defTabSz="914400" rtl="0" eaLnBrk="1" latinLnBrk="0" hangingPunct="1">
+              <a:lnSpc>
+                <a:spcPct val="90000"/>
+              </a:lnSpc>
+              <a:spcBef>
+                <a:spcPct val="0"/>
+              </a:spcBef>
+              <a:buNone/>
+              <a:defRPr sz="2800" kern="1200" cap="all" spc="200" baseline="0">
+                <a:solidFill>
+                  <a:srgbClr val="262626"/>
+                </a:solidFill>
+                <a:latin typeface="+mj-lt"/>
+                <a:ea typeface="+mj-ea"/>
+                <a:cs typeface="+mj-cs"/>
+              </a:defRPr>
+            </a:lvl1pPr>
+          </a:lstStyle>
+          <a:p>
+            <a:r>
+              <a:rPr lang="en-GB" dirty="0">
+                <a:latin typeface="Arial Nova Cond" panose="020B0506020202020204" pitchFamily="34" charset="0"/>
+              </a:rPr>
+              <a:t>Conclusion</a:t>
+            </a:r>
+            <a:endParaRPr lang="el-GR" dirty="0">
+              <a:latin typeface="Arial Nova Cond" panose="020B0506020202020204" pitchFamily="34" charset="0"/>
+            </a:endParaRPr>
+          </a:p>
+        </p:txBody>
+      </p:sp>
+      <p:sp>
+        <p:nvSpPr>
+          <p:cNvPr id="9" name="Ορθογώνιο 8">
+            <a:extLst>
+              <a:ext uri="{FF2B5EF4-FFF2-40B4-BE49-F238E27FC236}">
+                <a16:creationId xmlns:a16="http://schemas.microsoft.com/office/drawing/2014/main" id="{650857CE-2AF7-DBF9-5197-F897148DDC41}"/>
+              </a:ext>
+            </a:extLst>
+          </p:cNvPr>
+          <p:cNvSpPr/>
+          <p:nvPr/>
+        </p:nvSpPr>
         <p:spPr>
           <a:xfrm>
-            <a:off x="2979174" y="6176962"/>
+            <a:off x="0" y="5938684"/>
+            <a:ext cx="12192000" cy="919316"/>
+          </a:xfrm>
+          <a:prstGeom prst="rect">
+            <a:avLst/>
+          </a:prstGeom>
+        </p:spPr>
+        <p:style>
+          <a:lnRef idx="2">
+            <a:schemeClr val="accent1">
+              <a:shade val="15000"/>
+            </a:schemeClr>
+          </a:lnRef>
+          <a:fillRef idx="1">
+            <a:schemeClr val="accent1"/>
+          </a:fillRef>
+          <a:effectRef idx="0">
+            <a:schemeClr val="accent1"/>
+          </a:effectRef>
+          <a:fontRef idx="minor">
+            <a:schemeClr val="lt1"/>
+          </a:fontRef>
+        </p:style>
+        <p:txBody>
+          <a:bodyPr rtlCol="0" anchor="ctr"/>
+          <a:lstStyle/>
+          <a:p>
+            <a:pPr algn="ctr"/>
+            <a:endParaRPr lang="el-GR" dirty="0"/>
+          </a:p>
+        </p:txBody>
+      </p:sp>
+      <p:sp>
+        <p:nvSpPr>
+          <p:cNvPr id="10" name="Θέση αριθμού διαφάνειας 4">
+            <a:extLst>
+              <a:ext uri="{FF2B5EF4-FFF2-40B4-BE49-F238E27FC236}">
+                <a16:creationId xmlns:a16="http://schemas.microsoft.com/office/drawing/2014/main" id="{049C4D67-46AA-BE0B-4BB3-E2B917D3AEE6}"/>
+              </a:ext>
+            </a:extLst>
+          </p:cNvPr>
+          <p:cNvSpPr txBox="1">
+            <a:spLocks/>
+          </p:cNvSpPr>
+          <p:nvPr/>
+        </p:nvSpPr>
+        <p:spPr>
+          <a:xfrm>
+            <a:off x="11375922" y="6266655"/>
+            <a:ext cx="410497" cy="365125"/>
+          </a:xfrm>
+          <a:prstGeom prst="ellipse">
+            <a:avLst/>
+          </a:prstGeom>
+          <a:solidFill>
+            <a:srgbClr val="1D1D1D">
+              <a:alpha val="70000"/>
+            </a:srgbClr>
+          </a:solidFill>
+        </p:spPr>
+        <p:txBody>
+          <a:bodyPr vert="horz" lIns="18288" tIns="45720" rIns="18288" bIns="45720" rtlCol="0" anchor="ctr">
+            <a:noAutofit/>
+          </a:bodyPr>
+          <a:lstStyle>
+            <a:defPPr>
+              <a:defRPr lang="en-US"/>
+            </a:defPPr>
+            <a:lvl1pPr marL="0" algn="ctr" defTabSz="457200" rtl="0" eaLnBrk="1" latinLnBrk="0" hangingPunct="1">
+              <a:defRPr sz="1100" kern="1200" spc="0" baseline="0">
+                <a:solidFill>
+                  <a:srgbClr val="FFFFFF"/>
+                </a:solidFill>
+                <a:latin typeface="+mn-lt"/>
+                <a:ea typeface="+mn-ea"/>
+                <a:cs typeface="+mn-cs"/>
+              </a:defRPr>
+            </a:lvl1pPr>
+            <a:lvl2pPr marL="457200" algn="l" defTabSz="457200" rtl="0" eaLnBrk="1" latinLnBrk="0" hangingPunct="1">
+              <a:defRPr sz="1800" kern="1200">
+                <a:solidFill>
+                  <a:schemeClr val="tx1"/>
+                </a:solidFill>
+                <a:latin typeface="+mn-lt"/>
+                <a:ea typeface="+mn-ea"/>
+                <a:cs typeface="+mn-cs"/>
+              </a:defRPr>
+            </a:lvl2pPr>
+            <a:lvl3pPr marL="914400" algn="l" defTabSz="457200" rtl="0" eaLnBrk="1" latinLnBrk="0" hangingPunct="1">
+              <a:defRPr sz="1800" kern="1200">
+                <a:solidFill>
+                  <a:schemeClr val="tx1"/>
+                </a:solidFill>
+                <a:latin typeface="+mn-lt"/>
+                <a:ea typeface="+mn-ea"/>
+                <a:cs typeface="+mn-cs"/>
+              </a:defRPr>
+            </a:lvl3pPr>
+            <a:lvl4pPr marL="1371600" algn="l" defTabSz="457200" rtl="0" eaLnBrk="1" latinLnBrk="0" hangingPunct="1">
+              <a:defRPr sz="1800" kern="1200">
+                <a:solidFill>
+                  <a:schemeClr val="tx1"/>
+                </a:solidFill>
+                <a:latin typeface="+mn-lt"/>
+                <a:ea typeface="+mn-ea"/>
+                <a:cs typeface="+mn-cs"/>
+              </a:defRPr>
+            </a:lvl4pPr>
+            <a:lvl5pPr marL="1828800" algn="l" defTabSz="457200" rtl="0" eaLnBrk="1" latinLnBrk="0" hangingPunct="1">
+              <a:defRPr sz="1800" kern="1200">
+                <a:solidFill>
+                  <a:schemeClr val="tx1"/>
+                </a:solidFill>
+                <a:latin typeface="+mn-lt"/>
+                <a:ea typeface="+mn-ea"/>
+                <a:cs typeface="+mn-cs"/>
+              </a:defRPr>
+            </a:lvl5pPr>
+            <a:lvl6pPr marL="2286000" algn="l" defTabSz="457200" rtl="0" eaLnBrk="1" latinLnBrk="0" hangingPunct="1">
+              <a:defRPr sz="1800" kern="1200">
+                <a:solidFill>
+                  <a:schemeClr val="tx1"/>
+                </a:solidFill>
+                <a:latin typeface="+mn-lt"/>
+                <a:ea typeface="+mn-ea"/>
+                <a:cs typeface="+mn-cs"/>
+              </a:defRPr>
+            </a:lvl6pPr>
+            <a:lvl7pPr marL="2743200" algn="l" defTabSz="457200" rtl="0" eaLnBrk="1" latinLnBrk="0" hangingPunct="1">
+              <a:defRPr sz="1800" kern="1200">
+                <a:solidFill>
+                  <a:schemeClr val="tx1"/>
+                </a:solidFill>
+                <a:latin typeface="+mn-lt"/>
+                <a:ea typeface="+mn-ea"/>
+                <a:cs typeface="+mn-cs"/>
+              </a:defRPr>
+            </a:lvl7pPr>
+            <a:lvl8pPr marL="3200400" algn="l" defTabSz="457200" rtl="0" eaLnBrk="1" latinLnBrk="0" hangingPunct="1">
+              <a:defRPr sz="1800" kern="1200">
+                <a:solidFill>
+                  <a:schemeClr val="tx1"/>
+                </a:solidFill>
+                <a:latin typeface="+mn-lt"/>
+                <a:ea typeface="+mn-ea"/>
+                <a:cs typeface="+mn-cs"/>
+              </a:defRPr>
+            </a:lvl8pPr>
+            <a:lvl9pPr marL="3657600" algn="l" defTabSz="457200" rtl="0" eaLnBrk="1" latinLnBrk="0" hangingPunct="1">
+              <a:defRPr sz="1800" kern="1200">
+                <a:solidFill>
+                  <a:schemeClr val="tx1"/>
+                </a:solidFill>
+                <a:latin typeface="+mn-lt"/>
+                <a:ea typeface="+mn-ea"/>
+                <a:cs typeface="+mn-cs"/>
+              </a:defRPr>
+            </a:lvl9pPr>
+          </a:lstStyle>
+          <a:p>
+            <a:r>
+              <a:rPr lang="en-GB" sz="2000" dirty="0">
+                <a:solidFill>
+                  <a:schemeClr val="bg1"/>
+                </a:solidFill>
+                <a:latin typeface="Arial Nova Cond" panose="020B0506020202020204" pitchFamily="34" charset="0"/>
+              </a:rPr>
+              <a:t>8</a:t>
+            </a:r>
+            <a:endParaRPr lang="el-GR" sz="2000" dirty="0">
+              <a:solidFill>
+                <a:schemeClr val="bg1"/>
+              </a:solidFill>
+              <a:latin typeface="Arial Nova Cond" panose="020B0506020202020204" pitchFamily="34" charset="0"/>
+            </a:endParaRPr>
+          </a:p>
+        </p:txBody>
+      </p:sp>
+      <p:sp>
+        <p:nvSpPr>
+          <p:cNvPr id="11" name="Θέση υποσέλιδου 3">
+            <a:extLst>
+              <a:ext uri="{FF2B5EF4-FFF2-40B4-BE49-F238E27FC236}">
+                <a16:creationId xmlns:a16="http://schemas.microsoft.com/office/drawing/2014/main" id="{02EF0F15-062B-4760-A755-D7B85632693D}"/>
+              </a:ext>
+            </a:extLst>
+          </p:cNvPr>
+          <p:cNvSpPr txBox="1">
+            <a:spLocks/>
+          </p:cNvSpPr>
+          <p:nvPr/>
+        </p:nvSpPr>
+        <p:spPr>
+          <a:xfrm>
+            <a:off x="2979174" y="6126086"/>
             <a:ext cx="6233652" cy="544512"/>
           </a:xfrm>
           <a:prstGeom prst="rect">
@@ -7191,13 +10236,13 @@
           <a:bodyPr vert="horz" lIns="91440" tIns="45720" rIns="91440" bIns="45720" rtlCol="0" anchor="ctr"/>
           <a:lstStyle>
             <a:defPPr>
-              <a:defRPr lang="el-GR"/>
+              <a:defRPr lang="en-US"/>
             </a:defPPr>
-            <a:lvl1pPr marL="0" algn="ctr" defTabSz="914400" rtl="0" eaLnBrk="1" latinLnBrk="0" hangingPunct="1">
-              <a:defRPr sz="1200" kern="1200">
+            <a:lvl1pPr marL="0" algn="l" defTabSz="457200" rtl="0" eaLnBrk="1" latinLnBrk="0" hangingPunct="1">
+              <a:defRPr sz="1050" kern="1200">
                 <a:solidFill>
                   <a:schemeClr val="tx1">
-                    <a:tint val="75000"/>
+                    <a:alpha val="70000"/>
                   </a:schemeClr>
                 </a:solidFill>
                 <a:latin typeface="+mn-lt"/>
@@ -7205,7 +10250,7 @@
                 <a:cs typeface="+mn-cs"/>
               </a:defRPr>
             </a:lvl1pPr>
-            <a:lvl2pPr marL="457200" algn="l" defTabSz="914400" rtl="0" eaLnBrk="1" latinLnBrk="0" hangingPunct="1">
+            <a:lvl2pPr marL="457200" algn="l" defTabSz="457200" rtl="0" eaLnBrk="1" latinLnBrk="0" hangingPunct="1">
               <a:defRPr sz="1800" kern="1200">
                 <a:solidFill>
                   <a:schemeClr val="tx1"/>
@@ -7215,7 +10260,7 @@
                 <a:cs typeface="+mn-cs"/>
               </a:defRPr>
             </a:lvl2pPr>
-            <a:lvl3pPr marL="914400" algn="l" defTabSz="914400" rtl="0" eaLnBrk="1" latinLnBrk="0" hangingPunct="1">
+            <a:lvl3pPr marL="914400" algn="l" defTabSz="457200" rtl="0" eaLnBrk="1" latinLnBrk="0" hangingPunct="1">
               <a:defRPr sz="1800" kern="1200">
                 <a:solidFill>
                   <a:schemeClr val="tx1"/>
@@ -7225,7 +10270,7 @@
                 <a:cs typeface="+mn-cs"/>
               </a:defRPr>
             </a:lvl3pPr>
-            <a:lvl4pPr marL="1371600" algn="l" defTabSz="914400" rtl="0" eaLnBrk="1" latinLnBrk="0" hangingPunct="1">
+            <a:lvl4pPr marL="1371600" algn="l" defTabSz="457200" rtl="0" eaLnBrk="1" latinLnBrk="0" hangingPunct="1">
               <a:defRPr sz="1800" kern="1200">
                 <a:solidFill>
                   <a:schemeClr val="tx1"/>
@@ -7235,7 +10280,7 @@
                 <a:cs typeface="+mn-cs"/>
               </a:defRPr>
             </a:lvl4pPr>
-            <a:lvl5pPr marL="1828800" algn="l" defTabSz="914400" rtl="0" eaLnBrk="1" latinLnBrk="0" hangingPunct="1">
+            <a:lvl5pPr marL="1828800" algn="l" defTabSz="457200" rtl="0" eaLnBrk="1" latinLnBrk="0" hangingPunct="1">
               <a:defRPr sz="1800" kern="1200">
                 <a:solidFill>
                   <a:schemeClr val="tx1"/>
@@ -7245,7 +10290,7 @@
                 <a:cs typeface="+mn-cs"/>
               </a:defRPr>
             </a:lvl5pPr>
-            <a:lvl6pPr marL="2286000" algn="l" defTabSz="914400" rtl="0" eaLnBrk="1" latinLnBrk="0" hangingPunct="1">
+            <a:lvl6pPr marL="2286000" algn="l" defTabSz="457200" rtl="0" eaLnBrk="1" latinLnBrk="0" hangingPunct="1">
               <a:defRPr sz="1800" kern="1200">
                 <a:solidFill>
                   <a:schemeClr val="tx1"/>
@@ -7255,7 +10300,7 @@
                 <a:cs typeface="+mn-cs"/>
               </a:defRPr>
             </a:lvl6pPr>
-            <a:lvl7pPr marL="2743200" algn="l" defTabSz="914400" rtl="0" eaLnBrk="1" latinLnBrk="0" hangingPunct="1">
+            <a:lvl7pPr marL="2743200" algn="l" defTabSz="457200" rtl="0" eaLnBrk="1" latinLnBrk="0" hangingPunct="1">
               <a:defRPr sz="1800" kern="1200">
                 <a:solidFill>
                   <a:schemeClr val="tx1"/>
@@ -7265,7 +10310,7 @@
                 <a:cs typeface="+mn-cs"/>
               </a:defRPr>
             </a:lvl7pPr>
-            <a:lvl8pPr marL="3200400" algn="l" defTabSz="914400" rtl="0" eaLnBrk="1" latinLnBrk="0" hangingPunct="1">
+            <a:lvl8pPr marL="3200400" algn="l" defTabSz="457200" rtl="0" eaLnBrk="1" latinLnBrk="0" hangingPunct="1">
               <a:defRPr sz="1800" kern="1200">
                 <a:solidFill>
                   <a:schemeClr val="tx1"/>
@@ -7275,7 +10320,7 @@
                 <a:cs typeface="+mn-cs"/>
               </a:defRPr>
             </a:lvl8pPr>
-            <a:lvl9pPr marL="3657600" algn="l" defTabSz="914400" rtl="0" eaLnBrk="1" latinLnBrk="0" hangingPunct="1">
+            <a:lvl9pPr marL="3657600" algn="l" defTabSz="457200" rtl="0" eaLnBrk="1" latinLnBrk="0" hangingPunct="1">
               <a:defRPr sz="1800" kern="1200">
                 <a:solidFill>
                   <a:schemeClr val="tx1"/>
@@ -7287,10 +10332,11 @@
             </a:lvl9pPr>
           </a:lstStyle>
           <a:p>
-            <a:r>
-              <a:rPr lang="en-GB" sz="1700">
-                <a:solidFill>
-                  <a:schemeClr val="tx1"/>
+            <a:pPr algn="ctr"/>
+            <a:r>
+              <a:rPr lang="en-GB" sz="1700" dirty="0">
+                <a:solidFill>
+                  <a:schemeClr val="bg1"/>
                 </a:solidFill>
                 <a:latin typeface="Arial Nova Cond" panose="020B0506020202020204" pitchFamily="34" charset="0"/>
               </a:rPr>
@@ -7298,148 +10344,7 @@
             </a:r>
             <a:endParaRPr lang="el-GR" sz="1700" dirty="0">
               <a:solidFill>
-                <a:schemeClr val="tx1"/>
-              </a:solidFill>
-              <a:latin typeface="Arial Nova Cond" panose="020B0506020202020204" pitchFamily="34" charset="0"/>
-            </a:endParaRPr>
-          </a:p>
-        </p:txBody>
-      </p:sp>
-      <p:sp>
-        <p:nvSpPr>
-          <p:cNvPr id="7" name="Θέση αριθμού διαφάνειας 4">
-            <a:extLst>
-              <a:ext uri="{FF2B5EF4-FFF2-40B4-BE49-F238E27FC236}">
-                <a16:creationId xmlns:a16="http://schemas.microsoft.com/office/drawing/2014/main" id="{676E1902-41F6-FC67-FDF5-5B5E8FF94588}"/>
-              </a:ext>
-            </a:extLst>
-          </p:cNvPr>
-          <p:cNvSpPr txBox="1">
-            <a:spLocks/>
-          </p:cNvSpPr>
-          <p:nvPr/>
-        </p:nvSpPr>
-        <p:spPr>
-          <a:xfrm>
-            <a:off x="9043220" y="6266655"/>
-            <a:ext cx="2743200" cy="365125"/>
-          </a:xfrm>
-          <a:prstGeom prst="rect">
-            <a:avLst/>
-          </a:prstGeom>
-        </p:spPr>
-        <p:txBody>
-          <a:bodyPr vert="horz" lIns="91440" tIns="45720" rIns="91440" bIns="45720" rtlCol="0" anchor="ctr"/>
-          <a:lstStyle>
-            <a:defPPr>
-              <a:defRPr lang="el-GR"/>
-            </a:defPPr>
-            <a:lvl1pPr marL="0" algn="r" defTabSz="914400" rtl="0" eaLnBrk="1" latinLnBrk="0" hangingPunct="1">
-              <a:defRPr sz="1200" kern="1200">
-                <a:solidFill>
-                  <a:schemeClr val="tx1">
-                    <a:tint val="75000"/>
-                  </a:schemeClr>
-                </a:solidFill>
-                <a:latin typeface="+mn-lt"/>
-                <a:ea typeface="+mn-ea"/>
-                <a:cs typeface="+mn-cs"/>
-              </a:defRPr>
-            </a:lvl1pPr>
-            <a:lvl2pPr marL="457200" algn="l" defTabSz="914400" rtl="0" eaLnBrk="1" latinLnBrk="0" hangingPunct="1">
-              <a:defRPr sz="1800" kern="1200">
-                <a:solidFill>
-                  <a:schemeClr val="tx1"/>
-                </a:solidFill>
-                <a:latin typeface="+mn-lt"/>
-                <a:ea typeface="+mn-ea"/>
-                <a:cs typeface="+mn-cs"/>
-              </a:defRPr>
-            </a:lvl2pPr>
-            <a:lvl3pPr marL="914400" algn="l" defTabSz="914400" rtl="0" eaLnBrk="1" latinLnBrk="0" hangingPunct="1">
-              <a:defRPr sz="1800" kern="1200">
-                <a:solidFill>
-                  <a:schemeClr val="tx1"/>
-                </a:solidFill>
-                <a:latin typeface="+mn-lt"/>
-                <a:ea typeface="+mn-ea"/>
-                <a:cs typeface="+mn-cs"/>
-              </a:defRPr>
-            </a:lvl3pPr>
-            <a:lvl4pPr marL="1371600" algn="l" defTabSz="914400" rtl="0" eaLnBrk="1" latinLnBrk="0" hangingPunct="1">
-              <a:defRPr sz="1800" kern="1200">
-                <a:solidFill>
-                  <a:schemeClr val="tx1"/>
-                </a:solidFill>
-                <a:latin typeface="+mn-lt"/>
-                <a:ea typeface="+mn-ea"/>
-                <a:cs typeface="+mn-cs"/>
-              </a:defRPr>
-            </a:lvl4pPr>
-            <a:lvl5pPr marL="1828800" algn="l" defTabSz="914400" rtl="0" eaLnBrk="1" latinLnBrk="0" hangingPunct="1">
-              <a:defRPr sz="1800" kern="1200">
-                <a:solidFill>
-                  <a:schemeClr val="tx1"/>
-                </a:solidFill>
-                <a:latin typeface="+mn-lt"/>
-                <a:ea typeface="+mn-ea"/>
-                <a:cs typeface="+mn-cs"/>
-              </a:defRPr>
-            </a:lvl5pPr>
-            <a:lvl6pPr marL="2286000" algn="l" defTabSz="914400" rtl="0" eaLnBrk="1" latinLnBrk="0" hangingPunct="1">
-              <a:defRPr sz="1800" kern="1200">
-                <a:solidFill>
-                  <a:schemeClr val="tx1"/>
-                </a:solidFill>
-                <a:latin typeface="+mn-lt"/>
-                <a:ea typeface="+mn-ea"/>
-                <a:cs typeface="+mn-cs"/>
-              </a:defRPr>
-            </a:lvl6pPr>
-            <a:lvl7pPr marL="2743200" algn="l" defTabSz="914400" rtl="0" eaLnBrk="1" latinLnBrk="0" hangingPunct="1">
-              <a:defRPr sz="1800" kern="1200">
-                <a:solidFill>
-                  <a:schemeClr val="tx1"/>
-                </a:solidFill>
-                <a:latin typeface="+mn-lt"/>
-                <a:ea typeface="+mn-ea"/>
-                <a:cs typeface="+mn-cs"/>
-              </a:defRPr>
-            </a:lvl7pPr>
-            <a:lvl8pPr marL="3200400" algn="l" defTabSz="914400" rtl="0" eaLnBrk="1" latinLnBrk="0" hangingPunct="1">
-              <a:defRPr sz="1800" kern="1200">
-                <a:solidFill>
-                  <a:schemeClr val="tx1"/>
-                </a:solidFill>
-                <a:latin typeface="+mn-lt"/>
-                <a:ea typeface="+mn-ea"/>
-                <a:cs typeface="+mn-cs"/>
-              </a:defRPr>
-            </a:lvl8pPr>
-            <a:lvl9pPr marL="3657600" algn="l" defTabSz="914400" rtl="0" eaLnBrk="1" latinLnBrk="0" hangingPunct="1">
-              <a:defRPr sz="1800" kern="1200">
-                <a:solidFill>
-                  <a:schemeClr val="tx1"/>
-                </a:solidFill>
-                <a:latin typeface="+mn-lt"/>
-                <a:ea typeface="+mn-ea"/>
-                <a:cs typeface="+mn-cs"/>
-              </a:defRPr>
-            </a:lvl9pPr>
-          </a:lstStyle>
-          <a:p>
-            <a:r>
-              <a:rPr lang="en-GB" sz="2000" dirty="0">
-                <a:solidFill>
-                  <a:schemeClr val="tx1"/>
-                </a:solidFill>
-                <a:latin typeface="Arial Nova Cond" panose="020B0506020202020204" pitchFamily="34" charset="0"/>
-              </a:rPr>
-              <a:t>8</a:t>
-            </a:r>
-            <a:endParaRPr lang="el-GR" sz="2000" dirty="0">
-              <a:solidFill>
-                <a:schemeClr val="tx1"/>
+                <a:schemeClr val="bg1"/>
               </a:solidFill>
               <a:latin typeface="Arial Nova Cond" panose="020B0506020202020204" pitchFamily="34" charset="0"/>
             </a:endParaRPr>
@@ -7472,108 +10377,58 @@
 </file>
 
 <file path=ppt/theme/theme1.xml><?xml version="1.0" encoding="utf-8"?>
-<a:theme xmlns:a="http://schemas.openxmlformats.org/drawingml/2006/main" name="Θέμα του Office">
+<a:theme xmlns:a="http://schemas.openxmlformats.org/drawingml/2006/main" name="Δέμα">
   <a:themeElements>
-    <a:clrScheme name="Office">
+    <a:clrScheme name="Δέμα">
       <a:dk1>
-        <a:sysClr val="windowText" lastClr="000000"/>
+        <a:srgbClr val="000000"/>
       </a:dk1>
       <a:lt1>
-        <a:sysClr val="window" lastClr="FFFFFF"/>
+        <a:srgbClr val="FFFFFF"/>
       </a:lt1>
       <a:dk2>
-        <a:srgbClr val="44546A"/>
+        <a:srgbClr val="4A5356"/>
       </a:dk2>
       <a:lt2>
-        <a:srgbClr val="E7E6E6"/>
+        <a:srgbClr val="E8E3CE"/>
       </a:lt2>
       <a:accent1>
-        <a:srgbClr val="4472C4"/>
+        <a:srgbClr val="F6A21D"/>
       </a:accent1>
       <a:accent2>
-        <a:srgbClr val="ED7D31"/>
+        <a:srgbClr val="9BAFB5"/>
       </a:accent2>
       <a:accent3>
-        <a:srgbClr val="A5A5A5"/>
+        <a:srgbClr val="C96731"/>
       </a:accent3>
       <a:accent4>
-        <a:srgbClr val="FFC000"/>
+        <a:srgbClr val="9CA383"/>
       </a:accent4>
       <a:accent5>
-        <a:srgbClr val="5B9BD5"/>
+        <a:srgbClr val="87795D"/>
       </a:accent5>
       <a:accent6>
-        <a:srgbClr val="70AD47"/>
+        <a:srgbClr val="A0988C"/>
       </a:accent6>
       <a:hlink>
-        <a:srgbClr val="0563C1"/>
+        <a:srgbClr val="00B0F0"/>
       </a:hlink>
       <a:folHlink>
-        <a:srgbClr val="954F72"/>
+        <a:srgbClr val="738F97"/>
       </a:folHlink>
     </a:clrScheme>
-    <a:fontScheme name="Office">
+    <a:fontScheme name="Δέμα">
       <a:majorFont>
-        <a:latin typeface="Calibri Light" panose="020F0302020204030204"/>
+        <a:latin typeface="Gill Sans MT" panose="020B0502020104020203"/>
         <a:ea typeface=""/>
         <a:cs typeface=""/>
-        <a:font script="Jpan" typeface="游ゴシック Light"/>
-        <a:font script="Hang" typeface="맑은 고딕"/>
-        <a:font script="Hans" typeface="等线 Light"/>
-        <a:font script="Hant" typeface="新細明體"/>
-        <a:font script="Arab" typeface="Times New Roman"/>
-        <a:font script="Hebr" typeface="Times New Roman"/>
-        <a:font script="Thai" typeface="Angsana New"/>
-        <a:font script="Ethi" typeface="Nyala"/>
-        <a:font script="Beng" typeface="Vrinda"/>
-        <a:font script="Gujr" typeface="Shruti"/>
-        <a:font script="Khmr" typeface="MoolBoran"/>
-        <a:font script="Knda" typeface="Tunga"/>
-        <a:font script="Guru" typeface="Raavi"/>
-        <a:font script="Cans" typeface="Euphemia"/>
-        <a:font script="Cher" typeface="Plantagenet Cherokee"/>
-        <a:font script="Yiii" typeface="Microsoft Yi Baiti"/>
-        <a:font script="Tibt" typeface="Microsoft Himalaya"/>
-        <a:font script="Thaa" typeface="MV Boli"/>
-        <a:font script="Deva" typeface="Mangal"/>
-        <a:font script="Telu" typeface="Gautami"/>
-        <a:font script="Taml" typeface="Latha"/>
-        <a:font script="Syrc" typeface="Estrangelo Edessa"/>
-        <a:font script="Orya" typeface="Kalinga"/>
-        <a:font script="Mlym" typeface="Kartika"/>
-        <a:font script="Laoo" typeface="DokChampa"/>
-        <a:font script="Sinh" typeface="Iskoola Pota"/>
-        <a:font script="Mong" typeface="Mongolian Baiti"/>
-        <a:font script="Viet" typeface="Times New Roman"/>
-        <a:font script="Uigh" typeface="Microsoft Uighur"/>
-        <a:font script="Geor" typeface="Sylfaen"/>
-        <a:font script="Armn" typeface="Arial"/>
-        <a:font script="Bugi" typeface="Leelawadee UI"/>
-        <a:font script="Bopo" typeface="Microsoft JhengHei"/>
-        <a:font script="Java" typeface="Javanese Text"/>
-        <a:font script="Lisu" typeface="Segoe UI"/>
-        <a:font script="Mymr" typeface="Myanmar Text"/>
-        <a:font script="Nkoo" typeface="Ebrima"/>
-        <a:font script="Olck" typeface="Nirmala UI"/>
-        <a:font script="Osma" typeface="Ebrima"/>
-        <a:font script="Phag" typeface="Phagspa"/>
-        <a:font script="Syrn" typeface="Estrangelo Edessa"/>
-        <a:font script="Syrj" typeface="Estrangelo Edessa"/>
-        <a:font script="Syre" typeface="Estrangelo Edessa"/>
-        <a:font script="Sora" typeface="Nirmala UI"/>
-        <a:font script="Tale" typeface="Microsoft Tai Le"/>
-        <a:font script="Talu" typeface="Microsoft New Tai Lue"/>
-        <a:font script="Tfng" typeface="Ebrima"/>
-      </a:majorFont>
-      <a:minorFont>
-        <a:latin typeface="Calibri" panose="020F0502020204030204"/>
-        <a:ea typeface=""/>
-        <a:cs typeface=""/>
-        <a:font script="Jpan" typeface="游ゴシック"/>
-        <a:font script="Hang" typeface="맑은 고딕"/>
-        <a:font script="Hans" typeface="等线"/>
-        <a:font script="Hant" typeface="新細明體"/>
-        <a:font script="Arab" typeface="Arial"/>
+        <a:font script="Grek" typeface="Corbel"/>
+        <a:font script="Cyrl" typeface="Corbel"/>
+        <a:font script="Jpan" typeface="HGｺﾞｼｯｸE"/>
+        <a:font script="Hang" typeface="휴먼매직체"/>
+        <a:font script="Hans" typeface="华文中宋"/>
+        <a:font script="Hant" typeface="微軟正黑體"/>
+        <a:font script="Arab" typeface="Majalla UI"/>
         <a:font script="Hebr" typeface="Arial"/>
         <a:font script="Thai" typeface="Cordia New"/>
         <a:font script="Ethi" typeface="Nyala"/>
@@ -7596,29 +10451,49 @@
         <a:font script="Laoo" typeface="DokChampa"/>
         <a:font script="Sinh" typeface="Iskoola Pota"/>
         <a:font script="Mong" typeface="Mongolian Baiti"/>
-        <a:font script="Viet" typeface="Arial"/>
+        <a:font script="Viet" typeface="Tahoma"/>
         <a:font script="Uigh" typeface="Microsoft Uighur"/>
         <a:font script="Geor" typeface="Sylfaen"/>
-        <a:font script="Armn" typeface="Arial"/>
-        <a:font script="Bugi" typeface="Leelawadee UI"/>
-        <a:font script="Bopo" typeface="Microsoft JhengHei"/>
-        <a:font script="Java" typeface="Javanese Text"/>
-        <a:font script="Lisu" typeface="Segoe UI"/>
-        <a:font script="Mymr" typeface="Myanmar Text"/>
-        <a:font script="Nkoo" typeface="Ebrima"/>
-        <a:font script="Olck" typeface="Nirmala UI"/>
-        <a:font script="Osma" typeface="Ebrima"/>
-        <a:font script="Phag" typeface="Phagspa"/>
-        <a:font script="Syrn" typeface="Estrangelo Edessa"/>
-        <a:font script="Syrj" typeface="Estrangelo Edessa"/>
-        <a:font script="Syre" typeface="Estrangelo Edessa"/>
-        <a:font script="Sora" typeface="Nirmala UI"/>
-        <a:font script="Tale" typeface="Microsoft Tai Le"/>
-        <a:font script="Talu" typeface="Microsoft New Tai Lue"/>
-        <a:font script="Tfng" typeface="Ebrima"/>
+      </a:majorFont>
+      <a:minorFont>
+        <a:latin typeface="Gill Sans MT" panose="020B0502020104020203"/>
+        <a:ea typeface=""/>
+        <a:cs typeface=""/>
+        <a:font script="Grek" typeface="Corbel"/>
+        <a:font script="Cyrl" typeface="Corbel"/>
+        <a:font script="Jpan" typeface="HGｺﾞｼｯｸE"/>
+        <a:font script="Hang" typeface="휴먼매직체"/>
+        <a:font script="Hans" typeface="华文中宋"/>
+        <a:font script="Hant" typeface="微軟正黑體"/>
+        <a:font script="Arab" typeface="Majalla UI"/>
+        <a:font script="Hebr" typeface="Arial"/>
+        <a:font script="Thai" typeface="Cordia New"/>
+        <a:font script="Ethi" typeface="Nyala"/>
+        <a:font script="Beng" typeface="Vrinda"/>
+        <a:font script="Gujr" typeface="Shruti"/>
+        <a:font script="Khmr" typeface="DaunPenh"/>
+        <a:font script="Knda" typeface="Tunga"/>
+        <a:font script="Guru" typeface="Raavi"/>
+        <a:font script="Cans" typeface="Euphemia"/>
+        <a:font script="Cher" typeface="Plantagenet Cherokee"/>
+        <a:font script="Yiii" typeface="Microsoft Yi Baiti"/>
+        <a:font script="Tibt" typeface="Microsoft Himalaya"/>
+        <a:font script="Thaa" typeface="MV Boli"/>
+        <a:font script="Deva" typeface="Mangal"/>
+        <a:font script="Telu" typeface="Gautami"/>
+        <a:font script="Taml" typeface="Latha"/>
+        <a:font script="Syrc" typeface="Estrangelo Edessa"/>
+        <a:font script="Orya" typeface="Kalinga"/>
+        <a:font script="Mlym" typeface="Kartika"/>
+        <a:font script="Laoo" typeface="DokChampa"/>
+        <a:font script="Sinh" typeface="Iskoola Pota"/>
+        <a:font script="Mong" typeface="Mongolian Baiti"/>
+        <a:font script="Viet" typeface="Tahoma"/>
+        <a:font script="Uigh" typeface="Microsoft Uighur"/>
+        <a:font script="Geor" typeface="Sylfaen"/>
       </a:minorFont>
     </a:fontScheme>
-    <a:fmtScheme name="Office">
+    <a:fmtScheme name="Δέμα">
       <a:fillStyleLst>
         <a:solidFill>
           <a:schemeClr val="phClr"/>
@@ -7627,23 +10502,16 @@
           <a:gsLst>
             <a:gs pos="0">
               <a:schemeClr val="phClr">
-                <a:lumMod val="110000"/>
-                <a:satMod val="105000"/>
-                <a:tint val="67000"/>
-              </a:schemeClr>
-            </a:gs>
-            <a:gs pos="50000">
-              <a:schemeClr val="phClr">
-                <a:lumMod val="105000"/>
-                <a:satMod val="103000"/>
-                <a:tint val="73000"/>
+                <a:tint val="80000"/>
+                <a:satMod val="107000"/>
+                <a:lumMod val="103000"/>
               </a:schemeClr>
             </a:gs>
             <a:gs pos="100000">
               <a:schemeClr val="phClr">
-                <a:lumMod val="105000"/>
+                <a:tint val="82000"/>
                 <a:satMod val="109000"/>
-                <a:tint val="81000"/>
+                <a:lumMod val="103000"/>
               </a:schemeClr>
             </a:gs>
           </a:gsLst>
@@ -7653,23 +10521,23 @@
           <a:gsLst>
             <a:gs pos="0">
               <a:schemeClr val="phClr">
-                <a:satMod val="103000"/>
+                <a:tint val="97000"/>
+                <a:satMod val="100000"/>
                 <a:lumMod val="102000"/>
-                <a:tint val="94000"/>
               </a:schemeClr>
             </a:gs>
             <a:gs pos="50000">
               <a:schemeClr val="phClr">
-                <a:satMod val="110000"/>
+                <a:shade val="100000"/>
+                <a:satMod val="103000"/>
                 <a:lumMod val="100000"/>
-                <a:shade val="100000"/>
               </a:schemeClr>
             </a:gs>
             <a:gs pos="100000">
               <a:schemeClr val="phClr">
+                <a:shade val="93000"/>
+                <a:satMod val="110000"/>
                 <a:lumMod val="99000"/>
-                <a:satMod val="120000"/>
-                <a:shade val="78000"/>
               </a:schemeClr>
             </a:gs>
           </a:gsLst>
@@ -7682,21 +10550,18 @@
             <a:schemeClr val="phClr"/>
           </a:solidFill>
           <a:prstDash val="solid"/>
-          <a:miter lim="800000"/>
         </a:ln>
         <a:ln w="12700" cap="flat" cmpd="sng" algn="ctr">
           <a:solidFill>
             <a:schemeClr val="phClr"/>
           </a:solidFill>
           <a:prstDash val="solid"/>
-          <a:miter lim="800000"/>
         </a:ln>
-        <a:ln w="19050" cap="flat" cmpd="sng" algn="ctr">
+        <a:ln w="31750" cap="flat" cmpd="sng" algn="ctr">
           <a:solidFill>
             <a:schemeClr val="phClr"/>
           </a:solidFill>
           <a:prstDash val="solid"/>
-          <a:miter lim="800000"/>
         </a:ln>
       </a:lnStyleLst>
       <a:effectStyleLst>
@@ -7708,12 +10573,21 @@
         </a:effectStyle>
         <a:effectStyle>
           <a:effectLst>
-            <a:outerShdw blurRad="57150" dist="19050" dir="5400000" algn="ctr" rotWithShape="0">
+            <a:outerShdw blurRad="55880" dist="15240" dir="5400000" algn="ctr" rotWithShape="0">
               <a:srgbClr val="000000">
-                <a:alpha val="63000"/>
+                <a:alpha val="45000"/>
               </a:srgbClr>
             </a:outerShdw>
           </a:effectLst>
+          <a:scene3d>
+            <a:camera prst="orthographicFront">
+              <a:rot lat="0" lon="0" rev="0"/>
+            </a:camera>
+            <a:lightRig rig="brightRoom" dir="tl"/>
+          </a:scene3d>
+          <a:sp3d prstMaterial="dkEdge">
+            <a:bevelT w="0" h="0"/>
+          </a:sp3d>
         </a:effectStyle>
       </a:effectStyleLst>
       <a:bgFillStyleLst>
@@ -7730,28 +10604,24 @@
           <a:gsLst>
             <a:gs pos="0">
               <a:schemeClr val="phClr">
-                <a:tint val="93000"/>
-                <a:satMod val="150000"/>
-                <a:shade val="98000"/>
-                <a:lumMod val="102000"/>
-              </a:schemeClr>
-            </a:gs>
-            <a:gs pos="50000">
-              <a:schemeClr val="phClr">
-                <a:tint val="98000"/>
-                <a:satMod val="130000"/>
-                <a:shade val="90000"/>
-                <a:lumMod val="103000"/>
+                <a:tint val="97000"/>
+                <a:shade val="100000"/>
+                <a:satMod val="185000"/>
+                <a:lumMod val="120000"/>
               </a:schemeClr>
             </a:gs>
             <a:gs pos="100000">
               <a:schemeClr val="phClr">
-                <a:shade val="63000"/>
-                <a:satMod val="120000"/>
+                <a:tint val="96000"/>
+                <a:shade val="95000"/>
+                <a:satMod val="215000"/>
+                <a:lumMod val="80000"/>
               </a:schemeClr>
             </a:gs>
           </a:gsLst>
-          <a:lin ang="5400000" scaled="0"/>
+          <a:path path="circle">
+            <a:fillToRect l="50000" t="55000" r="125000" b="100000"/>
+          </a:path>
         </a:gradFill>
       </a:bgFillStyleLst>
     </a:fmtScheme>
@@ -7760,7 +10630,7 @@
   <a:extraClrSchemeLst/>
   <a:extLst>
     <a:ext uri="{05A4C25C-085E-4340-85A3-A5531E510DB2}">
-      <thm15:themeFamily xmlns:thm15="http://schemas.microsoft.com/office/thememl/2012/main" name="Office Theme" id="{62F939B6-93AF-4DB8-9C6B-D6C7DFDC589F}" vid="{4A3C46E8-61CC-4603-A589-7422A47A8E4A}"/>
+      <thm15:themeFamily xmlns:thm15="http://schemas.microsoft.com/office/thememl/2012/main" name="Parcel" id="{8BEC4385-4EB9-4D53-BFB5-0EA123736B6D}" vid="{4DB32801-28C0-48B0-8C1D-A9A58613615A}"/>
     </a:ext>
   </a:extLst>
 </a:theme>
